--- a/docs/prezentacja-obrona.pptx
+++ b/docs/prezentacja-obrona.pptx
@@ -5,19 +5,26 @@
     <p:sldMasterId id="2147483648" r:id="rId1"/>
   </p:sldMasterIdLst>
   <p:notesMasterIdLst>
-    <p:notesMasterId r:id="rId12"/>
+    <p:notesMasterId r:id="rId19"/>
   </p:notesMasterIdLst>
   <p:sldIdLst>
     <p:sldId id="256" r:id="rId2"/>
     <p:sldId id="257" r:id="rId3"/>
     <p:sldId id="284" r:id="rId4"/>
-    <p:sldId id="292" r:id="rId5"/>
-    <p:sldId id="289" r:id="rId6"/>
-    <p:sldId id="288" r:id="rId7"/>
-    <p:sldId id="290" r:id="rId8"/>
-    <p:sldId id="293" r:id="rId9"/>
-    <p:sldId id="294" r:id="rId10"/>
-    <p:sldId id="280" r:id="rId11"/>
+    <p:sldId id="289" r:id="rId5"/>
+    <p:sldId id="300" r:id="rId6"/>
+    <p:sldId id="297" r:id="rId7"/>
+    <p:sldId id="298" r:id="rId8"/>
+    <p:sldId id="292" r:id="rId9"/>
+    <p:sldId id="299" r:id="rId10"/>
+    <p:sldId id="288" r:id="rId11"/>
+    <p:sldId id="290" r:id="rId12"/>
+    <p:sldId id="304" r:id="rId13"/>
+    <p:sldId id="305" r:id="rId14"/>
+    <p:sldId id="306" r:id="rId15"/>
+    <p:sldId id="296" r:id="rId16"/>
+    <p:sldId id="303" r:id="rId17"/>
+    <p:sldId id="280" r:id="rId18"/>
   </p:sldIdLst>
   <p:sldSz cx="12192000" cy="6858000"/>
   <p:notesSz cx="6858000" cy="9144000"/>
@@ -206,7 +213,7 @@
           <a:p>
             <a:fld id="{0077833A-F97A-4342-85D4-27030B3D134F}" type="datetimeFigureOut">
               <a:rPr lang="pl-PL" smtClean="0"/>
-              <a:t>08.09.2019</a:t>
+              <a:t>09.09.2019</a:t>
             </a:fld>
             <a:endParaRPr lang="pl-PL"/>
           </a:p>
@@ -557,6 +564,181 @@
 </p:notes>
 </file>
 
+<file path=ppt/notesSlides/notesSlide10.xml><?xml version="1.0" encoding="utf-8"?>
+<p:notes xmlns:a="http://schemas.openxmlformats.org/drawingml/2006/main" xmlns:r="http://schemas.openxmlformats.org/officeDocument/2006/relationships" xmlns:p="http://schemas.openxmlformats.org/presentationml/2006/main">
+  <p:cSld>
+    <p:spTree>
+      <p:nvGrpSpPr>
+        <p:cNvPr id="1" name=""/>
+        <p:cNvGrpSpPr/>
+        <p:nvPr/>
+      </p:nvGrpSpPr>
+      <p:grpSpPr>
+        <a:xfrm>
+          <a:off x="0" y="0"/>
+          <a:ext cx="0" cy="0"/>
+          <a:chOff x="0" y="0"/>
+          <a:chExt cx="0" cy="0"/>
+        </a:xfrm>
+      </p:grpSpPr>
+    </p:spTree>
+  </p:cSld>
+  <p:clrMapOvr>
+    <a:masterClrMapping/>
+  </p:clrMapOvr>
+</p:notes>
+</file>
+
+<file path=ppt/notesSlides/notesSlide11.xml><?xml version="1.0" encoding="utf-8"?>
+<p:notes xmlns:a="http://schemas.openxmlformats.org/drawingml/2006/main" xmlns:r="http://schemas.openxmlformats.org/officeDocument/2006/relationships" xmlns:p="http://schemas.openxmlformats.org/presentationml/2006/main">
+  <p:cSld>
+    <p:spTree>
+      <p:nvGrpSpPr>
+        <p:cNvPr id="1" name=""/>
+        <p:cNvGrpSpPr/>
+        <p:nvPr/>
+      </p:nvGrpSpPr>
+      <p:grpSpPr>
+        <a:xfrm>
+          <a:off x="0" y="0"/>
+          <a:ext cx="0" cy="0"/>
+          <a:chOff x="0" y="0"/>
+          <a:chExt cx="0" cy="0"/>
+        </a:xfrm>
+      </p:grpSpPr>
+    </p:spTree>
+    <p:extLst>
+      <p:ext uri="{BB962C8B-B14F-4D97-AF65-F5344CB8AC3E}">
+        <p14:creationId xmlns:p14="http://schemas.microsoft.com/office/powerpoint/2010/main" val="3011948366"/>
+      </p:ext>
+    </p:extLst>
+  </p:cSld>
+  <p:clrMapOvr>
+    <a:masterClrMapping/>
+  </p:clrMapOvr>
+</p:notes>
+</file>
+
+<file path=ppt/notesSlides/notesSlide12.xml><?xml version="1.0" encoding="utf-8"?>
+<p:notes xmlns:a="http://schemas.openxmlformats.org/drawingml/2006/main" xmlns:r="http://schemas.openxmlformats.org/officeDocument/2006/relationships" xmlns:p="http://schemas.openxmlformats.org/presentationml/2006/main">
+  <p:cSld>
+    <p:spTree>
+      <p:nvGrpSpPr>
+        <p:cNvPr id="1" name=""/>
+        <p:cNvGrpSpPr/>
+        <p:nvPr/>
+      </p:nvGrpSpPr>
+      <p:grpSpPr>
+        <a:xfrm>
+          <a:off x="0" y="0"/>
+          <a:ext cx="0" cy="0"/>
+          <a:chOff x="0" y="0"/>
+          <a:chExt cx="0" cy="0"/>
+        </a:xfrm>
+      </p:grpSpPr>
+    </p:spTree>
+    <p:extLst>
+      <p:ext uri="{BB962C8B-B14F-4D97-AF65-F5344CB8AC3E}">
+        <p14:creationId xmlns:p14="http://schemas.microsoft.com/office/powerpoint/2010/main" val="50462004"/>
+      </p:ext>
+    </p:extLst>
+  </p:cSld>
+  <p:clrMapOvr>
+    <a:masterClrMapping/>
+  </p:clrMapOvr>
+</p:notes>
+</file>
+
+<file path=ppt/notesSlides/notesSlide13.xml><?xml version="1.0" encoding="utf-8"?>
+<p:notes xmlns:a="http://schemas.openxmlformats.org/drawingml/2006/main" xmlns:r="http://schemas.openxmlformats.org/officeDocument/2006/relationships" xmlns:p="http://schemas.openxmlformats.org/presentationml/2006/main">
+  <p:cSld>
+    <p:spTree>
+      <p:nvGrpSpPr>
+        <p:cNvPr id="1" name=""/>
+        <p:cNvGrpSpPr/>
+        <p:nvPr/>
+      </p:nvGrpSpPr>
+      <p:grpSpPr>
+        <a:xfrm>
+          <a:off x="0" y="0"/>
+          <a:ext cx="0" cy="0"/>
+          <a:chOff x="0" y="0"/>
+          <a:chExt cx="0" cy="0"/>
+        </a:xfrm>
+      </p:grpSpPr>
+    </p:spTree>
+    <p:extLst>
+      <p:ext uri="{BB962C8B-B14F-4D97-AF65-F5344CB8AC3E}">
+        <p14:creationId xmlns:p14="http://schemas.microsoft.com/office/powerpoint/2010/main" val="1353478541"/>
+      </p:ext>
+    </p:extLst>
+  </p:cSld>
+  <p:clrMapOvr>
+    <a:masterClrMapping/>
+  </p:clrMapOvr>
+</p:notes>
+</file>
+
+<file path=ppt/notesSlides/notesSlide14.xml><?xml version="1.0" encoding="utf-8"?>
+<p:notes xmlns:a="http://schemas.openxmlformats.org/drawingml/2006/main" xmlns:r="http://schemas.openxmlformats.org/officeDocument/2006/relationships" xmlns:p="http://schemas.openxmlformats.org/presentationml/2006/main">
+  <p:cSld>
+    <p:spTree>
+      <p:nvGrpSpPr>
+        <p:cNvPr id="1" name=""/>
+        <p:cNvGrpSpPr/>
+        <p:nvPr/>
+      </p:nvGrpSpPr>
+      <p:grpSpPr>
+        <a:xfrm>
+          <a:off x="0" y="0"/>
+          <a:ext cx="0" cy="0"/>
+          <a:chOff x="0" y="0"/>
+          <a:chExt cx="0" cy="0"/>
+        </a:xfrm>
+      </p:grpSpPr>
+    </p:spTree>
+    <p:extLst>
+      <p:ext uri="{BB962C8B-B14F-4D97-AF65-F5344CB8AC3E}">
+        <p14:creationId xmlns:p14="http://schemas.microsoft.com/office/powerpoint/2010/main" val="3309891380"/>
+      </p:ext>
+    </p:extLst>
+  </p:cSld>
+  <p:clrMapOvr>
+    <a:masterClrMapping/>
+  </p:clrMapOvr>
+</p:notes>
+</file>
+
+<file path=ppt/notesSlides/notesSlide15.xml><?xml version="1.0" encoding="utf-8"?>
+<p:notes xmlns:a="http://schemas.openxmlformats.org/drawingml/2006/main" xmlns:r="http://schemas.openxmlformats.org/officeDocument/2006/relationships" xmlns:p="http://schemas.openxmlformats.org/presentationml/2006/main">
+  <p:cSld>
+    <p:spTree>
+      <p:nvGrpSpPr>
+        <p:cNvPr id="1" name=""/>
+        <p:cNvGrpSpPr/>
+        <p:nvPr/>
+      </p:nvGrpSpPr>
+      <p:grpSpPr>
+        <a:xfrm>
+          <a:off x="0" y="0"/>
+          <a:ext cx="0" cy="0"/>
+          <a:chOff x="0" y="0"/>
+          <a:chExt cx="0" cy="0"/>
+        </a:xfrm>
+      </p:grpSpPr>
+    </p:spTree>
+    <p:extLst>
+      <p:ext uri="{BB962C8B-B14F-4D97-AF65-F5344CB8AC3E}">
+        <p14:creationId xmlns:p14="http://schemas.microsoft.com/office/powerpoint/2010/main" val="613245613"/>
+      </p:ext>
+    </p:extLst>
+  </p:cSld>
+  <p:clrMapOvr>
+    <a:masterClrMapping/>
+  </p:clrMapOvr>
+</p:notes>
+</file>
+
 <file path=ppt/notesSlides/notesSlide2.xml><?xml version="1.0" encoding="utf-8"?>
 <p:notes xmlns:a="http://schemas.openxmlformats.org/drawingml/2006/main" xmlns:r="http://schemas.openxmlformats.org/officeDocument/2006/relationships" xmlns:p="http://schemas.openxmlformats.org/presentationml/2006/main">
   <p:cSld>
@@ -625,6 +807,11 @@
         </a:xfrm>
       </p:grpSpPr>
     </p:spTree>
+    <p:extLst>
+      <p:ext uri="{BB962C8B-B14F-4D97-AF65-F5344CB8AC3E}">
+        <p14:creationId xmlns:p14="http://schemas.microsoft.com/office/powerpoint/2010/main" val="1670985318"/>
+      </p:ext>
+    </p:extLst>
   </p:cSld>
   <p:clrMapOvr>
     <a:masterClrMapping/>
@@ -650,6 +837,11 @@
         </a:xfrm>
       </p:grpSpPr>
     </p:spTree>
+    <p:extLst>
+      <p:ext uri="{BB962C8B-B14F-4D97-AF65-F5344CB8AC3E}">
+        <p14:creationId xmlns:p14="http://schemas.microsoft.com/office/powerpoint/2010/main" val="4041071895"/>
+      </p:ext>
+    </p:extLst>
   </p:cSld>
   <p:clrMapOvr>
     <a:masterClrMapping/>
@@ -675,6 +867,11 @@
         </a:xfrm>
       </p:grpSpPr>
     </p:spTree>
+    <p:extLst>
+      <p:ext uri="{BB962C8B-B14F-4D97-AF65-F5344CB8AC3E}">
+        <p14:creationId xmlns:p14="http://schemas.microsoft.com/office/powerpoint/2010/main" val="4114307124"/>
+      </p:ext>
+    </p:extLst>
   </p:cSld>
   <p:clrMapOvr>
     <a:masterClrMapping/>
@@ -727,9 +924,34 @@
     </p:spTree>
     <p:extLst>
       <p:ext uri="{BB962C8B-B14F-4D97-AF65-F5344CB8AC3E}">
-        <p14:creationId xmlns:p14="http://schemas.microsoft.com/office/powerpoint/2010/main" val="921483885"/>
+        <p14:creationId xmlns:p14="http://schemas.microsoft.com/office/powerpoint/2010/main" val="2622166994"/>
       </p:ext>
     </p:extLst>
+  </p:cSld>
+  <p:clrMapOvr>
+    <a:masterClrMapping/>
+  </p:clrMapOvr>
+</p:notes>
+</file>
+
+<file path=ppt/notesSlides/notesSlide9.xml><?xml version="1.0" encoding="utf-8"?>
+<p:notes xmlns:a="http://schemas.openxmlformats.org/drawingml/2006/main" xmlns:r="http://schemas.openxmlformats.org/officeDocument/2006/relationships" xmlns:p="http://schemas.openxmlformats.org/presentationml/2006/main">
+  <p:cSld>
+    <p:spTree>
+      <p:nvGrpSpPr>
+        <p:cNvPr id="1" name=""/>
+        <p:cNvGrpSpPr/>
+        <p:nvPr/>
+      </p:nvGrpSpPr>
+      <p:grpSpPr>
+        <a:xfrm>
+          <a:off x="0" y="0"/>
+          <a:ext cx="0" cy="0"/>
+          <a:chOff x="0" y="0"/>
+          <a:chExt cx="0" cy="0"/>
+        </a:xfrm>
+      </p:grpSpPr>
+    </p:spTree>
   </p:cSld>
   <p:clrMapOvr>
     <a:masterClrMapping/>
@@ -866,7 +1088,7 @@
           <a:p>
             <a:fld id="{8AAAF063-69EB-C644-8AB1-E5803C20EBE3}" type="datetime1">
               <a:rPr lang="pl-PL" smtClean="0"/>
-              <a:t>08.09.2019</a:t>
+              <a:t>09.09.2019</a:t>
             </a:fld>
             <a:endParaRPr lang="pl-PL"/>
           </a:p>
@@ -1034,7 +1256,7 @@
           <a:p>
             <a:fld id="{C7DA91AA-904B-014A-B53D-48D760046CF3}" type="datetime1">
               <a:rPr lang="pl-PL" smtClean="0"/>
-              <a:t>08.09.2019</a:t>
+              <a:t>09.09.2019</a:t>
             </a:fld>
             <a:endParaRPr lang="pl-PL"/>
           </a:p>
@@ -1212,7 +1434,7 @@
           <a:p>
             <a:fld id="{F0B9475C-013D-324C-B76E-2FAE353993EB}" type="datetime1">
               <a:rPr lang="pl-PL" smtClean="0"/>
-              <a:t>08.09.2019</a:t>
+              <a:t>09.09.2019</a:t>
             </a:fld>
             <a:endParaRPr lang="pl-PL"/>
           </a:p>
@@ -1380,7 +1602,7 @@
           <a:p>
             <a:fld id="{1AB0E185-5223-A043-AFB5-0E6296B0D09D}" type="datetime1">
               <a:rPr lang="pl-PL" smtClean="0"/>
-              <a:t>08.09.2019</a:t>
+              <a:t>09.09.2019</a:t>
             </a:fld>
             <a:endParaRPr lang="pl-PL"/>
           </a:p>
@@ -1625,7 +1847,7 @@
           <a:p>
             <a:fld id="{90DBE6D5-64EB-F140-8022-7FE4C8839EC4}" type="datetime1">
               <a:rPr lang="pl-PL" smtClean="0"/>
-              <a:t>08.09.2019</a:t>
+              <a:t>09.09.2019</a:t>
             </a:fld>
             <a:endParaRPr lang="pl-PL"/>
           </a:p>
@@ -1854,7 +2076,7 @@
           <a:p>
             <a:fld id="{E5E7FB9E-4599-AE42-B167-0D576E9413BB}" type="datetime1">
               <a:rPr lang="pl-PL" smtClean="0"/>
-              <a:t>08.09.2019</a:t>
+              <a:t>09.09.2019</a:t>
             </a:fld>
             <a:endParaRPr lang="pl-PL"/>
           </a:p>
@@ -2218,7 +2440,7 @@
           <a:p>
             <a:fld id="{742F618D-7D6E-7640-A0D2-A3244D9470F1}" type="datetime1">
               <a:rPr lang="pl-PL" smtClean="0"/>
-              <a:t>08.09.2019</a:t>
+              <a:t>09.09.2019</a:t>
             </a:fld>
             <a:endParaRPr lang="pl-PL"/>
           </a:p>
@@ -2335,7 +2557,7 @@
           <a:p>
             <a:fld id="{F927541C-0379-E841-92A8-520A81A3BF19}" type="datetime1">
               <a:rPr lang="pl-PL" smtClean="0"/>
-              <a:t>08.09.2019</a:t>
+              <a:t>09.09.2019</a:t>
             </a:fld>
             <a:endParaRPr lang="pl-PL"/>
           </a:p>
@@ -2430,7 +2652,7 @@
           <a:p>
             <a:fld id="{9D1C4A31-4D44-934A-B8D3-1ACF96370747}" type="datetime1">
               <a:rPr lang="pl-PL" smtClean="0"/>
-              <a:t>08.09.2019</a:t>
+              <a:t>09.09.2019</a:t>
             </a:fld>
             <a:endParaRPr lang="pl-PL"/>
           </a:p>
@@ -2705,7 +2927,7 @@
           <a:p>
             <a:fld id="{3E929067-29AD-9443-B9ED-60DF7C7F8354}" type="datetime1">
               <a:rPr lang="pl-PL" smtClean="0"/>
-              <a:t>08.09.2019</a:t>
+              <a:t>09.09.2019</a:t>
             </a:fld>
             <a:endParaRPr lang="pl-PL"/>
           </a:p>
@@ -2957,7 +3179,7 @@
           <a:p>
             <a:fld id="{3D167EE6-23CF-C946-AFCC-3993BEF3AF63}" type="datetime1">
               <a:rPr lang="pl-PL" smtClean="0"/>
-              <a:t>08.09.2019</a:t>
+              <a:t>09.09.2019</a:t>
             </a:fld>
             <a:endParaRPr lang="pl-PL"/>
           </a:p>
@@ -3168,7 +3390,7 @@
           <a:p>
             <a:fld id="{C9395B82-AE3D-E340-B351-73296EB7519D}" type="datetime1">
               <a:rPr lang="pl-PL" smtClean="0"/>
-              <a:t>08.09.2019</a:t>
+              <a:t>09.09.2019</a:t>
             </a:fld>
             <a:endParaRPr lang="pl-PL"/>
           </a:p>
@@ -3816,6 +4038,3439 @@
   <p:cSld>
     <p:bg>
       <p:bgPr>
+        <a:solidFill>
+          <a:schemeClr val="bg1"/>
+        </a:solidFill>
+        <a:effectLst/>
+      </p:bgPr>
+    </p:bg>
+    <p:spTree>
+      <p:nvGrpSpPr>
+        <p:cNvPr id="1" name=""/>
+        <p:cNvGrpSpPr/>
+        <p:nvPr/>
+      </p:nvGrpSpPr>
+      <p:grpSpPr>
+        <a:xfrm>
+          <a:off x="0" y="0"/>
+          <a:ext cx="0" cy="0"/>
+          <a:chOff x="0" y="0"/>
+          <a:chExt cx="0" cy="0"/>
+        </a:xfrm>
+      </p:grpSpPr>
+      <p:sp>
+        <p:nvSpPr>
+          <p:cNvPr id="1030" name="Rectangle 136">
+            <a:extLst>
+              <a:ext uri="{FF2B5EF4-FFF2-40B4-BE49-F238E27FC236}">
+                <a16:creationId xmlns:a16="http://schemas.microsoft.com/office/drawing/2014/main" id="{99899462-FC16-43B0-966B-FCA263450716}"/>
+              </a:ext>
+              <a:ext uri="{C183D7F6-B498-43B3-948B-1728B52AA6E4}">
+                <adec:decorative xmlns:adec="http://schemas.microsoft.com/office/drawing/2017/decorative" val="1"/>
+              </a:ext>
+            </a:extLst>
+          </p:cNvPr>
+          <p:cNvSpPr>
+            <a:spLocks noGrp="1" noRot="1" noChangeAspect="1" noMove="1" noResize="1" noEditPoints="1" noAdjustHandles="1" noChangeArrowheads="1" noChangeShapeType="1" noTextEdit="1"/>
+          </p:cNvSpPr>
+          <p:nvPr>
+            <p:extLst>
+              <p:ext uri="{386F3935-93C4-4BCD-93E2-E3B085C9AB24}">
+                <p16:designElem xmlns:p16="http://schemas.microsoft.com/office/powerpoint/2015/main" val="1"/>
+              </p:ext>
+            </p:extLst>
+          </p:nvPr>
+        </p:nvSpPr>
+        <p:spPr bwMode="ltGray">
+          <a:xfrm>
+            <a:off x="4654295" y="478232"/>
+            <a:ext cx="7034121" cy="5918673"/>
+          </a:xfrm>
+          <a:prstGeom prst="rect">
+            <a:avLst/>
+          </a:prstGeom>
+          <a:solidFill>
+            <a:srgbClr val="404040"/>
+          </a:solidFill>
+          <a:ln w="127000" cap="sq" cmpd="thinThick">
+            <a:solidFill>
+              <a:srgbClr val="404040"/>
+            </a:solidFill>
+          </a:ln>
+        </p:spPr>
+        <p:style>
+          <a:lnRef idx="2">
+            <a:schemeClr val="accent1">
+              <a:shade val="50000"/>
+            </a:schemeClr>
+          </a:lnRef>
+          <a:fillRef idx="1">
+            <a:schemeClr val="accent1"/>
+          </a:fillRef>
+          <a:effectRef idx="0">
+            <a:schemeClr val="accent1"/>
+          </a:effectRef>
+          <a:fontRef idx="minor">
+            <a:schemeClr val="lt1"/>
+          </a:fontRef>
+        </p:style>
+        <p:txBody>
+          <a:bodyPr rtlCol="0" anchor="ctr"/>
+          <a:lstStyle/>
+          <a:p>
+            <a:pPr algn="ctr"/>
+            <a:endParaRPr lang="en-US"/>
+          </a:p>
+        </p:txBody>
+      </p:sp>
+      <p:sp>
+        <p:nvSpPr>
+          <p:cNvPr id="3" name="PoleTekstowe 2"/>
+          <p:cNvSpPr txBox="1"/>
+          <p:nvPr/>
+        </p:nvSpPr>
+        <p:spPr>
+          <a:xfrm>
+            <a:off x="5297762" y="1053711"/>
+            <a:ext cx="5638994" cy="1424446"/>
+          </a:xfrm>
+          <a:prstGeom prst="rect">
+            <a:avLst/>
+          </a:prstGeom>
+        </p:spPr>
+        <p:txBody>
+          <a:bodyPr vert="horz" lIns="91440" tIns="45720" rIns="91440" bIns="45720" rtlCol="0" anchor="ctr">
+            <a:normAutofit/>
+          </a:bodyPr>
+          <a:lstStyle/>
+          <a:p>
+            <a:pPr>
+              <a:lnSpc>
+                <a:spcPct val="90000"/>
+              </a:lnSpc>
+              <a:spcBef>
+                <a:spcPct val="0"/>
+              </a:spcBef>
+              <a:spcAft>
+                <a:spcPts val="600"/>
+              </a:spcAft>
+            </a:pPr>
+            <a:r>
+              <a:rPr lang="en-US" sz="4400">
+                <a:solidFill>
+                  <a:srgbClr val="FFFFFF"/>
+                </a:solidFill>
+                <a:latin typeface="+mj-lt"/>
+                <a:ea typeface="+mj-ea"/>
+                <a:cs typeface="+mj-cs"/>
+              </a:rPr>
+              <a:t>Wykorzystane modele</a:t>
+            </a:r>
+            <a:endParaRPr lang="en-US" sz="4400" dirty="0">
+              <a:solidFill>
+                <a:srgbClr val="FFFFFF"/>
+              </a:solidFill>
+              <a:latin typeface="+mj-lt"/>
+              <a:ea typeface="+mj-ea"/>
+              <a:cs typeface="+mj-cs"/>
+            </a:endParaRPr>
+          </a:p>
+        </p:txBody>
+      </p:sp>
+      <p:pic>
+        <p:nvPicPr>
+          <p:cNvPr id="1026" name="Picture 2" descr="Image result for mlp network">
+            <a:extLst>
+              <a:ext uri="{FF2B5EF4-FFF2-40B4-BE49-F238E27FC236}">
+                <a16:creationId xmlns:a16="http://schemas.microsoft.com/office/drawing/2014/main" id="{C04581AB-136E-4FD3-A4CC-334B485C67A8}"/>
+              </a:ext>
+            </a:extLst>
+          </p:cNvPr>
+          <p:cNvPicPr>
+            <a:picLocks noChangeAspect="1" noChangeArrowheads="1"/>
+          </p:cNvPicPr>
+          <p:nvPr/>
+        </p:nvPicPr>
+        <p:blipFill>
+          <a:blip r:embed="rId3">
+            <a:extLst>
+              <a:ext uri="{28A0092B-C50C-407E-A947-70E740481C1C}">
+                <a14:useLocalDpi xmlns:a14="http://schemas.microsoft.com/office/drawing/2010/main" val="0"/>
+              </a:ext>
+            </a:extLst>
+          </a:blip>
+          <a:stretch>
+            <a:fillRect/>
+          </a:stretch>
+        </p:blipFill>
+        <p:spPr bwMode="auto">
+          <a:xfrm>
+            <a:off x="481886" y="608428"/>
+            <a:ext cx="3662730" cy="2529509"/>
+          </a:xfrm>
+          <a:prstGeom prst="rect">
+            <a:avLst/>
+          </a:prstGeom>
+          <a:noFill/>
+          <a:extLst>
+            <a:ext uri="{909E8E84-426E-40DD-AFC4-6F175D3DCCD1}">
+              <a14:hiddenFill xmlns:a14="http://schemas.microsoft.com/office/drawing/2010/main">
+                <a:solidFill>
+                  <a:srgbClr val="FFFFFF"/>
+                </a:solidFill>
+              </a14:hiddenFill>
+            </a:ext>
+          </a:extLst>
+        </p:spPr>
+      </p:pic>
+      <p:cxnSp>
+        <p:nvCxnSpPr>
+          <p:cNvPr id="1031" name="Straight Connector 138">
+            <a:extLst>
+              <a:ext uri="{FF2B5EF4-FFF2-40B4-BE49-F238E27FC236}">
+                <a16:creationId xmlns:a16="http://schemas.microsoft.com/office/drawing/2014/main" id="{AAFEA932-2DF1-410C-A00A-7A1E7DBF7511}"/>
+              </a:ext>
+              <a:ext uri="{C183D7F6-B498-43B3-948B-1728B52AA6E4}">
+                <adec:decorative xmlns:adec="http://schemas.microsoft.com/office/drawing/2017/decorative" val="1"/>
+              </a:ext>
+            </a:extLst>
+          </p:cNvPr>
+          <p:cNvCxnSpPr>
+            <a:cxnSpLocks noGrp="1" noRot="1" noChangeAspect="1" noMove="1" noResize="1" noEditPoints="1" noAdjustHandles="1" noChangeArrowheads="1" noChangeShapeType="1"/>
+          </p:cNvCxnSpPr>
+          <p:nvPr>
+            <p:extLst>
+              <p:ext uri="{386F3935-93C4-4BCD-93E2-E3B085C9AB24}">
+                <p16:designElem xmlns:p16="http://schemas.microsoft.com/office/powerpoint/2015/main" val="1"/>
+              </p:ext>
+            </p:extLst>
+          </p:nvPr>
+        </p:nvCxnSpPr>
+        <p:spPr>
+          <a:xfrm>
+            <a:off x="5430098" y="2639023"/>
+            <a:ext cx="4562441" cy="0"/>
+          </a:xfrm>
+          <a:prstGeom prst="line">
+            <a:avLst/>
+          </a:prstGeom>
+          <a:ln w="22225">
+            <a:solidFill>
+              <a:srgbClr val="E7E6E6"/>
+            </a:solidFill>
+          </a:ln>
+        </p:spPr>
+        <p:style>
+          <a:lnRef idx="1">
+            <a:schemeClr val="accent1"/>
+          </a:lnRef>
+          <a:fillRef idx="0">
+            <a:schemeClr val="accent1"/>
+          </a:fillRef>
+          <a:effectRef idx="0">
+            <a:schemeClr val="accent1"/>
+          </a:effectRef>
+          <a:fontRef idx="minor">
+            <a:schemeClr val="tx1"/>
+          </a:fontRef>
+        </p:style>
+      </p:cxnSp>
+      <p:pic>
+        <p:nvPicPr>
+          <p:cNvPr id="1028" name="Picture 4" descr="Image result for random forest">
+            <a:extLst>
+              <a:ext uri="{FF2B5EF4-FFF2-40B4-BE49-F238E27FC236}">
+                <a16:creationId xmlns:a16="http://schemas.microsoft.com/office/drawing/2014/main" id="{67651187-B666-4814-8007-90933B5978BA}"/>
+              </a:ext>
+            </a:extLst>
+          </p:cNvPr>
+          <p:cNvPicPr>
+            <a:picLocks noChangeAspect="1" noChangeArrowheads="1"/>
+          </p:cNvPicPr>
+          <p:nvPr/>
+        </p:nvPicPr>
+        <p:blipFill>
+          <a:blip r:embed="rId4">
+            <a:extLst>
+              <a:ext uri="{28A0092B-C50C-407E-A947-70E740481C1C}">
+                <a14:useLocalDpi xmlns:a14="http://schemas.microsoft.com/office/drawing/2010/main" val="0"/>
+              </a:ext>
+            </a:extLst>
+          </a:blip>
+          <a:stretch>
+            <a:fillRect/>
+          </a:stretch>
+        </p:blipFill>
+        <p:spPr bwMode="auto">
+          <a:xfrm>
+            <a:off x="481886" y="3765637"/>
+            <a:ext cx="3662730" cy="2437380"/>
+          </a:xfrm>
+          <a:prstGeom prst="rect">
+            <a:avLst/>
+          </a:prstGeom>
+          <a:noFill/>
+          <a:extLst>
+            <a:ext uri="{909E8E84-426E-40DD-AFC4-6F175D3DCCD1}">
+              <a14:hiddenFill xmlns:a14="http://schemas.microsoft.com/office/drawing/2010/main">
+                <a:solidFill>
+                  <a:srgbClr val="FFFFFF"/>
+                </a:solidFill>
+              </a14:hiddenFill>
+            </a:ext>
+          </a:extLst>
+        </p:spPr>
+      </p:pic>
+      <p:sp>
+        <p:nvSpPr>
+          <p:cNvPr id="10" name="pole tekstowe 9">
+            <a:extLst>
+              <a:ext uri="{FF2B5EF4-FFF2-40B4-BE49-F238E27FC236}">
+                <a16:creationId xmlns:a16="http://schemas.microsoft.com/office/drawing/2014/main" id="{18FA92C5-AF5D-4FF7-ADA9-7A0EEA955070}"/>
+              </a:ext>
+            </a:extLst>
+          </p:cNvPr>
+          <p:cNvSpPr txBox="1"/>
+          <p:nvPr/>
+        </p:nvSpPr>
+        <p:spPr>
+          <a:xfrm>
+            <a:off x="5297762" y="2799889"/>
+            <a:ext cx="5747187" cy="2987543"/>
+          </a:xfrm>
+          <a:prstGeom prst="rect">
+            <a:avLst/>
+          </a:prstGeom>
+        </p:spPr>
+        <p:txBody>
+          <a:bodyPr vert="horz" lIns="91440" tIns="45720" rIns="91440" bIns="45720" rtlCol="0" anchor="t">
+            <a:normAutofit/>
+          </a:bodyPr>
+          <a:lstStyle/>
+          <a:p>
+            <a:pPr marL="342900" indent="-228600">
+              <a:lnSpc>
+                <a:spcPct val="90000"/>
+              </a:lnSpc>
+              <a:spcAft>
+                <a:spcPts val="600"/>
+              </a:spcAft>
+              <a:buFont typeface="Arial" panose="020B0604020202020204" pitchFamily="34" charset="0"/>
+              <a:buChar char="•"/>
+            </a:pPr>
+            <a:r>
+              <a:rPr lang="en-US" sz="2400">
+                <a:solidFill>
+                  <a:srgbClr val="FFFFFF"/>
+                </a:solidFill>
+              </a:rPr>
+              <a:t>Sieci neuronowe</a:t>
+            </a:r>
+          </a:p>
+          <a:p>
+            <a:pPr marL="342900" indent="-228600">
+              <a:lnSpc>
+                <a:spcPct val="90000"/>
+              </a:lnSpc>
+              <a:spcAft>
+                <a:spcPts val="600"/>
+              </a:spcAft>
+              <a:buFont typeface="Arial" panose="020B0604020202020204" pitchFamily="34" charset="0"/>
+              <a:buChar char="•"/>
+            </a:pPr>
+            <a:r>
+              <a:rPr lang="en-US" sz="2400">
+                <a:solidFill>
+                  <a:srgbClr val="FFFFFF"/>
+                </a:solidFill>
+              </a:rPr>
+              <a:t>SVM</a:t>
+            </a:r>
+          </a:p>
+          <a:p>
+            <a:pPr marL="342900" indent="-228600">
+              <a:lnSpc>
+                <a:spcPct val="90000"/>
+              </a:lnSpc>
+              <a:spcAft>
+                <a:spcPts val="600"/>
+              </a:spcAft>
+              <a:buFont typeface="Arial" panose="020B0604020202020204" pitchFamily="34" charset="0"/>
+              <a:buChar char="•"/>
+            </a:pPr>
+            <a:r>
+              <a:rPr lang="en-US" sz="2400">
+                <a:solidFill>
+                  <a:srgbClr val="FFFFFF"/>
+                </a:solidFill>
+              </a:rPr>
+              <a:t>Random forest</a:t>
+            </a:r>
+          </a:p>
+          <a:p>
+            <a:pPr marL="342900" indent="-228600">
+              <a:lnSpc>
+                <a:spcPct val="90000"/>
+              </a:lnSpc>
+              <a:spcAft>
+                <a:spcPts val="600"/>
+              </a:spcAft>
+              <a:buFont typeface="Arial" panose="020B0604020202020204" pitchFamily="34" charset="0"/>
+              <a:buChar char="•"/>
+            </a:pPr>
+            <a:r>
+              <a:rPr lang="en-US" sz="2400">
+                <a:solidFill>
+                  <a:srgbClr val="FFFFFF"/>
+                </a:solidFill>
+              </a:rPr>
+              <a:t>Light GBM</a:t>
+            </a:r>
+          </a:p>
+        </p:txBody>
+      </p:sp>
+      <p:sp>
+        <p:nvSpPr>
+          <p:cNvPr id="5" name="Symbol zastępczy numeru slajdu 4"/>
+          <p:cNvSpPr>
+            <a:spLocks noGrp="1"/>
+          </p:cNvSpPr>
+          <p:nvPr>
+            <p:ph type="sldNum" sz="quarter" idx="12"/>
+          </p:nvPr>
+        </p:nvSpPr>
+        <p:spPr>
+          <a:xfrm>
+            <a:off x="11029121" y="6455503"/>
+            <a:ext cx="649357" cy="365125"/>
+          </a:xfrm>
+        </p:spPr>
+        <p:txBody>
+          <a:bodyPr vert="horz" lIns="91440" tIns="45720" rIns="91440" bIns="45720" rtlCol="0" anchor="ctr">
+            <a:normAutofit/>
+          </a:bodyPr>
+          <a:lstStyle/>
+          <a:p>
+            <a:pPr>
+              <a:spcAft>
+                <a:spcPts val="600"/>
+              </a:spcAft>
+            </a:pPr>
+            <a:fld id="{F35BE31D-8307-A84B-9D2D-2944E6584EB9}" type="slidenum">
+              <a:rPr lang="en-US" smtClean="0"/>
+              <a:pPr>
+                <a:spcAft>
+                  <a:spcPts val="600"/>
+                </a:spcAft>
+              </a:pPr>
+              <a:t>10</a:t>
+            </a:fld>
+            <a:endParaRPr lang="en-US"/>
+          </a:p>
+        </p:txBody>
+      </p:sp>
+    </p:spTree>
+    <p:extLst>
+      <p:ext uri="{BB962C8B-B14F-4D97-AF65-F5344CB8AC3E}">
+        <p14:creationId xmlns:p14="http://schemas.microsoft.com/office/powerpoint/2010/main" val="1893255367"/>
+      </p:ext>
+    </p:extLst>
+  </p:cSld>
+  <p:clrMapOvr>
+    <a:masterClrMapping/>
+  </p:clrMapOvr>
+</p:sld>
+</file>
+
+<file path=ppt/slides/slide11.xml><?xml version="1.0" encoding="utf-8"?>
+<p:sld xmlns:a="http://schemas.openxmlformats.org/drawingml/2006/main" xmlns:r="http://schemas.openxmlformats.org/officeDocument/2006/relationships" xmlns:p="http://schemas.openxmlformats.org/presentationml/2006/main">
+  <p:cSld>
+    <p:spTree>
+      <p:nvGrpSpPr>
+        <p:cNvPr id="1" name=""/>
+        <p:cNvGrpSpPr/>
+        <p:nvPr/>
+      </p:nvGrpSpPr>
+      <p:grpSpPr>
+        <a:xfrm>
+          <a:off x="0" y="0"/>
+          <a:ext cx="0" cy="0"/>
+          <a:chOff x="0" y="0"/>
+          <a:chExt cx="0" cy="0"/>
+        </a:xfrm>
+      </p:grpSpPr>
+      <p:sp>
+        <p:nvSpPr>
+          <p:cNvPr id="3" name="PoleTekstowe 2"/>
+          <p:cNvSpPr txBox="1"/>
+          <p:nvPr/>
+        </p:nvSpPr>
+        <p:spPr>
+          <a:xfrm>
+            <a:off x="404601" y="298053"/>
+            <a:ext cx="8423810" cy="754694"/>
+          </a:xfrm>
+          <a:prstGeom prst="rect">
+            <a:avLst/>
+          </a:prstGeom>
+          <a:noFill/>
+        </p:spPr>
+        <p:txBody>
+          <a:bodyPr wrap="square" rtlCol="0">
+            <a:spAutoFit/>
+          </a:bodyPr>
+          <a:lstStyle/>
+          <a:p>
+            <a:pPr algn="just">
+              <a:lnSpc>
+                <a:spcPct val="150000"/>
+              </a:lnSpc>
+            </a:pPr>
+            <a:r>
+              <a:rPr lang="pl-PL" sz="3200" dirty="0">
+                <a:solidFill>
+                  <a:srgbClr val="3C3C4C"/>
+                </a:solidFill>
+                <a:latin typeface="Adagio_Slab" charset="0"/>
+                <a:ea typeface="Adagio_Slab" charset="0"/>
+                <a:cs typeface="Adagio_Slab" charset="0"/>
+              </a:rPr>
+              <a:t>Wyniki - klasyfikacja binarna</a:t>
+            </a:r>
+          </a:p>
+        </p:txBody>
+      </p:sp>
+      <p:sp>
+        <p:nvSpPr>
+          <p:cNvPr id="5" name="Symbol zastępczy numeru slajdu 4"/>
+          <p:cNvSpPr>
+            <a:spLocks noGrp="1"/>
+          </p:cNvSpPr>
+          <p:nvPr>
+            <p:ph type="sldNum" sz="quarter" idx="12"/>
+          </p:nvPr>
+        </p:nvSpPr>
+        <p:spPr>
+          <a:xfrm>
+            <a:off x="9201319" y="298053"/>
+            <a:ext cx="2743200" cy="365125"/>
+          </a:xfrm>
+        </p:spPr>
+        <p:txBody>
+          <a:bodyPr/>
+          <a:lstStyle/>
+          <a:p>
+            <a:fld id="{F35BE31D-8307-A84B-9D2D-2944E6584EB9}" type="slidenum">
+              <a:rPr lang="pl-PL" sz="4000" smtClean="0">
+                <a:solidFill>
+                  <a:srgbClr val="3C3C4C"/>
+                </a:solidFill>
+                <a:latin typeface="Radikal WUT" charset="0"/>
+                <a:ea typeface="Radikal WUT" charset="0"/>
+                <a:cs typeface="Radikal WUT" charset="0"/>
+              </a:rPr>
+              <a:pPr/>
+              <a:t>11</a:t>
+            </a:fld>
+            <a:endParaRPr lang="pl-PL" sz="4000" dirty="0">
+              <a:solidFill>
+                <a:srgbClr val="3C3C4C"/>
+              </a:solidFill>
+              <a:latin typeface="Radikal WUT" charset="0"/>
+              <a:ea typeface="Radikal WUT" charset="0"/>
+              <a:cs typeface="Radikal WUT" charset="0"/>
+            </a:endParaRPr>
+          </a:p>
+        </p:txBody>
+      </p:sp>
+      <p:pic>
+        <p:nvPicPr>
+          <p:cNvPr id="2" name="Obraz 1">
+            <a:extLst>
+              <a:ext uri="{FF2B5EF4-FFF2-40B4-BE49-F238E27FC236}">
+                <a16:creationId xmlns:a16="http://schemas.microsoft.com/office/drawing/2014/main" id="{FCCBA664-76B7-4FE0-AFE9-A5431C9C72B6}"/>
+              </a:ext>
+            </a:extLst>
+          </p:cNvPr>
+          <p:cNvPicPr>
+            <a:picLocks noChangeAspect="1"/>
+          </p:cNvPicPr>
+          <p:nvPr/>
+        </p:nvPicPr>
+        <p:blipFill>
+          <a:blip r:embed="rId3"/>
+          <a:stretch>
+            <a:fillRect/>
+          </a:stretch>
+        </p:blipFill>
+        <p:spPr>
+          <a:xfrm>
+            <a:off x="3135387" y="2238251"/>
+            <a:ext cx="5921224" cy="4438280"/>
+          </a:xfrm>
+          <a:prstGeom prst="rect">
+            <a:avLst/>
+          </a:prstGeom>
+        </p:spPr>
+      </p:pic>
+      <p:graphicFrame>
+        <p:nvGraphicFramePr>
+          <p:cNvPr id="8" name="Tabela 9">
+            <a:extLst>
+              <a:ext uri="{FF2B5EF4-FFF2-40B4-BE49-F238E27FC236}">
+                <a16:creationId xmlns:a16="http://schemas.microsoft.com/office/drawing/2014/main" id="{8A0E7A73-52DE-42C7-A8A7-589DC94F3547}"/>
+              </a:ext>
+            </a:extLst>
+          </p:cNvPr>
+          <p:cNvGraphicFramePr>
+            <a:graphicFrameLocks noGrp="1"/>
+          </p:cNvGraphicFramePr>
+          <p:nvPr>
+            <p:extLst>
+              <p:ext uri="{D42A27DB-BD31-4B8C-83A1-F6EECF244321}">
+                <p14:modId xmlns:p14="http://schemas.microsoft.com/office/powerpoint/2010/main" val="3737402122"/>
+              </p:ext>
+            </p:extLst>
+          </p:nvPr>
+        </p:nvGraphicFramePr>
+        <p:xfrm>
+          <a:off x="2544929" y="1028241"/>
+          <a:ext cx="7102141" cy="1381760"/>
+        </p:xfrm>
+        <a:graphic>
+          <a:graphicData uri="http://schemas.openxmlformats.org/drawingml/2006/table">
+            <a:tbl>
+              <a:tblPr firstRow="1" bandRow="1">
+                <a:tableStyleId>{5C22544A-7EE6-4342-B048-85BDC9FD1C3A}</a:tableStyleId>
+              </a:tblPr>
+              <a:tblGrid>
+                <a:gridCol w="2001634">
+                  <a:extLst>
+                    <a:ext uri="{9D8B030D-6E8A-4147-A177-3AD203B41FA5}">
+                      <a16:colId xmlns:a16="http://schemas.microsoft.com/office/drawing/2014/main" val="467073741"/>
+                    </a:ext>
+                  </a:extLst>
+                </a:gridCol>
+                <a:gridCol w="987130">
+                  <a:extLst>
+                    <a:ext uri="{9D8B030D-6E8A-4147-A177-3AD203B41FA5}">
+                      <a16:colId xmlns:a16="http://schemas.microsoft.com/office/drawing/2014/main" val="2801649677"/>
+                    </a:ext>
+                  </a:extLst>
+                </a:gridCol>
+                <a:gridCol w="1029159">
+                  <a:extLst>
+                    <a:ext uri="{9D8B030D-6E8A-4147-A177-3AD203B41FA5}">
+                      <a16:colId xmlns:a16="http://schemas.microsoft.com/office/drawing/2014/main" val="2377661150"/>
+                    </a:ext>
+                  </a:extLst>
+                </a:gridCol>
+                <a:gridCol w="1829615">
+                  <a:extLst>
+                    <a:ext uri="{9D8B030D-6E8A-4147-A177-3AD203B41FA5}">
+                      <a16:colId xmlns:a16="http://schemas.microsoft.com/office/drawing/2014/main" val="3690161372"/>
+                    </a:ext>
+                  </a:extLst>
+                </a:gridCol>
+                <a:gridCol w="1254603">
+                  <a:extLst>
+                    <a:ext uri="{9D8B030D-6E8A-4147-A177-3AD203B41FA5}">
+                      <a16:colId xmlns:a16="http://schemas.microsoft.com/office/drawing/2014/main" val="1438776479"/>
+                    </a:ext>
+                  </a:extLst>
+                </a:gridCol>
+              </a:tblGrid>
+              <a:tr h="468330">
+                <a:tc>
+                  <a:txBody>
+                    <a:bodyPr/>
+                    <a:lstStyle/>
+                    <a:p>
+                      <a:pPr marL="0" marR="0" lvl="0" indent="0" algn="l" defTabSz="914400" rtl="0" eaLnBrk="1" fontAlgn="auto" latinLnBrk="0" hangingPunct="1">
+                        <a:lnSpc>
+                          <a:spcPct val="100000"/>
+                        </a:lnSpc>
+                        <a:spcBef>
+                          <a:spcPts val="0"/>
+                        </a:spcBef>
+                        <a:spcAft>
+                          <a:spcPts val="0"/>
+                        </a:spcAft>
+                        <a:buClrTx/>
+                        <a:buSzTx/>
+                        <a:buFontTx/>
+                        <a:buNone/>
+                        <a:tabLst/>
+                        <a:defRPr/>
+                      </a:pPr>
+                      <a:r>
+                        <a:rPr lang="pl-PL" dirty="0">
+                          <a:solidFill>
+                            <a:schemeClr val="tx1"/>
+                          </a:solidFill>
+                        </a:rPr>
+                        <a:t>Klasyfikacja binarna</a:t>
+                      </a:r>
+                      <a:endParaRPr lang="en-US" dirty="0">
+                        <a:solidFill>
+                          <a:schemeClr val="tx1"/>
+                        </a:solidFill>
+                      </a:endParaRPr>
+                    </a:p>
+                  </a:txBody>
+                  <a:tcPr>
+                    <a:lnL w="12700" cap="flat" cmpd="sng" algn="ctr">
+                      <a:solidFill>
+                        <a:schemeClr val="tx1"/>
+                      </a:solidFill>
+                      <a:prstDash val="solid"/>
+                      <a:round/>
+                      <a:headEnd type="none" w="med" len="med"/>
+                      <a:tailEnd type="none" w="med" len="med"/>
+                    </a:lnL>
+                    <a:lnT w="12700" cap="flat" cmpd="sng" algn="ctr">
+                      <a:solidFill>
+                        <a:schemeClr val="tx1"/>
+                      </a:solidFill>
+                      <a:prstDash val="solid"/>
+                      <a:round/>
+                      <a:headEnd type="none" w="med" len="med"/>
+                      <a:tailEnd type="none" w="med" len="med"/>
+                    </a:lnT>
+                    <a:solidFill>
+                      <a:schemeClr val="bg1"/>
+                    </a:solidFill>
+                  </a:tcPr>
+                </a:tc>
+                <a:tc>
+                  <a:txBody>
+                    <a:bodyPr/>
+                    <a:lstStyle/>
+                    <a:p>
+                      <a:r>
+                        <a:rPr lang="pl-PL" dirty="0"/>
+                        <a:t>MLP</a:t>
+                      </a:r>
+                      <a:endParaRPr lang="en-US" dirty="0"/>
+                    </a:p>
+                  </a:txBody>
+                  <a:tcPr>
+                    <a:lnT w="12700" cap="flat" cmpd="sng" algn="ctr">
+                      <a:solidFill>
+                        <a:schemeClr val="tx1"/>
+                      </a:solidFill>
+                      <a:prstDash val="solid"/>
+                      <a:round/>
+                      <a:headEnd type="none" w="med" len="med"/>
+                      <a:tailEnd type="none" w="med" len="med"/>
+                    </a:lnT>
+                  </a:tcPr>
+                </a:tc>
+                <a:tc>
+                  <a:txBody>
+                    <a:bodyPr/>
+                    <a:lstStyle/>
+                    <a:p>
+                      <a:r>
+                        <a:rPr lang="pl-PL" dirty="0"/>
+                        <a:t>SVM</a:t>
+                      </a:r>
+                      <a:endParaRPr lang="en-US" dirty="0"/>
+                    </a:p>
+                  </a:txBody>
+                  <a:tcPr>
+                    <a:lnT w="12700" cap="flat" cmpd="sng" algn="ctr">
+                      <a:solidFill>
+                        <a:schemeClr val="tx1"/>
+                      </a:solidFill>
+                      <a:prstDash val="solid"/>
+                      <a:round/>
+                      <a:headEnd type="none" w="med" len="med"/>
+                      <a:tailEnd type="none" w="med" len="med"/>
+                    </a:lnT>
+                  </a:tcPr>
+                </a:tc>
+                <a:tc>
+                  <a:txBody>
+                    <a:bodyPr/>
+                    <a:lstStyle/>
+                    <a:p>
+                      <a:r>
+                        <a:rPr lang="pl-PL" dirty="0" err="1"/>
+                        <a:t>Random</a:t>
+                      </a:r>
+                      <a:r>
+                        <a:rPr lang="pl-PL" dirty="0"/>
+                        <a:t> </a:t>
+                      </a:r>
+                      <a:r>
+                        <a:rPr lang="pl-PL" dirty="0" err="1"/>
+                        <a:t>forest</a:t>
+                      </a:r>
+                      <a:endParaRPr lang="en-US" dirty="0"/>
+                    </a:p>
+                  </a:txBody>
+                  <a:tcPr>
+                    <a:lnT w="12700" cap="flat" cmpd="sng" algn="ctr">
+                      <a:solidFill>
+                        <a:schemeClr val="tx1"/>
+                      </a:solidFill>
+                      <a:prstDash val="solid"/>
+                      <a:round/>
+                      <a:headEnd type="none" w="med" len="med"/>
+                      <a:tailEnd type="none" w="med" len="med"/>
+                    </a:lnT>
+                  </a:tcPr>
+                </a:tc>
+                <a:tc>
+                  <a:txBody>
+                    <a:bodyPr/>
+                    <a:lstStyle/>
+                    <a:p>
+                      <a:r>
+                        <a:rPr lang="pl-PL" dirty="0" err="1"/>
+                        <a:t>Light</a:t>
+                      </a:r>
+                      <a:r>
+                        <a:rPr lang="pl-PL" dirty="0"/>
+                        <a:t> GBM</a:t>
+                      </a:r>
+                      <a:endParaRPr lang="en-US" dirty="0"/>
+                    </a:p>
+                  </a:txBody>
+                  <a:tcPr>
+                    <a:lnR w="12700" cap="flat" cmpd="sng" algn="ctr">
+                      <a:solidFill>
+                        <a:schemeClr val="tx1"/>
+                      </a:solidFill>
+                      <a:prstDash val="solid"/>
+                      <a:round/>
+                      <a:headEnd type="none" w="med" len="med"/>
+                      <a:tailEnd type="none" w="med" len="med"/>
+                    </a:lnR>
+                    <a:lnT w="12700" cap="flat" cmpd="sng" algn="ctr">
+                      <a:solidFill>
+                        <a:schemeClr val="tx1"/>
+                      </a:solidFill>
+                      <a:prstDash val="solid"/>
+                      <a:round/>
+                      <a:headEnd type="none" w="med" len="med"/>
+                      <a:tailEnd type="none" w="med" len="med"/>
+                    </a:lnT>
+                  </a:tcPr>
+                </a:tc>
+                <a:extLst>
+                  <a:ext uri="{0D108BD9-81ED-4DB2-BD59-A6C34878D82A}">
+                    <a16:rowId xmlns:a16="http://schemas.microsoft.com/office/drawing/2014/main" val="1094943057"/>
+                  </a:ext>
+                </a:extLst>
+              </a:tr>
+              <a:tr h="370840">
+                <a:tc>
+                  <a:txBody>
+                    <a:bodyPr/>
+                    <a:lstStyle/>
+                    <a:p>
+                      <a:r>
+                        <a:rPr lang="pl-PL" dirty="0"/>
+                        <a:t>Średnia dokładność</a:t>
+                      </a:r>
+                      <a:endParaRPr lang="en-US" dirty="0"/>
+                    </a:p>
+                  </a:txBody>
+                  <a:tcPr>
+                    <a:lnL w="12700" cap="flat" cmpd="sng" algn="ctr">
+                      <a:solidFill>
+                        <a:schemeClr val="tx1"/>
+                      </a:solidFill>
+                      <a:prstDash val="solid"/>
+                      <a:round/>
+                      <a:headEnd type="none" w="med" len="med"/>
+                      <a:tailEnd type="none" w="med" len="med"/>
+                    </a:lnL>
+                  </a:tcPr>
+                </a:tc>
+                <a:tc>
+                  <a:txBody>
+                    <a:bodyPr/>
+                    <a:lstStyle/>
+                    <a:p>
+                      <a:r>
+                        <a:rPr lang="pl-PL" dirty="0"/>
+                        <a:t>0,7</a:t>
+                      </a:r>
+                      <a:r>
+                        <a:rPr lang="en-US" dirty="0"/>
+                        <a:t>7121</a:t>
+                      </a:r>
+                    </a:p>
+                  </a:txBody>
+                  <a:tcPr/>
+                </a:tc>
+                <a:tc>
+                  <a:txBody>
+                    <a:bodyPr/>
+                    <a:lstStyle/>
+                    <a:p>
+                      <a:r>
+                        <a:rPr lang="en-US" dirty="0"/>
+                        <a:t>0,52571</a:t>
+                      </a:r>
+                    </a:p>
+                  </a:txBody>
+                  <a:tcPr/>
+                </a:tc>
+                <a:tc>
+                  <a:txBody>
+                    <a:bodyPr/>
+                    <a:lstStyle/>
+                    <a:p>
+                      <a:r>
+                        <a:rPr lang="en-US" dirty="0"/>
+                        <a:t>0,501703</a:t>
+                      </a:r>
+                    </a:p>
+                  </a:txBody>
+                  <a:tcPr/>
+                </a:tc>
+                <a:tc>
+                  <a:txBody>
+                    <a:bodyPr/>
+                    <a:lstStyle/>
+                    <a:p>
+                      <a:r>
+                        <a:rPr lang="en-US" dirty="0"/>
+                        <a:t>0,809715</a:t>
+                      </a:r>
+                    </a:p>
+                  </a:txBody>
+                  <a:tcPr>
+                    <a:lnR w="12700" cap="flat" cmpd="sng" algn="ctr">
+                      <a:solidFill>
+                        <a:schemeClr val="tx1"/>
+                      </a:solidFill>
+                      <a:prstDash val="solid"/>
+                      <a:round/>
+                      <a:headEnd type="none" w="med" len="med"/>
+                      <a:tailEnd type="none" w="med" len="med"/>
+                    </a:lnR>
+                  </a:tcPr>
+                </a:tc>
+                <a:extLst>
+                  <a:ext uri="{0D108BD9-81ED-4DB2-BD59-A6C34878D82A}">
+                    <a16:rowId xmlns:a16="http://schemas.microsoft.com/office/drawing/2014/main" val="1759287522"/>
+                  </a:ext>
+                </a:extLst>
+              </a:tr>
+              <a:tr h="370840">
+                <a:tc>
+                  <a:txBody>
+                    <a:bodyPr/>
+                    <a:lstStyle/>
+                    <a:p>
+                      <a:r>
+                        <a:rPr lang="pl-PL" dirty="0"/>
+                        <a:t>Średnie AUC</a:t>
+                      </a:r>
+                      <a:endParaRPr lang="en-US" dirty="0"/>
+                    </a:p>
+                  </a:txBody>
+                  <a:tcPr>
+                    <a:lnL w="12700" cap="flat" cmpd="sng" algn="ctr">
+                      <a:solidFill>
+                        <a:schemeClr val="tx1"/>
+                      </a:solidFill>
+                      <a:prstDash val="solid"/>
+                      <a:round/>
+                      <a:headEnd type="none" w="med" len="med"/>
+                      <a:tailEnd type="none" w="med" len="med"/>
+                    </a:lnL>
+                    <a:lnB w="12700" cap="flat" cmpd="sng" algn="ctr">
+                      <a:solidFill>
+                        <a:schemeClr val="tx1"/>
+                      </a:solidFill>
+                      <a:prstDash val="solid"/>
+                      <a:round/>
+                      <a:headEnd type="none" w="med" len="med"/>
+                      <a:tailEnd type="none" w="med" len="med"/>
+                    </a:lnB>
+                  </a:tcPr>
+                </a:tc>
+                <a:tc>
+                  <a:txBody>
+                    <a:bodyPr/>
+                    <a:lstStyle/>
+                    <a:p>
+                      <a:r>
+                        <a:rPr lang="en-US" dirty="0"/>
+                        <a:t>0,65194</a:t>
+                      </a:r>
+                    </a:p>
+                  </a:txBody>
+                  <a:tcPr>
+                    <a:lnB w="12700" cap="flat" cmpd="sng" algn="ctr">
+                      <a:solidFill>
+                        <a:schemeClr val="tx1"/>
+                      </a:solidFill>
+                      <a:prstDash val="solid"/>
+                      <a:round/>
+                      <a:headEnd type="none" w="med" len="med"/>
+                      <a:tailEnd type="none" w="med" len="med"/>
+                    </a:lnB>
+                  </a:tcPr>
+                </a:tc>
+                <a:tc>
+                  <a:txBody>
+                    <a:bodyPr/>
+                    <a:lstStyle/>
+                    <a:p>
+                      <a:r>
+                        <a:rPr lang="en-US" dirty="0"/>
+                        <a:t>0,50880</a:t>
+                      </a:r>
+                    </a:p>
+                  </a:txBody>
+                  <a:tcPr>
+                    <a:lnB w="12700" cap="flat" cmpd="sng" algn="ctr">
+                      <a:solidFill>
+                        <a:schemeClr val="tx1"/>
+                      </a:solidFill>
+                      <a:prstDash val="solid"/>
+                      <a:round/>
+                      <a:headEnd type="none" w="med" len="med"/>
+                      <a:tailEnd type="none" w="med" len="med"/>
+                    </a:lnB>
+                  </a:tcPr>
+                </a:tc>
+                <a:tc>
+                  <a:txBody>
+                    <a:bodyPr/>
+                    <a:lstStyle/>
+                    <a:p>
+                      <a:r>
+                        <a:rPr lang="en-US" dirty="0"/>
+                        <a:t>0,509316 </a:t>
+                      </a:r>
+                    </a:p>
+                  </a:txBody>
+                  <a:tcPr>
+                    <a:lnB w="12700" cap="flat" cmpd="sng" algn="ctr">
+                      <a:solidFill>
+                        <a:schemeClr val="tx1"/>
+                      </a:solidFill>
+                      <a:prstDash val="solid"/>
+                      <a:round/>
+                      <a:headEnd type="none" w="med" len="med"/>
+                      <a:tailEnd type="none" w="med" len="med"/>
+                    </a:lnB>
+                  </a:tcPr>
+                </a:tc>
+                <a:tc>
+                  <a:txBody>
+                    <a:bodyPr/>
+                    <a:lstStyle/>
+                    <a:p>
+                      <a:r>
+                        <a:rPr lang="en-US" dirty="0"/>
+                        <a:t>0,951182</a:t>
+                      </a:r>
+                    </a:p>
+                  </a:txBody>
+                  <a:tcPr>
+                    <a:lnR w="12700" cap="flat" cmpd="sng" algn="ctr">
+                      <a:solidFill>
+                        <a:schemeClr val="tx1"/>
+                      </a:solidFill>
+                      <a:prstDash val="solid"/>
+                      <a:round/>
+                      <a:headEnd type="none" w="med" len="med"/>
+                      <a:tailEnd type="none" w="med" len="med"/>
+                    </a:lnR>
+                    <a:lnB w="12700" cap="flat" cmpd="sng" algn="ctr">
+                      <a:solidFill>
+                        <a:schemeClr val="tx1"/>
+                      </a:solidFill>
+                      <a:prstDash val="solid"/>
+                      <a:round/>
+                      <a:headEnd type="none" w="med" len="med"/>
+                      <a:tailEnd type="none" w="med" len="med"/>
+                    </a:lnB>
+                  </a:tcPr>
+                </a:tc>
+                <a:extLst>
+                  <a:ext uri="{0D108BD9-81ED-4DB2-BD59-A6C34878D82A}">
+                    <a16:rowId xmlns:a16="http://schemas.microsoft.com/office/drawing/2014/main" val="796830852"/>
+                  </a:ext>
+                </a:extLst>
+              </a:tr>
+            </a:tbl>
+          </a:graphicData>
+        </a:graphic>
+      </p:graphicFrame>
+    </p:spTree>
+    <p:extLst>
+      <p:ext uri="{BB962C8B-B14F-4D97-AF65-F5344CB8AC3E}">
+        <p14:creationId xmlns:p14="http://schemas.microsoft.com/office/powerpoint/2010/main" val="4057608982"/>
+      </p:ext>
+    </p:extLst>
+  </p:cSld>
+  <p:clrMapOvr>
+    <a:masterClrMapping/>
+  </p:clrMapOvr>
+</p:sld>
+</file>
+
+<file path=ppt/slides/slide12.xml><?xml version="1.0" encoding="utf-8"?>
+<p:sld xmlns:a="http://schemas.openxmlformats.org/drawingml/2006/main" xmlns:r="http://schemas.openxmlformats.org/officeDocument/2006/relationships" xmlns:p="http://schemas.openxmlformats.org/presentationml/2006/main">
+  <p:cSld>
+    <p:spTree>
+      <p:nvGrpSpPr>
+        <p:cNvPr id="1" name=""/>
+        <p:cNvGrpSpPr/>
+        <p:nvPr/>
+      </p:nvGrpSpPr>
+      <p:grpSpPr>
+        <a:xfrm>
+          <a:off x="0" y="0"/>
+          <a:ext cx="0" cy="0"/>
+          <a:chOff x="0" y="0"/>
+          <a:chExt cx="0" cy="0"/>
+        </a:xfrm>
+      </p:grpSpPr>
+      <p:pic>
+        <p:nvPicPr>
+          <p:cNvPr id="6" name="Obraz 5">
+            <a:extLst>
+              <a:ext uri="{FF2B5EF4-FFF2-40B4-BE49-F238E27FC236}">
+                <a16:creationId xmlns:a16="http://schemas.microsoft.com/office/drawing/2014/main" id="{0DE035C3-4E17-4DBC-BA6E-50954FDE738A}"/>
+              </a:ext>
+            </a:extLst>
+          </p:cNvPr>
+          <p:cNvPicPr>
+            <a:picLocks noChangeAspect="1"/>
+          </p:cNvPicPr>
+          <p:nvPr/>
+        </p:nvPicPr>
+        <p:blipFill>
+          <a:blip r:embed="rId3"/>
+          <a:stretch>
+            <a:fillRect/>
+          </a:stretch>
+        </p:blipFill>
+        <p:spPr>
+          <a:xfrm>
+            <a:off x="3137145" y="2238251"/>
+            <a:ext cx="5917707" cy="4438280"/>
+          </a:xfrm>
+          <a:prstGeom prst="rect">
+            <a:avLst/>
+          </a:prstGeom>
+        </p:spPr>
+      </p:pic>
+      <p:sp>
+        <p:nvSpPr>
+          <p:cNvPr id="3" name="PoleTekstowe 2"/>
+          <p:cNvSpPr txBox="1"/>
+          <p:nvPr/>
+        </p:nvSpPr>
+        <p:spPr>
+          <a:xfrm>
+            <a:off x="404601" y="298053"/>
+            <a:ext cx="8423810" cy="754694"/>
+          </a:xfrm>
+          <a:prstGeom prst="rect">
+            <a:avLst/>
+          </a:prstGeom>
+          <a:noFill/>
+        </p:spPr>
+        <p:txBody>
+          <a:bodyPr wrap="square" rtlCol="0">
+            <a:spAutoFit/>
+          </a:bodyPr>
+          <a:lstStyle/>
+          <a:p>
+            <a:pPr algn="just">
+              <a:lnSpc>
+                <a:spcPct val="150000"/>
+              </a:lnSpc>
+            </a:pPr>
+            <a:r>
+              <a:rPr lang="pl-PL" sz="3200" dirty="0">
+                <a:solidFill>
+                  <a:srgbClr val="3C3C4C"/>
+                </a:solidFill>
+                <a:latin typeface="Adagio_Slab" charset="0"/>
+                <a:ea typeface="Adagio_Slab" charset="0"/>
+                <a:cs typeface="Adagio_Slab" charset="0"/>
+              </a:rPr>
+              <a:t>Wyniki - klasyfikacja wieloklasowa</a:t>
+            </a:r>
+          </a:p>
+        </p:txBody>
+      </p:sp>
+      <p:sp>
+        <p:nvSpPr>
+          <p:cNvPr id="5" name="Symbol zastępczy numeru slajdu 4"/>
+          <p:cNvSpPr>
+            <a:spLocks noGrp="1"/>
+          </p:cNvSpPr>
+          <p:nvPr>
+            <p:ph type="sldNum" sz="quarter" idx="12"/>
+          </p:nvPr>
+        </p:nvSpPr>
+        <p:spPr>
+          <a:xfrm>
+            <a:off x="9201319" y="298053"/>
+            <a:ext cx="2743200" cy="365125"/>
+          </a:xfrm>
+        </p:spPr>
+        <p:txBody>
+          <a:bodyPr/>
+          <a:lstStyle/>
+          <a:p>
+            <a:fld id="{F35BE31D-8307-A84B-9D2D-2944E6584EB9}" type="slidenum">
+              <a:rPr lang="pl-PL" sz="4000" smtClean="0">
+                <a:solidFill>
+                  <a:srgbClr val="3C3C4C"/>
+                </a:solidFill>
+                <a:latin typeface="Radikal WUT" charset="0"/>
+                <a:ea typeface="Radikal WUT" charset="0"/>
+                <a:cs typeface="Radikal WUT" charset="0"/>
+              </a:rPr>
+              <a:pPr/>
+              <a:t>12</a:t>
+            </a:fld>
+            <a:endParaRPr lang="pl-PL" sz="4000" dirty="0">
+              <a:solidFill>
+                <a:srgbClr val="3C3C4C"/>
+              </a:solidFill>
+              <a:latin typeface="Radikal WUT" charset="0"/>
+              <a:ea typeface="Radikal WUT" charset="0"/>
+              <a:cs typeface="Radikal WUT" charset="0"/>
+            </a:endParaRPr>
+          </a:p>
+        </p:txBody>
+      </p:sp>
+      <p:graphicFrame>
+        <p:nvGraphicFramePr>
+          <p:cNvPr id="8" name="Tabela 9">
+            <a:extLst>
+              <a:ext uri="{FF2B5EF4-FFF2-40B4-BE49-F238E27FC236}">
+                <a16:creationId xmlns:a16="http://schemas.microsoft.com/office/drawing/2014/main" id="{8A0E7A73-52DE-42C7-A8A7-589DC94F3547}"/>
+              </a:ext>
+            </a:extLst>
+          </p:cNvPr>
+          <p:cNvGraphicFramePr>
+            <a:graphicFrameLocks noGrp="1"/>
+          </p:cNvGraphicFramePr>
+          <p:nvPr>
+            <p:extLst>
+              <p:ext uri="{D42A27DB-BD31-4B8C-83A1-F6EECF244321}">
+                <p14:modId xmlns:p14="http://schemas.microsoft.com/office/powerpoint/2010/main" val="2675491088"/>
+              </p:ext>
+            </p:extLst>
+          </p:nvPr>
+        </p:nvGraphicFramePr>
+        <p:xfrm>
+          <a:off x="2544929" y="1028241"/>
+          <a:ext cx="7102141" cy="1381760"/>
+        </p:xfrm>
+        <a:graphic>
+          <a:graphicData uri="http://schemas.openxmlformats.org/drawingml/2006/table">
+            <a:tbl>
+              <a:tblPr firstRow="1" bandRow="1">
+                <a:tableStyleId>{5C22544A-7EE6-4342-B048-85BDC9FD1C3A}</a:tableStyleId>
+              </a:tblPr>
+              <a:tblGrid>
+                <a:gridCol w="2001634">
+                  <a:extLst>
+                    <a:ext uri="{9D8B030D-6E8A-4147-A177-3AD203B41FA5}">
+                      <a16:colId xmlns:a16="http://schemas.microsoft.com/office/drawing/2014/main" val="467073741"/>
+                    </a:ext>
+                  </a:extLst>
+                </a:gridCol>
+                <a:gridCol w="987130">
+                  <a:extLst>
+                    <a:ext uri="{9D8B030D-6E8A-4147-A177-3AD203B41FA5}">
+                      <a16:colId xmlns:a16="http://schemas.microsoft.com/office/drawing/2014/main" val="2801649677"/>
+                    </a:ext>
+                  </a:extLst>
+                </a:gridCol>
+                <a:gridCol w="1029159">
+                  <a:extLst>
+                    <a:ext uri="{9D8B030D-6E8A-4147-A177-3AD203B41FA5}">
+                      <a16:colId xmlns:a16="http://schemas.microsoft.com/office/drawing/2014/main" val="2377661150"/>
+                    </a:ext>
+                  </a:extLst>
+                </a:gridCol>
+                <a:gridCol w="1829615">
+                  <a:extLst>
+                    <a:ext uri="{9D8B030D-6E8A-4147-A177-3AD203B41FA5}">
+                      <a16:colId xmlns:a16="http://schemas.microsoft.com/office/drawing/2014/main" val="3690161372"/>
+                    </a:ext>
+                  </a:extLst>
+                </a:gridCol>
+                <a:gridCol w="1254603">
+                  <a:extLst>
+                    <a:ext uri="{9D8B030D-6E8A-4147-A177-3AD203B41FA5}">
+                      <a16:colId xmlns:a16="http://schemas.microsoft.com/office/drawing/2014/main" val="1438776479"/>
+                    </a:ext>
+                  </a:extLst>
+                </a:gridCol>
+              </a:tblGrid>
+              <a:tr h="468330">
+                <a:tc>
+                  <a:txBody>
+                    <a:bodyPr/>
+                    <a:lstStyle/>
+                    <a:p>
+                      <a:pPr marL="0" marR="0" lvl="0" indent="0" algn="l" defTabSz="914400" rtl="0" eaLnBrk="1" fontAlgn="auto" latinLnBrk="0" hangingPunct="1">
+                        <a:lnSpc>
+                          <a:spcPct val="100000"/>
+                        </a:lnSpc>
+                        <a:spcBef>
+                          <a:spcPts val="0"/>
+                        </a:spcBef>
+                        <a:spcAft>
+                          <a:spcPts val="0"/>
+                        </a:spcAft>
+                        <a:buClrTx/>
+                        <a:buSzTx/>
+                        <a:buFontTx/>
+                        <a:buNone/>
+                        <a:tabLst/>
+                        <a:defRPr/>
+                      </a:pPr>
+                      <a:r>
+                        <a:rPr lang="pl-PL" dirty="0">
+                          <a:solidFill>
+                            <a:schemeClr val="tx1"/>
+                          </a:solidFill>
+                        </a:rPr>
+                        <a:t>Klasyfikacja wieloklasowa</a:t>
+                      </a:r>
+                      <a:endParaRPr lang="en-US" dirty="0">
+                        <a:solidFill>
+                          <a:schemeClr val="tx1"/>
+                        </a:solidFill>
+                      </a:endParaRPr>
+                    </a:p>
+                  </a:txBody>
+                  <a:tcPr>
+                    <a:lnL w="12700" cap="flat" cmpd="sng" algn="ctr">
+                      <a:solidFill>
+                        <a:schemeClr val="tx1"/>
+                      </a:solidFill>
+                      <a:prstDash val="solid"/>
+                      <a:round/>
+                      <a:headEnd type="none" w="med" len="med"/>
+                      <a:tailEnd type="none" w="med" len="med"/>
+                    </a:lnL>
+                    <a:lnT w="12700" cap="flat" cmpd="sng" algn="ctr">
+                      <a:solidFill>
+                        <a:schemeClr val="tx1"/>
+                      </a:solidFill>
+                      <a:prstDash val="solid"/>
+                      <a:round/>
+                      <a:headEnd type="none" w="med" len="med"/>
+                      <a:tailEnd type="none" w="med" len="med"/>
+                    </a:lnT>
+                    <a:solidFill>
+                      <a:schemeClr val="bg1"/>
+                    </a:solidFill>
+                  </a:tcPr>
+                </a:tc>
+                <a:tc>
+                  <a:txBody>
+                    <a:bodyPr/>
+                    <a:lstStyle/>
+                    <a:p>
+                      <a:r>
+                        <a:rPr lang="pl-PL" dirty="0"/>
+                        <a:t>MLP</a:t>
+                      </a:r>
+                      <a:endParaRPr lang="en-US" dirty="0"/>
+                    </a:p>
+                  </a:txBody>
+                  <a:tcPr>
+                    <a:lnT w="12700" cap="flat" cmpd="sng" algn="ctr">
+                      <a:solidFill>
+                        <a:schemeClr val="tx1"/>
+                      </a:solidFill>
+                      <a:prstDash val="solid"/>
+                      <a:round/>
+                      <a:headEnd type="none" w="med" len="med"/>
+                      <a:tailEnd type="none" w="med" len="med"/>
+                    </a:lnT>
+                  </a:tcPr>
+                </a:tc>
+                <a:tc>
+                  <a:txBody>
+                    <a:bodyPr/>
+                    <a:lstStyle/>
+                    <a:p>
+                      <a:r>
+                        <a:rPr lang="pl-PL" dirty="0"/>
+                        <a:t>SVM</a:t>
+                      </a:r>
+                      <a:endParaRPr lang="en-US" dirty="0"/>
+                    </a:p>
+                  </a:txBody>
+                  <a:tcPr>
+                    <a:lnT w="12700" cap="flat" cmpd="sng" algn="ctr">
+                      <a:solidFill>
+                        <a:schemeClr val="tx1"/>
+                      </a:solidFill>
+                      <a:prstDash val="solid"/>
+                      <a:round/>
+                      <a:headEnd type="none" w="med" len="med"/>
+                      <a:tailEnd type="none" w="med" len="med"/>
+                    </a:lnT>
+                  </a:tcPr>
+                </a:tc>
+                <a:tc>
+                  <a:txBody>
+                    <a:bodyPr/>
+                    <a:lstStyle/>
+                    <a:p>
+                      <a:r>
+                        <a:rPr lang="pl-PL" dirty="0" err="1"/>
+                        <a:t>Random</a:t>
+                      </a:r>
+                      <a:r>
+                        <a:rPr lang="pl-PL" dirty="0"/>
+                        <a:t> </a:t>
+                      </a:r>
+                      <a:r>
+                        <a:rPr lang="pl-PL" dirty="0" err="1"/>
+                        <a:t>forest</a:t>
+                      </a:r>
+                      <a:endParaRPr lang="en-US" dirty="0"/>
+                    </a:p>
+                  </a:txBody>
+                  <a:tcPr>
+                    <a:lnT w="12700" cap="flat" cmpd="sng" algn="ctr">
+                      <a:solidFill>
+                        <a:schemeClr val="tx1"/>
+                      </a:solidFill>
+                      <a:prstDash val="solid"/>
+                      <a:round/>
+                      <a:headEnd type="none" w="med" len="med"/>
+                      <a:tailEnd type="none" w="med" len="med"/>
+                    </a:lnT>
+                  </a:tcPr>
+                </a:tc>
+                <a:tc>
+                  <a:txBody>
+                    <a:bodyPr/>
+                    <a:lstStyle/>
+                    <a:p>
+                      <a:r>
+                        <a:rPr lang="pl-PL" dirty="0" err="1"/>
+                        <a:t>Light</a:t>
+                      </a:r>
+                      <a:r>
+                        <a:rPr lang="pl-PL" dirty="0"/>
+                        <a:t> GBM</a:t>
+                      </a:r>
+                      <a:endParaRPr lang="en-US" dirty="0"/>
+                    </a:p>
+                  </a:txBody>
+                  <a:tcPr>
+                    <a:lnR w="12700" cap="flat" cmpd="sng" algn="ctr">
+                      <a:solidFill>
+                        <a:schemeClr val="tx1"/>
+                      </a:solidFill>
+                      <a:prstDash val="solid"/>
+                      <a:round/>
+                      <a:headEnd type="none" w="med" len="med"/>
+                      <a:tailEnd type="none" w="med" len="med"/>
+                    </a:lnR>
+                    <a:lnT w="12700" cap="flat" cmpd="sng" algn="ctr">
+                      <a:solidFill>
+                        <a:schemeClr val="tx1"/>
+                      </a:solidFill>
+                      <a:prstDash val="solid"/>
+                      <a:round/>
+                      <a:headEnd type="none" w="med" len="med"/>
+                      <a:tailEnd type="none" w="med" len="med"/>
+                    </a:lnT>
+                  </a:tcPr>
+                </a:tc>
+                <a:extLst>
+                  <a:ext uri="{0D108BD9-81ED-4DB2-BD59-A6C34878D82A}">
+                    <a16:rowId xmlns:a16="http://schemas.microsoft.com/office/drawing/2014/main" val="1094943057"/>
+                  </a:ext>
+                </a:extLst>
+              </a:tr>
+              <a:tr h="370840">
+                <a:tc>
+                  <a:txBody>
+                    <a:bodyPr/>
+                    <a:lstStyle/>
+                    <a:p>
+                      <a:r>
+                        <a:rPr lang="pl-PL" dirty="0"/>
+                        <a:t>Średnia dokładność</a:t>
+                      </a:r>
+                      <a:endParaRPr lang="en-US" dirty="0"/>
+                    </a:p>
+                  </a:txBody>
+                  <a:tcPr>
+                    <a:lnL w="12700" cap="flat" cmpd="sng" algn="ctr">
+                      <a:solidFill>
+                        <a:schemeClr val="tx1"/>
+                      </a:solidFill>
+                      <a:prstDash val="solid"/>
+                      <a:round/>
+                      <a:headEnd type="none" w="med" len="med"/>
+                      <a:tailEnd type="none" w="med" len="med"/>
+                    </a:lnL>
+                  </a:tcPr>
+                </a:tc>
+                <a:tc>
+                  <a:txBody>
+                    <a:bodyPr/>
+                    <a:lstStyle/>
+                    <a:p>
+                      <a:r>
+                        <a:rPr lang="en-US" dirty="0"/>
+                        <a:t>0,56797</a:t>
+                      </a:r>
+                    </a:p>
+                  </a:txBody>
+                  <a:tcPr/>
+                </a:tc>
+                <a:tc>
+                  <a:txBody>
+                    <a:bodyPr/>
+                    <a:lstStyle/>
+                    <a:p>
+                      <a:r>
+                        <a:rPr lang="en-US" dirty="0"/>
+                        <a:t>0,36843</a:t>
+                      </a:r>
+                    </a:p>
+                  </a:txBody>
+                  <a:tcPr/>
+                </a:tc>
+                <a:tc>
+                  <a:txBody>
+                    <a:bodyPr/>
+                    <a:lstStyle/>
+                    <a:p>
+                      <a:r>
+                        <a:rPr lang="en-US" dirty="0"/>
+                        <a:t>0,355975</a:t>
+                      </a:r>
+                    </a:p>
+                  </a:txBody>
+                  <a:tcPr/>
+                </a:tc>
+                <a:tc>
+                  <a:txBody>
+                    <a:bodyPr/>
+                    <a:lstStyle/>
+                    <a:p>
+                      <a:r>
+                        <a:rPr lang="en-US" dirty="0"/>
+                        <a:t>0,593141</a:t>
+                      </a:r>
+                    </a:p>
+                  </a:txBody>
+                  <a:tcPr>
+                    <a:lnR w="12700" cap="flat" cmpd="sng" algn="ctr">
+                      <a:solidFill>
+                        <a:schemeClr val="tx1"/>
+                      </a:solidFill>
+                      <a:prstDash val="solid"/>
+                      <a:round/>
+                      <a:headEnd type="none" w="med" len="med"/>
+                      <a:tailEnd type="none" w="med" len="med"/>
+                    </a:lnR>
+                  </a:tcPr>
+                </a:tc>
+                <a:extLst>
+                  <a:ext uri="{0D108BD9-81ED-4DB2-BD59-A6C34878D82A}">
+                    <a16:rowId xmlns:a16="http://schemas.microsoft.com/office/drawing/2014/main" val="1759287522"/>
+                  </a:ext>
+                </a:extLst>
+              </a:tr>
+              <a:tr h="370840">
+                <a:tc>
+                  <a:txBody>
+                    <a:bodyPr/>
+                    <a:lstStyle/>
+                    <a:p>
+                      <a:r>
+                        <a:rPr lang="pl-PL" dirty="0"/>
+                        <a:t>Średnie AUC</a:t>
+                      </a:r>
+                      <a:endParaRPr lang="en-US" dirty="0"/>
+                    </a:p>
+                  </a:txBody>
+                  <a:tcPr>
+                    <a:lnL w="12700" cap="flat" cmpd="sng" algn="ctr">
+                      <a:solidFill>
+                        <a:schemeClr val="tx1"/>
+                      </a:solidFill>
+                      <a:prstDash val="solid"/>
+                      <a:round/>
+                      <a:headEnd type="none" w="med" len="med"/>
+                      <a:tailEnd type="none" w="med" len="med"/>
+                    </a:lnL>
+                    <a:lnB w="12700" cap="flat" cmpd="sng" algn="ctr">
+                      <a:solidFill>
+                        <a:schemeClr val="tx1"/>
+                      </a:solidFill>
+                      <a:prstDash val="solid"/>
+                      <a:round/>
+                      <a:headEnd type="none" w="med" len="med"/>
+                      <a:tailEnd type="none" w="med" len="med"/>
+                    </a:lnB>
+                  </a:tcPr>
+                </a:tc>
+                <a:tc>
+                  <a:txBody>
+                    <a:bodyPr/>
+                    <a:lstStyle/>
+                    <a:p>
+                      <a:r>
+                        <a:rPr lang="en-US" dirty="0"/>
+                        <a:t>0,63277</a:t>
+                      </a:r>
+                    </a:p>
+                  </a:txBody>
+                  <a:tcPr>
+                    <a:lnB w="12700" cap="flat" cmpd="sng" algn="ctr">
+                      <a:solidFill>
+                        <a:schemeClr val="tx1"/>
+                      </a:solidFill>
+                      <a:prstDash val="solid"/>
+                      <a:round/>
+                      <a:headEnd type="none" w="med" len="med"/>
+                      <a:tailEnd type="none" w="med" len="med"/>
+                    </a:lnB>
+                  </a:tcPr>
+                </a:tc>
+                <a:tc>
+                  <a:txBody>
+                    <a:bodyPr/>
+                    <a:lstStyle/>
+                    <a:p>
+                      <a:r>
+                        <a:rPr lang="en-US" dirty="0"/>
+                        <a:t>0,54921</a:t>
+                      </a:r>
+                    </a:p>
+                  </a:txBody>
+                  <a:tcPr>
+                    <a:lnB w="12700" cap="flat" cmpd="sng" algn="ctr">
+                      <a:solidFill>
+                        <a:schemeClr val="tx1"/>
+                      </a:solidFill>
+                      <a:prstDash val="solid"/>
+                      <a:round/>
+                      <a:headEnd type="none" w="med" len="med"/>
+                      <a:tailEnd type="none" w="med" len="med"/>
+                    </a:lnB>
+                  </a:tcPr>
+                </a:tc>
+                <a:tc>
+                  <a:txBody>
+                    <a:bodyPr/>
+                    <a:lstStyle/>
+                    <a:p>
+                      <a:r>
+                        <a:rPr lang="en-US" dirty="0"/>
+                        <a:t>0,538469</a:t>
+                      </a:r>
+                    </a:p>
+                  </a:txBody>
+                  <a:tcPr>
+                    <a:lnB w="12700" cap="flat" cmpd="sng" algn="ctr">
+                      <a:solidFill>
+                        <a:schemeClr val="tx1"/>
+                      </a:solidFill>
+                      <a:prstDash val="solid"/>
+                      <a:round/>
+                      <a:headEnd type="none" w="med" len="med"/>
+                      <a:tailEnd type="none" w="med" len="med"/>
+                    </a:lnB>
+                  </a:tcPr>
+                </a:tc>
+                <a:tc>
+                  <a:txBody>
+                    <a:bodyPr/>
+                    <a:lstStyle/>
+                    <a:p>
+                      <a:r>
+                        <a:rPr lang="en-US" dirty="0"/>
+                        <a:t>0,785912</a:t>
+                      </a:r>
+                    </a:p>
+                  </a:txBody>
+                  <a:tcPr>
+                    <a:lnR w="12700" cap="flat" cmpd="sng" algn="ctr">
+                      <a:solidFill>
+                        <a:schemeClr val="tx1"/>
+                      </a:solidFill>
+                      <a:prstDash val="solid"/>
+                      <a:round/>
+                      <a:headEnd type="none" w="med" len="med"/>
+                      <a:tailEnd type="none" w="med" len="med"/>
+                    </a:lnR>
+                    <a:lnB w="12700" cap="flat" cmpd="sng" algn="ctr">
+                      <a:solidFill>
+                        <a:schemeClr val="tx1"/>
+                      </a:solidFill>
+                      <a:prstDash val="solid"/>
+                      <a:round/>
+                      <a:headEnd type="none" w="med" len="med"/>
+                      <a:tailEnd type="none" w="med" len="med"/>
+                    </a:lnB>
+                  </a:tcPr>
+                </a:tc>
+                <a:extLst>
+                  <a:ext uri="{0D108BD9-81ED-4DB2-BD59-A6C34878D82A}">
+                    <a16:rowId xmlns:a16="http://schemas.microsoft.com/office/drawing/2014/main" val="796830852"/>
+                  </a:ext>
+                </a:extLst>
+              </a:tr>
+            </a:tbl>
+          </a:graphicData>
+        </a:graphic>
+      </p:graphicFrame>
+    </p:spTree>
+    <p:extLst>
+      <p:ext uri="{BB962C8B-B14F-4D97-AF65-F5344CB8AC3E}">
+        <p14:creationId xmlns:p14="http://schemas.microsoft.com/office/powerpoint/2010/main" val="1841596260"/>
+      </p:ext>
+    </p:extLst>
+  </p:cSld>
+  <p:clrMapOvr>
+    <a:masterClrMapping/>
+  </p:clrMapOvr>
+</p:sld>
+</file>
+
+<file path=ppt/slides/slide13.xml><?xml version="1.0" encoding="utf-8"?>
+<p:sld xmlns:a="http://schemas.openxmlformats.org/drawingml/2006/main" xmlns:r="http://schemas.openxmlformats.org/officeDocument/2006/relationships" xmlns:p="http://schemas.openxmlformats.org/presentationml/2006/main">
+  <p:cSld>
+    <p:spTree>
+      <p:nvGrpSpPr>
+        <p:cNvPr id="1" name=""/>
+        <p:cNvGrpSpPr/>
+        <p:nvPr/>
+      </p:nvGrpSpPr>
+      <p:grpSpPr>
+        <a:xfrm>
+          <a:off x="0" y="0"/>
+          <a:ext cx="0" cy="0"/>
+          <a:chOff x="0" y="0"/>
+          <a:chExt cx="0" cy="0"/>
+        </a:xfrm>
+      </p:grpSpPr>
+      <p:pic>
+        <p:nvPicPr>
+          <p:cNvPr id="11" name="Obraz 10">
+            <a:extLst>
+              <a:ext uri="{FF2B5EF4-FFF2-40B4-BE49-F238E27FC236}">
+                <a16:creationId xmlns:a16="http://schemas.microsoft.com/office/drawing/2014/main" id="{19E7B390-8272-4B64-B856-3C78BA8DFEC8}"/>
+              </a:ext>
+            </a:extLst>
+          </p:cNvPr>
+          <p:cNvPicPr>
+            <a:picLocks noChangeAspect="1"/>
+          </p:cNvPicPr>
+          <p:nvPr/>
+        </p:nvPicPr>
+        <p:blipFill>
+          <a:blip r:embed="rId3"/>
+          <a:stretch>
+            <a:fillRect/>
+          </a:stretch>
+        </p:blipFill>
+        <p:spPr>
+          <a:xfrm>
+            <a:off x="3712502" y="2019812"/>
+            <a:ext cx="6170678" cy="4615132"/>
+          </a:xfrm>
+          <a:prstGeom prst="rect">
+            <a:avLst/>
+          </a:prstGeom>
+        </p:spPr>
+      </p:pic>
+      <p:sp>
+        <p:nvSpPr>
+          <p:cNvPr id="3" name="PoleTekstowe 2"/>
+          <p:cNvSpPr txBox="1"/>
+          <p:nvPr/>
+        </p:nvSpPr>
+        <p:spPr>
+          <a:xfrm>
+            <a:off x="404601" y="298053"/>
+            <a:ext cx="8423810" cy="754694"/>
+          </a:xfrm>
+          <a:prstGeom prst="rect">
+            <a:avLst/>
+          </a:prstGeom>
+          <a:noFill/>
+        </p:spPr>
+        <p:txBody>
+          <a:bodyPr wrap="square" rtlCol="0">
+            <a:spAutoFit/>
+          </a:bodyPr>
+          <a:lstStyle/>
+          <a:p>
+            <a:pPr algn="just">
+              <a:lnSpc>
+                <a:spcPct val="150000"/>
+              </a:lnSpc>
+            </a:pPr>
+            <a:r>
+              <a:rPr lang="pl-PL" sz="3200" dirty="0">
+                <a:solidFill>
+                  <a:srgbClr val="3C3C4C"/>
+                </a:solidFill>
+                <a:latin typeface="Adagio_Slab" charset="0"/>
+                <a:ea typeface="Adagio_Slab" charset="0"/>
+                <a:cs typeface="Adagio_Slab" charset="0"/>
+              </a:rPr>
+              <a:t>Symulacja giełdowa – klasyfikacja binarna</a:t>
+            </a:r>
+          </a:p>
+        </p:txBody>
+      </p:sp>
+      <p:sp>
+        <p:nvSpPr>
+          <p:cNvPr id="5" name="Symbol zastępczy numeru slajdu 4"/>
+          <p:cNvSpPr>
+            <a:spLocks noGrp="1"/>
+          </p:cNvSpPr>
+          <p:nvPr>
+            <p:ph type="sldNum" sz="quarter" idx="12"/>
+          </p:nvPr>
+        </p:nvSpPr>
+        <p:spPr>
+          <a:xfrm>
+            <a:off x="9201319" y="298053"/>
+            <a:ext cx="2743200" cy="365125"/>
+          </a:xfrm>
+        </p:spPr>
+        <p:txBody>
+          <a:bodyPr/>
+          <a:lstStyle/>
+          <a:p>
+            <a:fld id="{F35BE31D-8307-A84B-9D2D-2944E6584EB9}" type="slidenum">
+              <a:rPr lang="pl-PL" sz="4000" smtClean="0">
+                <a:solidFill>
+                  <a:srgbClr val="3C3C4C"/>
+                </a:solidFill>
+                <a:latin typeface="Radikal WUT" charset="0"/>
+                <a:ea typeface="Radikal WUT" charset="0"/>
+                <a:cs typeface="Radikal WUT" charset="0"/>
+              </a:rPr>
+              <a:pPr/>
+              <a:t>13</a:t>
+            </a:fld>
+            <a:endParaRPr lang="pl-PL" sz="4000" dirty="0">
+              <a:solidFill>
+                <a:srgbClr val="3C3C4C"/>
+              </a:solidFill>
+              <a:latin typeface="Radikal WUT" charset="0"/>
+              <a:ea typeface="Radikal WUT" charset="0"/>
+              <a:cs typeface="Radikal WUT" charset="0"/>
+            </a:endParaRPr>
+          </a:p>
+        </p:txBody>
+      </p:sp>
+      <p:graphicFrame>
+        <p:nvGraphicFramePr>
+          <p:cNvPr id="8" name="Tabela 9">
+            <a:extLst>
+              <a:ext uri="{FF2B5EF4-FFF2-40B4-BE49-F238E27FC236}">
+                <a16:creationId xmlns:a16="http://schemas.microsoft.com/office/drawing/2014/main" id="{8A0E7A73-52DE-42C7-A8A7-589DC94F3547}"/>
+              </a:ext>
+            </a:extLst>
+          </p:cNvPr>
+          <p:cNvGraphicFramePr>
+            <a:graphicFrameLocks noGrp="1"/>
+          </p:cNvGraphicFramePr>
+          <p:nvPr>
+            <p:extLst>
+              <p:ext uri="{D42A27DB-BD31-4B8C-83A1-F6EECF244321}">
+                <p14:modId xmlns:p14="http://schemas.microsoft.com/office/powerpoint/2010/main" val="2413625111"/>
+              </p:ext>
+            </p:extLst>
+          </p:nvPr>
+        </p:nvGraphicFramePr>
+        <p:xfrm>
+          <a:off x="2109535" y="1226491"/>
+          <a:ext cx="9376612" cy="1010920"/>
+        </p:xfrm>
+        <a:graphic>
+          <a:graphicData uri="http://schemas.openxmlformats.org/drawingml/2006/table">
+            <a:tbl>
+              <a:tblPr firstRow="1" bandRow="1">
+                <a:tableStyleId>{5C22544A-7EE6-4342-B048-85BDC9FD1C3A}</a:tableStyleId>
+              </a:tblPr>
+              <a:tblGrid>
+                <a:gridCol w="2067841">
+                  <a:extLst>
+                    <a:ext uri="{9D8B030D-6E8A-4147-A177-3AD203B41FA5}">
+                      <a16:colId xmlns:a16="http://schemas.microsoft.com/office/drawing/2014/main" val="467073741"/>
+                    </a:ext>
+                  </a:extLst>
+                </a:gridCol>
+                <a:gridCol w="1019780">
+                  <a:extLst>
+                    <a:ext uri="{9D8B030D-6E8A-4147-A177-3AD203B41FA5}">
+                      <a16:colId xmlns:a16="http://schemas.microsoft.com/office/drawing/2014/main" val="1273621924"/>
+                    </a:ext>
+                  </a:extLst>
+                </a:gridCol>
+                <a:gridCol w="1019780">
+                  <a:extLst>
+                    <a:ext uri="{9D8B030D-6E8A-4147-A177-3AD203B41FA5}">
+                      <a16:colId xmlns:a16="http://schemas.microsoft.com/office/drawing/2014/main" val="3174608995"/>
+                    </a:ext>
+                  </a:extLst>
+                </a:gridCol>
+                <a:gridCol w="1019780">
+                  <a:extLst>
+                    <a:ext uri="{9D8B030D-6E8A-4147-A177-3AD203B41FA5}">
+                      <a16:colId xmlns:a16="http://schemas.microsoft.com/office/drawing/2014/main" val="2801649677"/>
+                    </a:ext>
+                  </a:extLst>
+                </a:gridCol>
+                <a:gridCol w="1063199">
+                  <a:extLst>
+                    <a:ext uri="{9D8B030D-6E8A-4147-A177-3AD203B41FA5}">
+                      <a16:colId xmlns:a16="http://schemas.microsoft.com/office/drawing/2014/main" val="2377661150"/>
+                    </a:ext>
+                  </a:extLst>
+                </a:gridCol>
+                <a:gridCol w="1890132">
+                  <a:extLst>
+                    <a:ext uri="{9D8B030D-6E8A-4147-A177-3AD203B41FA5}">
+                      <a16:colId xmlns:a16="http://schemas.microsoft.com/office/drawing/2014/main" val="3690161372"/>
+                    </a:ext>
+                  </a:extLst>
+                </a:gridCol>
+                <a:gridCol w="1296100">
+                  <a:extLst>
+                    <a:ext uri="{9D8B030D-6E8A-4147-A177-3AD203B41FA5}">
+                      <a16:colId xmlns:a16="http://schemas.microsoft.com/office/drawing/2014/main" val="1438776479"/>
+                    </a:ext>
+                  </a:extLst>
+                </a:gridCol>
+              </a:tblGrid>
+              <a:tr h="468330">
+                <a:tc>
+                  <a:txBody>
+                    <a:bodyPr/>
+                    <a:lstStyle/>
+                    <a:p>
+                      <a:r>
+                        <a:rPr lang="pl-PL" dirty="0">
+                          <a:solidFill>
+                            <a:schemeClr val="tx1"/>
+                          </a:solidFill>
+                        </a:rPr>
+                        <a:t>Klasyfikacja binarna</a:t>
+                      </a:r>
+                      <a:endParaRPr lang="en-US" dirty="0">
+                        <a:solidFill>
+                          <a:schemeClr val="tx1"/>
+                        </a:solidFill>
+                      </a:endParaRPr>
+                    </a:p>
+                  </a:txBody>
+                  <a:tcPr>
+                    <a:lnL w="12700" cap="flat" cmpd="sng" algn="ctr">
+                      <a:solidFill>
+                        <a:schemeClr val="tx1"/>
+                      </a:solidFill>
+                      <a:prstDash val="solid"/>
+                      <a:round/>
+                      <a:headEnd type="none" w="med" len="med"/>
+                      <a:tailEnd type="none" w="med" len="med"/>
+                    </a:lnL>
+                    <a:lnT w="12700" cap="flat" cmpd="sng" algn="ctr">
+                      <a:solidFill>
+                        <a:schemeClr val="tx1"/>
+                      </a:solidFill>
+                      <a:prstDash val="solid"/>
+                      <a:round/>
+                      <a:headEnd type="none" w="med" len="med"/>
+                      <a:tailEnd type="none" w="med" len="med"/>
+                    </a:lnT>
+                    <a:solidFill>
+                      <a:schemeClr val="bg1"/>
+                    </a:solidFill>
+                  </a:tcPr>
+                </a:tc>
+                <a:tc>
+                  <a:txBody>
+                    <a:bodyPr/>
+                    <a:lstStyle/>
+                    <a:p>
+                      <a:r>
+                        <a:rPr lang="pl-PL" dirty="0"/>
+                        <a:t>Indeks S&amp;P 500</a:t>
+                      </a:r>
+                      <a:endParaRPr lang="en-US" dirty="0"/>
+                    </a:p>
+                  </a:txBody>
+                  <a:tcPr>
+                    <a:lnT w="12700" cap="flat" cmpd="sng" algn="ctr">
+                      <a:solidFill>
+                        <a:schemeClr val="tx1"/>
+                      </a:solidFill>
+                      <a:prstDash val="solid"/>
+                      <a:round/>
+                      <a:headEnd type="none" w="med" len="med"/>
+                      <a:tailEnd type="none" w="med" len="med"/>
+                    </a:lnT>
+                  </a:tcPr>
+                </a:tc>
+                <a:tc>
+                  <a:txBody>
+                    <a:bodyPr/>
+                    <a:lstStyle/>
+                    <a:p>
+                      <a:r>
+                        <a:rPr lang="pl-PL" dirty="0" err="1"/>
+                        <a:t>Buy</a:t>
+                      </a:r>
+                      <a:r>
+                        <a:rPr lang="pl-PL" dirty="0"/>
+                        <a:t> and </a:t>
+                      </a:r>
+                      <a:r>
+                        <a:rPr lang="pl-PL" dirty="0" err="1"/>
+                        <a:t>hold</a:t>
+                      </a:r>
+                      <a:endParaRPr lang="en-US" dirty="0"/>
+                    </a:p>
+                  </a:txBody>
+                  <a:tcPr>
+                    <a:lnT w="12700" cap="flat" cmpd="sng" algn="ctr">
+                      <a:solidFill>
+                        <a:schemeClr val="tx1"/>
+                      </a:solidFill>
+                      <a:prstDash val="solid"/>
+                      <a:round/>
+                      <a:headEnd type="none" w="med" len="med"/>
+                      <a:tailEnd type="none" w="med" len="med"/>
+                    </a:lnT>
+                  </a:tcPr>
+                </a:tc>
+                <a:tc>
+                  <a:txBody>
+                    <a:bodyPr/>
+                    <a:lstStyle/>
+                    <a:p>
+                      <a:r>
+                        <a:rPr lang="pl-PL" dirty="0"/>
+                        <a:t>MLP</a:t>
+                      </a:r>
+                      <a:endParaRPr lang="en-US" dirty="0"/>
+                    </a:p>
+                  </a:txBody>
+                  <a:tcPr>
+                    <a:lnT w="12700" cap="flat" cmpd="sng" algn="ctr">
+                      <a:solidFill>
+                        <a:schemeClr val="tx1"/>
+                      </a:solidFill>
+                      <a:prstDash val="solid"/>
+                      <a:round/>
+                      <a:headEnd type="none" w="med" len="med"/>
+                      <a:tailEnd type="none" w="med" len="med"/>
+                    </a:lnT>
+                  </a:tcPr>
+                </a:tc>
+                <a:tc>
+                  <a:txBody>
+                    <a:bodyPr/>
+                    <a:lstStyle/>
+                    <a:p>
+                      <a:r>
+                        <a:rPr lang="pl-PL" dirty="0"/>
+                        <a:t>SVM</a:t>
+                      </a:r>
+                      <a:endParaRPr lang="en-US" dirty="0"/>
+                    </a:p>
+                  </a:txBody>
+                  <a:tcPr>
+                    <a:lnT w="12700" cap="flat" cmpd="sng" algn="ctr">
+                      <a:solidFill>
+                        <a:schemeClr val="tx1"/>
+                      </a:solidFill>
+                      <a:prstDash val="solid"/>
+                      <a:round/>
+                      <a:headEnd type="none" w="med" len="med"/>
+                      <a:tailEnd type="none" w="med" len="med"/>
+                    </a:lnT>
+                  </a:tcPr>
+                </a:tc>
+                <a:tc>
+                  <a:txBody>
+                    <a:bodyPr/>
+                    <a:lstStyle/>
+                    <a:p>
+                      <a:r>
+                        <a:rPr lang="pl-PL" dirty="0" err="1"/>
+                        <a:t>Random</a:t>
+                      </a:r>
+                      <a:r>
+                        <a:rPr lang="pl-PL" dirty="0"/>
+                        <a:t> </a:t>
+                      </a:r>
+                      <a:r>
+                        <a:rPr lang="pl-PL" dirty="0" err="1"/>
+                        <a:t>forest</a:t>
+                      </a:r>
+                      <a:endParaRPr lang="en-US" dirty="0"/>
+                    </a:p>
+                  </a:txBody>
+                  <a:tcPr>
+                    <a:lnT w="12700" cap="flat" cmpd="sng" algn="ctr">
+                      <a:solidFill>
+                        <a:schemeClr val="tx1"/>
+                      </a:solidFill>
+                      <a:prstDash val="solid"/>
+                      <a:round/>
+                      <a:headEnd type="none" w="med" len="med"/>
+                      <a:tailEnd type="none" w="med" len="med"/>
+                    </a:lnT>
+                  </a:tcPr>
+                </a:tc>
+                <a:tc>
+                  <a:txBody>
+                    <a:bodyPr/>
+                    <a:lstStyle/>
+                    <a:p>
+                      <a:r>
+                        <a:rPr lang="pl-PL" dirty="0" err="1"/>
+                        <a:t>Light</a:t>
+                      </a:r>
+                      <a:r>
+                        <a:rPr lang="pl-PL" dirty="0"/>
+                        <a:t> GBM</a:t>
+                      </a:r>
+                      <a:endParaRPr lang="en-US" dirty="0"/>
+                    </a:p>
+                  </a:txBody>
+                  <a:tcPr>
+                    <a:lnR w="12700" cap="flat" cmpd="sng" algn="ctr">
+                      <a:solidFill>
+                        <a:schemeClr val="tx1"/>
+                      </a:solidFill>
+                      <a:prstDash val="solid"/>
+                      <a:round/>
+                      <a:headEnd type="none" w="med" len="med"/>
+                      <a:tailEnd type="none" w="med" len="med"/>
+                    </a:lnR>
+                    <a:lnT w="12700" cap="flat" cmpd="sng" algn="ctr">
+                      <a:solidFill>
+                        <a:schemeClr val="tx1"/>
+                      </a:solidFill>
+                      <a:prstDash val="solid"/>
+                      <a:round/>
+                      <a:headEnd type="none" w="med" len="med"/>
+                      <a:tailEnd type="none" w="med" len="med"/>
+                    </a:lnT>
+                  </a:tcPr>
+                </a:tc>
+                <a:extLst>
+                  <a:ext uri="{0D108BD9-81ED-4DB2-BD59-A6C34878D82A}">
+                    <a16:rowId xmlns:a16="http://schemas.microsoft.com/office/drawing/2014/main" val="1094943057"/>
+                  </a:ext>
+                </a:extLst>
+              </a:tr>
+              <a:tr h="370840">
+                <a:tc>
+                  <a:txBody>
+                    <a:bodyPr/>
+                    <a:lstStyle/>
+                    <a:p>
+                      <a:r>
+                        <a:rPr lang="pl-PL" dirty="0"/>
+                        <a:t>Średni zysk (%)</a:t>
+                      </a:r>
+                      <a:endParaRPr lang="en-US" dirty="0"/>
+                    </a:p>
+                  </a:txBody>
+                  <a:tcPr>
+                    <a:lnL w="12700" cap="flat" cmpd="sng" algn="ctr">
+                      <a:solidFill>
+                        <a:schemeClr val="tx1"/>
+                      </a:solidFill>
+                      <a:prstDash val="solid"/>
+                      <a:round/>
+                      <a:headEnd type="none" w="med" len="med"/>
+                      <a:tailEnd type="none" w="med" len="med"/>
+                    </a:lnL>
+                    <a:lnB w="12700" cap="flat" cmpd="sng" algn="ctr">
+                      <a:solidFill>
+                        <a:schemeClr val="tx1"/>
+                      </a:solidFill>
+                      <a:prstDash val="solid"/>
+                      <a:round/>
+                      <a:headEnd type="none" w="med" len="med"/>
+                      <a:tailEnd type="none" w="med" len="med"/>
+                    </a:lnB>
+                  </a:tcPr>
+                </a:tc>
+                <a:tc>
+                  <a:txBody>
+                    <a:bodyPr/>
+                    <a:lstStyle/>
+                    <a:p>
+                      <a:r>
+                        <a:rPr lang="pl-PL" dirty="0"/>
+                        <a:t>118.45</a:t>
+                      </a:r>
+                      <a:endParaRPr lang="en-US" dirty="0"/>
+                    </a:p>
+                  </a:txBody>
+                  <a:tcPr>
+                    <a:lnB w="12700" cap="flat" cmpd="sng" algn="ctr">
+                      <a:solidFill>
+                        <a:schemeClr val="tx1"/>
+                      </a:solidFill>
+                      <a:prstDash val="solid"/>
+                      <a:round/>
+                      <a:headEnd type="none" w="med" len="med"/>
+                      <a:tailEnd type="none" w="med" len="med"/>
+                    </a:lnB>
+                  </a:tcPr>
+                </a:tc>
+                <a:tc>
+                  <a:txBody>
+                    <a:bodyPr/>
+                    <a:lstStyle/>
+                    <a:p>
+                      <a:r>
+                        <a:rPr lang="pl-PL" dirty="0"/>
+                        <a:t>124,41</a:t>
+                      </a:r>
+                      <a:endParaRPr lang="en-US" dirty="0"/>
+                    </a:p>
+                  </a:txBody>
+                  <a:tcPr>
+                    <a:lnB w="12700" cap="flat" cmpd="sng" algn="ctr">
+                      <a:solidFill>
+                        <a:schemeClr val="tx1"/>
+                      </a:solidFill>
+                      <a:prstDash val="solid"/>
+                      <a:round/>
+                      <a:headEnd type="none" w="med" len="med"/>
+                      <a:tailEnd type="none" w="med" len="med"/>
+                    </a:lnB>
+                  </a:tcPr>
+                </a:tc>
+                <a:tc>
+                  <a:txBody>
+                    <a:bodyPr/>
+                    <a:lstStyle/>
+                    <a:p>
+                      <a:r>
+                        <a:rPr lang="pl-PL" dirty="0"/>
+                        <a:t>140,01</a:t>
+                      </a:r>
+                      <a:endParaRPr lang="en-US" dirty="0"/>
+                    </a:p>
+                  </a:txBody>
+                  <a:tcPr>
+                    <a:lnB w="12700" cap="flat" cmpd="sng" algn="ctr">
+                      <a:solidFill>
+                        <a:schemeClr val="tx1"/>
+                      </a:solidFill>
+                      <a:prstDash val="solid"/>
+                      <a:round/>
+                      <a:headEnd type="none" w="med" len="med"/>
+                      <a:tailEnd type="none" w="med" len="med"/>
+                    </a:lnB>
+                  </a:tcPr>
+                </a:tc>
+                <a:tc>
+                  <a:txBody>
+                    <a:bodyPr/>
+                    <a:lstStyle/>
+                    <a:p>
+                      <a:r>
+                        <a:rPr lang="pl-PL" dirty="0"/>
+                        <a:t>120,12</a:t>
+                      </a:r>
+                      <a:endParaRPr lang="en-US" dirty="0"/>
+                    </a:p>
+                  </a:txBody>
+                  <a:tcPr>
+                    <a:lnB w="12700" cap="flat" cmpd="sng" algn="ctr">
+                      <a:solidFill>
+                        <a:schemeClr val="tx1"/>
+                      </a:solidFill>
+                      <a:prstDash val="solid"/>
+                      <a:round/>
+                      <a:headEnd type="none" w="med" len="med"/>
+                      <a:tailEnd type="none" w="med" len="med"/>
+                    </a:lnB>
+                  </a:tcPr>
+                </a:tc>
+                <a:tc>
+                  <a:txBody>
+                    <a:bodyPr/>
+                    <a:lstStyle/>
+                    <a:p>
+                      <a:r>
+                        <a:rPr lang="pl-PL" dirty="0"/>
+                        <a:t>107,55</a:t>
+                      </a:r>
+                      <a:endParaRPr lang="en-US" dirty="0"/>
+                    </a:p>
+                  </a:txBody>
+                  <a:tcPr>
+                    <a:lnB w="12700" cap="flat" cmpd="sng" algn="ctr">
+                      <a:solidFill>
+                        <a:schemeClr val="tx1"/>
+                      </a:solidFill>
+                      <a:prstDash val="solid"/>
+                      <a:round/>
+                      <a:headEnd type="none" w="med" len="med"/>
+                      <a:tailEnd type="none" w="med" len="med"/>
+                    </a:lnB>
+                  </a:tcPr>
+                </a:tc>
+                <a:tc>
+                  <a:txBody>
+                    <a:bodyPr/>
+                    <a:lstStyle/>
+                    <a:p>
+                      <a:r>
+                        <a:rPr lang="pl-PL" dirty="0"/>
+                        <a:t>131,74</a:t>
+                      </a:r>
+                      <a:endParaRPr lang="en-US" dirty="0"/>
+                    </a:p>
+                  </a:txBody>
+                  <a:tcPr>
+                    <a:lnR w="12700" cap="flat" cmpd="sng" algn="ctr">
+                      <a:solidFill>
+                        <a:schemeClr val="tx1"/>
+                      </a:solidFill>
+                      <a:prstDash val="solid"/>
+                      <a:round/>
+                      <a:headEnd type="none" w="med" len="med"/>
+                      <a:tailEnd type="none" w="med" len="med"/>
+                    </a:lnR>
+                    <a:lnB w="12700" cap="flat" cmpd="sng" algn="ctr">
+                      <a:solidFill>
+                        <a:schemeClr val="tx1"/>
+                      </a:solidFill>
+                      <a:prstDash val="solid"/>
+                      <a:round/>
+                      <a:headEnd type="none" w="med" len="med"/>
+                      <a:tailEnd type="none" w="med" len="med"/>
+                    </a:lnB>
+                  </a:tcPr>
+                </a:tc>
+                <a:extLst>
+                  <a:ext uri="{0D108BD9-81ED-4DB2-BD59-A6C34878D82A}">
+                    <a16:rowId xmlns:a16="http://schemas.microsoft.com/office/drawing/2014/main" val="1759287522"/>
+                  </a:ext>
+                </a:extLst>
+              </a:tr>
+            </a:tbl>
+          </a:graphicData>
+        </a:graphic>
+      </p:graphicFrame>
+      <p:sp>
+        <p:nvSpPr>
+          <p:cNvPr id="4" name="pole tekstowe 3">
+            <a:extLst>
+              <a:ext uri="{FF2B5EF4-FFF2-40B4-BE49-F238E27FC236}">
+                <a16:creationId xmlns:a16="http://schemas.microsoft.com/office/drawing/2014/main" id="{167FC77C-1FA5-459F-B4A9-4CADD2E658C8}"/>
+              </a:ext>
+            </a:extLst>
+          </p:cNvPr>
+          <p:cNvSpPr txBox="1"/>
+          <p:nvPr/>
+        </p:nvSpPr>
+        <p:spPr>
+          <a:xfrm>
+            <a:off x="404601" y="2915728"/>
+            <a:ext cx="3112858" cy="1200329"/>
+          </a:xfrm>
+          <a:prstGeom prst="rect">
+            <a:avLst/>
+          </a:prstGeom>
+          <a:noFill/>
+        </p:spPr>
+        <p:txBody>
+          <a:bodyPr wrap="square" rtlCol="0">
+            <a:spAutoFit/>
+          </a:bodyPr>
+          <a:lstStyle/>
+          <a:p>
+            <a:r>
+              <a:rPr lang="pl-PL" dirty="0"/>
+              <a:t>Wyniki na podstawie symulacji giełdowej wykonanej na sesjach giełdowych między 1 stycznia 2019, a 6 lipca 2019.</a:t>
+            </a:r>
+            <a:endParaRPr lang="en-US" dirty="0"/>
+          </a:p>
+        </p:txBody>
+      </p:sp>
+    </p:spTree>
+    <p:extLst>
+      <p:ext uri="{BB962C8B-B14F-4D97-AF65-F5344CB8AC3E}">
+        <p14:creationId xmlns:p14="http://schemas.microsoft.com/office/powerpoint/2010/main" val="1702269847"/>
+      </p:ext>
+    </p:extLst>
+  </p:cSld>
+  <p:clrMapOvr>
+    <a:masterClrMapping/>
+  </p:clrMapOvr>
+</p:sld>
+</file>
+
+<file path=ppt/slides/slide14.xml><?xml version="1.0" encoding="utf-8"?>
+<p:sld xmlns:a="http://schemas.openxmlformats.org/drawingml/2006/main" xmlns:r="http://schemas.openxmlformats.org/officeDocument/2006/relationships" xmlns:p="http://schemas.openxmlformats.org/presentationml/2006/main">
+  <p:cSld>
+    <p:spTree>
+      <p:nvGrpSpPr>
+        <p:cNvPr id="1" name=""/>
+        <p:cNvGrpSpPr/>
+        <p:nvPr/>
+      </p:nvGrpSpPr>
+      <p:grpSpPr>
+        <a:xfrm>
+          <a:off x="0" y="0"/>
+          <a:ext cx="0" cy="0"/>
+          <a:chOff x="0" y="0"/>
+          <a:chExt cx="0" cy="0"/>
+        </a:xfrm>
+      </p:grpSpPr>
+      <p:pic>
+        <p:nvPicPr>
+          <p:cNvPr id="2" name="Obraz 1">
+            <a:extLst>
+              <a:ext uri="{FF2B5EF4-FFF2-40B4-BE49-F238E27FC236}">
+                <a16:creationId xmlns:a16="http://schemas.microsoft.com/office/drawing/2014/main" id="{A12E222D-3261-42C5-B1A1-ABD663DAD833}"/>
+              </a:ext>
+            </a:extLst>
+          </p:cNvPr>
+          <p:cNvPicPr>
+            <a:picLocks noChangeAspect="1"/>
+          </p:cNvPicPr>
+          <p:nvPr/>
+        </p:nvPicPr>
+        <p:blipFill>
+          <a:blip r:embed="rId3"/>
+          <a:stretch>
+            <a:fillRect/>
+          </a:stretch>
+        </p:blipFill>
+        <p:spPr>
+          <a:xfrm>
+            <a:off x="3712502" y="2032348"/>
+            <a:ext cx="6170678" cy="4622849"/>
+          </a:xfrm>
+          <a:prstGeom prst="rect">
+            <a:avLst/>
+          </a:prstGeom>
+        </p:spPr>
+      </p:pic>
+      <p:sp>
+        <p:nvSpPr>
+          <p:cNvPr id="3" name="PoleTekstowe 2"/>
+          <p:cNvSpPr txBox="1"/>
+          <p:nvPr/>
+        </p:nvSpPr>
+        <p:spPr>
+          <a:xfrm>
+            <a:off x="404601" y="298053"/>
+            <a:ext cx="8423810" cy="754694"/>
+          </a:xfrm>
+          <a:prstGeom prst="rect">
+            <a:avLst/>
+          </a:prstGeom>
+          <a:noFill/>
+        </p:spPr>
+        <p:txBody>
+          <a:bodyPr wrap="square" rtlCol="0">
+            <a:spAutoFit/>
+          </a:bodyPr>
+          <a:lstStyle/>
+          <a:p>
+            <a:pPr algn="just">
+              <a:lnSpc>
+                <a:spcPct val="150000"/>
+              </a:lnSpc>
+            </a:pPr>
+            <a:r>
+              <a:rPr lang="pl-PL" sz="3200" dirty="0">
+                <a:solidFill>
+                  <a:srgbClr val="3C3C4C"/>
+                </a:solidFill>
+                <a:latin typeface="Adagio_Slab" charset="0"/>
+                <a:ea typeface="Adagio_Slab" charset="0"/>
+                <a:cs typeface="Adagio_Slab" charset="0"/>
+              </a:rPr>
+              <a:t>Symulacja giełdowa – klasyfikacja wieloklasowa</a:t>
+            </a:r>
+          </a:p>
+        </p:txBody>
+      </p:sp>
+      <p:sp>
+        <p:nvSpPr>
+          <p:cNvPr id="5" name="Symbol zastępczy numeru slajdu 4"/>
+          <p:cNvSpPr>
+            <a:spLocks noGrp="1"/>
+          </p:cNvSpPr>
+          <p:nvPr>
+            <p:ph type="sldNum" sz="quarter" idx="12"/>
+          </p:nvPr>
+        </p:nvSpPr>
+        <p:spPr>
+          <a:xfrm>
+            <a:off x="9201319" y="298053"/>
+            <a:ext cx="2743200" cy="365125"/>
+          </a:xfrm>
+        </p:spPr>
+        <p:txBody>
+          <a:bodyPr/>
+          <a:lstStyle/>
+          <a:p>
+            <a:fld id="{F35BE31D-8307-A84B-9D2D-2944E6584EB9}" type="slidenum">
+              <a:rPr lang="pl-PL" sz="4000" smtClean="0">
+                <a:solidFill>
+                  <a:srgbClr val="3C3C4C"/>
+                </a:solidFill>
+                <a:latin typeface="Radikal WUT" charset="0"/>
+                <a:ea typeface="Radikal WUT" charset="0"/>
+                <a:cs typeface="Radikal WUT" charset="0"/>
+              </a:rPr>
+              <a:pPr/>
+              <a:t>14</a:t>
+            </a:fld>
+            <a:endParaRPr lang="pl-PL" sz="4000" dirty="0">
+              <a:solidFill>
+                <a:srgbClr val="3C3C4C"/>
+              </a:solidFill>
+              <a:latin typeface="Radikal WUT" charset="0"/>
+              <a:ea typeface="Radikal WUT" charset="0"/>
+              <a:cs typeface="Radikal WUT" charset="0"/>
+            </a:endParaRPr>
+          </a:p>
+        </p:txBody>
+      </p:sp>
+      <p:graphicFrame>
+        <p:nvGraphicFramePr>
+          <p:cNvPr id="8" name="Tabela 9">
+            <a:extLst>
+              <a:ext uri="{FF2B5EF4-FFF2-40B4-BE49-F238E27FC236}">
+                <a16:creationId xmlns:a16="http://schemas.microsoft.com/office/drawing/2014/main" id="{8A0E7A73-52DE-42C7-A8A7-589DC94F3547}"/>
+              </a:ext>
+            </a:extLst>
+          </p:cNvPr>
+          <p:cNvGraphicFramePr>
+            <a:graphicFrameLocks noGrp="1"/>
+          </p:cNvGraphicFramePr>
+          <p:nvPr>
+            <p:extLst>
+              <p:ext uri="{D42A27DB-BD31-4B8C-83A1-F6EECF244321}">
+                <p14:modId xmlns:p14="http://schemas.microsoft.com/office/powerpoint/2010/main" val="3676201011"/>
+              </p:ext>
+            </p:extLst>
+          </p:nvPr>
+        </p:nvGraphicFramePr>
+        <p:xfrm>
+          <a:off x="2109535" y="1226491"/>
+          <a:ext cx="9376612" cy="1010920"/>
+        </p:xfrm>
+        <a:graphic>
+          <a:graphicData uri="http://schemas.openxmlformats.org/drawingml/2006/table">
+            <a:tbl>
+              <a:tblPr firstRow="1" bandRow="1">
+                <a:tableStyleId>{5C22544A-7EE6-4342-B048-85BDC9FD1C3A}</a:tableStyleId>
+              </a:tblPr>
+              <a:tblGrid>
+                <a:gridCol w="2067841">
+                  <a:extLst>
+                    <a:ext uri="{9D8B030D-6E8A-4147-A177-3AD203B41FA5}">
+                      <a16:colId xmlns:a16="http://schemas.microsoft.com/office/drawing/2014/main" val="467073741"/>
+                    </a:ext>
+                  </a:extLst>
+                </a:gridCol>
+                <a:gridCol w="1019780">
+                  <a:extLst>
+                    <a:ext uri="{9D8B030D-6E8A-4147-A177-3AD203B41FA5}">
+                      <a16:colId xmlns:a16="http://schemas.microsoft.com/office/drawing/2014/main" val="1273621924"/>
+                    </a:ext>
+                  </a:extLst>
+                </a:gridCol>
+                <a:gridCol w="1019780">
+                  <a:extLst>
+                    <a:ext uri="{9D8B030D-6E8A-4147-A177-3AD203B41FA5}">
+                      <a16:colId xmlns:a16="http://schemas.microsoft.com/office/drawing/2014/main" val="3174608995"/>
+                    </a:ext>
+                  </a:extLst>
+                </a:gridCol>
+                <a:gridCol w="1019780">
+                  <a:extLst>
+                    <a:ext uri="{9D8B030D-6E8A-4147-A177-3AD203B41FA5}">
+                      <a16:colId xmlns:a16="http://schemas.microsoft.com/office/drawing/2014/main" val="2801649677"/>
+                    </a:ext>
+                  </a:extLst>
+                </a:gridCol>
+                <a:gridCol w="1063199">
+                  <a:extLst>
+                    <a:ext uri="{9D8B030D-6E8A-4147-A177-3AD203B41FA5}">
+                      <a16:colId xmlns:a16="http://schemas.microsoft.com/office/drawing/2014/main" val="2377661150"/>
+                    </a:ext>
+                  </a:extLst>
+                </a:gridCol>
+                <a:gridCol w="1890132">
+                  <a:extLst>
+                    <a:ext uri="{9D8B030D-6E8A-4147-A177-3AD203B41FA5}">
+                      <a16:colId xmlns:a16="http://schemas.microsoft.com/office/drawing/2014/main" val="3690161372"/>
+                    </a:ext>
+                  </a:extLst>
+                </a:gridCol>
+                <a:gridCol w="1296100">
+                  <a:extLst>
+                    <a:ext uri="{9D8B030D-6E8A-4147-A177-3AD203B41FA5}">
+                      <a16:colId xmlns:a16="http://schemas.microsoft.com/office/drawing/2014/main" val="1438776479"/>
+                    </a:ext>
+                  </a:extLst>
+                </a:gridCol>
+              </a:tblGrid>
+              <a:tr h="468330">
+                <a:tc>
+                  <a:txBody>
+                    <a:bodyPr/>
+                    <a:lstStyle/>
+                    <a:p>
+                      <a:r>
+                        <a:rPr lang="pl-PL" dirty="0">
+                          <a:solidFill>
+                            <a:schemeClr val="tx1"/>
+                          </a:solidFill>
+                        </a:rPr>
+                        <a:t>Klasyfikacja wieloklasowa</a:t>
+                      </a:r>
+                      <a:endParaRPr lang="en-US" dirty="0">
+                        <a:solidFill>
+                          <a:schemeClr val="tx1"/>
+                        </a:solidFill>
+                      </a:endParaRPr>
+                    </a:p>
+                  </a:txBody>
+                  <a:tcPr>
+                    <a:lnL w="12700" cap="flat" cmpd="sng" algn="ctr">
+                      <a:solidFill>
+                        <a:schemeClr val="tx1"/>
+                      </a:solidFill>
+                      <a:prstDash val="solid"/>
+                      <a:round/>
+                      <a:headEnd type="none" w="med" len="med"/>
+                      <a:tailEnd type="none" w="med" len="med"/>
+                    </a:lnL>
+                    <a:lnT w="12700" cap="flat" cmpd="sng" algn="ctr">
+                      <a:solidFill>
+                        <a:schemeClr val="tx1"/>
+                      </a:solidFill>
+                      <a:prstDash val="solid"/>
+                      <a:round/>
+                      <a:headEnd type="none" w="med" len="med"/>
+                      <a:tailEnd type="none" w="med" len="med"/>
+                    </a:lnT>
+                    <a:solidFill>
+                      <a:schemeClr val="bg1"/>
+                    </a:solidFill>
+                  </a:tcPr>
+                </a:tc>
+                <a:tc>
+                  <a:txBody>
+                    <a:bodyPr/>
+                    <a:lstStyle/>
+                    <a:p>
+                      <a:r>
+                        <a:rPr lang="pl-PL" dirty="0"/>
+                        <a:t>Indeks S&amp;P 500</a:t>
+                      </a:r>
+                      <a:endParaRPr lang="en-US" dirty="0"/>
+                    </a:p>
+                  </a:txBody>
+                  <a:tcPr>
+                    <a:lnT w="12700" cap="flat" cmpd="sng" algn="ctr">
+                      <a:solidFill>
+                        <a:schemeClr val="tx1"/>
+                      </a:solidFill>
+                      <a:prstDash val="solid"/>
+                      <a:round/>
+                      <a:headEnd type="none" w="med" len="med"/>
+                      <a:tailEnd type="none" w="med" len="med"/>
+                    </a:lnT>
+                  </a:tcPr>
+                </a:tc>
+                <a:tc>
+                  <a:txBody>
+                    <a:bodyPr/>
+                    <a:lstStyle/>
+                    <a:p>
+                      <a:r>
+                        <a:rPr lang="pl-PL" dirty="0" err="1"/>
+                        <a:t>Buy</a:t>
+                      </a:r>
+                      <a:r>
+                        <a:rPr lang="pl-PL" dirty="0"/>
+                        <a:t> and </a:t>
+                      </a:r>
+                      <a:r>
+                        <a:rPr lang="pl-PL" dirty="0" err="1"/>
+                        <a:t>hold</a:t>
+                      </a:r>
+                      <a:endParaRPr lang="en-US" dirty="0"/>
+                    </a:p>
+                  </a:txBody>
+                  <a:tcPr>
+                    <a:lnT w="12700" cap="flat" cmpd="sng" algn="ctr">
+                      <a:solidFill>
+                        <a:schemeClr val="tx1"/>
+                      </a:solidFill>
+                      <a:prstDash val="solid"/>
+                      <a:round/>
+                      <a:headEnd type="none" w="med" len="med"/>
+                      <a:tailEnd type="none" w="med" len="med"/>
+                    </a:lnT>
+                  </a:tcPr>
+                </a:tc>
+                <a:tc>
+                  <a:txBody>
+                    <a:bodyPr/>
+                    <a:lstStyle/>
+                    <a:p>
+                      <a:r>
+                        <a:rPr lang="pl-PL" dirty="0"/>
+                        <a:t>MLP</a:t>
+                      </a:r>
+                      <a:endParaRPr lang="en-US" dirty="0"/>
+                    </a:p>
+                  </a:txBody>
+                  <a:tcPr>
+                    <a:lnT w="12700" cap="flat" cmpd="sng" algn="ctr">
+                      <a:solidFill>
+                        <a:schemeClr val="tx1"/>
+                      </a:solidFill>
+                      <a:prstDash val="solid"/>
+                      <a:round/>
+                      <a:headEnd type="none" w="med" len="med"/>
+                      <a:tailEnd type="none" w="med" len="med"/>
+                    </a:lnT>
+                  </a:tcPr>
+                </a:tc>
+                <a:tc>
+                  <a:txBody>
+                    <a:bodyPr/>
+                    <a:lstStyle/>
+                    <a:p>
+                      <a:r>
+                        <a:rPr lang="pl-PL" dirty="0"/>
+                        <a:t>SVM</a:t>
+                      </a:r>
+                      <a:endParaRPr lang="en-US" dirty="0"/>
+                    </a:p>
+                  </a:txBody>
+                  <a:tcPr>
+                    <a:lnT w="12700" cap="flat" cmpd="sng" algn="ctr">
+                      <a:solidFill>
+                        <a:schemeClr val="tx1"/>
+                      </a:solidFill>
+                      <a:prstDash val="solid"/>
+                      <a:round/>
+                      <a:headEnd type="none" w="med" len="med"/>
+                      <a:tailEnd type="none" w="med" len="med"/>
+                    </a:lnT>
+                  </a:tcPr>
+                </a:tc>
+                <a:tc>
+                  <a:txBody>
+                    <a:bodyPr/>
+                    <a:lstStyle/>
+                    <a:p>
+                      <a:r>
+                        <a:rPr lang="pl-PL" dirty="0" err="1"/>
+                        <a:t>Random</a:t>
+                      </a:r>
+                      <a:r>
+                        <a:rPr lang="pl-PL" dirty="0"/>
+                        <a:t> </a:t>
+                      </a:r>
+                      <a:r>
+                        <a:rPr lang="pl-PL" dirty="0" err="1"/>
+                        <a:t>forest</a:t>
+                      </a:r>
+                      <a:endParaRPr lang="en-US" dirty="0"/>
+                    </a:p>
+                  </a:txBody>
+                  <a:tcPr>
+                    <a:lnT w="12700" cap="flat" cmpd="sng" algn="ctr">
+                      <a:solidFill>
+                        <a:schemeClr val="tx1"/>
+                      </a:solidFill>
+                      <a:prstDash val="solid"/>
+                      <a:round/>
+                      <a:headEnd type="none" w="med" len="med"/>
+                      <a:tailEnd type="none" w="med" len="med"/>
+                    </a:lnT>
+                  </a:tcPr>
+                </a:tc>
+                <a:tc>
+                  <a:txBody>
+                    <a:bodyPr/>
+                    <a:lstStyle/>
+                    <a:p>
+                      <a:r>
+                        <a:rPr lang="pl-PL" dirty="0" err="1"/>
+                        <a:t>Light</a:t>
+                      </a:r>
+                      <a:r>
+                        <a:rPr lang="pl-PL" dirty="0"/>
+                        <a:t> GBM</a:t>
+                      </a:r>
+                      <a:endParaRPr lang="en-US" dirty="0"/>
+                    </a:p>
+                  </a:txBody>
+                  <a:tcPr>
+                    <a:lnR w="12700" cap="flat" cmpd="sng" algn="ctr">
+                      <a:solidFill>
+                        <a:schemeClr val="tx1"/>
+                      </a:solidFill>
+                      <a:prstDash val="solid"/>
+                      <a:round/>
+                      <a:headEnd type="none" w="med" len="med"/>
+                      <a:tailEnd type="none" w="med" len="med"/>
+                    </a:lnR>
+                    <a:lnT w="12700" cap="flat" cmpd="sng" algn="ctr">
+                      <a:solidFill>
+                        <a:schemeClr val="tx1"/>
+                      </a:solidFill>
+                      <a:prstDash val="solid"/>
+                      <a:round/>
+                      <a:headEnd type="none" w="med" len="med"/>
+                      <a:tailEnd type="none" w="med" len="med"/>
+                    </a:lnT>
+                  </a:tcPr>
+                </a:tc>
+                <a:extLst>
+                  <a:ext uri="{0D108BD9-81ED-4DB2-BD59-A6C34878D82A}">
+                    <a16:rowId xmlns:a16="http://schemas.microsoft.com/office/drawing/2014/main" val="1094943057"/>
+                  </a:ext>
+                </a:extLst>
+              </a:tr>
+              <a:tr h="370840">
+                <a:tc>
+                  <a:txBody>
+                    <a:bodyPr/>
+                    <a:lstStyle/>
+                    <a:p>
+                      <a:r>
+                        <a:rPr lang="pl-PL" dirty="0"/>
+                        <a:t>Średni zysk (%)</a:t>
+                      </a:r>
+                      <a:endParaRPr lang="en-US" dirty="0"/>
+                    </a:p>
+                  </a:txBody>
+                  <a:tcPr>
+                    <a:lnL w="12700" cap="flat" cmpd="sng" algn="ctr">
+                      <a:solidFill>
+                        <a:schemeClr val="tx1"/>
+                      </a:solidFill>
+                      <a:prstDash val="solid"/>
+                      <a:round/>
+                      <a:headEnd type="none" w="med" len="med"/>
+                      <a:tailEnd type="none" w="med" len="med"/>
+                    </a:lnL>
+                    <a:lnB w="12700" cap="flat" cmpd="sng" algn="ctr">
+                      <a:solidFill>
+                        <a:schemeClr val="tx1"/>
+                      </a:solidFill>
+                      <a:prstDash val="solid"/>
+                      <a:round/>
+                      <a:headEnd type="none" w="med" len="med"/>
+                      <a:tailEnd type="none" w="med" len="med"/>
+                    </a:lnB>
+                  </a:tcPr>
+                </a:tc>
+                <a:tc>
+                  <a:txBody>
+                    <a:bodyPr/>
+                    <a:lstStyle/>
+                    <a:p>
+                      <a:r>
+                        <a:rPr lang="pl-PL" dirty="0"/>
+                        <a:t>118.45</a:t>
+                      </a:r>
+                      <a:endParaRPr lang="en-US" dirty="0"/>
+                    </a:p>
+                  </a:txBody>
+                  <a:tcPr>
+                    <a:lnB w="12700" cap="flat" cmpd="sng" algn="ctr">
+                      <a:solidFill>
+                        <a:schemeClr val="tx1"/>
+                      </a:solidFill>
+                      <a:prstDash val="solid"/>
+                      <a:round/>
+                      <a:headEnd type="none" w="med" len="med"/>
+                      <a:tailEnd type="none" w="med" len="med"/>
+                    </a:lnB>
+                  </a:tcPr>
+                </a:tc>
+                <a:tc>
+                  <a:txBody>
+                    <a:bodyPr/>
+                    <a:lstStyle/>
+                    <a:p>
+                      <a:r>
+                        <a:rPr lang="pl-PL" dirty="0"/>
+                        <a:t>124,41</a:t>
+                      </a:r>
+                      <a:endParaRPr lang="en-US" dirty="0"/>
+                    </a:p>
+                  </a:txBody>
+                  <a:tcPr>
+                    <a:lnB w="12700" cap="flat" cmpd="sng" algn="ctr">
+                      <a:solidFill>
+                        <a:schemeClr val="tx1"/>
+                      </a:solidFill>
+                      <a:prstDash val="solid"/>
+                      <a:round/>
+                      <a:headEnd type="none" w="med" len="med"/>
+                      <a:tailEnd type="none" w="med" len="med"/>
+                    </a:lnB>
+                  </a:tcPr>
+                </a:tc>
+                <a:tc>
+                  <a:txBody>
+                    <a:bodyPr/>
+                    <a:lstStyle/>
+                    <a:p>
+                      <a:r>
+                        <a:rPr lang="pl-PL" dirty="0"/>
+                        <a:t>140,01</a:t>
+                      </a:r>
+                      <a:endParaRPr lang="en-US" dirty="0"/>
+                    </a:p>
+                  </a:txBody>
+                  <a:tcPr>
+                    <a:lnB w="12700" cap="flat" cmpd="sng" algn="ctr">
+                      <a:solidFill>
+                        <a:schemeClr val="tx1"/>
+                      </a:solidFill>
+                      <a:prstDash val="solid"/>
+                      <a:round/>
+                      <a:headEnd type="none" w="med" len="med"/>
+                      <a:tailEnd type="none" w="med" len="med"/>
+                    </a:lnB>
+                  </a:tcPr>
+                </a:tc>
+                <a:tc>
+                  <a:txBody>
+                    <a:bodyPr/>
+                    <a:lstStyle/>
+                    <a:p>
+                      <a:r>
+                        <a:rPr lang="pl-PL" dirty="0"/>
+                        <a:t>120,12</a:t>
+                      </a:r>
+                      <a:endParaRPr lang="en-US" dirty="0"/>
+                    </a:p>
+                  </a:txBody>
+                  <a:tcPr>
+                    <a:lnB w="12700" cap="flat" cmpd="sng" algn="ctr">
+                      <a:solidFill>
+                        <a:schemeClr val="tx1"/>
+                      </a:solidFill>
+                      <a:prstDash val="solid"/>
+                      <a:round/>
+                      <a:headEnd type="none" w="med" len="med"/>
+                      <a:tailEnd type="none" w="med" len="med"/>
+                    </a:lnB>
+                  </a:tcPr>
+                </a:tc>
+                <a:tc>
+                  <a:txBody>
+                    <a:bodyPr/>
+                    <a:lstStyle/>
+                    <a:p>
+                      <a:r>
+                        <a:rPr lang="pl-PL" dirty="0"/>
+                        <a:t>107,55</a:t>
+                      </a:r>
+                      <a:endParaRPr lang="en-US" dirty="0"/>
+                    </a:p>
+                  </a:txBody>
+                  <a:tcPr>
+                    <a:lnB w="12700" cap="flat" cmpd="sng" algn="ctr">
+                      <a:solidFill>
+                        <a:schemeClr val="tx1"/>
+                      </a:solidFill>
+                      <a:prstDash val="solid"/>
+                      <a:round/>
+                      <a:headEnd type="none" w="med" len="med"/>
+                      <a:tailEnd type="none" w="med" len="med"/>
+                    </a:lnB>
+                  </a:tcPr>
+                </a:tc>
+                <a:tc>
+                  <a:txBody>
+                    <a:bodyPr/>
+                    <a:lstStyle/>
+                    <a:p>
+                      <a:r>
+                        <a:rPr lang="pl-PL" dirty="0"/>
+                        <a:t>131,74</a:t>
+                      </a:r>
+                      <a:endParaRPr lang="en-US" dirty="0"/>
+                    </a:p>
+                  </a:txBody>
+                  <a:tcPr>
+                    <a:lnR w="12700" cap="flat" cmpd="sng" algn="ctr">
+                      <a:solidFill>
+                        <a:schemeClr val="tx1"/>
+                      </a:solidFill>
+                      <a:prstDash val="solid"/>
+                      <a:round/>
+                      <a:headEnd type="none" w="med" len="med"/>
+                      <a:tailEnd type="none" w="med" len="med"/>
+                    </a:lnR>
+                    <a:lnB w="12700" cap="flat" cmpd="sng" algn="ctr">
+                      <a:solidFill>
+                        <a:schemeClr val="tx1"/>
+                      </a:solidFill>
+                      <a:prstDash val="solid"/>
+                      <a:round/>
+                      <a:headEnd type="none" w="med" len="med"/>
+                      <a:tailEnd type="none" w="med" len="med"/>
+                    </a:lnB>
+                  </a:tcPr>
+                </a:tc>
+                <a:extLst>
+                  <a:ext uri="{0D108BD9-81ED-4DB2-BD59-A6C34878D82A}">
+                    <a16:rowId xmlns:a16="http://schemas.microsoft.com/office/drawing/2014/main" val="1759287522"/>
+                  </a:ext>
+                </a:extLst>
+              </a:tr>
+            </a:tbl>
+          </a:graphicData>
+        </a:graphic>
+      </p:graphicFrame>
+      <p:sp>
+        <p:nvSpPr>
+          <p:cNvPr id="4" name="pole tekstowe 3">
+            <a:extLst>
+              <a:ext uri="{FF2B5EF4-FFF2-40B4-BE49-F238E27FC236}">
+                <a16:creationId xmlns:a16="http://schemas.microsoft.com/office/drawing/2014/main" id="{167FC77C-1FA5-459F-B4A9-4CADD2E658C8}"/>
+              </a:ext>
+            </a:extLst>
+          </p:cNvPr>
+          <p:cNvSpPr txBox="1"/>
+          <p:nvPr/>
+        </p:nvSpPr>
+        <p:spPr>
+          <a:xfrm>
+            <a:off x="404601" y="2915728"/>
+            <a:ext cx="3112858" cy="1200329"/>
+          </a:xfrm>
+          <a:prstGeom prst="rect">
+            <a:avLst/>
+          </a:prstGeom>
+          <a:noFill/>
+        </p:spPr>
+        <p:txBody>
+          <a:bodyPr wrap="square" rtlCol="0">
+            <a:spAutoFit/>
+          </a:bodyPr>
+          <a:lstStyle/>
+          <a:p>
+            <a:r>
+              <a:rPr lang="pl-PL" dirty="0"/>
+              <a:t>Wyniki na podstawie symulacji giełdowej wykonanej na sesjach giełdowych między 1 stycznia 2019, a 6 lipca 2019.</a:t>
+            </a:r>
+            <a:endParaRPr lang="en-US" dirty="0"/>
+          </a:p>
+        </p:txBody>
+      </p:sp>
+    </p:spTree>
+    <p:extLst>
+      <p:ext uri="{BB962C8B-B14F-4D97-AF65-F5344CB8AC3E}">
+        <p14:creationId xmlns:p14="http://schemas.microsoft.com/office/powerpoint/2010/main" val="1962229201"/>
+      </p:ext>
+    </p:extLst>
+  </p:cSld>
+  <p:clrMapOvr>
+    <a:masterClrMapping/>
+  </p:clrMapOvr>
+</p:sld>
+</file>
+
+<file path=ppt/slides/slide15.xml><?xml version="1.0" encoding="utf-8"?>
+<p:sld xmlns:a="http://schemas.openxmlformats.org/drawingml/2006/main" xmlns:r="http://schemas.openxmlformats.org/officeDocument/2006/relationships" xmlns:p="http://schemas.openxmlformats.org/presentationml/2006/main">
+  <p:cSld>
+    <p:spTree>
+      <p:nvGrpSpPr>
+        <p:cNvPr id="1" name=""/>
+        <p:cNvGrpSpPr/>
+        <p:nvPr/>
+      </p:nvGrpSpPr>
+      <p:grpSpPr>
+        <a:xfrm>
+          <a:off x="0" y="0"/>
+          <a:ext cx="0" cy="0"/>
+          <a:chOff x="0" y="0"/>
+          <a:chExt cx="0" cy="0"/>
+        </a:xfrm>
+      </p:grpSpPr>
+      <p:sp>
+        <p:nvSpPr>
+          <p:cNvPr id="3" name="PoleTekstowe 2"/>
+          <p:cNvSpPr txBox="1"/>
+          <p:nvPr/>
+        </p:nvSpPr>
+        <p:spPr>
+          <a:xfrm>
+            <a:off x="404601" y="298053"/>
+            <a:ext cx="8423810" cy="754694"/>
+          </a:xfrm>
+          <a:prstGeom prst="rect">
+            <a:avLst/>
+          </a:prstGeom>
+          <a:noFill/>
+        </p:spPr>
+        <p:txBody>
+          <a:bodyPr wrap="square" rtlCol="0">
+            <a:spAutoFit/>
+          </a:bodyPr>
+          <a:lstStyle/>
+          <a:p>
+            <a:pPr algn="just">
+              <a:lnSpc>
+                <a:spcPct val="150000"/>
+              </a:lnSpc>
+            </a:pPr>
+            <a:r>
+              <a:rPr lang="pl-PL" sz="3200" dirty="0">
+                <a:solidFill>
+                  <a:srgbClr val="3C3C4C"/>
+                </a:solidFill>
+                <a:latin typeface="Adagio_Slab" charset="0"/>
+                <a:ea typeface="Adagio_Slab" charset="0"/>
+                <a:cs typeface="Adagio_Slab" charset="0"/>
+              </a:rPr>
+              <a:t>Symulacja giełdowa</a:t>
+            </a:r>
+          </a:p>
+        </p:txBody>
+      </p:sp>
+      <p:sp>
+        <p:nvSpPr>
+          <p:cNvPr id="5" name="Symbol zastępczy numeru slajdu 4"/>
+          <p:cNvSpPr>
+            <a:spLocks noGrp="1"/>
+          </p:cNvSpPr>
+          <p:nvPr>
+            <p:ph type="sldNum" sz="quarter" idx="12"/>
+          </p:nvPr>
+        </p:nvSpPr>
+        <p:spPr>
+          <a:xfrm>
+            <a:off x="9201319" y="298053"/>
+            <a:ext cx="2743200" cy="365125"/>
+          </a:xfrm>
+        </p:spPr>
+        <p:txBody>
+          <a:bodyPr/>
+          <a:lstStyle/>
+          <a:p>
+            <a:fld id="{F35BE31D-8307-A84B-9D2D-2944E6584EB9}" type="slidenum">
+              <a:rPr lang="pl-PL" sz="4000" smtClean="0">
+                <a:solidFill>
+                  <a:srgbClr val="3C3C4C"/>
+                </a:solidFill>
+                <a:latin typeface="Radikal WUT" charset="0"/>
+                <a:ea typeface="Radikal WUT" charset="0"/>
+                <a:cs typeface="Radikal WUT" charset="0"/>
+              </a:rPr>
+              <a:pPr/>
+              <a:t>15</a:t>
+            </a:fld>
+            <a:endParaRPr lang="pl-PL" sz="4000" dirty="0">
+              <a:solidFill>
+                <a:srgbClr val="3C3C4C"/>
+              </a:solidFill>
+              <a:latin typeface="Radikal WUT" charset="0"/>
+              <a:ea typeface="Radikal WUT" charset="0"/>
+              <a:cs typeface="Radikal WUT" charset="0"/>
+            </a:endParaRPr>
+          </a:p>
+        </p:txBody>
+      </p:sp>
+      <p:pic>
+        <p:nvPicPr>
+          <p:cNvPr id="6" name="Obraz 5" descr="Obraz zawierający tekst, mapa&#10;&#10;Opis wygenerowany automatycznie">
+            <a:extLst>
+              <a:ext uri="{FF2B5EF4-FFF2-40B4-BE49-F238E27FC236}">
+                <a16:creationId xmlns:a16="http://schemas.microsoft.com/office/drawing/2014/main" id="{74CA7E6F-8A05-404F-A692-26F52F6667FB}"/>
+              </a:ext>
+            </a:extLst>
+          </p:cNvPr>
+          <p:cNvPicPr>
+            <a:picLocks noChangeAspect="1"/>
+          </p:cNvPicPr>
+          <p:nvPr/>
+        </p:nvPicPr>
+        <p:blipFill>
+          <a:blip r:embed="rId3"/>
+          <a:stretch>
+            <a:fillRect/>
+          </a:stretch>
+        </p:blipFill>
+        <p:spPr>
+          <a:xfrm>
+            <a:off x="6252220" y="1233487"/>
+            <a:ext cx="5848350" cy="4391025"/>
+          </a:xfrm>
+          <a:prstGeom prst="rect">
+            <a:avLst/>
+          </a:prstGeom>
+        </p:spPr>
+      </p:pic>
+      <p:pic>
+        <p:nvPicPr>
+          <p:cNvPr id="8" name="Obraz 7">
+            <a:extLst>
+              <a:ext uri="{FF2B5EF4-FFF2-40B4-BE49-F238E27FC236}">
+                <a16:creationId xmlns:a16="http://schemas.microsoft.com/office/drawing/2014/main" id="{B0940D8E-2E08-4B4F-A549-17A351720A69}"/>
+              </a:ext>
+            </a:extLst>
+          </p:cNvPr>
+          <p:cNvPicPr>
+            <a:picLocks noChangeAspect="1"/>
+          </p:cNvPicPr>
+          <p:nvPr/>
+        </p:nvPicPr>
+        <p:blipFill>
+          <a:blip r:embed="rId4"/>
+          <a:stretch>
+            <a:fillRect/>
+          </a:stretch>
+        </p:blipFill>
+        <p:spPr>
+          <a:xfrm>
+            <a:off x="404601" y="1234036"/>
+            <a:ext cx="5847619" cy="4390476"/>
+          </a:xfrm>
+          <a:prstGeom prst="rect">
+            <a:avLst/>
+          </a:prstGeom>
+        </p:spPr>
+      </p:pic>
+    </p:spTree>
+    <p:extLst>
+      <p:ext uri="{BB962C8B-B14F-4D97-AF65-F5344CB8AC3E}">
+        <p14:creationId xmlns:p14="http://schemas.microsoft.com/office/powerpoint/2010/main" val="1494458866"/>
+      </p:ext>
+    </p:extLst>
+  </p:cSld>
+  <p:clrMapOvr>
+    <a:masterClrMapping/>
+  </p:clrMapOvr>
+</p:sld>
+</file>
+
+<file path=ppt/slides/slide16.xml><?xml version="1.0" encoding="utf-8"?>
+<p:sld xmlns:a="http://schemas.openxmlformats.org/drawingml/2006/main" xmlns:r="http://schemas.openxmlformats.org/officeDocument/2006/relationships" xmlns:p="http://schemas.openxmlformats.org/presentationml/2006/main">
+  <p:cSld>
+    <p:spTree>
+      <p:nvGrpSpPr>
+        <p:cNvPr id="1" name=""/>
+        <p:cNvGrpSpPr/>
+        <p:nvPr/>
+      </p:nvGrpSpPr>
+      <p:grpSpPr>
+        <a:xfrm>
+          <a:off x="0" y="0"/>
+          <a:ext cx="0" cy="0"/>
+          <a:chOff x="0" y="0"/>
+          <a:chExt cx="0" cy="0"/>
+        </a:xfrm>
+      </p:grpSpPr>
+      <p:sp>
+        <p:nvSpPr>
+          <p:cNvPr id="3" name="PoleTekstowe 2"/>
+          <p:cNvSpPr txBox="1"/>
+          <p:nvPr/>
+        </p:nvSpPr>
+        <p:spPr>
+          <a:xfrm>
+            <a:off x="404601" y="298053"/>
+            <a:ext cx="8423810" cy="754694"/>
+          </a:xfrm>
+          <a:prstGeom prst="rect">
+            <a:avLst/>
+          </a:prstGeom>
+          <a:noFill/>
+        </p:spPr>
+        <p:txBody>
+          <a:bodyPr wrap="square" rtlCol="0">
+            <a:spAutoFit/>
+          </a:bodyPr>
+          <a:lstStyle/>
+          <a:p>
+            <a:pPr algn="just">
+              <a:lnSpc>
+                <a:spcPct val="150000"/>
+              </a:lnSpc>
+            </a:pPr>
+            <a:r>
+              <a:rPr lang="pl-PL" sz="3200" dirty="0">
+                <a:solidFill>
+                  <a:srgbClr val="3C3C4C"/>
+                </a:solidFill>
+                <a:latin typeface="Adagio_Slab" charset="0"/>
+                <a:ea typeface="Adagio_Slab" charset="0"/>
+                <a:cs typeface="Adagio_Slab" charset="0"/>
+              </a:rPr>
+              <a:t>Symulacja giełdowa – porównanie</a:t>
+            </a:r>
+          </a:p>
+        </p:txBody>
+      </p:sp>
+      <p:sp>
+        <p:nvSpPr>
+          <p:cNvPr id="5" name="Symbol zastępczy numeru slajdu 4"/>
+          <p:cNvSpPr>
+            <a:spLocks noGrp="1"/>
+          </p:cNvSpPr>
+          <p:nvPr>
+            <p:ph type="sldNum" sz="quarter" idx="12"/>
+          </p:nvPr>
+        </p:nvSpPr>
+        <p:spPr>
+          <a:xfrm>
+            <a:off x="9201319" y="298053"/>
+            <a:ext cx="2743200" cy="365125"/>
+          </a:xfrm>
+        </p:spPr>
+        <p:txBody>
+          <a:bodyPr/>
+          <a:lstStyle/>
+          <a:p>
+            <a:fld id="{F35BE31D-8307-A84B-9D2D-2944E6584EB9}" type="slidenum">
+              <a:rPr lang="pl-PL" sz="4000" smtClean="0">
+                <a:solidFill>
+                  <a:srgbClr val="3C3C4C"/>
+                </a:solidFill>
+                <a:latin typeface="Radikal WUT" charset="0"/>
+                <a:ea typeface="Radikal WUT" charset="0"/>
+                <a:cs typeface="Radikal WUT" charset="0"/>
+              </a:rPr>
+              <a:pPr/>
+              <a:t>16</a:t>
+            </a:fld>
+            <a:endParaRPr lang="pl-PL" sz="4000" dirty="0">
+              <a:solidFill>
+                <a:srgbClr val="3C3C4C"/>
+              </a:solidFill>
+              <a:latin typeface="Radikal WUT" charset="0"/>
+              <a:ea typeface="Radikal WUT" charset="0"/>
+              <a:cs typeface="Radikal WUT" charset="0"/>
+            </a:endParaRPr>
+          </a:p>
+        </p:txBody>
+      </p:sp>
+      <p:pic>
+        <p:nvPicPr>
+          <p:cNvPr id="2" name="Obraz 1">
+            <a:extLst>
+              <a:ext uri="{FF2B5EF4-FFF2-40B4-BE49-F238E27FC236}">
+                <a16:creationId xmlns:a16="http://schemas.microsoft.com/office/drawing/2014/main" id="{19037A2C-19A0-4662-B2F5-E63B14D14FBB}"/>
+              </a:ext>
+            </a:extLst>
+          </p:cNvPr>
+          <p:cNvPicPr>
+            <a:picLocks noChangeAspect="1"/>
+          </p:cNvPicPr>
+          <p:nvPr/>
+        </p:nvPicPr>
+        <p:blipFill>
+          <a:blip r:embed="rId3"/>
+          <a:stretch>
+            <a:fillRect/>
+          </a:stretch>
+        </p:blipFill>
+        <p:spPr>
+          <a:xfrm>
+            <a:off x="264138" y="1540831"/>
+            <a:ext cx="5751742" cy="4319823"/>
+          </a:xfrm>
+          <a:prstGeom prst="rect">
+            <a:avLst/>
+          </a:prstGeom>
+        </p:spPr>
+      </p:pic>
+      <p:pic>
+        <p:nvPicPr>
+          <p:cNvPr id="6" name="Obraz 5">
+            <a:extLst>
+              <a:ext uri="{FF2B5EF4-FFF2-40B4-BE49-F238E27FC236}">
+                <a16:creationId xmlns:a16="http://schemas.microsoft.com/office/drawing/2014/main" id="{D0AA1778-EDA6-4501-96DE-BE891FAEE859}"/>
+              </a:ext>
+            </a:extLst>
+          </p:cNvPr>
+          <p:cNvPicPr>
+            <a:picLocks noChangeAspect="1"/>
+          </p:cNvPicPr>
+          <p:nvPr/>
+        </p:nvPicPr>
+        <p:blipFill>
+          <a:blip r:embed="rId4"/>
+          <a:stretch>
+            <a:fillRect/>
+          </a:stretch>
+        </p:blipFill>
+        <p:spPr>
+          <a:xfrm>
+            <a:off x="6015880" y="1540830"/>
+            <a:ext cx="5777461" cy="4319823"/>
+          </a:xfrm>
+          <a:prstGeom prst="rect">
+            <a:avLst/>
+          </a:prstGeom>
+        </p:spPr>
+      </p:pic>
+    </p:spTree>
+    <p:extLst>
+      <p:ext uri="{BB962C8B-B14F-4D97-AF65-F5344CB8AC3E}">
+        <p14:creationId xmlns:p14="http://schemas.microsoft.com/office/powerpoint/2010/main" val="977048733"/>
+      </p:ext>
+    </p:extLst>
+  </p:cSld>
+  <p:clrMapOvr>
+    <a:masterClrMapping/>
+  </p:clrMapOvr>
+</p:sld>
+</file>
+
+<file path=ppt/slides/slide17.xml><?xml version="1.0" encoding="utf-8"?>
+<p:sld xmlns:a="http://schemas.openxmlformats.org/drawingml/2006/main" xmlns:r="http://schemas.openxmlformats.org/officeDocument/2006/relationships" xmlns:p="http://schemas.openxmlformats.org/presentationml/2006/main">
+  <p:cSld>
+    <p:bg>
+      <p:bgPr>
         <a:blipFill dpi="0" rotWithShape="1">
           <a:blip r:embed="rId2" cstate="screen">
             <a:lum/>
@@ -3977,7 +7632,7 @@
         <p:spPr>
           <a:xfrm>
             <a:off x="404601" y="1021525"/>
-            <a:ext cx="8189140" cy="3913059"/>
+            <a:ext cx="8189140" cy="3359061"/>
           </a:xfrm>
           <a:prstGeom prst="rect">
             <a:avLst/>
@@ -4066,7 +7721,7 @@
                 <a:ea typeface="Adagio_Slab" charset="0"/>
                 <a:cs typeface="Adagio_Slab" charset="0"/>
               </a:rPr>
-              <a:t>Modele</a:t>
+              <a:t>Wykorzystane modele</a:t>
             </a:r>
           </a:p>
           <a:p>
@@ -4108,21 +7763,6 @@
               </a:rPr>
               <a:t>Symulacja giełdowa</a:t>
             </a:r>
-          </a:p>
-          <a:p>
-            <a:pPr algn="just">
-              <a:lnSpc>
-                <a:spcPct val="150000"/>
-              </a:lnSpc>
-            </a:pPr>
-            <a:endParaRPr lang="pl-PL" sz="2400" dirty="0">
-              <a:solidFill>
-                <a:srgbClr val="3C3C4C"/>
-              </a:solidFill>
-              <a:latin typeface="Adagio_Slab" charset="0"/>
-              <a:ea typeface="Adagio_Slab" charset="0"/>
-              <a:cs typeface="Adagio_Slab" charset="0"/>
-            </a:endParaRPr>
           </a:p>
         </p:txBody>
       </p:sp>
@@ -4243,8 +7883,8 @@
         </p:nvSpPr>
         <p:spPr>
           <a:xfrm>
-            <a:off x="404601" y="1156715"/>
-            <a:ext cx="10794702" cy="589072"/>
+            <a:off x="384766" y="895382"/>
+            <a:ext cx="10794702" cy="1143070"/>
           </a:xfrm>
           <a:prstGeom prst="rect">
             <a:avLst/>
@@ -4257,7 +7897,7 @@
           </a:bodyPr>
           <a:lstStyle/>
           <a:p>
-            <a:pPr algn="just">
+            <a:pPr algn="ctr">
               <a:lnSpc>
                 <a:spcPct val="150000"/>
               </a:lnSpc>
@@ -4271,7 +7911,7 @@
                 <a:ea typeface="Adagio_Slab" charset="0"/>
                 <a:cs typeface="Adagio_Slab" charset="0"/>
               </a:rPr>
-              <a:t>Giełda to sesje handlowe realizowane w ustalonym miejscu i czasie.</a:t>
+              <a:t>Głównym celem pracy było stworzenie programu wspomagającego niedoświadczonych inwestorów.</a:t>
             </a:r>
           </a:p>
         </p:txBody>
@@ -4321,10 +7961,428 @@
       </p:sp>
       <p:pic>
         <p:nvPicPr>
-          <p:cNvPr id="1026" name="Picture 2" descr="Image result for nasdaq floor">
+          <p:cNvPr id="7" name="Obraz 6">
             <a:extLst>
               <a:ext uri="{FF2B5EF4-FFF2-40B4-BE49-F238E27FC236}">
-                <a16:creationId xmlns:a16="http://schemas.microsoft.com/office/drawing/2014/main" id="{E76AE10B-AB15-44B8-80D0-9EB016AB6E01}"/>
+                <a16:creationId xmlns:a16="http://schemas.microsoft.com/office/drawing/2014/main" id="{FACECFAE-FCD9-488B-8D54-449FFB214C16}"/>
+              </a:ext>
+            </a:extLst>
+          </p:cNvPr>
+          <p:cNvPicPr>
+            <a:picLocks noChangeAspect="1"/>
+          </p:cNvPicPr>
+          <p:nvPr/>
+        </p:nvPicPr>
+        <p:blipFill>
+          <a:blip r:embed="rId3"/>
+          <a:stretch>
+            <a:fillRect/>
+          </a:stretch>
+        </p:blipFill>
+        <p:spPr>
+          <a:xfrm>
+            <a:off x="5360711" y="2038452"/>
+            <a:ext cx="6341932" cy="4747970"/>
+          </a:xfrm>
+          <a:prstGeom prst="rect">
+            <a:avLst/>
+          </a:prstGeom>
+        </p:spPr>
+      </p:pic>
+      <p:sp>
+        <p:nvSpPr>
+          <p:cNvPr id="8" name="pole tekstowe 7">
+            <a:extLst>
+              <a:ext uri="{FF2B5EF4-FFF2-40B4-BE49-F238E27FC236}">
+                <a16:creationId xmlns:a16="http://schemas.microsoft.com/office/drawing/2014/main" id="{3896881D-1F0A-47BD-B441-EC9AA9234900}"/>
+              </a:ext>
+            </a:extLst>
+          </p:cNvPr>
+          <p:cNvSpPr txBox="1"/>
+          <p:nvPr/>
+        </p:nvSpPr>
+        <p:spPr>
+          <a:xfrm>
+            <a:off x="293765" y="2989719"/>
+            <a:ext cx="5377516" cy="2677656"/>
+          </a:xfrm>
+          <a:prstGeom prst="rect">
+            <a:avLst/>
+          </a:prstGeom>
+          <a:noFill/>
+        </p:spPr>
+        <p:txBody>
+          <a:bodyPr wrap="square" rtlCol="0">
+            <a:spAutoFit/>
+          </a:bodyPr>
+          <a:lstStyle/>
+          <a:p>
+            <a:r>
+              <a:rPr lang="pl-PL" sz="2400" dirty="0"/>
+              <a:t>Dostępne dane podstawowe (dzienne):</a:t>
+            </a:r>
+          </a:p>
+          <a:p>
+            <a:pPr marL="742950" lvl="1" indent="-285750">
+              <a:buFont typeface="Arial" panose="020B0604020202020204" pitchFamily="34" charset="0"/>
+              <a:buChar char="•"/>
+            </a:pPr>
+            <a:r>
+              <a:rPr lang="pl-PL" sz="2400" dirty="0"/>
+              <a:t>data,</a:t>
+            </a:r>
+          </a:p>
+          <a:p>
+            <a:pPr marL="742950" lvl="1" indent="-285750">
+              <a:buFont typeface="Arial" panose="020B0604020202020204" pitchFamily="34" charset="0"/>
+              <a:buChar char="•"/>
+            </a:pPr>
+            <a:r>
+              <a:rPr lang="pl-PL" sz="2400" dirty="0"/>
+              <a:t>cena otwarcia,</a:t>
+            </a:r>
+          </a:p>
+          <a:p>
+            <a:pPr marL="742950" lvl="1" indent="-285750">
+              <a:buFont typeface="Arial" panose="020B0604020202020204" pitchFamily="34" charset="0"/>
+              <a:buChar char="•"/>
+            </a:pPr>
+            <a:r>
+              <a:rPr lang="pl-PL" sz="2400" dirty="0"/>
+              <a:t>cena zamknięcia,</a:t>
+            </a:r>
+          </a:p>
+          <a:p>
+            <a:pPr marL="742950" lvl="1" indent="-285750">
+              <a:buFont typeface="Arial" panose="020B0604020202020204" pitchFamily="34" charset="0"/>
+              <a:buChar char="•"/>
+            </a:pPr>
+            <a:r>
+              <a:rPr lang="pl-PL" sz="2400" dirty="0"/>
+              <a:t>ilość akcji w obrocie,</a:t>
+            </a:r>
+          </a:p>
+          <a:p>
+            <a:pPr marL="742950" lvl="1" indent="-285750">
+              <a:buFont typeface="Arial" panose="020B0604020202020204" pitchFamily="34" charset="0"/>
+              <a:buChar char="•"/>
+            </a:pPr>
+            <a:r>
+              <a:rPr lang="pl-PL" sz="2400" dirty="0"/>
+              <a:t>najniższa cena,</a:t>
+            </a:r>
+          </a:p>
+          <a:p>
+            <a:pPr marL="742950" lvl="1" indent="-285750">
+              <a:buFont typeface="Arial" panose="020B0604020202020204" pitchFamily="34" charset="0"/>
+              <a:buChar char="•"/>
+            </a:pPr>
+            <a:r>
+              <a:rPr lang="pl-PL" sz="2400" dirty="0"/>
+              <a:t>najwyższa cena.</a:t>
+            </a:r>
+          </a:p>
+        </p:txBody>
+      </p:sp>
+    </p:spTree>
+    <p:extLst>
+      <p:ext uri="{BB962C8B-B14F-4D97-AF65-F5344CB8AC3E}">
+        <p14:creationId xmlns:p14="http://schemas.microsoft.com/office/powerpoint/2010/main" val="1323989833"/>
+      </p:ext>
+    </p:extLst>
+  </p:cSld>
+  <p:clrMapOvr>
+    <a:masterClrMapping/>
+  </p:clrMapOvr>
+</p:sld>
+</file>
+
+<file path=ppt/slides/slide4.xml><?xml version="1.0" encoding="utf-8"?>
+<p:sld xmlns:a="http://schemas.openxmlformats.org/drawingml/2006/main" xmlns:r="http://schemas.openxmlformats.org/officeDocument/2006/relationships" xmlns:p="http://schemas.openxmlformats.org/presentationml/2006/main">
+  <p:cSld>
+    <p:bg>
+      <p:bgPr>
+        <a:solidFill>
+          <a:schemeClr val="tx1"/>
+        </a:solidFill>
+        <a:effectLst/>
+      </p:bgPr>
+    </p:bg>
+    <p:spTree>
+      <p:nvGrpSpPr>
+        <p:cNvPr id="1" name=""/>
+        <p:cNvGrpSpPr/>
+        <p:nvPr/>
+      </p:nvGrpSpPr>
+      <p:grpSpPr>
+        <a:xfrm>
+          <a:off x="0" y="0"/>
+          <a:ext cx="0" cy="0"/>
+          <a:chOff x="0" y="0"/>
+          <a:chExt cx="0" cy="0"/>
+        </a:xfrm>
+      </p:grpSpPr>
+      <p:sp>
+        <p:nvSpPr>
+          <p:cNvPr id="71" name="Rectangle 70">
+            <a:extLst>
+              <a:ext uri="{FF2B5EF4-FFF2-40B4-BE49-F238E27FC236}">
+                <a16:creationId xmlns:a16="http://schemas.microsoft.com/office/drawing/2014/main" id="{867D4867-5BA7-4462-B2F6-A23F4A622AA7}"/>
+              </a:ext>
+              <a:ext uri="{C183D7F6-B498-43B3-948B-1728B52AA6E4}">
+                <adec:decorative xmlns:adec="http://schemas.microsoft.com/office/drawing/2017/decorative" val="1"/>
+              </a:ext>
+            </a:extLst>
+          </p:cNvPr>
+          <p:cNvSpPr>
+            <a:spLocks noGrp="1" noRot="1" noChangeAspect="1" noMove="1" noResize="1" noEditPoints="1" noAdjustHandles="1" noChangeArrowheads="1" noChangeShapeType="1" noTextEdit="1"/>
+          </p:cNvSpPr>
+          <p:nvPr>
+            <p:extLst>
+              <p:ext uri="{386F3935-93C4-4BCD-93E2-E3B085C9AB24}">
+                <p16:designElem xmlns:p16="http://schemas.microsoft.com/office/powerpoint/2015/main" val="1"/>
+              </p:ext>
+            </p:extLst>
+          </p:nvPr>
+        </p:nvSpPr>
+        <p:spPr>
+          <a:xfrm>
+            <a:off x="0" y="0"/>
+            <a:ext cx="4654296" cy="6858000"/>
+          </a:xfrm>
+          <a:prstGeom prst="rect">
+            <a:avLst/>
+          </a:prstGeom>
+          <a:solidFill>
+            <a:srgbClr val="3F3F3F"/>
+          </a:solidFill>
+          <a:ln>
+            <a:noFill/>
+          </a:ln>
+        </p:spPr>
+        <p:style>
+          <a:lnRef idx="0">
+            <a:scrgbClr r="0" g="0" b="0"/>
+          </a:lnRef>
+          <a:fillRef idx="0">
+            <a:scrgbClr r="0" g="0" b="0"/>
+          </a:fillRef>
+          <a:effectRef idx="0">
+            <a:scrgbClr r="0" g="0" b="0"/>
+          </a:effectRef>
+          <a:fontRef idx="minor">
+            <a:schemeClr val="lt1"/>
+          </a:fontRef>
+        </p:style>
+        <p:txBody>
+          <a:bodyPr rtlCol="0" anchor="ctr"/>
+          <a:lstStyle/>
+          <a:p>
+            <a:pPr algn="ctr"/>
+            <a:endParaRPr lang="en-US" dirty="0"/>
+          </a:p>
+        </p:txBody>
+      </p:sp>
+      <p:sp>
+        <p:nvSpPr>
+          <p:cNvPr id="3" name="PoleTekstowe 2"/>
+          <p:cNvSpPr txBox="1"/>
+          <p:nvPr/>
+        </p:nvSpPr>
+        <p:spPr>
+          <a:xfrm>
+            <a:off x="643468" y="623392"/>
+            <a:ext cx="3363974" cy="1607060"/>
+          </a:xfrm>
+          <a:prstGeom prst="rect">
+            <a:avLst/>
+          </a:prstGeom>
+          <a:noFill/>
+          <a:ln w="19050">
+            <a:solidFill>
+              <a:schemeClr val="tx1"/>
+            </a:solidFill>
+          </a:ln>
+        </p:spPr>
+        <p:txBody>
+          <a:bodyPr vert="horz" wrap="square" lIns="91440" tIns="45720" rIns="91440" bIns="45720" rtlCol="0" anchor="ctr">
+            <a:normAutofit/>
+          </a:bodyPr>
+          <a:lstStyle/>
+          <a:p>
+            <a:pPr algn="ctr">
+              <a:lnSpc>
+                <a:spcPct val="90000"/>
+              </a:lnSpc>
+              <a:spcBef>
+                <a:spcPct val="0"/>
+              </a:spcBef>
+              <a:spcAft>
+                <a:spcPts val="600"/>
+              </a:spcAft>
+            </a:pPr>
+            <a:r>
+              <a:rPr lang="en-US" sz="2800" kern="1200" dirty="0">
+                <a:solidFill>
+                  <a:schemeClr val="tx1"/>
+                </a:solidFill>
+                <a:latin typeface="+mj-lt"/>
+                <a:ea typeface="+mj-ea"/>
+                <a:cs typeface="+mj-cs"/>
+              </a:rPr>
+              <a:t>Dane </a:t>
+            </a:r>
+            <a:r>
+              <a:rPr lang="en-US" sz="2800" kern="1200" dirty="0" err="1">
+                <a:solidFill>
+                  <a:schemeClr val="tx1"/>
+                </a:solidFill>
+                <a:latin typeface="+mj-lt"/>
+                <a:ea typeface="+mj-ea"/>
+                <a:cs typeface="+mj-cs"/>
+              </a:rPr>
+              <a:t>giełdowe</a:t>
+            </a:r>
+            <a:endParaRPr lang="en-US" sz="2800" kern="1200" dirty="0">
+              <a:solidFill>
+                <a:schemeClr val="tx1"/>
+              </a:solidFill>
+              <a:latin typeface="+mj-lt"/>
+              <a:ea typeface="+mj-ea"/>
+              <a:cs typeface="+mj-cs"/>
+            </a:endParaRPr>
+          </a:p>
+        </p:txBody>
+      </p:sp>
+      <p:sp>
+        <p:nvSpPr>
+          <p:cNvPr id="7" name="pole tekstowe 6">
+            <a:extLst>
+              <a:ext uri="{FF2B5EF4-FFF2-40B4-BE49-F238E27FC236}">
+                <a16:creationId xmlns:a16="http://schemas.microsoft.com/office/drawing/2014/main" id="{53E0144D-4649-4F5C-8049-440DF6D5FA5F}"/>
+              </a:ext>
+            </a:extLst>
+          </p:cNvPr>
+          <p:cNvSpPr txBox="1"/>
+          <p:nvPr/>
+        </p:nvSpPr>
+        <p:spPr>
+          <a:xfrm>
+            <a:off x="643468" y="2638043"/>
+            <a:ext cx="3363974" cy="3415623"/>
+          </a:xfrm>
+          <a:prstGeom prst="rect">
+            <a:avLst/>
+          </a:prstGeom>
+        </p:spPr>
+        <p:txBody>
+          <a:bodyPr vert="horz" lIns="91440" tIns="45720" rIns="91440" bIns="45720" rtlCol="0">
+            <a:normAutofit/>
+          </a:bodyPr>
+          <a:lstStyle/>
+          <a:p>
+            <a:pPr marL="285750" indent="-228600">
+              <a:lnSpc>
+                <a:spcPct val="90000"/>
+              </a:lnSpc>
+              <a:spcAft>
+                <a:spcPts val="600"/>
+              </a:spcAft>
+              <a:buFont typeface="Arial" panose="020B0604020202020204" pitchFamily="34" charset="0"/>
+              <a:buChar char="•"/>
+            </a:pPr>
+            <a:r>
+              <a:rPr lang="pl-PL" sz="2000" dirty="0"/>
+              <a:t>Dane podstawowe</a:t>
+            </a:r>
+          </a:p>
+          <a:p>
+            <a:pPr marL="285750" indent="-228600">
+              <a:lnSpc>
+                <a:spcPct val="90000"/>
+              </a:lnSpc>
+              <a:spcAft>
+                <a:spcPts val="600"/>
+              </a:spcAft>
+              <a:buFont typeface="Arial" panose="020B0604020202020204" pitchFamily="34" charset="0"/>
+              <a:buChar char="•"/>
+            </a:pPr>
+            <a:r>
+              <a:rPr lang="en-US" sz="2000" dirty="0"/>
+              <a:t>Dane </a:t>
+            </a:r>
+            <a:r>
+              <a:rPr lang="en-US" sz="2000" dirty="0" err="1"/>
+              <a:t>analizy</a:t>
+            </a:r>
+            <a:r>
+              <a:rPr lang="en-US" sz="2000" dirty="0"/>
+              <a:t> </a:t>
+            </a:r>
+            <a:r>
+              <a:rPr lang="en-US" sz="2000" dirty="0" err="1"/>
+              <a:t>fundamentalnej</a:t>
+            </a:r>
+            <a:endParaRPr lang="en-US" sz="2000" dirty="0"/>
+          </a:p>
+          <a:p>
+            <a:pPr marL="285750" indent="-228600">
+              <a:lnSpc>
+                <a:spcPct val="90000"/>
+              </a:lnSpc>
+              <a:spcAft>
+                <a:spcPts val="600"/>
+              </a:spcAft>
+              <a:buFont typeface="Arial" panose="020B0604020202020204" pitchFamily="34" charset="0"/>
+              <a:buChar char="•"/>
+            </a:pPr>
+            <a:r>
+              <a:rPr lang="en-US" sz="2000" dirty="0"/>
+              <a:t>Dane </a:t>
+            </a:r>
+            <a:r>
+              <a:rPr lang="en-US" sz="2000" dirty="0" err="1"/>
+              <a:t>analizy</a:t>
+            </a:r>
+            <a:r>
+              <a:rPr lang="en-US" sz="2000" dirty="0"/>
+              <a:t> </a:t>
+            </a:r>
+            <a:r>
+              <a:rPr lang="en-US" sz="2000" dirty="0" err="1"/>
+              <a:t>technicznej</a:t>
+            </a:r>
+            <a:endParaRPr lang="en-US" sz="2000" dirty="0"/>
+          </a:p>
+          <a:p>
+            <a:pPr marL="285750" indent="-228600">
+              <a:lnSpc>
+                <a:spcPct val="90000"/>
+              </a:lnSpc>
+              <a:spcAft>
+                <a:spcPts val="600"/>
+              </a:spcAft>
+              <a:buFont typeface="Arial" panose="020B0604020202020204" pitchFamily="34" charset="0"/>
+              <a:buChar char="•"/>
+            </a:pPr>
+            <a:r>
+              <a:rPr lang="en-US" sz="2000" dirty="0"/>
+              <a:t>Dane </a:t>
+            </a:r>
+            <a:r>
+              <a:rPr lang="pl-PL" sz="2000" dirty="0"/>
+              <a:t>analizy sentymentu</a:t>
+            </a:r>
+            <a:endParaRPr lang="en-US" sz="2000" dirty="0"/>
+          </a:p>
+        </p:txBody>
+      </p:sp>
+      <p:pic>
+        <p:nvPicPr>
+          <p:cNvPr id="2050" name="Picture 2">
+            <a:extLst>
+              <a:ext uri="{FF2B5EF4-FFF2-40B4-BE49-F238E27FC236}">
+                <a16:creationId xmlns:a16="http://schemas.microsoft.com/office/drawing/2014/main" id="{7F0FC146-94B5-41CD-8431-9BD18FC6F1EF}"/>
               </a:ext>
             </a:extLst>
           </p:cNvPr>
@@ -4341,15 +8399,14 @@
               </a:ext>
             </a:extLst>
           </a:blip>
-          <a:srcRect/>
           <a:stretch>
             <a:fillRect/>
           </a:stretch>
         </p:blipFill>
         <p:spPr bwMode="auto">
           <a:xfrm>
-            <a:off x="6811861" y="1969433"/>
-            <a:ext cx="5059428" cy="3372952"/>
+            <a:off x="5075977" y="1264386"/>
+            <a:ext cx="7069245" cy="4329227"/>
           </a:xfrm>
           <a:prstGeom prst="rect">
             <a:avLst/>
@@ -4368,148 +8425,6 @@
       </p:pic>
       <p:sp>
         <p:nvSpPr>
-          <p:cNvPr id="6" name="pole tekstowe 5">
-            <a:extLst>
-              <a:ext uri="{FF2B5EF4-FFF2-40B4-BE49-F238E27FC236}">
-                <a16:creationId xmlns:a16="http://schemas.microsoft.com/office/drawing/2014/main" id="{806EF360-D72A-41DD-AA97-55AB594C13E6}"/>
-              </a:ext>
-            </a:extLst>
-          </p:cNvPr>
-          <p:cNvSpPr txBox="1"/>
-          <p:nvPr/>
-        </p:nvSpPr>
-        <p:spPr>
-          <a:xfrm>
-            <a:off x="320711" y="2019674"/>
-            <a:ext cx="6216916" cy="2308324"/>
-          </a:xfrm>
-          <a:prstGeom prst="rect">
-            <a:avLst/>
-          </a:prstGeom>
-          <a:noFill/>
-        </p:spPr>
-        <p:txBody>
-          <a:bodyPr wrap="square" rtlCol="0">
-            <a:spAutoFit/>
-          </a:bodyPr>
-          <a:lstStyle/>
-          <a:p>
-            <a:r>
-              <a:rPr lang="pl-PL" sz="2400" dirty="0"/>
-              <a:t>Rodzaje giełd:</a:t>
-            </a:r>
-          </a:p>
-          <a:p>
-            <a:pPr marL="742950" lvl="1" indent="-285750">
-              <a:buFont typeface="Arial" panose="020B0604020202020204" pitchFamily="34" charset="0"/>
-              <a:buChar char="•"/>
-            </a:pPr>
-            <a:r>
-              <a:rPr lang="pl-PL" sz="2400" dirty="0"/>
-              <a:t>giełdy towarowe;</a:t>
-            </a:r>
-          </a:p>
-          <a:p>
-            <a:pPr marL="742950" lvl="1" indent="-285750">
-              <a:buFont typeface="Arial" panose="020B0604020202020204" pitchFamily="34" charset="0"/>
-              <a:buChar char="•"/>
-            </a:pPr>
-            <a:r>
-              <a:rPr lang="pl-PL" sz="2400" dirty="0"/>
-              <a:t>instrumentów pieniężnych (walutowe);</a:t>
-            </a:r>
-          </a:p>
-          <a:p>
-            <a:pPr marL="742950" lvl="1" indent="-285750">
-              <a:buFont typeface="Arial" panose="020B0604020202020204" pitchFamily="34" charset="0"/>
-              <a:buChar char="•"/>
-            </a:pPr>
-            <a:r>
-              <a:rPr lang="pl-PL" sz="2400" dirty="0"/>
-              <a:t>usług (np. transportowe, ubezpieczeniowe);</a:t>
-            </a:r>
-          </a:p>
-          <a:p>
-            <a:pPr marL="742950" lvl="1" indent="-285750">
-              <a:buFont typeface="Arial" panose="020B0604020202020204" pitchFamily="34" charset="0"/>
-              <a:buChar char="•"/>
-            </a:pPr>
-            <a:r>
-              <a:rPr lang="pl-PL" sz="2400" dirty="0"/>
-              <a:t>papierów wartościowych.	</a:t>
-            </a:r>
-            <a:endParaRPr lang="en-US" sz="2400" dirty="0"/>
-          </a:p>
-        </p:txBody>
-      </p:sp>
-    </p:spTree>
-    <p:extLst>
-      <p:ext uri="{BB962C8B-B14F-4D97-AF65-F5344CB8AC3E}">
-        <p14:creationId xmlns:p14="http://schemas.microsoft.com/office/powerpoint/2010/main" val="1323989833"/>
-      </p:ext>
-    </p:extLst>
-  </p:cSld>
-  <p:clrMapOvr>
-    <a:masterClrMapping/>
-  </p:clrMapOvr>
-</p:sld>
-</file>
-
-<file path=ppt/slides/slide4.xml><?xml version="1.0" encoding="utf-8"?>
-<p:sld xmlns:a="http://schemas.openxmlformats.org/drawingml/2006/main" xmlns:r="http://schemas.openxmlformats.org/officeDocument/2006/relationships" xmlns:p="http://schemas.openxmlformats.org/presentationml/2006/main">
-  <p:cSld>
-    <p:spTree>
-      <p:nvGrpSpPr>
-        <p:cNvPr id="1" name=""/>
-        <p:cNvGrpSpPr/>
-        <p:nvPr/>
-      </p:nvGrpSpPr>
-      <p:grpSpPr>
-        <a:xfrm>
-          <a:off x="0" y="0"/>
-          <a:ext cx="0" cy="0"/>
-          <a:chOff x="0" y="0"/>
-          <a:chExt cx="0" cy="0"/>
-        </a:xfrm>
-      </p:grpSpPr>
-      <p:sp>
-        <p:nvSpPr>
-          <p:cNvPr id="3" name="PoleTekstowe 2"/>
-          <p:cNvSpPr txBox="1"/>
-          <p:nvPr/>
-        </p:nvSpPr>
-        <p:spPr>
-          <a:xfrm>
-            <a:off x="404601" y="298053"/>
-            <a:ext cx="8423810" cy="584775"/>
-          </a:xfrm>
-          <a:prstGeom prst="rect">
-            <a:avLst/>
-          </a:prstGeom>
-          <a:noFill/>
-        </p:spPr>
-        <p:txBody>
-          <a:bodyPr wrap="square" rtlCol="0">
-            <a:spAutoFit/>
-          </a:bodyPr>
-          <a:lstStyle/>
-          <a:p>
-            <a:r>
-              <a:rPr lang="pl-PL" sz="3200" dirty="0">
-                <a:solidFill>
-                  <a:srgbClr val="3C3C4C"/>
-                </a:solidFill>
-                <a:latin typeface="Adagio_Slab Medium" charset="0"/>
-                <a:ea typeface="Adagio_Slab Medium" charset="0"/>
-                <a:cs typeface="Adagio_Slab Medium" charset="0"/>
-              </a:rPr>
-              <a:t>Giełdy papierów wartościowych</a:t>
-            </a:r>
-          </a:p>
-        </p:txBody>
-      </p:sp>
-      <p:sp>
-        <p:nvSpPr>
           <p:cNvPr id="5" name="Symbol zastępczy numeru slajdu 4"/>
           <p:cNvSpPr>
             <a:spLocks noGrp="1"/>
@@ -4520,93 +8435,43 @@
         </p:nvSpPr>
         <p:spPr>
           <a:xfrm>
-            <a:off x="9201319" y="298053"/>
+            <a:off x="8610600" y="6356350"/>
             <a:ext cx="2743200" cy="365125"/>
           </a:xfrm>
         </p:spPr>
         <p:txBody>
-          <a:bodyPr/>
+          <a:bodyPr vert="horz" lIns="91440" tIns="45720" rIns="91440" bIns="45720" rtlCol="0" anchor="ctr">
+            <a:normAutofit/>
+          </a:bodyPr>
           <a:lstStyle/>
           <a:p>
+            <a:pPr>
+              <a:spcAft>
+                <a:spcPts val="600"/>
+              </a:spcAft>
+            </a:pPr>
             <a:fld id="{F35BE31D-8307-A84B-9D2D-2944E6584EB9}" type="slidenum">
-              <a:rPr lang="pl-PL" sz="4000" smtClean="0">
-                <a:solidFill>
-                  <a:srgbClr val="3C3C4C"/>
-                </a:solidFill>
-                <a:latin typeface="Radikal WUT" charset="0"/>
-                <a:ea typeface="Radikal WUT" charset="0"/>
-                <a:cs typeface="Radikal WUT" charset="0"/>
-              </a:rPr>
-              <a:pPr/>
+              <a:rPr lang="en-US" smtClean="0"/>
+              <a:pPr>
+                <a:spcAft>
+                  <a:spcPts val="600"/>
+                </a:spcAft>
+              </a:pPr>
               <a:t>4</a:t>
             </a:fld>
-            <a:endParaRPr lang="pl-PL" sz="4000" dirty="0">
-              <a:solidFill>
-                <a:srgbClr val="3C3C4C"/>
-              </a:solidFill>
-              <a:latin typeface="Radikal WUT" charset="0"/>
-              <a:ea typeface="Radikal WUT" charset="0"/>
-              <a:cs typeface="Radikal WUT" charset="0"/>
-            </a:endParaRPr>
-          </a:p>
-        </p:txBody>
-      </p:sp>
-      <p:pic>
-        <p:nvPicPr>
-          <p:cNvPr id="6146" name="Picture 2" descr="Image result for biggest stock markets">
-            <a:extLst>
-              <a:ext uri="{FF2B5EF4-FFF2-40B4-BE49-F238E27FC236}">
-                <a16:creationId xmlns:a16="http://schemas.microsoft.com/office/drawing/2014/main" id="{9B8E8A6D-AD88-4A49-9222-1462C6B21737}"/>
-              </a:ext>
-            </a:extLst>
-          </p:cNvPr>
-          <p:cNvPicPr>
-            <a:picLocks noChangeAspect="1" noChangeArrowheads="1"/>
-          </p:cNvPicPr>
-          <p:nvPr/>
-        </p:nvPicPr>
-        <p:blipFill>
-          <a:blip r:embed="rId3">
-            <a:extLst>
-              <a:ext uri="{28A0092B-C50C-407E-A947-70E740481C1C}">
-                <a14:useLocalDpi xmlns:a14="http://schemas.microsoft.com/office/drawing/2010/main" val="0"/>
-              </a:ext>
-            </a:extLst>
-          </a:blip>
-          <a:srcRect/>
-          <a:stretch>
-            <a:fillRect/>
-          </a:stretch>
-        </p:blipFill>
-        <p:spPr bwMode="auto">
-          <a:xfrm>
-            <a:off x="1096443" y="882828"/>
-            <a:ext cx="10194100" cy="5816736"/>
-          </a:xfrm>
-          <a:prstGeom prst="rect">
-            <a:avLst/>
-          </a:prstGeom>
-          <a:noFill/>
-          <a:extLst>
-            <a:ext uri="{909E8E84-426E-40DD-AFC4-6F175D3DCCD1}">
-              <a14:hiddenFill xmlns:a14="http://schemas.microsoft.com/office/drawing/2010/main">
-                <a:solidFill>
-                  <a:srgbClr val="FFFFFF"/>
-                </a:solidFill>
-              </a14:hiddenFill>
-            </a:ext>
-          </a:extLst>
-        </p:spPr>
-      </p:pic>
+            <a:endParaRPr lang="en-US"/>
+          </a:p>
+        </p:txBody>
+      </p:sp>
     </p:spTree>
     <p:extLst>
       <p:ext uri="{BB962C8B-B14F-4D97-AF65-F5344CB8AC3E}">
-        <p14:creationId xmlns:p14="http://schemas.microsoft.com/office/powerpoint/2010/main" val="597292428"/>
+        <p14:creationId xmlns:p14="http://schemas.microsoft.com/office/powerpoint/2010/main" val="3951725463"/>
       </p:ext>
     </p:extLst>
   </p:cSld>
   <p:clrMapOvr>
-    <a:masterClrMapping/>
+    <a:overrideClrMapping bg1="dk1" tx1="lt1" bg2="dk2" tx2="lt2" accent1="accent1" accent2="accent2" accent3="accent3" accent4="accent4" accent5="accent5" accent6="accent6" hlink="hlink" folHlink="folHlink"/>
   </p:clrMapOvr>
 </p:sld>
 </file>
@@ -4637,7 +8502,7 @@
         <p:spPr>
           <a:xfrm>
             <a:off x="404601" y="298053"/>
-            <a:ext cx="8423810" cy="584775"/>
+            <a:ext cx="8929899" cy="584775"/>
           </a:xfrm>
           <a:prstGeom prst="rect">
             <a:avLst/>
@@ -4659,7 +8524,7 @@
                 <a:ea typeface="Adagio_Slab Medium" charset="0"/>
                 <a:cs typeface="Adagio_Slab Medium" charset="0"/>
               </a:rPr>
-              <a:t>Dane dostępne na giełdzie</a:t>
+              <a:t>Dane giełdowe – charakterystyka danych</a:t>
             </a:r>
           </a:p>
         </p:txBody>
@@ -4707,107 +8572,12 @@
           </a:p>
         </p:txBody>
       </p:sp>
-      <p:sp>
-        <p:nvSpPr>
-          <p:cNvPr id="6" name="pole tekstowe 5">
-            <a:extLst>
-              <a:ext uri="{FF2B5EF4-FFF2-40B4-BE49-F238E27FC236}">
-                <a16:creationId xmlns:a16="http://schemas.microsoft.com/office/drawing/2014/main" id="{806EF360-D72A-41DD-AA97-55AB594C13E6}"/>
-              </a:ext>
-            </a:extLst>
-          </p:cNvPr>
-          <p:cNvSpPr txBox="1"/>
-          <p:nvPr/>
-        </p:nvSpPr>
-        <p:spPr>
-          <a:xfrm>
-            <a:off x="404601" y="1698475"/>
-            <a:ext cx="5377516" cy="2677656"/>
-          </a:xfrm>
-          <a:prstGeom prst="rect">
-            <a:avLst/>
-          </a:prstGeom>
-          <a:noFill/>
-        </p:spPr>
-        <p:txBody>
-          <a:bodyPr wrap="square" rtlCol="0">
-            <a:spAutoFit/>
-          </a:bodyPr>
-          <a:lstStyle/>
-          <a:p>
-            <a:r>
-              <a:rPr lang="pl-PL" sz="2400" dirty="0"/>
-              <a:t>Dostępne dane (dzienne):</a:t>
-            </a:r>
-          </a:p>
-          <a:p>
-            <a:pPr marL="742950" lvl="1" indent="-285750">
-              <a:buFont typeface="Arial" panose="020B0604020202020204" pitchFamily="34" charset="0"/>
-              <a:buChar char="•"/>
-            </a:pPr>
-            <a:r>
-              <a:rPr lang="pl-PL" sz="2400" dirty="0"/>
-              <a:t>data,</a:t>
-            </a:r>
-          </a:p>
-          <a:p>
-            <a:pPr marL="742950" lvl="1" indent="-285750">
-              <a:buFont typeface="Arial" panose="020B0604020202020204" pitchFamily="34" charset="0"/>
-              <a:buChar char="•"/>
-            </a:pPr>
-            <a:r>
-              <a:rPr lang="pl-PL" sz="2400" dirty="0"/>
-              <a:t>cena otwarcia,</a:t>
-            </a:r>
-          </a:p>
-          <a:p>
-            <a:pPr marL="742950" lvl="1" indent="-285750">
-              <a:buFont typeface="Arial" panose="020B0604020202020204" pitchFamily="34" charset="0"/>
-              <a:buChar char="•"/>
-            </a:pPr>
-            <a:r>
-              <a:rPr lang="pl-PL" sz="2400" dirty="0"/>
-              <a:t>cena zamknięcia,</a:t>
-            </a:r>
-          </a:p>
-          <a:p>
-            <a:pPr marL="742950" lvl="1" indent="-285750">
-              <a:buFont typeface="Arial" panose="020B0604020202020204" pitchFamily="34" charset="0"/>
-              <a:buChar char="•"/>
-            </a:pPr>
-            <a:r>
-              <a:rPr lang="pl-PL" sz="2400" dirty="0"/>
-              <a:t>ilość akcji w obrocie,</a:t>
-            </a:r>
-          </a:p>
-          <a:p>
-            <a:pPr marL="742950" lvl="1" indent="-285750">
-              <a:buFont typeface="Arial" panose="020B0604020202020204" pitchFamily="34" charset="0"/>
-              <a:buChar char="•"/>
-            </a:pPr>
-            <a:r>
-              <a:rPr lang="pl-PL" sz="2400" dirty="0"/>
-              <a:t>najniższa cena,</a:t>
-            </a:r>
-          </a:p>
-          <a:p>
-            <a:pPr marL="742950" lvl="1" indent="-285750">
-              <a:buFont typeface="Arial" panose="020B0604020202020204" pitchFamily="34" charset="0"/>
-              <a:buChar char="•"/>
-            </a:pPr>
-            <a:r>
-              <a:rPr lang="pl-PL" sz="2400" dirty="0"/>
-              <a:t>najwyższa cena.</a:t>
-            </a:r>
-          </a:p>
-        </p:txBody>
-      </p:sp>
       <p:pic>
         <p:nvPicPr>
           <p:cNvPr id="2" name="Obraz 1">
             <a:extLst>
               <a:ext uri="{FF2B5EF4-FFF2-40B4-BE49-F238E27FC236}">
-                <a16:creationId xmlns:a16="http://schemas.microsoft.com/office/drawing/2014/main" id="{4B41CC30-2DFB-48A9-B92F-073B7E92677F}"/>
+                <a16:creationId xmlns:a16="http://schemas.microsoft.com/office/drawing/2014/main" id="{4C09F815-8354-4900-B97F-E82DF2FF6845}"/>
               </a:ext>
             </a:extLst>
           </p:cNvPr>
@@ -4824,8 +8594,38 @@
         </p:blipFill>
         <p:spPr>
           <a:xfrm>
-            <a:off x="5511712" y="1055320"/>
-            <a:ext cx="6633397" cy="4966179"/>
+            <a:off x="118705" y="882828"/>
+            <a:ext cx="5670543" cy="4248150"/>
+          </a:xfrm>
+          <a:prstGeom prst="rect">
+            <a:avLst/>
+          </a:prstGeom>
+        </p:spPr>
+      </p:pic>
+      <p:pic>
+        <p:nvPicPr>
+          <p:cNvPr id="4" name="Obraz 3">
+            <a:extLst>
+              <a:ext uri="{FF2B5EF4-FFF2-40B4-BE49-F238E27FC236}">
+                <a16:creationId xmlns:a16="http://schemas.microsoft.com/office/drawing/2014/main" id="{CDB51203-69F3-4925-B08E-C248EB22AF8A}"/>
+              </a:ext>
+            </a:extLst>
+          </p:cNvPr>
+          <p:cNvPicPr>
+            <a:picLocks noChangeAspect="1"/>
+          </p:cNvPicPr>
+          <p:nvPr/>
+        </p:nvPicPr>
+        <p:blipFill>
+          <a:blip r:embed="rId4"/>
+          <a:stretch>
+            <a:fillRect/>
+          </a:stretch>
+        </p:blipFill>
+        <p:spPr>
+          <a:xfrm>
+            <a:off x="5258479" y="786493"/>
+            <a:ext cx="6528920" cy="5928631"/>
           </a:xfrm>
           <a:prstGeom prst="rect">
             <a:avLst/>
@@ -4835,7 +8635,7 @@
     </p:spTree>
     <p:extLst>
       <p:ext uri="{BB962C8B-B14F-4D97-AF65-F5344CB8AC3E}">
-        <p14:creationId xmlns:p14="http://schemas.microsoft.com/office/powerpoint/2010/main" val="3951725463"/>
+        <p14:creationId xmlns:p14="http://schemas.microsoft.com/office/powerpoint/2010/main" val="887587728"/>
       </p:ext>
     </p:extLst>
   </p:cSld>
@@ -4893,8 +8693,24 @@
                 <a:ea typeface="Adagio_Slab Medium" charset="0"/>
                 <a:cs typeface="Adagio_Slab Medium" charset="0"/>
               </a:rPr>
-              <a:t>Jak dokonać transakcji?</a:t>
-            </a:r>
+              <a:t>Dane giełdowe – różnicowanie (ang. d</a:t>
+            </a:r>
+            <a:r>
+              <a:rPr lang="en-US" sz="3200" dirty="0" err="1"/>
+              <a:t>ifferencing</a:t>
+            </a:r>
+            <a:r>
+              <a:rPr lang="pl-PL" sz="3200" dirty="0"/>
+              <a:t>)</a:t>
+            </a:r>
+            <a:endParaRPr lang="pl-PL" sz="3200" dirty="0">
+              <a:solidFill>
+                <a:srgbClr val="3C3C4C"/>
+              </a:solidFill>
+              <a:latin typeface="Adagio_Slab Medium" charset="0"/>
+              <a:ea typeface="Adagio_Slab Medium" charset="0"/>
+              <a:cs typeface="Adagio_Slab Medium" charset="0"/>
+            </a:endParaRPr>
           </a:p>
         </p:txBody>
       </p:sp>
@@ -4943,243 +8759,68 @@
       </p:sp>
       <p:pic>
         <p:nvPicPr>
-          <p:cNvPr id="4098" name="Picture 2" descr="Image result for dom maklerski">
+          <p:cNvPr id="8" name="Obraz 7">
             <a:extLst>
               <a:ext uri="{FF2B5EF4-FFF2-40B4-BE49-F238E27FC236}">
-                <a16:creationId xmlns:a16="http://schemas.microsoft.com/office/drawing/2014/main" id="{3B3FFBA9-3756-457E-8FC2-3DECD27E04D9}"/>
+                <a16:creationId xmlns:a16="http://schemas.microsoft.com/office/drawing/2014/main" id="{C2947057-D42F-4743-9C1A-52E99F70EDFB}"/>
               </a:ext>
             </a:extLst>
           </p:cNvPr>
           <p:cNvPicPr>
-            <a:picLocks noChangeAspect="1" noChangeArrowheads="1"/>
+            <a:picLocks noChangeAspect="1"/>
           </p:cNvPicPr>
           <p:nvPr/>
         </p:nvPicPr>
         <p:blipFill>
-          <a:blip r:embed="rId3">
-            <a:extLst>
-              <a:ext uri="{28A0092B-C50C-407E-A947-70E740481C1C}">
-                <a14:useLocalDpi xmlns:a14="http://schemas.microsoft.com/office/drawing/2010/main" val="0"/>
-              </a:ext>
-            </a:extLst>
-          </a:blip>
-          <a:srcRect/>
+          <a:blip r:embed="rId3"/>
           <a:stretch>
             <a:fillRect/>
           </a:stretch>
         </p:blipFill>
-        <p:spPr bwMode="auto">
+        <p:spPr>
           <a:xfrm>
-            <a:off x="4756785" y="1153855"/>
-            <a:ext cx="1905000" cy="1905000"/>
+            <a:off x="240964" y="1350482"/>
+            <a:ext cx="6077178" cy="4549758"/>
           </a:xfrm>
           <a:prstGeom prst="rect">
             <a:avLst/>
           </a:prstGeom>
-          <a:noFill/>
-          <a:extLst>
-            <a:ext uri="{909E8E84-426E-40DD-AFC4-6F175D3DCCD1}">
-              <a14:hiddenFill xmlns:a14="http://schemas.microsoft.com/office/drawing/2010/main">
-                <a:solidFill>
-                  <a:srgbClr val="FFFFFF"/>
-                </a:solidFill>
-              </a14:hiddenFill>
-            </a:ext>
-          </a:extLst>
         </p:spPr>
       </p:pic>
       <p:pic>
         <p:nvPicPr>
-          <p:cNvPr id="4100" name="Picture 4" descr="Image result for dom maklerski">
+          <p:cNvPr id="2" name="Obraz 1">
             <a:extLst>
               <a:ext uri="{FF2B5EF4-FFF2-40B4-BE49-F238E27FC236}">
-                <a16:creationId xmlns:a16="http://schemas.microsoft.com/office/drawing/2014/main" id="{18056AA6-B1BC-4F2F-B45C-FB1074A825BC}"/>
+                <a16:creationId xmlns:a16="http://schemas.microsoft.com/office/drawing/2014/main" id="{9845301A-5157-48F4-A828-69251E5B0407}"/>
               </a:ext>
             </a:extLst>
           </p:cNvPr>
           <p:cNvPicPr>
-            <a:picLocks noChangeAspect="1" noChangeArrowheads="1"/>
+            <a:picLocks noChangeAspect="1"/>
           </p:cNvPicPr>
           <p:nvPr/>
         </p:nvPicPr>
         <p:blipFill>
-          <a:blip r:embed="rId4">
-            <a:extLst>
-              <a:ext uri="{28A0092B-C50C-407E-A947-70E740481C1C}">
-                <a14:useLocalDpi xmlns:a14="http://schemas.microsoft.com/office/drawing/2010/main" val="0"/>
-              </a:ext>
-            </a:extLst>
-          </a:blip>
-          <a:srcRect/>
+          <a:blip r:embed="rId4"/>
           <a:stretch>
             <a:fillRect/>
           </a:stretch>
         </p:blipFill>
-        <p:spPr bwMode="auto">
+        <p:spPr>
           <a:xfrm>
-            <a:off x="7422049" y="1549779"/>
-            <a:ext cx="3028950" cy="1514475"/>
+            <a:off x="6096000" y="1400029"/>
+            <a:ext cx="5418630" cy="4057941"/>
           </a:xfrm>
           <a:prstGeom prst="rect">
             <a:avLst/>
           </a:prstGeom>
-          <a:noFill/>
-          <a:extLst>
-            <a:ext uri="{909E8E84-426E-40DD-AFC4-6F175D3DCCD1}">
-              <a14:hiddenFill xmlns:a14="http://schemas.microsoft.com/office/drawing/2010/main">
-                <a:solidFill>
-                  <a:srgbClr val="FFFFFF"/>
-                </a:solidFill>
-              </a14:hiddenFill>
-            </a:ext>
-          </a:extLst>
-        </p:spPr>
-      </p:pic>
-      <p:pic>
-        <p:nvPicPr>
-          <p:cNvPr id="4102" name="Picture 6" descr="Image result for dom maklerski">
-            <a:extLst>
-              <a:ext uri="{FF2B5EF4-FFF2-40B4-BE49-F238E27FC236}">
-                <a16:creationId xmlns:a16="http://schemas.microsoft.com/office/drawing/2014/main" id="{CA7EDEA3-2187-4DBC-B552-B2D35E943FBD}"/>
-              </a:ext>
-            </a:extLst>
-          </p:cNvPr>
-          <p:cNvPicPr>
-            <a:picLocks noChangeAspect="1" noChangeArrowheads="1"/>
-          </p:cNvPicPr>
-          <p:nvPr/>
-        </p:nvPicPr>
-        <p:blipFill>
-          <a:blip r:embed="rId5">
-            <a:extLst>
-              <a:ext uri="{28A0092B-C50C-407E-A947-70E740481C1C}">
-                <a14:useLocalDpi xmlns:a14="http://schemas.microsoft.com/office/drawing/2010/main" val="0"/>
-              </a:ext>
-            </a:extLst>
-          </a:blip>
-          <a:srcRect/>
-          <a:stretch>
-            <a:fillRect/>
-          </a:stretch>
-        </p:blipFill>
-        <p:spPr bwMode="auto">
-          <a:xfrm>
-            <a:off x="1717358" y="923350"/>
-            <a:ext cx="2667000" cy="2667000"/>
-          </a:xfrm>
-          <a:prstGeom prst="rect">
-            <a:avLst/>
-          </a:prstGeom>
-          <a:noFill/>
-          <a:extLst>
-            <a:ext uri="{909E8E84-426E-40DD-AFC4-6F175D3DCCD1}">
-              <a14:hiddenFill xmlns:a14="http://schemas.microsoft.com/office/drawing/2010/main">
-                <a:solidFill>
-                  <a:srgbClr val="FFFFFF"/>
-                </a:solidFill>
-              </a14:hiddenFill>
-            </a:ext>
-          </a:extLst>
-        </p:spPr>
-      </p:pic>
-      <p:pic>
-        <p:nvPicPr>
-          <p:cNvPr id="4104" name="Picture 8" descr="Image result for dom maklerski">
-            <a:extLst>
-              <a:ext uri="{FF2B5EF4-FFF2-40B4-BE49-F238E27FC236}">
-                <a16:creationId xmlns:a16="http://schemas.microsoft.com/office/drawing/2014/main" id="{9179B5B8-C5DB-4714-AA5F-613703A48EDC}"/>
-              </a:ext>
-            </a:extLst>
-          </p:cNvPr>
-          <p:cNvPicPr>
-            <a:picLocks noChangeAspect="1" noChangeArrowheads="1"/>
-          </p:cNvPicPr>
-          <p:nvPr/>
-        </p:nvPicPr>
-        <p:blipFill>
-          <a:blip r:embed="rId6">
-            <a:extLst>
-              <a:ext uri="{28A0092B-C50C-407E-A947-70E740481C1C}">
-                <a14:useLocalDpi xmlns:a14="http://schemas.microsoft.com/office/drawing/2010/main" val="0"/>
-              </a:ext>
-            </a:extLst>
-          </a:blip>
-          <a:srcRect/>
-          <a:stretch>
-            <a:fillRect/>
-          </a:stretch>
-        </p:blipFill>
-        <p:spPr bwMode="auto">
-          <a:xfrm>
-            <a:off x="5588463" y="3397757"/>
-            <a:ext cx="4448175" cy="1082389"/>
-          </a:xfrm>
-          <a:prstGeom prst="rect">
-            <a:avLst/>
-          </a:prstGeom>
-          <a:noFill/>
-          <a:extLst>
-            <a:ext uri="{909E8E84-426E-40DD-AFC4-6F175D3DCCD1}">
-              <a14:hiddenFill xmlns:a14="http://schemas.microsoft.com/office/drawing/2010/main">
-                <a:solidFill>
-                  <a:srgbClr val="FFFFFF"/>
-                </a:solidFill>
-              </a14:hiddenFill>
-            </a:ext>
-          </a:extLst>
-        </p:spPr>
-      </p:pic>
-      <p:pic>
-        <p:nvPicPr>
-          <p:cNvPr id="4106" name="Picture 10" descr="Image result for dom maklerski">
-            <a:extLst>
-              <a:ext uri="{FF2B5EF4-FFF2-40B4-BE49-F238E27FC236}">
-                <a16:creationId xmlns:a16="http://schemas.microsoft.com/office/drawing/2014/main" id="{720C2997-5241-4A1B-8264-D5F090110509}"/>
-              </a:ext>
-            </a:extLst>
-          </p:cNvPr>
-          <p:cNvPicPr>
-            <a:picLocks noChangeAspect="1" noChangeArrowheads="1"/>
-          </p:cNvPicPr>
-          <p:nvPr/>
-        </p:nvPicPr>
-        <p:blipFill>
-          <a:blip r:embed="rId7">
-            <a:extLst>
-              <a:ext uri="{28A0092B-C50C-407E-A947-70E740481C1C}">
-                <a14:useLocalDpi xmlns:a14="http://schemas.microsoft.com/office/drawing/2010/main" val="0"/>
-              </a:ext>
-            </a:extLst>
-          </a:blip>
-          <a:srcRect/>
-          <a:stretch>
-            <a:fillRect/>
-          </a:stretch>
-        </p:blipFill>
-        <p:spPr bwMode="auto">
-          <a:xfrm>
-            <a:off x="2236326" y="3058855"/>
-            <a:ext cx="1760195" cy="1760195"/>
-          </a:xfrm>
-          <a:prstGeom prst="rect">
-            <a:avLst/>
-          </a:prstGeom>
-          <a:noFill/>
-          <a:extLst>
-            <a:ext uri="{909E8E84-426E-40DD-AFC4-6F175D3DCCD1}">
-              <a14:hiddenFill xmlns:a14="http://schemas.microsoft.com/office/drawing/2010/main">
-                <a:solidFill>
-                  <a:srgbClr val="FFFFFF"/>
-                </a:solidFill>
-              </a14:hiddenFill>
-            </a:ext>
-          </a:extLst>
         </p:spPr>
       </p:pic>
     </p:spTree>
     <p:extLst>
       <p:ext uri="{BB962C8B-B14F-4D97-AF65-F5344CB8AC3E}">
-        <p14:creationId xmlns:p14="http://schemas.microsoft.com/office/powerpoint/2010/main" val="1893255367"/>
+        <p14:creationId xmlns:p14="http://schemas.microsoft.com/office/powerpoint/2010/main" val="2637632856"/>
       </p:ext>
     </p:extLst>
   </p:cSld>
@@ -5215,7 +8856,7 @@
         <p:spPr>
           <a:xfrm>
             <a:off x="404601" y="298053"/>
-            <a:ext cx="8423810" cy="754694"/>
+            <a:ext cx="8929899" cy="1077218"/>
           </a:xfrm>
           <a:prstGeom prst="rect">
             <a:avLst/>
@@ -5228,62 +8869,16 @@
           </a:bodyPr>
           <a:lstStyle/>
           <a:p>
-            <a:pPr algn="just">
-              <a:lnSpc>
-                <a:spcPct val="150000"/>
-              </a:lnSpc>
-            </a:pPr>
             <a:r>
               <a:rPr lang="pl-PL" sz="3200" dirty="0">
                 <a:solidFill>
                   <a:srgbClr val="3C3C4C"/>
                 </a:solidFill>
-                <a:latin typeface="Adagio_Slab" charset="0"/>
-                <a:ea typeface="Adagio_Slab" charset="0"/>
-                <a:cs typeface="Adagio_Slab" charset="0"/>
+                <a:latin typeface="Adagio_Slab Medium" charset="0"/>
+                <a:ea typeface="Adagio_Slab Medium" charset="0"/>
+                <a:cs typeface="Adagio_Slab Medium" charset="0"/>
               </a:rPr>
-              <a:t>Jak zarobić na giełdzie?</a:t>
-            </a:r>
-          </a:p>
-        </p:txBody>
-      </p:sp>
-      <p:sp>
-        <p:nvSpPr>
-          <p:cNvPr id="4" name="PoleTekstowe 3"/>
-          <p:cNvSpPr txBox="1"/>
-          <p:nvPr/>
-        </p:nvSpPr>
-        <p:spPr>
-          <a:xfrm>
-            <a:off x="404601" y="1156715"/>
-            <a:ext cx="10794702" cy="589072"/>
-          </a:xfrm>
-          <a:prstGeom prst="rect">
-            <a:avLst/>
-          </a:prstGeom>
-          <a:noFill/>
-        </p:spPr>
-        <p:txBody>
-          <a:bodyPr wrap="square" rtlCol="0">
-            <a:spAutoFit/>
-          </a:bodyPr>
-          <a:lstStyle/>
-          <a:p>
-            <a:pPr algn="just">
-              <a:lnSpc>
-                <a:spcPct val="150000"/>
-              </a:lnSpc>
-            </a:pPr>
-            <a:r>
-              <a:rPr lang="pl-PL" sz="2400" dirty="0">
-                <a:solidFill>
-                  <a:srgbClr val="3C3C4C"/>
-                </a:solidFill>
-                <a:latin typeface="Adagio_Slab" charset="0"/>
-                <a:ea typeface="Adagio_Slab" charset="0"/>
-                <a:cs typeface="Adagio_Slab" charset="0"/>
-              </a:rPr>
-              <a:t>W celu zarobienia na giełdzie należy sprzedać akcje drożej, niż się je kupiło.</a:t>
+              <a:t>Dane giełdowe – charakterystyka szeregów czasowych, uczenie metodą kroczącą</a:t>
             </a:r>
           </a:p>
         </p:txBody>
@@ -5331,84 +8926,12 @@
           </a:p>
         </p:txBody>
       </p:sp>
-      <p:sp>
-        <p:nvSpPr>
-          <p:cNvPr id="11" name="pole tekstowe 10">
+      <p:pic>
+        <p:nvPicPr>
+          <p:cNvPr id="3076" name="Picture 4">
             <a:extLst>
               <a:ext uri="{FF2B5EF4-FFF2-40B4-BE49-F238E27FC236}">
-                <a16:creationId xmlns:a16="http://schemas.microsoft.com/office/drawing/2014/main" id="{AC23BA75-B6D2-46FC-BCB5-9AF4CB8AD259}"/>
-              </a:ext>
-            </a:extLst>
-          </p:cNvPr>
-          <p:cNvSpPr txBox="1"/>
-          <p:nvPr/>
-        </p:nvSpPr>
-        <p:spPr>
-          <a:xfrm>
-            <a:off x="404601" y="2941175"/>
-            <a:ext cx="5711500" cy="461665"/>
-          </a:xfrm>
-          <a:prstGeom prst="rect">
-            <a:avLst/>
-          </a:prstGeom>
-          <a:noFill/>
-        </p:spPr>
-        <p:txBody>
-          <a:bodyPr wrap="none" rtlCol="0">
-            <a:spAutoFit/>
-          </a:bodyPr>
-          <a:lstStyle/>
-          <a:p>
-            <a:r>
-              <a:rPr lang="pl-PL" sz="2400" dirty="0"/>
-              <a:t>Strategia byka versus strategia niedźwiedzia.</a:t>
-            </a:r>
-            <a:endParaRPr lang="en-US" sz="2400" dirty="0"/>
-          </a:p>
-        </p:txBody>
-      </p:sp>
-      <p:sp>
-        <p:nvSpPr>
-          <p:cNvPr id="12" name="pole tekstowe 11">
-            <a:extLst>
-              <a:ext uri="{FF2B5EF4-FFF2-40B4-BE49-F238E27FC236}">
-                <a16:creationId xmlns:a16="http://schemas.microsoft.com/office/drawing/2014/main" id="{80E8A9EA-FF49-4EAC-A3E7-0AF5854859D8}"/>
-              </a:ext>
-            </a:extLst>
-          </p:cNvPr>
-          <p:cNvSpPr txBox="1"/>
-          <p:nvPr/>
-        </p:nvSpPr>
-        <p:spPr>
-          <a:xfrm>
-            <a:off x="265201" y="3855428"/>
-            <a:ext cx="6851457" cy="461665"/>
-          </a:xfrm>
-          <a:prstGeom prst="rect">
-            <a:avLst/>
-          </a:prstGeom>
-          <a:noFill/>
-        </p:spPr>
-        <p:txBody>
-          <a:bodyPr wrap="square" rtlCol="0">
-            <a:spAutoFit/>
-          </a:bodyPr>
-          <a:lstStyle/>
-          <a:p>
-            <a:r>
-              <a:rPr lang="pl-PL" sz="2400" dirty="0"/>
-              <a:t>Analiza fundamentalna versus analiza techniczna.</a:t>
-            </a:r>
-            <a:endParaRPr lang="en-US" sz="2400" dirty="0"/>
-          </a:p>
-        </p:txBody>
-      </p:sp>
-      <p:pic>
-        <p:nvPicPr>
-          <p:cNvPr id="2052" name="Picture 4" descr="Image result for stock bear bull">
-            <a:extLst>
-              <a:ext uri="{FF2B5EF4-FFF2-40B4-BE49-F238E27FC236}">
-                <a16:creationId xmlns:a16="http://schemas.microsoft.com/office/drawing/2014/main" id="{095BCC25-FF7C-46B4-9A72-59EEF76E7BF2}"/>
+                <a16:creationId xmlns:a16="http://schemas.microsoft.com/office/drawing/2014/main" id="{35A0C5AF-AC04-4FE4-A8CD-E389936D2934}"/>
               </a:ext>
             </a:extLst>
           </p:cNvPr>
@@ -5432,8 +8955,149 @@
         </p:blipFill>
         <p:spPr bwMode="auto">
           <a:xfrm>
-            <a:off x="6908790" y="2648067"/>
-            <a:ext cx="4965881" cy="2806802"/>
+            <a:off x="342063" y="3276600"/>
+            <a:ext cx="5038774" cy="3016250"/>
+          </a:xfrm>
+          <a:prstGeom prst="rect">
+            <a:avLst/>
+          </a:prstGeom>
+          <a:noFill/>
+          <a:extLst>
+            <a:ext uri="{909E8E84-426E-40DD-AFC4-6F175D3DCCD1}">
+              <a14:hiddenFill xmlns:a14="http://schemas.microsoft.com/office/drawing/2010/main">
+                <a:solidFill>
+                  <a:srgbClr val="FFFFFF"/>
+                </a:solidFill>
+              </a14:hiddenFill>
+            </a:ext>
+          </a:extLst>
+        </p:spPr>
+      </p:pic>
+      <p:pic>
+        <p:nvPicPr>
+          <p:cNvPr id="3078" name="Picture 6">
+            <a:extLst>
+              <a:ext uri="{FF2B5EF4-FFF2-40B4-BE49-F238E27FC236}">
+                <a16:creationId xmlns:a16="http://schemas.microsoft.com/office/drawing/2014/main" id="{284504F2-3387-4FA8-BA18-5E242AFE78AD}"/>
+              </a:ext>
+            </a:extLst>
+          </p:cNvPr>
+          <p:cNvPicPr>
+            <a:picLocks noChangeAspect="1" noChangeArrowheads="1"/>
+          </p:cNvPicPr>
+          <p:nvPr/>
+        </p:nvPicPr>
+        <p:blipFill>
+          <a:blip r:embed="rId4">
+            <a:extLst>
+              <a:ext uri="{28A0092B-C50C-407E-A947-70E740481C1C}">
+                <a14:useLocalDpi xmlns:a14="http://schemas.microsoft.com/office/drawing/2010/main" val="0"/>
+              </a:ext>
+            </a:extLst>
+          </a:blip>
+          <a:srcRect/>
+          <a:stretch>
+            <a:fillRect/>
+          </a:stretch>
+        </p:blipFill>
+        <p:spPr bwMode="auto">
+          <a:xfrm>
+            <a:off x="238125" y="1483907"/>
+            <a:ext cx="5142712" cy="1684057"/>
+          </a:xfrm>
+          <a:prstGeom prst="rect">
+            <a:avLst/>
+          </a:prstGeom>
+          <a:noFill/>
+          <a:extLst>
+            <a:ext uri="{909E8E84-426E-40DD-AFC4-6F175D3DCCD1}">
+              <a14:hiddenFill xmlns:a14="http://schemas.microsoft.com/office/drawing/2010/main">
+                <a:solidFill>
+                  <a:srgbClr val="FFFFFF"/>
+                </a:solidFill>
+              </a14:hiddenFill>
+            </a:ext>
+          </a:extLst>
+        </p:spPr>
+      </p:pic>
+      <p:pic>
+        <p:nvPicPr>
+          <p:cNvPr id="3080" name="Picture 8">
+            <a:extLst>
+              <a:ext uri="{FF2B5EF4-FFF2-40B4-BE49-F238E27FC236}">
+                <a16:creationId xmlns:a16="http://schemas.microsoft.com/office/drawing/2014/main" id="{5B8CCD20-1944-4F02-BEB3-76637D344E5E}"/>
+              </a:ext>
+            </a:extLst>
+          </p:cNvPr>
+          <p:cNvPicPr>
+            <a:picLocks noChangeAspect="1" noChangeArrowheads="1"/>
+          </p:cNvPicPr>
+          <p:nvPr/>
+        </p:nvPicPr>
+        <p:blipFill>
+          <a:blip r:embed="rId5">
+            <a:extLst>
+              <a:ext uri="{28A0092B-C50C-407E-A947-70E740481C1C}">
+                <a14:useLocalDpi xmlns:a14="http://schemas.microsoft.com/office/drawing/2010/main" val="0"/>
+              </a:ext>
+            </a:extLst>
+          </a:blip>
+          <a:srcRect/>
+          <a:stretch>
+            <a:fillRect/>
+          </a:stretch>
+        </p:blipFill>
+        <p:spPr bwMode="auto">
+          <a:xfrm>
+            <a:off x="6244695" y="1427218"/>
+            <a:ext cx="5375806" cy="2144658"/>
+          </a:xfrm>
+          <a:prstGeom prst="rect">
+            <a:avLst/>
+          </a:prstGeom>
+          <a:noFill/>
+          <a:extLst>
+            <a:ext uri="{909E8E84-426E-40DD-AFC4-6F175D3DCCD1}">
+              <a14:hiddenFill xmlns:a14="http://schemas.microsoft.com/office/drawing/2010/main">
+                <a:solidFill>
+                  <a:srgbClr val="FFFFFF"/>
+                </a:solidFill>
+              </a14:hiddenFill>
+            </a:ext>
+          </a:extLst>
+        </p:spPr>
+      </p:pic>
+      <p:pic>
+        <p:nvPicPr>
+          <p:cNvPr id="3082" name="Picture 10">
+            <a:extLst>
+              <a:ext uri="{FF2B5EF4-FFF2-40B4-BE49-F238E27FC236}">
+                <a16:creationId xmlns:a16="http://schemas.microsoft.com/office/drawing/2014/main" id="{DCA60F51-C9AF-495D-AFDD-E0CBFFB195A7}"/>
+              </a:ext>
+            </a:extLst>
+          </p:cNvPr>
+          <p:cNvPicPr>
+            <a:picLocks noChangeAspect="1" noChangeArrowheads="1"/>
+          </p:cNvPicPr>
+          <p:nvPr/>
+        </p:nvPicPr>
+        <p:blipFill>
+          <a:blip r:embed="rId6">
+            <a:extLst>
+              <a:ext uri="{28A0092B-C50C-407E-A947-70E740481C1C}">
+                <a14:useLocalDpi xmlns:a14="http://schemas.microsoft.com/office/drawing/2010/main" val="0"/>
+              </a:ext>
+            </a:extLst>
+          </a:blip>
+          <a:srcRect/>
+          <a:stretch>
+            <a:fillRect/>
+          </a:stretch>
+        </p:blipFill>
+        <p:spPr bwMode="auto">
+          <a:xfrm>
+            <a:off x="6286500" y="3487830"/>
+            <a:ext cx="5563437" cy="2805019"/>
           </a:xfrm>
           <a:prstGeom prst="rect">
             <a:avLst/>
@@ -5453,7 +9117,7 @@
     </p:spTree>
     <p:extLst>
       <p:ext uri="{BB962C8B-B14F-4D97-AF65-F5344CB8AC3E}">
-        <p14:creationId xmlns:p14="http://schemas.microsoft.com/office/powerpoint/2010/main" val="4057608982"/>
+        <p14:creationId xmlns:p14="http://schemas.microsoft.com/office/powerpoint/2010/main" val="450414956"/>
       </p:ext>
     </p:extLst>
   </p:cSld>
@@ -5489,7 +9153,7 @@
         <p:spPr>
           <a:xfrm>
             <a:off x="404601" y="298053"/>
-            <a:ext cx="8423810" cy="754694"/>
+            <a:ext cx="8423810" cy="584775"/>
           </a:xfrm>
           <a:prstGeom prst="rect">
             <a:avLst/>
@@ -5502,22 +9166,25 @@
           </a:bodyPr>
           <a:lstStyle/>
           <a:p>
-            <a:pPr algn="just">
-              <a:lnSpc>
-                <a:spcPct val="150000"/>
-              </a:lnSpc>
-            </a:pPr>
-            <a:r>
-              <a:rPr lang="pl-PL" sz="3200" dirty="0">
+            <a:r>
+              <a:rPr lang="pl-PL" sz="3200">
                 <a:solidFill>
                   <a:srgbClr val="3C3C4C"/>
                 </a:solidFill>
-                <a:latin typeface="Adagio_Slab" charset="0"/>
-                <a:ea typeface="Adagio_Slab" charset="0"/>
-                <a:cs typeface="Adagio_Slab" charset="0"/>
+                <a:latin typeface="Adagio_Slab Medium" charset="0"/>
+                <a:ea typeface="Adagio_Slab Medium" charset="0"/>
+                <a:cs typeface="Adagio_Slab Medium" charset="0"/>
               </a:rPr>
-              <a:t>Wspomaganie decyzji giełdowych - regresja</a:t>
-            </a:r>
+              <a:t>Regresja czy klasyfikacja?</a:t>
+            </a:r>
+            <a:endParaRPr lang="pl-PL" sz="3200" dirty="0">
+              <a:solidFill>
+                <a:srgbClr val="3C3C4C"/>
+              </a:solidFill>
+              <a:latin typeface="Adagio_Slab Medium" charset="0"/>
+              <a:ea typeface="Adagio_Slab Medium" charset="0"/>
+              <a:cs typeface="Adagio_Slab Medium" charset="0"/>
+            </a:endParaRPr>
           </a:p>
         </p:txBody>
       </p:sp>
@@ -5564,44 +9231,12 @@
           </a:p>
         </p:txBody>
       </p:sp>
-      <p:sp>
-        <p:nvSpPr>
-          <p:cNvPr id="2" name="pole tekstowe 1">
+      <p:pic>
+        <p:nvPicPr>
+          <p:cNvPr id="6" name="Obraz 5">
             <a:extLst>
               <a:ext uri="{FF2B5EF4-FFF2-40B4-BE49-F238E27FC236}">
-                <a16:creationId xmlns:a16="http://schemas.microsoft.com/office/drawing/2014/main" id="{7C863748-C6B3-496E-8C7A-8AB2FD2E9D68}"/>
-              </a:ext>
-            </a:extLst>
-          </p:cNvPr>
-          <p:cNvSpPr txBox="1"/>
-          <p:nvPr/>
-        </p:nvSpPr>
-        <p:spPr>
-          <a:xfrm>
-            <a:off x="4808483" y="2017986"/>
-            <a:ext cx="184731" cy="369332"/>
-          </a:xfrm>
-          <a:prstGeom prst="rect">
-            <a:avLst/>
-          </a:prstGeom>
-          <a:noFill/>
-        </p:spPr>
-        <p:txBody>
-          <a:bodyPr wrap="none" rtlCol="0">
-            <a:spAutoFit/>
-          </a:bodyPr>
-          <a:lstStyle/>
-          <a:p>
-            <a:endParaRPr lang="en-US" dirty="0"/>
-          </a:p>
-        </p:txBody>
-      </p:sp>
-      <p:pic>
-        <p:nvPicPr>
-          <p:cNvPr id="7" name="Obraz 6">
-            <a:extLst>
-              <a:ext uri="{FF2B5EF4-FFF2-40B4-BE49-F238E27FC236}">
-                <a16:creationId xmlns:a16="http://schemas.microsoft.com/office/drawing/2014/main" id="{55D83915-37D2-4F54-9BD8-C7466E4AFD52}"/>
+                <a16:creationId xmlns:a16="http://schemas.microsoft.com/office/drawing/2014/main" id="{D31CA021-EE8D-46EB-AABC-ED6355835573}"/>
               </a:ext>
             </a:extLst>
           </p:cNvPr>
@@ -5618,8 +9253,38 @@
         </p:blipFill>
         <p:spPr>
           <a:xfrm>
-            <a:off x="2629742" y="1059038"/>
-            <a:ext cx="6932516" cy="5182371"/>
+            <a:off x="404601" y="1276127"/>
+            <a:ext cx="6120222" cy="4575144"/>
+          </a:xfrm>
+          <a:prstGeom prst="rect">
+            <a:avLst/>
+          </a:prstGeom>
+        </p:spPr>
+      </p:pic>
+      <p:pic>
+        <p:nvPicPr>
+          <p:cNvPr id="7" name="Obraz 6">
+            <a:extLst>
+              <a:ext uri="{FF2B5EF4-FFF2-40B4-BE49-F238E27FC236}">
+                <a16:creationId xmlns:a16="http://schemas.microsoft.com/office/drawing/2014/main" id="{92EF730E-EC26-4ABF-8945-C7FB77559E72}"/>
+              </a:ext>
+            </a:extLst>
+          </p:cNvPr>
+          <p:cNvPicPr>
+            <a:picLocks noChangeAspect="1"/>
+          </p:cNvPicPr>
+          <p:nvPr/>
+        </p:nvPicPr>
+        <p:blipFill>
+          <a:blip r:embed="rId4"/>
+          <a:stretch>
+            <a:fillRect/>
+          </a:stretch>
+        </p:blipFill>
+        <p:spPr>
+          <a:xfrm>
+            <a:off x="6524823" y="1276127"/>
+            <a:ext cx="5069403" cy="4570688"/>
           </a:xfrm>
           <a:prstGeom prst="rect">
             <a:avLst/>
@@ -5629,7 +9294,7 @@
     </p:spTree>
     <p:extLst>
       <p:ext uri="{BB962C8B-B14F-4D97-AF65-F5344CB8AC3E}">
-        <p14:creationId xmlns:p14="http://schemas.microsoft.com/office/powerpoint/2010/main" val="3483770149"/>
+        <p14:creationId xmlns:p14="http://schemas.microsoft.com/office/powerpoint/2010/main" val="597292428"/>
       </p:ext>
     </p:extLst>
   </p:cSld>
@@ -5665,7 +9330,7 @@
         <p:spPr>
           <a:xfrm>
             <a:off x="404601" y="298053"/>
-            <a:ext cx="8423810" cy="754694"/>
+            <a:ext cx="8423810" cy="584775"/>
           </a:xfrm>
           <a:prstGeom prst="rect">
             <a:avLst/>
@@ -5678,22 +9343,25 @@
           </a:bodyPr>
           <a:lstStyle/>
           <a:p>
-            <a:pPr algn="just">
-              <a:lnSpc>
-                <a:spcPct val="150000"/>
-              </a:lnSpc>
-            </a:pPr>
-            <a:r>
-              <a:rPr lang="pl-PL" sz="3200" dirty="0">
+            <a:r>
+              <a:rPr lang="pl-PL" sz="3200">
                 <a:solidFill>
                   <a:srgbClr val="3C3C4C"/>
                 </a:solidFill>
-                <a:latin typeface="Adagio_Slab" charset="0"/>
-                <a:ea typeface="Adagio_Slab" charset="0"/>
-                <a:cs typeface="Adagio_Slab" charset="0"/>
+                <a:latin typeface="Adagio_Slab Medium" charset="0"/>
+                <a:ea typeface="Adagio_Slab Medium" charset="0"/>
+                <a:cs typeface="Adagio_Slab Medium" charset="0"/>
               </a:rPr>
-              <a:t>Wspomaganie decyzji giełdowych - klasyfikacja</a:t>
-            </a:r>
+              <a:t>Regresja czy klasyfikacja?</a:t>
+            </a:r>
+            <a:endParaRPr lang="pl-PL" sz="3200" dirty="0">
+              <a:solidFill>
+                <a:srgbClr val="3C3C4C"/>
+              </a:solidFill>
+              <a:latin typeface="Adagio_Slab Medium" charset="0"/>
+              <a:ea typeface="Adagio_Slab Medium" charset="0"/>
+              <a:cs typeface="Adagio_Slab Medium" charset="0"/>
+            </a:endParaRPr>
           </a:p>
         </p:txBody>
       </p:sp>
@@ -5740,44 +9408,12 @@
           </a:p>
         </p:txBody>
       </p:sp>
-      <p:sp>
-        <p:nvSpPr>
-          <p:cNvPr id="2" name="pole tekstowe 1">
+      <p:pic>
+        <p:nvPicPr>
+          <p:cNvPr id="8" name="Obraz 7">
             <a:extLst>
               <a:ext uri="{FF2B5EF4-FFF2-40B4-BE49-F238E27FC236}">
-                <a16:creationId xmlns:a16="http://schemas.microsoft.com/office/drawing/2014/main" id="{7C863748-C6B3-496E-8C7A-8AB2FD2E9D68}"/>
-              </a:ext>
-            </a:extLst>
-          </p:cNvPr>
-          <p:cNvSpPr txBox="1"/>
-          <p:nvPr/>
-        </p:nvSpPr>
-        <p:spPr>
-          <a:xfrm>
-            <a:off x="4808483" y="2017986"/>
-            <a:ext cx="184731" cy="369332"/>
-          </a:xfrm>
-          <a:prstGeom prst="rect">
-            <a:avLst/>
-          </a:prstGeom>
-          <a:noFill/>
-        </p:spPr>
-        <p:txBody>
-          <a:bodyPr wrap="none" rtlCol="0">
-            <a:spAutoFit/>
-          </a:bodyPr>
-          <a:lstStyle/>
-          <a:p>
-            <a:endParaRPr lang="en-US" dirty="0"/>
-          </a:p>
-        </p:txBody>
-      </p:sp>
-      <p:pic>
-        <p:nvPicPr>
-          <p:cNvPr id="4" name="Obraz 3">
-            <a:extLst>
-              <a:ext uri="{FF2B5EF4-FFF2-40B4-BE49-F238E27FC236}">
-                <a16:creationId xmlns:a16="http://schemas.microsoft.com/office/drawing/2014/main" id="{3906D782-5470-45F6-9518-58F20024F9ED}"/>
+                <a16:creationId xmlns:a16="http://schemas.microsoft.com/office/drawing/2014/main" id="{810B1718-1C41-4D6B-A311-B2CB0A82B739}"/>
               </a:ext>
             </a:extLst>
           </p:cNvPr>
@@ -5794,8 +9430,8 @@
         </p:blipFill>
         <p:spPr>
           <a:xfrm>
-            <a:off x="3090683" y="1140623"/>
-            <a:ext cx="6010634" cy="5419324"/>
+            <a:off x="2462844" y="882828"/>
+            <a:ext cx="7266311" cy="5431310"/>
           </a:xfrm>
           <a:prstGeom prst="rect">
             <a:avLst/>
@@ -5805,7 +9441,7 @@
     </p:spTree>
     <p:extLst>
       <p:ext uri="{BB962C8B-B14F-4D97-AF65-F5344CB8AC3E}">
-        <p14:creationId xmlns:p14="http://schemas.microsoft.com/office/powerpoint/2010/main" val="1423319450"/>
+        <p14:creationId xmlns:p14="http://schemas.microsoft.com/office/powerpoint/2010/main" val="3364672459"/>
       </p:ext>
     </p:extLst>
   </p:cSld>

--- a/docs/prezentacja-obrona.pptx
+++ b/docs/prezentacja-obrona.pptx
@@ -5,7 +5,7 @@
     <p:sldMasterId id="2147483648" r:id="rId1"/>
   </p:sldMasterIdLst>
   <p:notesMasterIdLst>
-    <p:notesMasterId r:id="rId19"/>
+    <p:notesMasterId r:id="rId22"/>
   </p:notesMasterIdLst>
   <p:sldIdLst>
     <p:sldId id="256" r:id="rId2"/>
@@ -18,13 +18,16 @@
     <p:sldId id="292" r:id="rId9"/>
     <p:sldId id="299" r:id="rId10"/>
     <p:sldId id="288" r:id="rId11"/>
-    <p:sldId id="290" r:id="rId12"/>
-    <p:sldId id="304" r:id="rId13"/>
-    <p:sldId id="305" r:id="rId14"/>
-    <p:sldId id="306" r:id="rId15"/>
-    <p:sldId id="296" r:id="rId16"/>
-    <p:sldId id="303" r:id="rId17"/>
-    <p:sldId id="280" r:id="rId18"/>
+    <p:sldId id="307" r:id="rId12"/>
+    <p:sldId id="290" r:id="rId13"/>
+    <p:sldId id="304" r:id="rId14"/>
+    <p:sldId id="305" r:id="rId15"/>
+    <p:sldId id="306" r:id="rId16"/>
+    <p:sldId id="296" r:id="rId17"/>
+    <p:sldId id="303" r:id="rId18"/>
+    <p:sldId id="308" r:id="rId19"/>
+    <p:sldId id="309" r:id="rId20"/>
+    <p:sldId id="280" r:id="rId21"/>
   </p:sldIdLst>
   <p:sldSz cx="12192000" cy="6858000"/>
   <p:notesSz cx="6858000" cy="9144000"/>
@@ -213,7 +216,7 @@
           <a:p>
             <a:fld id="{0077833A-F97A-4342-85D4-27030B3D134F}" type="datetimeFigureOut">
               <a:rPr lang="pl-PL" smtClean="0"/>
-              <a:t>09.09.2019</a:t>
+              <a:t>10.09.2019</a:t>
             </a:fld>
             <a:endParaRPr lang="pl-PL"/>
           </a:p>
@@ -582,6 +585,11 @@
         </a:xfrm>
       </p:grpSpPr>
     </p:spTree>
+    <p:extLst>
+      <p:ext uri="{BB962C8B-B14F-4D97-AF65-F5344CB8AC3E}">
+        <p14:creationId xmlns:p14="http://schemas.microsoft.com/office/powerpoint/2010/main" val="2185348173"/>
+      </p:ext>
+    </p:extLst>
   </p:cSld>
   <p:clrMapOvr>
     <a:masterClrMapping/>
@@ -590,6 +598,31 @@
 </file>
 
 <file path=ppt/notesSlides/notesSlide11.xml><?xml version="1.0" encoding="utf-8"?>
+<p:notes xmlns:a="http://schemas.openxmlformats.org/drawingml/2006/main" xmlns:r="http://schemas.openxmlformats.org/officeDocument/2006/relationships" xmlns:p="http://schemas.openxmlformats.org/presentationml/2006/main">
+  <p:cSld>
+    <p:spTree>
+      <p:nvGrpSpPr>
+        <p:cNvPr id="1" name=""/>
+        <p:cNvGrpSpPr/>
+        <p:nvPr/>
+      </p:nvGrpSpPr>
+      <p:grpSpPr>
+        <a:xfrm>
+          <a:off x="0" y="0"/>
+          <a:ext cx="0" cy="0"/>
+          <a:chOff x="0" y="0"/>
+          <a:chExt cx="0" cy="0"/>
+        </a:xfrm>
+      </p:grpSpPr>
+    </p:spTree>
+  </p:cSld>
+  <p:clrMapOvr>
+    <a:masterClrMapping/>
+  </p:clrMapOvr>
+</p:notes>
+</file>
+
+<file path=ppt/notesSlides/notesSlide12.xml><?xml version="1.0" encoding="utf-8"?>
 <p:notes xmlns:a="http://schemas.openxmlformats.org/drawingml/2006/main" xmlns:r="http://schemas.openxmlformats.org/officeDocument/2006/relationships" xmlns:p="http://schemas.openxmlformats.org/presentationml/2006/main">
   <p:cSld>
     <p:spTree>
@@ -619,7 +652,7 @@
 </p:notes>
 </file>
 
-<file path=ppt/notesSlides/notesSlide12.xml><?xml version="1.0" encoding="utf-8"?>
+<file path=ppt/notesSlides/notesSlide13.xml><?xml version="1.0" encoding="utf-8"?>
 <p:notes xmlns:a="http://schemas.openxmlformats.org/drawingml/2006/main" xmlns:r="http://schemas.openxmlformats.org/officeDocument/2006/relationships" xmlns:p="http://schemas.openxmlformats.org/presentationml/2006/main">
   <p:cSld>
     <p:spTree>
@@ -649,7 +682,7 @@
 </p:notes>
 </file>
 
-<file path=ppt/notesSlides/notesSlide13.xml><?xml version="1.0" encoding="utf-8"?>
+<file path=ppt/notesSlides/notesSlide14.xml><?xml version="1.0" encoding="utf-8"?>
 <p:notes xmlns:a="http://schemas.openxmlformats.org/drawingml/2006/main" xmlns:r="http://schemas.openxmlformats.org/officeDocument/2006/relationships" xmlns:p="http://schemas.openxmlformats.org/presentationml/2006/main">
   <p:cSld>
     <p:spTree>
@@ -679,7 +712,7 @@
 </p:notes>
 </file>
 
-<file path=ppt/notesSlides/notesSlide14.xml><?xml version="1.0" encoding="utf-8"?>
+<file path=ppt/notesSlides/notesSlide15.xml><?xml version="1.0" encoding="utf-8"?>
 <p:notes xmlns:a="http://schemas.openxmlformats.org/drawingml/2006/main" xmlns:r="http://schemas.openxmlformats.org/officeDocument/2006/relationships" xmlns:p="http://schemas.openxmlformats.org/presentationml/2006/main">
   <p:cSld>
     <p:spTree>
@@ -709,7 +742,7 @@
 </p:notes>
 </file>
 
-<file path=ppt/notesSlides/notesSlide15.xml><?xml version="1.0" encoding="utf-8"?>
+<file path=ppt/notesSlides/notesSlide16.xml><?xml version="1.0" encoding="utf-8"?>
 <p:notes xmlns:a="http://schemas.openxmlformats.org/drawingml/2006/main" xmlns:r="http://schemas.openxmlformats.org/officeDocument/2006/relationships" xmlns:p="http://schemas.openxmlformats.org/presentationml/2006/main">
   <p:cSld>
     <p:spTree>
@@ -730,6 +763,66 @@
     <p:extLst>
       <p:ext uri="{BB962C8B-B14F-4D97-AF65-F5344CB8AC3E}">
         <p14:creationId xmlns:p14="http://schemas.microsoft.com/office/powerpoint/2010/main" val="613245613"/>
+      </p:ext>
+    </p:extLst>
+  </p:cSld>
+  <p:clrMapOvr>
+    <a:masterClrMapping/>
+  </p:clrMapOvr>
+</p:notes>
+</file>
+
+<file path=ppt/notesSlides/notesSlide17.xml><?xml version="1.0" encoding="utf-8"?>
+<p:notes xmlns:a="http://schemas.openxmlformats.org/drawingml/2006/main" xmlns:r="http://schemas.openxmlformats.org/officeDocument/2006/relationships" xmlns:p="http://schemas.openxmlformats.org/presentationml/2006/main">
+  <p:cSld>
+    <p:spTree>
+      <p:nvGrpSpPr>
+        <p:cNvPr id="1" name=""/>
+        <p:cNvGrpSpPr/>
+        <p:nvPr/>
+      </p:nvGrpSpPr>
+      <p:grpSpPr>
+        <a:xfrm>
+          <a:off x="0" y="0"/>
+          <a:ext cx="0" cy="0"/>
+          <a:chOff x="0" y="0"/>
+          <a:chExt cx="0" cy="0"/>
+        </a:xfrm>
+      </p:grpSpPr>
+    </p:spTree>
+    <p:extLst>
+      <p:ext uri="{BB962C8B-B14F-4D97-AF65-F5344CB8AC3E}">
+        <p14:creationId xmlns:p14="http://schemas.microsoft.com/office/powerpoint/2010/main" val="2178454653"/>
+      </p:ext>
+    </p:extLst>
+  </p:cSld>
+  <p:clrMapOvr>
+    <a:masterClrMapping/>
+  </p:clrMapOvr>
+</p:notes>
+</file>
+
+<file path=ppt/notesSlides/notesSlide18.xml><?xml version="1.0" encoding="utf-8"?>
+<p:notes xmlns:a="http://schemas.openxmlformats.org/drawingml/2006/main" xmlns:r="http://schemas.openxmlformats.org/officeDocument/2006/relationships" xmlns:p="http://schemas.openxmlformats.org/presentationml/2006/main">
+  <p:cSld>
+    <p:spTree>
+      <p:nvGrpSpPr>
+        <p:cNvPr id="1" name=""/>
+        <p:cNvGrpSpPr/>
+        <p:nvPr/>
+      </p:nvGrpSpPr>
+      <p:grpSpPr>
+        <a:xfrm>
+          <a:off x="0" y="0"/>
+          <a:ext cx="0" cy="0"/>
+          <a:chOff x="0" y="0"/>
+          <a:chExt cx="0" cy="0"/>
+        </a:xfrm>
+      </p:grpSpPr>
+    </p:spTree>
+    <p:extLst>
+      <p:ext uri="{BB962C8B-B14F-4D97-AF65-F5344CB8AC3E}">
+        <p14:creationId xmlns:p14="http://schemas.microsoft.com/office/powerpoint/2010/main" val="3871997864"/>
       </p:ext>
     </p:extLst>
   </p:cSld>
@@ -1088,7 +1181,7 @@
           <a:p>
             <a:fld id="{8AAAF063-69EB-C644-8AB1-E5803C20EBE3}" type="datetime1">
               <a:rPr lang="pl-PL" smtClean="0"/>
-              <a:t>09.09.2019</a:t>
+              <a:t>10.09.2019</a:t>
             </a:fld>
             <a:endParaRPr lang="pl-PL"/>
           </a:p>
@@ -1256,7 +1349,7 @@
           <a:p>
             <a:fld id="{C7DA91AA-904B-014A-B53D-48D760046CF3}" type="datetime1">
               <a:rPr lang="pl-PL" smtClean="0"/>
-              <a:t>09.09.2019</a:t>
+              <a:t>10.09.2019</a:t>
             </a:fld>
             <a:endParaRPr lang="pl-PL"/>
           </a:p>
@@ -1434,7 +1527,7 @@
           <a:p>
             <a:fld id="{F0B9475C-013D-324C-B76E-2FAE353993EB}" type="datetime1">
               <a:rPr lang="pl-PL" smtClean="0"/>
-              <a:t>09.09.2019</a:t>
+              <a:t>10.09.2019</a:t>
             </a:fld>
             <a:endParaRPr lang="pl-PL"/>
           </a:p>
@@ -1602,7 +1695,7 @@
           <a:p>
             <a:fld id="{1AB0E185-5223-A043-AFB5-0E6296B0D09D}" type="datetime1">
               <a:rPr lang="pl-PL" smtClean="0"/>
-              <a:t>09.09.2019</a:t>
+              <a:t>10.09.2019</a:t>
             </a:fld>
             <a:endParaRPr lang="pl-PL"/>
           </a:p>
@@ -1847,7 +1940,7 @@
           <a:p>
             <a:fld id="{90DBE6D5-64EB-F140-8022-7FE4C8839EC4}" type="datetime1">
               <a:rPr lang="pl-PL" smtClean="0"/>
-              <a:t>09.09.2019</a:t>
+              <a:t>10.09.2019</a:t>
             </a:fld>
             <a:endParaRPr lang="pl-PL"/>
           </a:p>
@@ -2076,7 +2169,7 @@
           <a:p>
             <a:fld id="{E5E7FB9E-4599-AE42-B167-0D576E9413BB}" type="datetime1">
               <a:rPr lang="pl-PL" smtClean="0"/>
-              <a:t>09.09.2019</a:t>
+              <a:t>10.09.2019</a:t>
             </a:fld>
             <a:endParaRPr lang="pl-PL"/>
           </a:p>
@@ -2440,7 +2533,7 @@
           <a:p>
             <a:fld id="{742F618D-7D6E-7640-A0D2-A3244D9470F1}" type="datetime1">
               <a:rPr lang="pl-PL" smtClean="0"/>
-              <a:t>09.09.2019</a:t>
+              <a:t>10.09.2019</a:t>
             </a:fld>
             <a:endParaRPr lang="pl-PL"/>
           </a:p>
@@ -2557,7 +2650,7 @@
           <a:p>
             <a:fld id="{F927541C-0379-E841-92A8-520A81A3BF19}" type="datetime1">
               <a:rPr lang="pl-PL" smtClean="0"/>
-              <a:t>09.09.2019</a:t>
+              <a:t>10.09.2019</a:t>
             </a:fld>
             <a:endParaRPr lang="pl-PL"/>
           </a:p>
@@ -2652,7 +2745,7 @@
           <a:p>
             <a:fld id="{9D1C4A31-4D44-934A-B8D3-1ACF96370747}" type="datetime1">
               <a:rPr lang="pl-PL" smtClean="0"/>
-              <a:t>09.09.2019</a:t>
+              <a:t>10.09.2019</a:t>
             </a:fld>
             <a:endParaRPr lang="pl-PL"/>
           </a:p>
@@ -2927,7 +3020,7 @@
           <a:p>
             <a:fld id="{3E929067-29AD-9443-B9ED-60DF7C7F8354}" type="datetime1">
               <a:rPr lang="pl-PL" smtClean="0"/>
-              <a:t>09.09.2019</a:t>
+              <a:t>10.09.2019</a:t>
             </a:fld>
             <a:endParaRPr lang="pl-PL"/>
           </a:p>
@@ -3179,7 +3272,7 @@
           <a:p>
             <a:fld id="{3D167EE6-23CF-C946-AFCC-3993BEF3AF63}" type="datetime1">
               <a:rPr lang="pl-PL" smtClean="0"/>
-              <a:t>09.09.2019</a:t>
+              <a:t>10.09.2019</a:t>
             </a:fld>
             <a:endParaRPr lang="pl-PL"/>
           </a:p>
@@ -3390,7 +3483,7 @@
           <a:p>
             <a:fld id="{C9395B82-AE3D-E340-B351-73296EB7519D}" type="datetime1">
               <a:rPr lang="pl-PL" smtClean="0"/>
-              <a:t>09.09.2019</a:t>
+              <a:t>10.09.2019</a:t>
             </a:fld>
             <a:endParaRPr lang="pl-PL"/>
           </a:p>
@@ -3951,7 +4044,7 @@
         <p:spPr>
           <a:xfrm>
             <a:off x="2156212" y="5437505"/>
-            <a:ext cx="5696624" cy="461665"/>
+            <a:ext cx="6127318" cy="461665"/>
           </a:xfrm>
           <a:prstGeom prst="rect">
             <a:avLst/>
@@ -3973,7 +4066,7 @@
                 <a:ea typeface="Adagio_Slab" charset="0"/>
                 <a:cs typeface="Adagio_Slab" charset="0"/>
               </a:rPr>
-              <a:t>Promotor: dr hab. inż. Jerzy Balicki, prof. PW</a:t>
+              <a:t>Promotor: dr hab. inż. Jerzy Balicki, prof. uczelni</a:t>
             </a:r>
           </a:p>
         </p:txBody>
@@ -4060,10 +4153,10 @@
       </p:grpSpPr>
       <p:sp>
         <p:nvSpPr>
-          <p:cNvPr id="1030" name="Rectangle 136">
+          <p:cNvPr id="76" name="Rectangle 75">
             <a:extLst>
               <a:ext uri="{FF2B5EF4-FFF2-40B4-BE49-F238E27FC236}">
-                <a16:creationId xmlns:a16="http://schemas.microsoft.com/office/drawing/2014/main" id="{99899462-FC16-43B0-966B-FCA263450716}"/>
+                <a16:creationId xmlns:a16="http://schemas.microsoft.com/office/drawing/2014/main" id="{E02F3C71-C981-4614-98EA-D6C494F8091E}"/>
               </a:ext>
               <a:ext uri="{C183D7F6-B498-43B3-948B-1728B52AA6E4}">
                 <adec:decorative xmlns:adec="http://schemas.microsoft.com/office/drawing/2017/decorative" val="1"/>
@@ -4083,18 +4176,22 @@
         </p:nvSpPr>
         <p:spPr bwMode="ltGray">
           <a:xfrm>
-            <a:off x="4654295" y="478232"/>
-            <a:ext cx="7034121" cy="5918673"/>
+            <a:off x="336883" y="321176"/>
+            <a:ext cx="7174247" cy="5896743"/>
           </a:xfrm>
           <a:prstGeom prst="rect">
             <a:avLst/>
           </a:prstGeom>
           <a:solidFill>
-            <a:srgbClr val="404040"/>
+            <a:schemeClr val="tx1">
+              <a:alpha val="15000"/>
+            </a:schemeClr>
           </a:solidFill>
           <a:ln w="127000" cap="sq" cmpd="thinThick">
             <a:solidFill>
-              <a:srgbClr val="404040"/>
+              <a:schemeClr val="tx1">
+                <a:alpha val="10000"/>
+              </a:schemeClr>
             </a:solidFill>
           </a:ln>
         </p:spPr>
@@ -4131,8 +4228,8 @@
         </p:nvSpPr>
         <p:spPr>
           <a:xfrm>
-            <a:off x="5297762" y="1053711"/>
-            <a:ext cx="5638994" cy="1424446"/>
+            <a:off x="821516" y="640263"/>
+            <a:ext cx="6204984" cy="1344975"/>
           </a:xfrm>
           <a:prstGeom prst="rect">
             <a:avLst/>
@@ -4156,33 +4253,114 @@
               </a:spcAft>
             </a:pPr>
             <a:r>
-              <a:rPr lang="en-US" sz="4400">
-                <a:solidFill>
-                  <a:srgbClr val="FFFFFF"/>
-                </a:solidFill>
+              <a:rPr lang="en-US" sz="4000">
                 <a:latin typeface="+mj-lt"/>
                 <a:ea typeface="+mj-ea"/>
                 <a:cs typeface="+mj-cs"/>
               </a:rPr>
               <a:t>Wykorzystane modele</a:t>
             </a:r>
-            <a:endParaRPr lang="en-US" sz="4400" dirty="0">
-              <a:solidFill>
-                <a:srgbClr val="FFFFFF"/>
-              </a:solidFill>
-              <a:latin typeface="+mj-lt"/>
-              <a:ea typeface="+mj-ea"/>
-              <a:cs typeface="+mj-cs"/>
-            </a:endParaRPr>
+          </a:p>
+        </p:txBody>
+      </p:sp>
+      <p:sp>
+        <p:nvSpPr>
+          <p:cNvPr id="10" name="pole tekstowe 9">
+            <a:extLst>
+              <a:ext uri="{FF2B5EF4-FFF2-40B4-BE49-F238E27FC236}">
+                <a16:creationId xmlns:a16="http://schemas.microsoft.com/office/drawing/2014/main" id="{18FA92C5-AF5D-4FF7-ADA9-7A0EEA955070}"/>
+              </a:ext>
+            </a:extLst>
+          </p:cNvPr>
+          <p:cNvSpPr txBox="1"/>
+          <p:nvPr/>
+        </p:nvSpPr>
+        <p:spPr>
+          <a:xfrm>
+            <a:off x="821515" y="2121762"/>
+            <a:ext cx="6204984" cy="3626917"/>
+          </a:xfrm>
+          <a:prstGeom prst="rect">
+            <a:avLst/>
+          </a:prstGeom>
+        </p:spPr>
+        <p:txBody>
+          <a:bodyPr vert="horz" lIns="91440" tIns="45720" rIns="91440" bIns="45720" rtlCol="0">
+            <a:normAutofit/>
+          </a:bodyPr>
+          <a:lstStyle/>
+          <a:p>
+            <a:pPr marL="342900" indent="-228600">
+              <a:lnSpc>
+                <a:spcPct val="90000"/>
+              </a:lnSpc>
+              <a:spcAft>
+                <a:spcPts val="600"/>
+              </a:spcAft>
+              <a:buFont typeface="Arial" panose="020B0604020202020204" pitchFamily="34" charset="0"/>
+              <a:buChar char="•"/>
+            </a:pPr>
+            <a:r>
+              <a:rPr lang="en-US" sz="2400"/>
+              <a:t>Sztucznie sieci neuronowe</a:t>
+            </a:r>
+          </a:p>
+          <a:p>
+            <a:pPr marL="342900" indent="-228600">
+              <a:lnSpc>
+                <a:spcPct val="90000"/>
+              </a:lnSpc>
+              <a:spcAft>
+                <a:spcPts val="600"/>
+              </a:spcAft>
+              <a:buFont typeface="Arial" panose="020B0604020202020204" pitchFamily="34" charset="0"/>
+              <a:buChar char="•"/>
+            </a:pPr>
+            <a:r>
+              <a:rPr lang="en-US" sz="2400"/>
+              <a:t>SVM</a:t>
+            </a:r>
+          </a:p>
+          <a:p>
+            <a:pPr marL="342900" indent="-228600">
+              <a:lnSpc>
+                <a:spcPct val="90000"/>
+              </a:lnSpc>
+              <a:spcAft>
+                <a:spcPts val="600"/>
+              </a:spcAft>
+              <a:buFont typeface="Arial" panose="020B0604020202020204" pitchFamily="34" charset="0"/>
+              <a:buChar char="•"/>
+            </a:pPr>
+            <a:r>
+              <a:rPr lang="en-US" sz="2400"/>
+              <a:t>Random forest</a:t>
+            </a:r>
+          </a:p>
+          <a:p>
+            <a:pPr marL="342900" indent="-228600">
+              <a:lnSpc>
+                <a:spcPct val="90000"/>
+              </a:lnSpc>
+              <a:spcAft>
+                <a:spcPts val="600"/>
+              </a:spcAft>
+              <a:buFont typeface="Arial" panose="020B0604020202020204" pitchFamily="34" charset="0"/>
+              <a:buChar char="•"/>
+            </a:pPr>
+            <a:r>
+              <a:rPr lang="en-US" sz="2400"/>
+              <a:t>Light GBM</a:t>
+            </a:r>
           </a:p>
         </p:txBody>
       </p:sp>
       <p:pic>
         <p:nvPicPr>
-          <p:cNvPr id="1026" name="Picture 2" descr="Image result for mlp network">
+          <p:cNvPr id="1028" name="Picture 4" descr="Image result for random forest">
             <a:extLst>
               <a:ext uri="{FF2B5EF4-FFF2-40B4-BE49-F238E27FC236}">
-                <a16:creationId xmlns:a16="http://schemas.microsoft.com/office/drawing/2014/main" id="{C04581AB-136E-4FD3-A4CC-334B485C67A8}"/>
+                <a16:creationId xmlns:a16="http://schemas.microsoft.com/office/drawing/2014/main" id="{67651187-B666-4814-8007-90933B5978BA}"/>
               </a:ext>
             </a:extLst>
           </p:cNvPr>
@@ -4205,8 +4383,8 @@
         </p:blipFill>
         <p:spPr bwMode="auto">
           <a:xfrm>
-            <a:off x="481886" y="608428"/>
-            <a:ext cx="3662730" cy="2529509"/>
+            <a:off x="8133133" y="306909"/>
+            <a:ext cx="3435245" cy="2286000"/>
           </a:xfrm>
           <a:prstGeom prst="rect">
             <a:avLst/>
@@ -4223,64 +4401,12 @@
           </a:extLst>
         </p:spPr>
       </p:pic>
-      <p:cxnSp>
-        <p:nvCxnSpPr>
-          <p:cNvPr id="1031" name="Straight Connector 138">
+      <p:pic>
+        <p:nvPicPr>
+          <p:cNvPr id="1026" name="Picture 2" descr="Image result for mlp network">
             <a:extLst>
               <a:ext uri="{FF2B5EF4-FFF2-40B4-BE49-F238E27FC236}">
-                <a16:creationId xmlns:a16="http://schemas.microsoft.com/office/drawing/2014/main" id="{AAFEA932-2DF1-410C-A00A-7A1E7DBF7511}"/>
-              </a:ext>
-              <a:ext uri="{C183D7F6-B498-43B3-948B-1728B52AA6E4}">
-                <adec:decorative xmlns:adec="http://schemas.microsoft.com/office/drawing/2017/decorative" val="1"/>
-              </a:ext>
-            </a:extLst>
-          </p:cNvPr>
-          <p:cNvCxnSpPr>
-            <a:cxnSpLocks noGrp="1" noRot="1" noChangeAspect="1" noMove="1" noResize="1" noEditPoints="1" noAdjustHandles="1" noChangeArrowheads="1" noChangeShapeType="1"/>
-          </p:cNvCxnSpPr>
-          <p:nvPr>
-            <p:extLst>
-              <p:ext uri="{386F3935-93C4-4BCD-93E2-E3B085C9AB24}">
-                <p16:designElem xmlns:p16="http://schemas.microsoft.com/office/powerpoint/2015/main" val="1"/>
-              </p:ext>
-            </p:extLst>
-          </p:nvPr>
-        </p:nvCxnSpPr>
-        <p:spPr>
-          <a:xfrm>
-            <a:off x="5430098" y="2639023"/>
-            <a:ext cx="4562441" cy="0"/>
-          </a:xfrm>
-          <a:prstGeom prst="line">
-            <a:avLst/>
-          </a:prstGeom>
-          <a:ln w="22225">
-            <a:solidFill>
-              <a:srgbClr val="E7E6E6"/>
-            </a:solidFill>
-          </a:ln>
-        </p:spPr>
-        <p:style>
-          <a:lnRef idx="1">
-            <a:schemeClr val="accent1"/>
-          </a:lnRef>
-          <a:fillRef idx="0">
-            <a:schemeClr val="accent1"/>
-          </a:fillRef>
-          <a:effectRef idx="0">
-            <a:schemeClr val="accent1"/>
-          </a:effectRef>
-          <a:fontRef idx="minor">
-            <a:schemeClr val="tx1"/>
-          </a:fontRef>
-        </p:style>
-      </p:cxnSp>
-      <p:pic>
-        <p:nvPicPr>
-          <p:cNvPr id="1028" name="Picture 4" descr="Image result for random forest">
-            <a:extLst>
-              <a:ext uri="{FF2B5EF4-FFF2-40B4-BE49-F238E27FC236}">
-                <a16:creationId xmlns:a16="http://schemas.microsoft.com/office/drawing/2014/main" id="{67651187-B666-4814-8007-90933B5978BA}"/>
+                <a16:creationId xmlns:a16="http://schemas.microsoft.com/office/drawing/2014/main" id="{C04581AB-136E-4FD3-A4CC-334B485C67A8}"/>
               </a:ext>
             </a:extLst>
           </p:cNvPr>
@@ -4303,8 +4429,8 @@
         </p:blipFill>
         <p:spPr bwMode="auto">
           <a:xfrm>
-            <a:off x="481886" y="3765637"/>
-            <a:ext cx="3662730" cy="2437380"/>
+            <a:off x="7829551" y="3127562"/>
+            <a:ext cx="4042410" cy="2791719"/>
           </a:xfrm>
           <a:prstGeom prst="rect">
             <a:avLst/>
@@ -4323,114 +4449,6 @@
       </p:pic>
       <p:sp>
         <p:nvSpPr>
-          <p:cNvPr id="10" name="pole tekstowe 9">
-            <a:extLst>
-              <a:ext uri="{FF2B5EF4-FFF2-40B4-BE49-F238E27FC236}">
-                <a16:creationId xmlns:a16="http://schemas.microsoft.com/office/drawing/2014/main" id="{18FA92C5-AF5D-4FF7-ADA9-7A0EEA955070}"/>
-              </a:ext>
-            </a:extLst>
-          </p:cNvPr>
-          <p:cNvSpPr txBox="1"/>
-          <p:nvPr/>
-        </p:nvSpPr>
-        <p:spPr>
-          <a:xfrm>
-            <a:off x="5297762" y="2799889"/>
-            <a:ext cx="5747187" cy="2987543"/>
-          </a:xfrm>
-          <a:prstGeom prst="rect">
-            <a:avLst/>
-          </a:prstGeom>
-        </p:spPr>
-        <p:txBody>
-          <a:bodyPr vert="horz" lIns="91440" tIns="45720" rIns="91440" bIns="45720" rtlCol="0" anchor="t">
-            <a:normAutofit/>
-          </a:bodyPr>
-          <a:lstStyle/>
-          <a:p>
-            <a:pPr marL="342900" indent="-228600">
-              <a:lnSpc>
-                <a:spcPct val="90000"/>
-              </a:lnSpc>
-              <a:spcAft>
-                <a:spcPts val="600"/>
-              </a:spcAft>
-              <a:buFont typeface="Arial" panose="020B0604020202020204" pitchFamily="34" charset="0"/>
-              <a:buChar char="•"/>
-            </a:pPr>
-            <a:r>
-              <a:rPr lang="en-US" sz="2400">
-                <a:solidFill>
-                  <a:srgbClr val="FFFFFF"/>
-                </a:solidFill>
-              </a:rPr>
-              <a:t>Sieci neuronowe</a:t>
-            </a:r>
-          </a:p>
-          <a:p>
-            <a:pPr marL="342900" indent="-228600">
-              <a:lnSpc>
-                <a:spcPct val="90000"/>
-              </a:lnSpc>
-              <a:spcAft>
-                <a:spcPts val="600"/>
-              </a:spcAft>
-              <a:buFont typeface="Arial" panose="020B0604020202020204" pitchFamily="34" charset="0"/>
-              <a:buChar char="•"/>
-            </a:pPr>
-            <a:r>
-              <a:rPr lang="en-US" sz="2400">
-                <a:solidFill>
-                  <a:srgbClr val="FFFFFF"/>
-                </a:solidFill>
-              </a:rPr>
-              <a:t>SVM</a:t>
-            </a:r>
-          </a:p>
-          <a:p>
-            <a:pPr marL="342900" indent="-228600">
-              <a:lnSpc>
-                <a:spcPct val="90000"/>
-              </a:lnSpc>
-              <a:spcAft>
-                <a:spcPts val="600"/>
-              </a:spcAft>
-              <a:buFont typeface="Arial" panose="020B0604020202020204" pitchFamily="34" charset="0"/>
-              <a:buChar char="•"/>
-            </a:pPr>
-            <a:r>
-              <a:rPr lang="en-US" sz="2400">
-                <a:solidFill>
-                  <a:srgbClr val="FFFFFF"/>
-                </a:solidFill>
-              </a:rPr>
-              <a:t>Random forest</a:t>
-            </a:r>
-          </a:p>
-          <a:p>
-            <a:pPr marL="342900" indent="-228600">
-              <a:lnSpc>
-                <a:spcPct val="90000"/>
-              </a:lnSpc>
-              <a:spcAft>
-                <a:spcPts val="600"/>
-              </a:spcAft>
-              <a:buFont typeface="Arial" panose="020B0604020202020204" pitchFamily="34" charset="0"/>
-              <a:buChar char="•"/>
-            </a:pPr>
-            <a:r>
-              <a:rPr lang="en-US" sz="2400">
-                <a:solidFill>
-                  <a:srgbClr val="FFFFFF"/>
-                </a:solidFill>
-              </a:rPr>
-              <a:t>Light GBM</a:t>
-            </a:r>
-          </a:p>
-        </p:txBody>
-      </p:sp>
-      <p:sp>
-        <p:nvSpPr>
           <p:cNvPr id="5" name="Symbol zastępczy numeru slajdu 4"/>
           <p:cNvSpPr>
             <a:spLocks noGrp="1"/>
@@ -4441,8 +4459,8 @@
         </p:nvSpPr>
         <p:spPr>
           <a:xfrm>
-            <a:off x="11029121" y="6455503"/>
-            <a:ext cx="649357" cy="365125"/>
+            <a:off x="8610600" y="6356350"/>
+            <a:ext cx="2743200" cy="365125"/>
           </a:xfrm>
         </p:spPr>
         <p:txBody>
@@ -4485,6 +4503,14 @@
 <file path=ppt/slides/slide11.xml><?xml version="1.0" encoding="utf-8"?>
 <p:sld xmlns:a="http://schemas.openxmlformats.org/drawingml/2006/main" xmlns:r="http://schemas.openxmlformats.org/officeDocument/2006/relationships" xmlns:p="http://schemas.openxmlformats.org/presentationml/2006/main">
   <p:cSld>
+    <p:bg>
+      <p:bgPr>
+        <a:solidFill>
+          <a:schemeClr val="bg1"/>
+        </a:solidFill>
+        <a:effectLst/>
+      </p:bgPr>
+    </p:bg>
     <p:spTree>
       <p:nvGrpSpPr>
         <p:cNvPr id="1" name=""/>
@@ -4501,6 +4527,245 @@
       </p:grpSpPr>
       <p:sp>
         <p:nvSpPr>
+          <p:cNvPr id="10" name="Rectangle 9">
+            <a:extLst>
+              <a:ext uri="{FF2B5EF4-FFF2-40B4-BE49-F238E27FC236}">
+                <a16:creationId xmlns:a16="http://schemas.microsoft.com/office/drawing/2014/main" id="{6F9EB9F2-07E2-4D64-BBD8-BB5B217F1218}"/>
+              </a:ext>
+              <a:ext uri="{C183D7F6-B498-43B3-948B-1728B52AA6E4}">
+                <adec:decorative xmlns:adec="http://schemas.microsoft.com/office/drawing/2017/decorative" val="1"/>
+              </a:ext>
+            </a:extLst>
+          </p:cNvPr>
+          <p:cNvSpPr>
+            <a:spLocks noGrp="1" noRot="1" noChangeAspect="1" noMove="1" noResize="1" noEditPoints="1" noAdjustHandles="1" noChangeArrowheads="1" noChangeShapeType="1" noTextEdit="1"/>
+          </p:cNvSpPr>
+          <p:nvPr>
+            <p:extLst>
+              <p:ext uri="{386F3935-93C4-4BCD-93E2-E3B085C9AB24}">
+                <p16:designElem xmlns:p16="http://schemas.microsoft.com/office/powerpoint/2015/main" val="1"/>
+              </p:ext>
+            </p:extLst>
+          </p:nvPr>
+        </p:nvSpPr>
+        <p:spPr bwMode="ltGray">
+          <a:xfrm>
+            <a:off x="321564" y="320040"/>
+            <a:ext cx="11548872" cy="6217920"/>
+          </a:xfrm>
+          <a:prstGeom prst="rect">
+            <a:avLst/>
+          </a:prstGeom>
+          <a:solidFill>
+            <a:schemeClr val="tx1">
+              <a:alpha val="12000"/>
+            </a:schemeClr>
+          </a:solidFill>
+          <a:ln w="127000" cap="sq" cmpd="thinThick">
+            <a:noFill/>
+          </a:ln>
+        </p:spPr>
+        <p:style>
+          <a:lnRef idx="2">
+            <a:schemeClr val="accent1">
+              <a:shade val="50000"/>
+            </a:schemeClr>
+          </a:lnRef>
+          <a:fillRef idx="1">
+            <a:schemeClr val="accent1"/>
+          </a:fillRef>
+          <a:effectRef idx="0">
+            <a:schemeClr val="accent1"/>
+          </a:effectRef>
+          <a:fontRef idx="minor">
+            <a:schemeClr val="lt1"/>
+          </a:fontRef>
+        </p:style>
+        <p:txBody>
+          <a:bodyPr rtlCol="0" anchor="ctr"/>
+          <a:lstStyle/>
+          <a:p>
+            <a:pPr algn="ctr"/>
+            <a:endParaRPr lang="en-US"/>
+          </a:p>
+        </p:txBody>
+      </p:sp>
+      <p:sp>
+        <p:nvSpPr>
+          <p:cNvPr id="3" name="PoleTekstowe 2"/>
+          <p:cNvSpPr txBox="1"/>
+          <p:nvPr/>
+        </p:nvSpPr>
+        <p:spPr>
+          <a:xfrm>
+            <a:off x="4380588" y="965199"/>
+            <a:ext cx="6766078" cy="4927601"/>
+          </a:xfrm>
+          <a:prstGeom prst="rect">
+            <a:avLst/>
+          </a:prstGeom>
+        </p:spPr>
+        <p:txBody>
+          <a:bodyPr vert="horz" lIns="91440" tIns="45720" rIns="91440" bIns="45720" rtlCol="0" anchor="ctr">
+            <a:normAutofit/>
+          </a:bodyPr>
+          <a:lstStyle/>
+          <a:p>
+            <a:pPr>
+              <a:lnSpc>
+                <a:spcPct val="90000"/>
+              </a:lnSpc>
+              <a:spcBef>
+                <a:spcPct val="0"/>
+              </a:spcBef>
+              <a:spcAft>
+                <a:spcPts val="600"/>
+              </a:spcAft>
+            </a:pPr>
+            <a:r>
+              <a:rPr lang="en-US" sz="5400" kern="1200">
+                <a:solidFill>
+                  <a:schemeClr val="tx1">
+                    <a:lumMod val="85000"/>
+                    <a:lumOff val="15000"/>
+                  </a:schemeClr>
+                </a:solidFill>
+                <a:latin typeface="+mj-lt"/>
+                <a:ea typeface="+mj-ea"/>
+                <a:cs typeface="+mj-cs"/>
+              </a:rPr>
+              <a:t>Aplikacja</a:t>
+            </a:r>
+          </a:p>
+        </p:txBody>
+      </p:sp>
+      <p:cxnSp>
+        <p:nvCxnSpPr>
+          <p:cNvPr id="12" name="Straight Connector 11">
+            <a:extLst>
+              <a:ext uri="{FF2B5EF4-FFF2-40B4-BE49-F238E27FC236}">
+                <a16:creationId xmlns:a16="http://schemas.microsoft.com/office/drawing/2014/main" id="{F0C57C7C-DFE9-4A1E-B7A9-DF40E63366BB}"/>
+              </a:ext>
+              <a:ext uri="{C183D7F6-B498-43B3-948B-1728B52AA6E4}">
+                <adec:decorative xmlns:adec="http://schemas.microsoft.com/office/drawing/2017/decorative" val="1"/>
+              </a:ext>
+            </a:extLst>
+          </p:cNvPr>
+          <p:cNvCxnSpPr>
+            <a:cxnSpLocks noGrp="1" noRot="1" noChangeAspect="1" noMove="1" noResize="1" noEditPoints="1" noAdjustHandles="1" noChangeArrowheads="1" noChangeShapeType="1"/>
+          </p:cNvCxnSpPr>
+          <p:nvPr>
+            <p:extLst>
+              <p:ext uri="{386F3935-93C4-4BCD-93E2-E3B085C9AB24}">
+                <p16:designElem xmlns:p16="http://schemas.microsoft.com/office/powerpoint/2015/main" val="1"/>
+              </p:ext>
+            </p:extLst>
+          </p:nvPr>
+        </p:nvCxnSpPr>
+        <p:spPr>
+          <a:xfrm>
+            <a:off x="4055891" y="2057399"/>
+            <a:ext cx="0" cy="2743200"/>
+          </a:xfrm>
+          <a:prstGeom prst="line">
+            <a:avLst/>
+          </a:prstGeom>
+          <a:ln w="19050">
+            <a:solidFill>
+              <a:schemeClr val="tx1">
+                <a:lumMod val="85000"/>
+                <a:lumOff val="15000"/>
+              </a:schemeClr>
+            </a:solidFill>
+          </a:ln>
+        </p:spPr>
+        <p:style>
+          <a:lnRef idx="1">
+            <a:schemeClr val="accent1"/>
+          </a:lnRef>
+          <a:fillRef idx="0">
+            <a:schemeClr val="accent1"/>
+          </a:fillRef>
+          <a:effectRef idx="0">
+            <a:schemeClr val="accent1"/>
+          </a:effectRef>
+          <a:fontRef idx="minor">
+            <a:schemeClr val="tx1"/>
+          </a:fontRef>
+        </p:style>
+      </p:cxnSp>
+      <p:sp>
+        <p:nvSpPr>
+          <p:cNvPr id="5" name="Symbol zastępczy numeru slajdu 4"/>
+          <p:cNvSpPr>
+            <a:spLocks noGrp="1"/>
+          </p:cNvSpPr>
+          <p:nvPr>
+            <p:ph type="sldNum" sz="quarter" idx="12"/>
+          </p:nvPr>
+        </p:nvSpPr>
+        <p:spPr>
+          <a:xfrm>
+            <a:off x="10225314" y="6553690"/>
+            <a:ext cx="1128486" cy="274320"/>
+          </a:xfrm>
+        </p:spPr>
+        <p:txBody>
+          <a:bodyPr vert="horz" lIns="91440" tIns="45720" rIns="91440" bIns="45720" rtlCol="0" anchor="ctr">
+            <a:normAutofit/>
+          </a:bodyPr>
+          <a:lstStyle/>
+          <a:p>
+            <a:pPr>
+              <a:spcAft>
+                <a:spcPts val="600"/>
+              </a:spcAft>
+            </a:pPr>
+            <a:fld id="{F35BE31D-8307-A84B-9D2D-2944E6584EB9}" type="slidenum">
+              <a:rPr lang="en-US" sz="1050"/>
+              <a:pPr>
+                <a:spcAft>
+                  <a:spcPts val="600"/>
+                </a:spcAft>
+              </a:pPr>
+              <a:t>11</a:t>
+            </a:fld>
+            <a:endParaRPr lang="en-US" sz="1050"/>
+          </a:p>
+        </p:txBody>
+      </p:sp>
+    </p:spTree>
+    <p:extLst>
+      <p:ext uri="{BB962C8B-B14F-4D97-AF65-F5344CB8AC3E}">
+        <p14:creationId xmlns:p14="http://schemas.microsoft.com/office/powerpoint/2010/main" val="2385758515"/>
+      </p:ext>
+    </p:extLst>
+  </p:cSld>
+  <p:clrMapOvr>
+    <a:masterClrMapping/>
+  </p:clrMapOvr>
+</p:sld>
+</file>
+
+<file path=ppt/slides/slide12.xml><?xml version="1.0" encoding="utf-8"?>
+<p:sld xmlns:a="http://schemas.openxmlformats.org/drawingml/2006/main" xmlns:r="http://schemas.openxmlformats.org/officeDocument/2006/relationships" xmlns:p="http://schemas.openxmlformats.org/presentationml/2006/main">
+  <p:cSld>
+    <p:spTree>
+      <p:nvGrpSpPr>
+        <p:cNvPr id="1" name=""/>
+        <p:cNvGrpSpPr/>
+        <p:nvPr/>
+      </p:nvGrpSpPr>
+      <p:grpSpPr>
+        <a:xfrm>
+          <a:off x="0" y="0"/>
+          <a:ext cx="0" cy="0"/>
+          <a:chOff x="0" y="0"/>
+          <a:chExt cx="0" cy="0"/>
+        </a:xfrm>
+      </p:grpSpPr>
+      <p:sp>
+        <p:nvSpPr>
           <p:cNvPr id="3" name="PoleTekstowe 2"/>
           <p:cNvSpPr txBox="1"/>
           <p:nvPr/>
@@ -4570,7 +4835,7 @@
                 <a:cs typeface="Radikal WUT" charset="0"/>
               </a:rPr>
               <a:pPr/>
-              <a:t>11</a:t>
+              <a:t>12</a:t>
             </a:fld>
             <a:endParaRPr lang="pl-PL" sz="4000" dirty="0">
               <a:solidFill>
@@ -5120,7 +5385,7 @@
 </p:sld>
 </file>
 
-<file path=ppt/slides/slide12.xml><?xml version="1.0" encoding="utf-8"?>
+<file path=ppt/slides/slide13.xml><?xml version="1.0" encoding="utf-8"?>
 <p:sld xmlns:a="http://schemas.openxmlformats.org/drawingml/2006/main" xmlns:r="http://schemas.openxmlformats.org/officeDocument/2006/relationships" xmlns:p="http://schemas.openxmlformats.org/presentationml/2006/main">
   <p:cSld>
     <p:spTree>
@@ -5238,7 +5503,7 @@
                 <a:cs typeface="Radikal WUT" charset="0"/>
               </a:rPr>
               <a:pPr/>
-              <a:t>12</a:t>
+              <a:t>13</a:t>
             </a:fld>
             <a:endParaRPr lang="pl-PL" sz="4000" dirty="0">
               <a:solidFill>
@@ -5754,7 +6019,7 @@
 </p:sld>
 </file>
 
-<file path=ppt/slides/slide13.xml><?xml version="1.0" encoding="utf-8"?>
+<file path=ppt/slides/slide14.xml><?xml version="1.0" encoding="utf-8"?>
 <p:sld xmlns:a="http://schemas.openxmlformats.org/drawingml/2006/main" xmlns:r="http://schemas.openxmlformats.org/officeDocument/2006/relationships" xmlns:p="http://schemas.openxmlformats.org/presentationml/2006/main">
   <p:cSld>
     <p:spTree>
@@ -5872,7 +6137,7 @@
                 <a:cs typeface="Radikal WUT" charset="0"/>
               </a:rPr>
               <a:pPr/>
-              <a:t>13</a:t>
+              <a:t>14</a:t>
             </a:fld>
             <a:endParaRPr lang="pl-PL" sz="4000" dirty="0">
               <a:solidFill>
@@ -6436,7 +6701,7 @@
 </p:sld>
 </file>
 
-<file path=ppt/slides/slide14.xml><?xml version="1.0" encoding="utf-8"?>
+<file path=ppt/slides/slide15.xml><?xml version="1.0" encoding="utf-8"?>
 <p:sld xmlns:a="http://schemas.openxmlformats.org/drawingml/2006/main" xmlns:r="http://schemas.openxmlformats.org/officeDocument/2006/relationships" xmlns:p="http://schemas.openxmlformats.org/presentationml/2006/main">
   <p:cSld>
     <p:spTree>
@@ -6554,7 +6819,7 @@
                 <a:cs typeface="Radikal WUT" charset="0"/>
               </a:rPr>
               <a:pPr/>
-              <a:t>14</a:t>
+              <a:t>15</a:t>
             </a:fld>
             <a:endParaRPr lang="pl-PL" sz="4000" dirty="0">
               <a:solidFill>
@@ -7118,7 +7383,7 @@
 </p:sld>
 </file>
 
-<file path=ppt/slides/slide15.xml><?xml version="1.0" encoding="utf-8"?>
+<file path=ppt/slides/slide16.xml><?xml version="1.0" encoding="utf-8"?>
 <p:sld xmlns:a="http://schemas.openxmlformats.org/drawingml/2006/main" xmlns:r="http://schemas.openxmlformats.org/officeDocument/2006/relationships" xmlns:p="http://schemas.openxmlformats.org/presentationml/2006/main">
   <p:cSld>
     <p:spTree>
@@ -7206,7 +7471,7 @@
                 <a:cs typeface="Radikal WUT" charset="0"/>
               </a:rPr>
               <a:pPr/>
-              <a:t>15</a:t>
+              <a:t>16</a:t>
             </a:fld>
             <a:endParaRPr lang="pl-PL" sz="4000" dirty="0">
               <a:solidFill>
@@ -7292,7 +7557,7 @@
 </p:sld>
 </file>
 
-<file path=ppt/slides/slide16.xml><?xml version="1.0" encoding="utf-8"?>
+<file path=ppt/slides/slide17.xml><?xml version="1.0" encoding="utf-8"?>
 <p:sld xmlns:a="http://schemas.openxmlformats.org/drawingml/2006/main" xmlns:r="http://schemas.openxmlformats.org/officeDocument/2006/relationships" xmlns:p="http://schemas.openxmlformats.org/presentationml/2006/main">
   <p:cSld>
     <p:spTree>
@@ -7380,7 +7645,7 @@
                 <a:cs typeface="Radikal WUT" charset="0"/>
               </a:rPr>
               <a:pPr/>
-              <a:t>16</a:t>
+              <a:t>17</a:t>
             </a:fld>
             <a:endParaRPr lang="pl-PL" sz="4000" dirty="0">
               <a:solidFill>
@@ -7466,25 +7731,14 @@
 </p:sld>
 </file>
 
-<file path=ppt/slides/slide17.xml><?xml version="1.0" encoding="utf-8"?>
+<file path=ppt/slides/slide18.xml><?xml version="1.0" encoding="utf-8"?>
 <p:sld xmlns:a="http://schemas.openxmlformats.org/drawingml/2006/main" xmlns:r="http://schemas.openxmlformats.org/officeDocument/2006/relationships" xmlns:p="http://schemas.openxmlformats.org/presentationml/2006/main">
   <p:cSld>
     <p:bg>
       <p:bgPr>
-        <a:blipFill dpi="0" rotWithShape="1">
-          <a:blip r:embed="rId2" cstate="screen">
-            <a:lum/>
-            <a:extLst>
-              <a:ext uri="{28A0092B-C50C-407E-A947-70E740481C1C}">
-                <a14:useLocalDpi xmlns:a14="http://schemas.microsoft.com/office/drawing/2010/main"/>
-              </a:ext>
-            </a:extLst>
-          </a:blip>
-          <a:srcRect/>
-          <a:stretch>
-            <a:fillRect/>
-          </a:stretch>
-        </a:blipFill>
+        <a:solidFill>
+          <a:schemeClr val="bg1"/>
+        </a:solidFill>
         <a:effectLst/>
       </p:bgPr>
     </p:bg>
@@ -7504,44 +7758,1000 @@
       </p:grpSpPr>
       <p:sp>
         <p:nvSpPr>
-          <p:cNvPr id="4" name="PoleTekstowe 3"/>
-          <p:cNvSpPr txBox="1"/>
-          <p:nvPr/>
-        </p:nvSpPr>
-        <p:spPr>
+          <p:cNvPr id="14" name="Rectangle 13">
+            <a:extLst>
+              <a:ext uri="{FF2B5EF4-FFF2-40B4-BE49-F238E27FC236}">
+                <a16:creationId xmlns:a16="http://schemas.microsoft.com/office/drawing/2014/main" id="{8D70B121-56F4-4848-B38B-182089D909FA}"/>
+              </a:ext>
+              <a:ext uri="{C183D7F6-B498-43B3-948B-1728B52AA6E4}">
+                <adec:decorative xmlns:adec="http://schemas.microsoft.com/office/drawing/2017/decorative" val="1"/>
+              </a:ext>
+            </a:extLst>
+          </p:cNvPr>
+          <p:cNvSpPr>
+            <a:spLocks noGrp="1" noRot="1" noChangeAspect="1" noMove="1" noResize="1" noEditPoints="1" noAdjustHandles="1" noChangeArrowheads="1" noChangeShapeType="1" noTextEdit="1"/>
+          </p:cNvSpPr>
+          <p:nvPr>
+            <p:extLst>
+              <p:ext uri="{386F3935-93C4-4BCD-93E2-E3B085C9AB24}">
+                <p16:designElem xmlns:p16="http://schemas.microsoft.com/office/powerpoint/2015/main" val="1"/>
+              </p:ext>
+            </p:extLst>
+          </p:nvPr>
+        </p:nvSpPr>
+        <p:spPr bwMode="ltGray">
           <a:xfrm>
-            <a:off x="500723" y="3039762"/>
-            <a:ext cx="3725572" cy="646331"/>
+            <a:off x="321564" y="320040"/>
+            <a:ext cx="11548872" cy="6217920"/>
           </a:xfrm>
           <a:prstGeom prst="rect">
             <a:avLst/>
           </a:prstGeom>
-          <a:noFill/>
+          <a:solidFill>
+            <a:schemeClr val="tx1">
+              <a:alpha val="8000"/>
+            </a:schemeClr>
+          </a:solidFill>
+          <a:ln w="127000" cap="sq" cmpd="thinThick">
+            <a:noFill/>
+          </a:ln>
         </p:spPr>
-        <p:txBody>
-          <a:bodyPr wrap="none" rtlCol="0">
-            <a:spAutoFit/>
+        <p:style>
+          <a:lnRef idx="2">
+            <a:schemeClr val="accent1">
+              <a:shade val="50000"/>
+            </a:schemeClr>
+          </a:lnRef>
+          <a:fillRef idx="1">
+            <a:schemeClr val="accent1"/>
+          </a:fillRef>
+          <a:effectRef idx="0">
+            <a:schemeClr val="accent1"/>
+          </a:effectRef>
+          <a:fontRef idx="minor">
+            <a:schemeClr val="lt1"/>
+          </a:fontRef>
+        </p:style>
+        <p:txBody>
+          <a:bodyPr rtlCol="0" anchor="ctr"/>
+          <a:lstStyle/>
+          <a:p>
+            <a:pPr algn="ctr"/>
+            <a:endParaRPr lang="en-US"/>
+          </a:p>
+        </p:txBody>
+      </p:sp>
+      <p:sp>
+        <p:nvSpPr>
+          <p:cNvPr id="3" name="PoleTekstowe 2"/>
+          <p:cNvSpPr txBox="1"/>
+          <p:nvPr/>
+        </p:nvSpPr>
+        <p:spPr>
+          <a:xfrm>
+            <a:off x="838200" y="963877"/>
+            <a:ext cx="3494362" cy="4930246"/>
+          </a:xfrm>
+          <a:prstGeom prst="rect">
+            <a:avLst/>
+          </a:prstGeom>
+        </p:spPr>
+        <p:txBody>
+          <a:bodyPr vert="horz" lIns="91440" tIns="45720" rIns="91440" bIns="45720" rtlCol="0" anchor="ctr">
+            <a:normAutofit/>
           </a:bodyPr>
           <a:lstStyle/>
           <a:p>
-            <a:r>
-              <a:rPr lang="pl-PL" sz="3600" dirty="0">
+            <a:pPr algn="r">
+              <a:lnSpc>
+                <a:spcPct val="90000"/>
+              </a:lnSpc>
+              <a:spcBef>
+                <a:spcPct val="0"/>
+              </a:spcBef>
+              <a:spcAft>
+                <a:spcPts val="600"/>
+              </a:spcAft>
+            </a:pPr>
+            <a:r>
+              <a:rPr lang="en-US" sz="4400" kern="1200">
                 <a:solidFill>
-                  <a:schemeClr val="bg1"/>
+                  <a:schemeClr val="accent1"/>
                 </a:solidFill>
-                <a:latin typeface="Adagio_Slab" charset="0"/>
-                <a:ea typeface="Adagio_Slab" charset="0"/>
-                <a:cs typeface="Adagio_Slab" charset="0"/>
+                <a:latin typeface="+mj-lt"/>
+                <a:ea typeface="+mj-ea"/>
+                <a:cs typeface="+mj-cs"/>
               </a:rPr>
-              <a:t>Dziękuję za uwagę.</a:t>
-            </a:r>
+              <a:t>Wnioski i uwagi</a:t>
+            </a:r>
+          </a:p>
+        </p:txBody>
+      </p:sp>
+      <p:cxnSp>
+        <p:nvCxnSpPr>
+          <p:cNvPr id="26" name="Straight Connector 15">
+            <a:extLst>
+              <a:ext uri="{FF2B5EF4-FFF2-40B4-BE49-F238E27FC236}">
+                <a16:creationId xmlns:a16="http://schemas.microsoft.com/office/drawing/2014/main" id="{2D72A2C9-F3CA-4216-8BAD-FA4C970C3C4E}"/>
+              </a:ext>
+              <a:ext uri="{C183D7F6-B498-43B3-948B-1728B52AA6E4}">
+                <adec:decorative xmlns:adec="http://schemas.microsoft.com/office/drawing/2017/decorative" val="1"/>
+              </a:ext>
+            </a:extLst>
+          </p:cNvPr>
+          <p:cNvCxnSpPr>
+            <a:cxnSpLocks noGrp="1" noRot="1" noChangeAspect="1" noMove="1" noResize="1" noEditPoints="1" noAdjustHandles="1" noChangeArrowheads="1" noChangeShapeType="1"/>
+          </p:cNvCxnSpPr>
+          <p:nvPr>
+            <p:extLst>
+              <p:ext uri="{386F3935-93C4-4BCD-93E2-E3B085C9AB24}">
+                <p16:designElem xmlns:p16="http://schemas.microsoft.com/office/powerpoint/2015/main" val="1"/>
+              </p:ext>
+            </p:extLst>
+          </p:nvPr>
+        </p:nvCxnSpPr>
+        <p:spPr>
+          <a:xfrm>
+            <a:off x="4654296" y="2057400"/>
+            <a:ext cx="0" cy="2743200"/>
+          </a:xfrm>
+          <a:prstGeom prst="line">
+            <a:avLst/>
+          </a:prstGeom>
+          <a:ln w="19050">
+            <a:solidFill>
+              <a:schemeClr val="tx1">
+                <a:lumMod val="85000"/>
+                <a:lumOff val="15000"/>
+              </a:schemeClr>
+            </a:solidFill>
+          </a:ln>
+        </p:spPr>
+        <p:style>
+          <a:lnRef idx="1">
+            <a:schemeClr val="accent1"/>
+          </a:lnRef>
+          <a:fillRef idx="0">
+            <a:schemeClr val="accent1"/>
+          </a:fillRef>
+          <a:effectRef idx="0">
+            <a:schemeClr val="accent1"/>
+          </a:effectRef>
+          <a:fontRef idx="minor">
+            <a:schemeClr val="tx1"/>
+          </a:fontRef>
+        </p:style>
+      </p:cxnSp>
+      <p:sp>
+        <p:nvSpPr>
+          <p:cNvPr id="27" name="pole tekstowe 8">
+            <a:extLst>
+              <a:ext uri="{FF2B5EF4-FFF2-40B4-BE49-F238E27FC236}">
+                <a16:creationId xmlns:a16="http://schemas.microsoft.com/office/drawing/2014/main" id="{61A7C4D0-6BFB-4FD3-950B-9C0E903D40F4}"/>
+              </a:ext>
+            </a:extLst>
+          </p:cNvPr>
+          <p:cNvSpPr txBox="1"/>
+          <p:nvPr/>
+        </p:nvSpPr>
+        <p:spPr>
+          <a:xfrm>
+            <a:off x="4976031" y="963877"/>
+            <a:ext cx="6377769" cy="4930246"/>
+          </a:xfrm>
+          <a:prstGeom prst="rect">
+            <a:avLst/>
+          </a:prstGeom>
+        </p:spPr>
+        <p:txBody>
+          <a:bodyPr vert="horz" lIns="91440" tIns="45720" rIns="91440" bIns="45720" rtlCol="0" anchor="ctr">
+            <a:normAutofit/>
+          </a:bodyPr>
+          <a:lstStyle/>
+          <a:p>
+            <a:pPr marL="742950" lvl="1" indent="-228600">
+              <a:lnSpc>
+                <a:spcPct val="90000"/>
+              </a:lnSpc>
+              <a:spcAft>
+                <a:spcPts val="600"/>
+              </a:spcAft>
+              <a:buFont typeface="Arial" panose="020B0604020202020204" pitchFamily="34" charset="0"/>
+              <a:buChar char="•"/>
+            </a:pPr>
+            <a:r>
+              <a:rPr lang="pl-PL" sz="2400" dirty="0"/>
+              <a:t>Wyniki są bardzo zadowalające i pozwalają na wypracowanie zadowalających zysków na giełdzie.</a:t>
+            </a:r>
+          </a:p>
+          <a:p>
+            <a:pPr marL="742950" lvl="1" indent="-228600">
+              <a:lnSpc>
+                <a:spcPct val="90000"/>
+              </a:lnSpc>
+              <a:spcAft>
+                <a:spcPts val="600"/>
+              </a:spcAft>
+              <a:buFont typeface="Arial" panose="020B0604020202020204" pitchFamily="34" charset="0"/>
+              <a:buChar char="•"/>
+            </a:pPr>
+            <a:r>
+              <a:rPr lang="pl-PL" sz="2400" dirty="0"/>
+              <a:t>Nie wszystkie modele są w stanie przewidywać trendy giełdowe. Model lasu losowego oraz model SVM nie były w stanie dać dużo lepszych predykcji od klasyfikatora losowego.</a:t>
+            </a:r>
+          </a:p>
+          <a:p>
+            <a:pPr marL="742950" lvl="1" indent="-228600">
+              <a:lnSpc>
+                <a:spcPct val="90000"/>
+              </a:lnSpc>
+              <a:spcAft>
+                <a:spcPts val="600"/>
+              </a:spcAft>
+              <a:buFont typeface="Arial" panose="020B0604020202020204" pitchFamily="34" charset="0"/>
+              <a:buChar char="•"/>
+            </a:pPr>
+            <a:r>
+              <a:rPr lang="pl-PL" sz="2400" dirty="0"/>
+              <a:t>Badania w pracy zostały oparte w uproszczony model giełdy, nie uwzględniający wszystkich czynników mających wpływ na handel.</a:t>
+            </a:r>
+          </a:p>
+          <a:p>
+            <a:pPr marL="742950" lvl="1" indent="-228600">
+              <a:lnSpc>
+                <a:spcPct val="90000"/>
+              </a:lnSpc>
+              <a:spcAft>
+                <a:spcPts val="600"/>
+              </a:spcAft>
+              <a:buFont typeface="Arial" panose="020B0604020202020204" pitchFamily="34" charset="0"/>
+              <a:buChar char="•"/>
+            </a:pPr>
+            <a:endParaRPr lang="pl-PL" sz="2400" dirty="0"/>
+          </a:p>
+        </p:txBody>
+      </p:sp>
+      <p:sp>
+        <p:nvSpPr>
+          <p:cNvPr id="5" name="Symbol zastępczy numeru slajdu 4"/>
+          <p:cNvSpPr>
+            <a:spLocks noGrp="1"/>
+          </p:cNvSpPr>
+          <p:nvPr>
+            <p:ph type="sldNum" sz="quarter" idx="12"/>
+          </p:nvPr>
+        </p:nvSpPr>
+        <p:spPr>
+          <a:xfrm>
+            <a:off x="10571516" y="6033479"/>
+            <a:ext cx="782283" cy="365125"/>
+          </a:xfrm>
+        </p:spPr>
+        <p:txBody>
+          <a:bodyPr vert="horz" lIns="91440" tIns="45720" rIns="91440" bIns="45720" rtlCol="0" anchor="ctr">
+            <a:normAutofit/>
+          </a:bodyPr>
+          <a:lstStyle/>
+          <a:p>
+            <a:pPr>
+              <a:spcAft>
+                <a:spcPts val="600"/>
+              </a:spcAft>
+            </a:pPr>
+            <a:fld id="{F35BE31D-8307-A84B-9D2D-2944E6584EB9}" type="slidenum">
+              <a:rPr lang="en-US" sz="1050">
+                <a:solidFill>
+                  <a:schemeClr val="tx1">
+                    <a:alpha val="80000"/>
+                  </a:schemeClr>
+                </a:solidFill>
+              </a:rPr>
+              <a:pPr>
+                <a:spcAft>
+                  <a:spcPts val="600"/>
+                </a:spcAft>
+              </a:pPr>
+              <a:t>18</a:t>
+            </a:fld>
+            <a:endParaRPr lang="en-US" sz="1050">
+              <a:solidFill>
+                <a:schemeClr val="tx1">
+                  <a:alpha val="80000"/>
+                </a:schemeClr>
+              </a:solidFill>
+            </a:endParaRPr>
           </a:p>
         </p:txBody>
       </p:sp>
     </p:spTree>
     <p:extLst>
       <p:ext uri="{BB962C8B-B14F-4D97-AF65-F5344CB8AC3E}">
-        <p14:creationId xmlns:p14="http://schemas.microsoft.com/office/powerpoint/2010/main" val="1942930304"/>
+        <p14:creationId xmlns:p14="http://schemas.microsoft.com/office/powerpoint/2010/main" val="2563505106"/>
+      </p:ext>
+    </p:extLst>
+  </p:cSld>
+  <p:clrMapOvr>
+    <a:masterClrMapping/>
+  </p:clrMapOvr>
+</p:sld>
+</file>
+
+<file path=ppt/slides/slide19.xml><?xml version="1.0" encoding="utf-8"?>
+<p:sld xmlns:a="http://schemas.openxmlformats.org/drawingml/2006/main" xmlns:r="http://schemas.openxmlformats.org/officeDocument/2006/relationships" xmlns:p="http://schemas.openxmlformats.org/presentationml/2006/main">
+  <p:cSld>
+    <p:bg>
+      <p:bgPr>
+        <a:solidFill>
+          <a:schemeClr val="bg1"/>
+        </a:solidFill>
+        <a:effectLst/>
+      </p:bgPr>
+    </p:bg>
+    <p:spTree>
+      <p:nvGrpSpPr>
+        <p:cNvPr id="1" name=""/>
+        <p:cNvGrpSpPr/>
+        <p:nvPr/>
+      </p:nvGrpSpPr>
+      <p:grpSpPr>
+        <a:xfrm>
+          <a:off x="0" y="0"/>
+          <a:ext cx="0" cy="0"/>
+          <a:chOff x="0" y="0"/>
+          <a:chExt cx="0" cy="0"/>
+        </a:xfrm>
+      </p:grpSpPr>
+      <p:sp>
+        <p:nvSpPr>
+          <p:cNvPr id="13" name="Rectangle 12">
+            <a:extLst>
+              <a:ext uri="{FF2B5EF4-FFF2-40B4-BE49-F238E27FC236}">
+                <a16:creationId xmlns:a16="http://schemas.microsoft.com/office/drawing/2014/main" id="{8D70B121-56F4-4848-B38B-182089D909FA}"/>
+              </a:ext>
+              <a:ext uri="{C183D7F6-B498-43B3-948B-1728B52AA6E4}">
+                <adec:decorative xmlns:adec="http://schemas.microsoft.com/office/drawing/2017/decorative" val="1"/>
+              </a:ext>
+            </a:extLst>
+          </p:cNvPr>
+          <p:cNvSpPr>
+            <a:spLocks noGrp="1" noRot="1" noChangeAspect="1" noMove="1" noResize="1" noEditPoints="1" noAdjustHandles="1" noChangeArrowheads="1" noChangeShapeType="1" noTextEdit="1"/>
+          </p:cNvSpPr>
+          <p:nvPr>
+            <p:extLst>
+              <p:ext uri="{386F3935-93C4-4BCD-93E2-E3B085C9AB24}">
+                <p16:designElem xmlns:p16="http://schemas.microsoft.com/office/powerpoint/2015/main" val="1"/>
+              </p:ext>
+            </p:extLst>
+          </p:nvPr>
+        </p:nvSpPr>
+        <p:spPr bwMode="ltGray">
+          <a:xfrm>
+            <a:off x="321564" y="320040"/>
+            <a:ext cx="11548872" cy="6217920"/>
+          </a:xfrm>
+          <a:prstGeom prst="rect">
+            <a:avLst/>
+          </a:prstGeom>
+          <a:solidFill>
+            <a:schemeClr val="tx1">
+              <a:alpha val="8000"/>
+            </a:schemeClr>
+          </a:solidFill>
+          <a:ln w="127000" cap="sq" cmpd="thinThick">
+            <a:noFill/>
+          </a:ln>
+        </p:spPr>
+        <p:style>
+          <a:lnRef idx="2">
+            <a:schemeClr val="accent1">
+              <a:shade val="50000"/>
+            </a:schemeClr>
+          </a:lnRef>
+          <a:fillRef idx="1">
+            <a:schemeClr val="accent1"/>
+          </a:fillRef>
+          <a:effectRef idx="0">
+            <a:schemeClr val="accent1"/>
+          </a:effectRef>
+          <a:fontRef idx="minor">
+            <a:schemeClr val="lt1"/>
+          </a:fontRef>
+        </p:style>
+        <p:txBody>
+          <a:bodyPr rtlCol="0" anchor="ctr"/>
+          <a:lstStyle/>
+          <a:p>
+            <a:pPr algn="ctr"/>
+            <a:endParaRPr lang="en-US"/>
+          </a:p>
+        </p:txBody>
+      </p:sp>
+      <p:sp>
+        <p:nvSpPr>
+          <p:cNvPr id="3" name="PoleTekstowe 2"/>
+          <p:cNvSpPr txBox="1"/>
+          <p:nvPr/>
+        </p:nvSpPr>
+        <p:spPr>
+          <a:xfrm>
+            <a:off x="838200" y="963877"/>
+            <a:ext cx="3494362" cy="4930246"/>
+          </a:xfrm>
+          <a:prstGeom prst="rect">
+            <a:avLst/>
+          </a:prstGeom>
+        </p:spPr>
+        <p:txBody>
+          <a:bodyPr vert="horz" lIns="91440" tIns="45720" rIns="91440" bIns="45720" rtlCol="0" anchor="ctr">
+            <a:normAutofit/>
+          </a:bodyPr>
+          <a:lstStyle/>
+          <a:p>
+            <a:pPr algn="r">
+              <a:lnSpc>
+                <a:spcPct val="90000"/>
+              </a:lnSpc>
+              <a:spcBef>
+                <a:spcPct val="0"/>
+              </a:spcBef>
+              <a:spcAft>
+                <a:spcPts val="600"/>
+              </a:spcAft>
+            </a:pPr>
+            <a:r>
+              <a:rPr lang="en-US" sz="4400" kern="1200" dirty="0" err="1">
+                <a:solidFill>
+                  <a:schemeClr val="accent1"/>
+                </a:solidFill>
+                <a:latin typeface="+mj-lt"/>
+                <a:ea typeface="+mj-ea"/>
+                <a:cs typeface="+mj-cs"/>
+              </a:rPr>
+              <a:t>Kierunki</a:t>
+            </a:r>
+            <a:r>
+              <a:rPr lang="en-US" sz="4400" kern="1200" dirty="0">
+                <a:solidFill>
+                  <a:schemeClr val="accent1"/>
+                </a:solidFill>
+                <a:latin typeface="+mj-lt"/>
+                <a:ea typeface="+mj-ea"/>
+                <a:cs typeface="+mj-cs"/>
+              </a:rPr>
+              <a:t> </a:t>
+            </a:r>
+            <a:r>
+              <a:rPr lang="en-US" sz="4400" kern="1200" dirty="0" err="1">
+                <a:solidFill>
+                  <a:schemeClr val="accent1"/>
+                </a:solidFill>
+                <a:latin typeface="+mj-lt"/>
+                <a:ea typeface="+mj-ea"/>
+                <a:cs typeface="+mj-cs"/>
+              </a:rPr>
+              <a:t>dalszych</a:t>
+            </a:r>
+            <a:r>
+              <a:rPr lang="en-US" sz="4400" kern="1200" dirty="0">
+                <a:solidFill>
+                  <a:schemeClr val="accent1"/>
+                </a:solidFill>
+                <a:latin typeface="+mj-lt"/>
+                <a:ea typeface="+mj-ea"/>
+                <a:cs typeface="+mj-cs"/>
+              </a:rPr>
+              <a:t> </a:t>
+            </a:r>
+            <a:r>
+              <a:rPr lang="en-US" sz="4400" kern="1200" dirty="0" err="1">
+                <a:solidFill>
+                  <a:schemeClr val="accent1"/>
+                </a:solidFill>
+                <a:latin typeface="+mj-lt"/>
+                <a:ea typeface="+mj-ea"/>
+                <a:cs typeface="+mj-cs"/>
+              </a:rPr>
+              <a:t>badań</a:t>
+            </a:r>
+            <a:endParaRPr lang="en-US" sz="4400" kern="1200" dirty="0">
+              <a:solidFill>
+                <a:schemeClr val="accent1"/>
+              </a:solidFill>
+              <a:latin typeface="+mj-lt"/>
+              <a:ea typeface="+mj-ea"/>
+              <a:cs typeface="+mj-cs"/>
+            </a:endParaRPr>
+          </a:p>
+        </p:txBody>
+      </p:sp>
+      <p:cxnSp>
+        <p:nvCxnSpPr>
+          <p:cNvPr id="15" name="Straight Connector 14">
+            <a:extLst>
+              <a:ext uri="{FF2B5EF4-FFF2-40B4-BE49-F238E27FC236}">
+                <a16:creationId xmlns:a16="http://schemas.microsoft.com/office/drawing/2014/main" id="{2D72A2C9-F3CA-4216-8BAD-FA4C970C3C4E}"/>
+              </a:ext>
+              <a:ext uri="{C183D7F6-B498-43B3-948B-1728B52AA6E4}">
+                <adec:decorative xmlns:adec="http://schemas.microsoft.com/office/drawing/2017/decorative" val="1"/>
+              </a:ext>
+            </a:extLst>
+          </p:cNvPr>
+          <p:cNvCxnSpPr>
+            <a:cxnSpLocks noGrp="1" noRot="1" noChangeAspect="1" noMove="1" noResize="1" noEditPoints="1" noAdjustHandles="1" noChangeArrowheads="1" noChangeShapeType="1"/>
+          </p:cNvCxnSpPr>
+          <p:nvPr>
+            <p:extLst>
+              <p:ext uri="{386F3935-93C4-4BCD-93E2-E3B085C9AB24}">
+                <p16:designElem xmlns:p16="http://schemas.microsoft.com/office/powerpoint/2015/main" val="1"/>
+              </p:ext>
+            </p:extLst>
+          </p:nvPr>
+        </p:nvCxnSpPr>
+        <p:spPr>
+          <a:xfrm>
+            <a:off x="4654296" y="2057400"/>
+            <a:ext cx="0" cy="2743200"/>
+          </a:xfrm>
+          <a:prstGeom prst="line">
+            <a:avLst/>
+          </a:prstGeom>
+          <a:ln w="19050">
+            <a:solidFill>
+              <a:schemeClr val="tx1">
+                <a:lumMod val="85000"/>
+                <a:lumOff val="15000"/>
+              </a:schemeClr>
+            </a:solidFill>
+          </a:ln>
+        </p:spPr>
+        <p:style>
+          <a:lnRef idx="1">
+            <a:schemeClr val="accent1"/>
+          </a:lnRef>
+          <a:fillRef idx="0">
+            <a:schemeClr val="accent1"/>
+          </a:fillRef>
+          <a:effectRef idx="0">
+            <a:schemeClr val="accent1"/>
+          </a:effectRef>
+          <a:fontRef idx="minor">
+            <a:schemeClr val="tx1"/>
+          </a:fontRef>
+        </p:style>
+      </p:cxnSp>
+      <p:sp>
+        <p:nvSpPr>
+          <p:cNvPr id="8" name="pole tekstowe 7">
+            <a:extLst>
+              <a:ext uri="{FF2B5EF4-FFF2-40B4-BE49-F238E27FC236}">
+                <a16:creationId xmlns:a16="http://schemas.microsoft.com/office/drawing/2014/main" id="{E3F29175-2F47-4A6F-AE1B-730D33DAB65B}"/>
+              </a:ext>
+            </a:extLst>
+          </p:cNvPr>
+          <p:cNvSpPr txBox="1"/>
+          <p:nvPr/>
+        </p:nvSpPr>
+        <p:spPr>
+          <a:xfrm>
+            <a:off x="4976031" y="963877"/>
+            <a:ext cx="6377769" cy="4930246"/>
+          </a:xfrm>
+          <a:prstGeom prst="rect">
+            <a:avLst/>
+          </a:prstGeom>
+        </p:spPr>
+        <p:txBody>
+          <a:bodyPr vert="horz" lIns="91440" tIns="45720" rIns="91440" bIns="45720" rtlCol="0" anchor="ctr">
+            <a:normAutofit/>
+          </a:bodyPr>
+          <a:lstStyle/>
+          <a:p>
+            <a:pPr marL="742950" lvl="1" indent="-228600">
+              <a:lnSpc>
+                <a:spcPct val="90000"/>
+              </a:lnSpc>
+              <a:spcAft>
+                <a:spcPts val="600"/>
+              </a:spcAft>
+              <a:buFont typeface="Arial" panose="020B0604020202020204" pitchFamily="34" charset="0"/>
+              <a:buChar char="•"/>
+            </a:pPr>
+            <a:r>
+              <a:rPr lang="pl-PL" sz="2400" dirty="0"/>
+              <a:t>R</a:t>
+            </a:r>
+            <a:r>
+              <a:rPr lang="en-US" sz="2400" dirty="0" err="1"/>
+              <a:t>ozwinięcie</a:t>
+            </a:r>
+            <a:r>
+              <a:rPr lang="en-US" sz="2400" dirty="0"/>
+              <a:t> </a:t>
+            </a:r>
+            <a:r>
+              <a:rPr lang="en-US" sz="2400" dirty="0" err="1"/>
+              <a:t>algorytmu</a:t>
+            </a:r>
+            <a:r>
+              <a:rPr lang="en-US" sz="2400" dirty="0"/>
+              <a:t> </a:t>
+            </a:r>
+            <a:r>
+              <a:rPr lang="en-US" sz="2400" dirty="0" err="1"/>
+              <a:t>handlującego</a:t>
+            </a:r>
+            <a:r>
+              <a:rPr lang="en-US" sz="2400" dirty="0"/>
+              <a:t> o </a:t>
+            </a:r>
+            <a:r>
+              <a:rPr lang="en-US" sz="2400" dirty="0" err="1"/>
+              <a:t>metody</a:t>
+            </a:r>
+            <a:r>
+              <a:rPr lang="en-US" sz="2400" dirty="0"/>
+              <a:t>  </a:t>
+            </a:r>
+            <a:r>
+              <a:rPr lang="en-US" sz="2400" dirty="0" err="1"/>
+              <a:t>zarządzania</a:t>
+            </a:r>
+            <a:r>
+              <a:rPr lang="en-US" sz="2400" dirty="0"/>
+              <a:t> </a:t>
+            </a:r>
+            <a:r>
+              <a:rPr lang="en-US" sz="2400" dirty="0" err="1"/>
+              <a:t>portfelem</a:t>
+            </a:r>
+            <a:r>
+              <a:rPr lang="en-US" sz="2400" dirty="0"/>
+              <a:t> np. stop loss</a:t>
+            </a:r>
+            <a:r>
+              <a:rPr lang="pl-PL" sz="2400" dirty="0"/>
+              <a:t>.</a:t>
+            </a:r>
+            <a:endParaRPr lang="en-US" sz="2400" dirty="0"/>
+          </a:p>
+          <a:p>
+            <a:pPr marL="742950" lvl="1" indent="-228600">
+              <a:lnSpc>
+                <a:spcPct val="90000"/>
+              </a:lnSpc>
+              <a:spcAft>
+                <a:spcPts val="600"/>
+              </a:spcAft>
+              <a:buFont typeface="Arial" panose="020B0604020202020204" pitchFamily="34" charset="0"/>
+              <a:buChar char="•"/>
+            </a:pPr>
+            <a:r>
+              <a:rPr lang="pl-PL" sz="2400" dirty="0"/>
+              <a:t>R</a:t>
+            </a:r>
+            <a:r>
+              <a:rPr lang="en-US" sz="2400" dirty="0" err="1"/>
+              <a:t>ozszerzenie</a:t>
+            </a:r>
+            <a:r>
+              <a:rPr lang="en-US" sz="2400" dirty="0"/>
+              <a:t> </a:t>
+            </a:r>
+            <a:r>
+              <a:rPr lang="en-US" sz="2400" dirty="0" err="1"/>
+              <a:t>pracy</a:t>
+            </a:r>
+            <a:r>
+              <a:rPr lang="en-US" sz="2400" dirty="0"/>
+              <a:t> o </a:t>
+            </a:r>
+            <a:r>
+              <a:rPr lang="en-US" sz="2400" dirty="0" err="1"/>
+              <a:t>zagadnienia</a:t>
+            </a:r>
+            <a:r>
+              <a:rPr lang="en-US" sz="2400" dirty="0"/>
+              <a:t> </a:t>
+            </a:r>
+            <a:r>
+              <a:rPr lang="en-US" sz="2400" dirty="0" err="1"/>
+              <a:t>ograniczania</a:t>
+            </a:r>
+            <a:r>
+              <a:rPr lang="en-US" sz="2400" dirty="0"/>
+              <a:t> </a:t>
+            </a:r>
+            <a:r>
+              <a:rPr lang="en-US" sz="2400" dirty="0" err="1"/>
+              <a:t>ryzyka</a:t>
+            </a:r>
+            <a:r>
+              <a:rPr lang="pl-PL" sz="2400" dirty="0"/>
+              <a:t>.</a:t>
+            </a:r>
+            <a:endParaRPr lang="en-US" sz="2400" dirty="0"/>
+          </a:p>
+          <a:p>
+            <a:pPr marL="742950" lvl="1" indent="-228600">
+              <a:lnSpc>
+                <a:spcPct val="90000"/>
+              </a:lnSpc>
+              <a:spcAft>
+                <a:spcPts val="600"/>
+              </a:spcAft>
+              <a:buFont typeface="Arial" panose="020B0604020202020204" pitchFamily="34" charset="0"/>
+              <a:buChar char="•"/>
+            </a:pPr>
+            <a:r>
+              <a:rPr lang="pl-PL" sz="2400" dirty="0"/>
+              <a:t>P</a:t>
+            </a:r>
+            <a:r>
+              <a:rPr lang="en-US" sz="2400" dirty="0" err="1"/>
+              <a:t>raca</a:t>
+            </a:r>
+            <a:r>
+              <a:rPr lang="en-US" sz="2400" dirty="0"/>
+              <a:t> </a:t>
+            </a:r>
+            <a:r>
+              <a:rPr lang="en-US" sz="2400" dirty="0" err="1"/>
+              <a:t>nad</a:t>
+            </a:r>
+            <a:r>
+              <a:rPr lang="en-US" sz="2400" dirty="0"/>
+              <a:t> </a:t>
+            </a:r>
+            <a:r>
+              <a:rPr lang="en-US" sz="2400" dirty="0" err="1"/>
+              <a:t>lepszym</a:t>
+            </a:r>
+            <a:r>
+              <a:rPr lang="en-US" sz="2400" dirty="0"/>
+              <a:t> </a:t>
+            </a:r>
+            <a:r>
+              <a:rPr lang="en-US" sz="2400" dirty="0" err="1"/>
+              <a:t>doborem</a:t>
+            </a:r>
+            <a:r>
+              <a:rPr lang="en-US" sz="2400" dirty="0"/>
+              <a:t> </a:t>
+            </a:r>
+            <a:r>
+              <a:rPr lang="en-US" sz="2400" dirty="0" err="1"/>
+              <a:t>spółek</a:t>
+            </a:r>
+            <a:r>
+              <a:rPr lang="en-US" sz="2400" dirty="0"/>
+              <a:t> </a:t>
+            </a:r>
+            <a:r>
+              <a:rPr lang="en-US" sz="2400" dirty="0" err="1"/>
+              <a:t>giełdowych</a:t>
+            </a:r>
+            <a:r>
+              <a:rPr lang="pl-PL" sz="2400" dirty="0"/>
+              <a:t>.</a:t>
+            </a:r>
+            <a:endParaRPr lang="en-US" sz="2400" dirty="0"/>
+          </a:p>
+          <a:p>
+            <a:pPr marL="742950" lvl="1" indent="-228600">
+              <a:lnSpc>
+                <a:spcPct val="90000"/>
+              </a:lnSpc>
+              <a:spcAft>
+                <a:spcPts val="600"/>
+              </a:spcAft>
+              <a:buFont typeface="Arial" panose="020B0604020202020204" pitchFamily="34" charset="0"/>
+              <a:buChar char="•"/>
+            </a:pPr>
+            <a:r>
+              <a:rPr lang="pl-PL" sz="2400" dirty="0"/>
+              <a:t>A</a:t>
+            </a:r>
+            <a:r>
+              <a:rPr lang="en-US" sz="2400" dirty="0" err="1"/>
+              <a:t>naliza</a:t>
+            </a:r>
+            <a:r>
+              <a:rPr lang="en-US" sz="2400" dirty="0"/>
+              <a:t> </a:t>
+            </a:r>
+            <a:r>
+              <a:rPr lang="en-US" sz="2400" dirty="0" err="1"/>
+              <a:t>doboru</a:t>
+            </a:r>
+            <a:r>
+              <a:rPr lang="en-US" sz="2400" dirty="0"/>
+              <a:t> </a:t>
+            </a:r>
+            <a:r>
+              <a:rPr lang="en-US" sz="2400" dirty="0" err="1"/>
+              <a:t>progu</a:t>
+            </a:r>
+            <a:r>
+              <a:rPr lang="en-US" sz="2400" dirty="0"/>
+              <a:t> </a:t>
+            </a:r>
+            <a:r>
+              <a:rPr lang="en-US" sz="2400" dirty="0" err="1"/>
+              <a:t>dla</a:t>
+            </a:r>
+            <a:r>
+              <a:rPr lang="en-US" sz="2400" dirty="0"/>
+              <a:t> </a:t>
+            </a:r>
+            <a:r>
+              <a:rPr lang="en-US" sz="2400" dirty="0" err="1"/>
+              <a:t>klasy</a:t>
+            </a:r>
+            <a:r>
+              <a:rPr lang="en-US" sz="2400" dirty="0"/>
+              <a:t> </a:t>
+            </a:r>
+            <a:r>
+              <a:rPr lang="en-US" sz="2400" dirty="0" err="1"/>
+              <a:t>utrzymania</a:t>
+            </a:r>
+            <a:r>
+              <a:rPr lang="pl-PL" sz="2400" dirty="0"/>
+              <a:t>.</a:t>
+            </a:r>
+            <a:endParaRPr lang="en-US" sz="2400" dirty="0"/>
+          </a:p>
+          <a:p>
+            <a:pPr marL="742950" lvl="1" indent="-228600">
+              <a:lnSpc>
+                <a:spcPct val="90000"/>
+              </a:lnSpc>
+              <a:spcAft>
+                <a:spcPts val="600"/>
+              </a:spcAft>
+              <a:buFont typeface="Arial" panose="020B0604020202020204" pitchFamily="34" charset="0"/>
+              <a:buChar char="•"/>
+            </a:pPr>
+            <a:r>
+              <a:rPr lang="pl-PL" sz="2400" dirty="0"/>
+              <a:t>A</a:t>
+            </a:r>
+            <a:r>
+              <a:rPr lang="en-US" sz="2400" dirty="0" err="1"/>
+              <a:t>naliza</a:t>
+            </a:r>
+            <a:r>
+              <a:rPr lang="en-US" sz="2400" dirty="0"/>
+              <a:t> </a:t>
+            </a:r>
+            <a:r>
+              <a:rPr lang="en-US" sz="2400" dirty="0" err="1"/>
+              <a:t>predykcji</a:t>
+            </a:r>
+            <a:r>
+              <a:rPr lang="en-US" sz="2400" dirty="0"/>
+              <a:t> w </a:t>
+            </a:r>
+            <a:r>
+              <a:rPr lang="en-US" sz="2400" dirty="0" err="1"/>
+              <a:t>innym</a:t>
+            </a:r>
+            <a:r>
+              <a:rPr lang="en-US" sz="2400" dirty="0"/>
+              <a:t> </a:t>
+            </a:r>
+            <a:r>
+              <a:rPr lang="en-US" sz="2400" dirty="0" err="1"/>
+              <a:t>przedziale</a:t>
+            </a:r>
+            <a:r>
+              <a:rPr lang="en-US" sz="2400" dirty="0"/>
+              <a:t> </a:t>
+            </a:r>
+            <a:r>
+              <a:rPr lang="en-US" sz="2400" dirty="0" err="1"/>
+              <a:t>czasowym</a:t>
+            </a:r>
+            <a:r>
+              <a:rPr lang="en-US" sz="2400" dirty="0"/>
+              <a:t> (np. </a:t>
+            </a:r>
+            <a:r>
+              <a:rPr lang="en-US" sz="2400" dirty="0" err="1"/>
+              <a:t>predykcja</a:t>
+            </a:r>
+            <a:r>
+              <a:rPr lang="en-US" sz="2400" dirty="0"/>
+              <a:t> </a:t>
+            </a:r>
+            <a:r>
+              <a:rPr lang="en-US" sz="2400" dirty="0" err="1"/>
+              <a:t>tygodniowa</a:t>
+            </a:r>
+            <a:r>
+              <a:rPr lang="pl-PL" sz="2400" dirty="0"/>
+              <a:t>.</a:t>
+            </a:r>
+            <a:endParaRPr lang="en-US" sz="2400" dirty="0"/>
+          </a:p>
+          <a:p>
+            <a:pPr marL="742950" lvl="1" indent="-228600">
+              <a:lnSpc>
+                <a:spcPct val="90000"/>
+              </a:lnSpc>
+              <a:spcAft>
+                <a:spcPts val="600"/>
+              </a:spcAft>
+              <a:buFont typeface="Arial" panose="020B0604020202020204" pitchFamily="34" charset="0"/>
+              <a:buChar char="•"/>
+            </a:pPr>
+            <a:r>
+              <a:rPr lang="pl-PL" sz="2400" dirty="0"/>
+              <a:t>Dalszy rozwój i ulepszanie klasyfikatorów</a:t>
+            </a:r>
+            <a:r>
+              <a:rPr lang="en-US" sz="2400" dirty="0"/>
+              <a:t>.</a:t>
+            </a:r>
+          </a:p>
+        </p:txBody>
+      </p:sp>
+      <p:sp>
+        <p:nvSpPr>
+          <p:cNvPr id="5" name="Symbol zastępczy numeru slajdu 4"/>
+          <p:cNvSpPr>
+            <a:spLocks noGrp="1"/>
+          </p:cNvSpPr>
+          <p:nvPr>
+            <p:ph type="sldNum" sz="quarter" idx="12"/>
+          </p:nvPr>
+        </p:nvSpPr>
+        <p:spPr>
+          <a:xfrm>
+            <a:off x="10571516" y="6033479"/>
+            <a:ext cx="782283" cy="365125"/>
+          </a:xfrm>
+        </p:spPr>
+        <p:txBody>
+          <a:bodyPr vert="horz" lIns="91440" tIns="45720" rIns="91440" bIns="45720" rtlCol="0" anchor="ctr">
+            <a:normAutofit/>
+          </a:bodyPr>
+          <a:lstStyle/>
+          <a:p>
+            <a:pPr>
+              <a:spcAft>
+                <a:spcPts val="600"/>
+              </a:spcAft>
+            </a:pPr>
+            <a:fld id="{F35BE31D-8307-A84B-9D2D-2944E6584EB9}" type="slidenum">
+              <a:rPr lang="en-US" sz="1050">
+                <a:solidFill>
+                  <a:schemeClr val="tx1">
+                    <a:alpha val="80000"/>
+                  </a:schemeClr>
+                </a:solidFill>
+              </a:rPr>
+              <a:pPr>
+                <a:spcAft>
+                  <a:spcPts val="600"/>
+                </a:spcAft>
+              </a:pPr>
+              <a:t>19</a:t>
+            </a:fld>
+            <a:endParaRPr lang="en-US" sz="1050">
+              <a:solidFill>
+                <a:schemeClr val="tx1">
+                  <a:alpha val="80000"/>
+                </a:schemeClr>
+              </a:solidFill>
+            </a:endParaRPr>
+          </a:p>
+        </p:txBody>
+      </p:sp>
+    </p:spTree>
+    <p:extLst>
+      <p:ext uri="{BB962C8B-B14F-4D97-AF65-F5344CB8AC3E}">
+        <p14:creationId xmlns:p14="http://schemas.microsoft.com/office/powerpoint/2010/main" val="2044832922"/>
       </p:ext>
     </p:extLst>
   </p:cSld>
@@ -7618,7 +8828,7 @@
                 <a:ea typeface="Adagio_Slab Medium" charset="0"/>
                 <a:cs typeface="Adagio_Slab Medium" charset="0"/>
               </a:rPr>
-              <a:t>Spis treści</a:t>
+              <a:t>Agenda</a:t>
             </a:r>
           </a:p>
         </p:txBody>
@@ -7632,7 +8842,7 @@
         <p:spPr>
           <a:xfrm>
             <a:off x="404601" y="1021525"/>
-            <a:ext cx="8189140" cy="3359061"/>
+            <a:ext cx="8189140" cy="5021055"/>
           </a:xfrm>
           <a:prstGeom prst="rect">
             <a:avLst/>
@@ -7741,6 +8951,26 @@
                 <a:ea typeface="Adagio_Slab" charset="0"/>
                 <a:cs typeface="Adagio_Slab" charset="0"/>
               </a:rPr>
+              <a:t>Aplikacja</a:t>
+            </a:r>
+          </a:p>
+          <a:p>
+            <a:pPr marL="342900" indent="-342900" algn="just">
+              <a:lnSpc>
+                <a:spcPct val="150000"/>
+              </a:lnSpc>
+              <a:buFont typeface="+mj-lt"/>
+              <a:buAutoNum type="arabicPeriod"/>
+            </a:pPr>
+            <a:r>
+              <a:rPr lang="pl-PL" sz="2400" dirty="0">
+                <a:solidFill>
+                  <a:srgbClr val="3C3C4C"/>
+                </a:solidFill>
+                <a:latin typeface="Adagio_Slab" charset="0"/>
+                <a:ea typeface="Adagio_Slab" charset="0"/>
+                <a:cs typeface="Adagio_Slab" charset="0"/>
+              </a:rPr>
               <a:t>Wyniki</a:t>
             </a:r>
           </a:p>
@@ -7762,6 +8992,46 @@
                 <a:cs typeface="Adagio_Slab" charset="0"/>
               </a:rPr>
               <a:t>Symulacja giełdowa</a:t>
+            </a:r>
+          </a:p>
+          <a:p>
+            <a:pPr marL="342900" indent="-342900" algn="just">
+              <a:lnSpc>
+                <a:spcPct val="150000"/>
+              </a:lnSpc>
+              <a:buFont typeface="+mj-lt"/>
+              <a:buAutoNum type="arabicPeriod"/>
+            </a:pPr>
+            <a:r>
+              <a:rPr lang="pl-PL" sz="2400" dirty="0">
+                <a:solidFill>
+                  <a:srgbClr val="3C3C4C"/>
+                </a:solidFill>
+                <a:latin typeface="Adagio_Slab" charset="0"/>
+                <a:ea typeface="Adagio_Slab" charset="0"/>
+                <a:cs typeface="Adagio_Slab" charset="0"/>
+              </a:rPr>
+              <a:t>Wnioski i uwagi</a:t>
+            </a:r>
+          </a:p>
+          <a:p>
+            <a:pPr marL="342900" indent="-342900" algn="just">
+              <a:lnSpc>
+                <a:spcPct val="150000"/>
+              </a:lnSpc>
+              <a:buFont typeface="+mj-lt"/>
+              <a:buAutoNum type="arabicPeriod"/>
+            </a:pPr>
+            <a:r>
+              <a:rPr lang="pl-PL" sz="2400" dirty="0">
+                <a:solidFill>
+                  <a:srgbClr val="3C3C4C"/>
+                </a:solidFill>
+                <a:latin typeface="Adagio_Slab" charset="0"/>
+                <a:ea typeface="Adagio_Slab" charset="0"/>
+                <a:cs typeface="Adagio_Slab" charset="0"/>
+              </a:rPr>
+              <a:t>Kierunki dalszych badań</a:t>
             </a:r>
           </a:p>
         </p:txBody>
@@ -7813,6 +9083,91 @@
     <p:extLst>
       <p:ext uri="{BB962C8B-B14F-4D97-AF65-F5344CB8AC3E}">
         <p14:creationId xmlns:p14="http://schemas.microsoft.com/office/powerpoint/2010/main" val="353678622"/>
+      </p:ext>
+    </p:extLst>
+  </p:cSld>
+  <p:clrMapOvr>
+    <a:masterClrMapping/>
+  </p:clrMapOvr>
+</p:sld>
+</file>
+
+<file path=ppt/slides/slide20.xml><?xml version="1.0" encoding="utf-8"?>
+<p:sld xmlns:a="http://schemas.openxmlformats.org/drawingml/2006/main" xmlns:r="http://schemas.openxmlformats.org/officeDocument/2006/relationships" xmlns:p="http://schemas.openxmlformats.org/presentationml/2006/main">
+  <p:cSld>
+    <p:bg>
+      <p:bgPr>
+        <a:blipFill dpi="0" rotWithShape="1">
+          <a:blip r:embed="rId2" cstate="screen">
+            <a:lum/>
+            <a:extLst>
+              <a:ext uri="{28A0092B-C50C-407E-A947-70E740481C1C}">
+                <a14:useLocalDpi xmlns:a14="http://schemas.microsoft.com/office/drawing/2010/main"/>
+              </a:ext>
+            </a:extLst>
+          </a:blip>
+          <a:srcRect/>
+          <a:stretch>
+            <a:fillRect/>
+          </a:stretch>
+        </a:blipFill>
+        <a:effectLst/>
+      </p:bgPr>
+    </p:bg>
+    <p:spTree>
+      <p:nvGrpSpPr>
+        <p:cNvPr id="1" name=""/>
+        <p:cNvGrpSpPr/>
+        <p:nvPr/>
+      </p:nvGrpSpPr>
+      <p:grpSpPr>
+        <a:xfrm>
+          <a:off x="0" y="0"/>
+          <a:ext cx="0" cy="0"/>
+          <a:chOff x="0" y="0"/>
+          <a:chExt cx="0" cy="0"/>
+        </a:xfrm>
+      </p:grpSpPr>
+      <p:sp>
+        <p:nvSpPr>
+          <p:cNvPr id="4" name="PoleTekstowe 3"/>
+          <p:cNvSpPr txBox="1"/>
+          <p:nvPr/>
+        </p:nvSpPr>
+        <p:spPr>
+          <a:xfrm>
+            <a:off x="500723" y="3039762"/>
+            <a:ext cx="3725572" cy="646331"/>
+          </a:xfrm>
+          <a:prstGeom prst="rect">
+            <a:avLst/>
+          </a:prstGeom>
+          <a:noFill/>
+        </p:spPr>
+        <p:txBody>
+          <a:bodyPr wrap="none" rtlCol="0">
+            <a:spAutoFit/>
+          </a:bodyPr>
+          <a:lstStyle/>
+          <a:p>
+            <a:r>
+              <a:rPr lang="pl-PL" sz="3600" dirty="0">
+                <a:solidFill>
+                  <a:schemeClr val="bg1"/>
+                </a:solidFill>
+                <a:latin typeface="Adagio_Slab" charset="0"/>
+                <a:ea typeface="Adagio_Slab" charset="0"/>
+                <a:cs typeface="Adagio_Slab" charset="0"/>
+              </a:rPr>
+              <a:t>Dziękuję za uwagę.</a:t>
+            </a:r>
+          </a:p>
+        </p:txBody>
+      </p:sp>
+    </p:spTree>
+    <p:extLst>
+      <p:ext uri="{BB962C8B-B14F-4D97-AF65-F5344CB8AC3E}">
+        <p14:creationId xmlns:p14="http://schemas.microsoft.com/office/powerpoint/2010/main" val="1942930304"/>
       </p:ext>
     </p:extLst>
   </p:cSld>
@@ -7884,7 +9239,7 @@
         <p:spPr>
           <a:xfrm>
             <a:off x="384766" y="895382"/>
-            <a:ext cx="10794702" cy="1143070"/>
+            <a:ext cx="10794702" cy="1200329"/>
           </a:xfrm>
           <a:prstGeom prst="rect">
             <a:avLst/>
@@ -7897,11 +9252,7 @@
           </a:bodyPr>
           <a:lstStyle/>
           <a:p>
-            <a:pPr algn="ctr">
-              <a:lnSpc>
-                <a:spcPct val="150000"/>
-              </a:lnSpc>
-            </a:pPr>
+            <a:pPr algn="just"/>
             <a:r>
               <a:rPr lang="pl-PL" sz="2400" dirty="0">
                 <a:solidFill>
@@ -7911,7 +9262,7 @@
                 <a:ea typeface="Adagio_Slab" charset="0"/>
                 <a:cs typeface="Adagio_Slab" charset="0"/>
               </a:rPr>
-              <a:t>Głównym celem pracy było stworzenie programu wspomagającego niedoświadczonych inwestorów.</a:t>
+              <a:t>Głównym celem pracy jest opracowanie metodyki porównania algorytmów prognozy do wspomagania decyzji giełdowych, a takie opracowanie wykorzystać do realizacji programu wspomagającego niedoświadczonych inwestorów.</a:t>
             </a:r>
           </a:p>
         </p:txBody>
@@ -8222,7 +9573,7 @@
               </a:spcAft>
             </a:pPr>
             <a:r>
-              <a:rPr lang="en-US" sz="2800" kern="1200" dirty="0">
+              <a:rPr lang="en-US" sz="2800" kern="1200">
                 <a:solidFill>
                   <a:schemeClr val="tx1"/>
                 </a:solidFill>
@@ -8230,18 +9581,7 @@
                 <a:ea typeface="+mj-ea"/>
                 <a:cs typeface="+mj-cs"/>
               </a:rPr>
-              <a:t>Dane </a:t>
-            </a:r>
-            <a:r>
-              <a:rPr lang="en-US" sz="2800" kern="1200" dirty="0" err="1">
-                <a:solidFill>
-                  <a:schemeClr val="tx1"/>
-                </a:solidFill>
-                <a:latin typeface="+mj-lt"/>
-                <a:ea typeface="+mj-ea"/>
-                <a:cs typeface="+mj-cs"/>
-              </a:rPr>
-              <a:t>giełdowe</a:t>
+              <a:t>Dane giełdowe</a:t>
             </a:r>
             <a:endParaRPr lang="en-US" sz="2800" kern="1200" dirty="0">
               <a:solidFill>
@@ -8292,7 +9632,7 @@
               <a:buChar char="•"/>
             </a:pPr>
             <a:r>
-              <a:rPr lang="pl-PL" sz="2000" dirty="0"/>
+              <a:rPr lang="pl-PL" sz="2000"/>
               <a:t>Dane podstawowe</a:t>
             </a:r>
           </a:p>
@@ -8308,22 +9648,9 @@
               <a:buChar char="•"/>
             </a:pPr>
             <a:r>
-              <a:rPr lang="en-US" sz="2000" dirty="0"/>
-              <a:t>Dane </a:t>
-            </a:r>
-            <a:r>
-              <a:rPr lang="en-US" sz="2000" dirty="0" err="1"/>
-              <a:t>analizy</a:t>
-            </a:r>
-            <a:r>
-              <a:rPr lang="en-US" sz="2000" dirty="0"/>
-              <a:t> </a:t>
-            </a:r>
-            <a:r>
-              <a:rPr lang="en-US" sz="2000" dirty="0" err="1"/>
-              <a:t>fundamentalnej</a:t>
-            </a:r>
-            <a:endParaRPr lang="en-US" sz="2000" dirty="0"/>
+              <a:rPr lang="en-US" sz="2000"/>
+              <a:t>Dane analizy fundamentalnej</a:t>
+            </a:r>
           </a:p>
           <a:p>
             <a:pPr marL="285750" indent="-228600">
@@ -8337,22 +9664,9 @@
               <a:buChar char="•"/>
             </a:pPr>
             <a:r>
-              <a:rPr lang="en-US" sz="2000" dirty="0"/>
-              <a:t>Dane </a:t>
-            </a:r>
-            <a:r>
-              <a:rPr lang="en-US" sz="2000" dirty="0" err="1"/>
-              <a:t>analizy</a:t>
-            </a:r>
-            <a:r>
-              <a:rPr lang="en-US" sz="2000" dirty="0"/>
-              <a:t> </a:t>
-            </a:r>
-            <a:r>
-              <a:rPr lang="en-US" sz="2000" dirty="0" err="1"/>
-              <a:t>technicznej</a:t>
-            </a:r>
-            <a:endParaRPr lang="en-US" sz="2000" dirty="0"/>
+              <a:rPr lang="en-US" sz="2000"/>
+              <a:t>Dane analizy technicznej</a:t>
+            </a:r>
           </a:p>
           <a:p>
             <a:pPr marL="285750" indent="-228600">
@@ -8366,11 +9680,11 @@
               <a:buChar char="•"/>
             </a:pPr>
             <a:r>
-              <a:rPr lang="en-US" sz="2000" dirty="0"/>
+              <a:rPr lang="en-US" sz="2000"/>
               <a:t>Dane </a:t>
             </a:r>
             <a:r>
-              <a:rPr lang="pl-PL" sz="2000" dirty="0"/>
+              <a:rPr lang="pl-PL" sz="2000"/>
               <a:t>analizy sentymentu</a:t>
             </a:r>
             <a:endParaRPr lang="en-US" sz="2000" dirty="0"/>

--- a/docs/prezentacja-obrona.pptx
+++ b/docs/prezentacja-obrona.pptx
@@ -5,7 +5,7 @@
     <p:sldMasterId id="2147483648" r:id="rId1"/>
   </p:sldMasterIdLst>
   <p:notesMasterIdLst>
-    <p:notesMasterId r:id="rId22"/>
+    <p:notesMasterId r:id="rId24"/>
   </p:notesMasterIdLst>
   <p:sldIdLst>
     <p:sldId id="256" r:id="rId2"/>
@@ -18,16 +18,18 @@
     <p:sldId id="292" r:id="rId9"/>
     <p:sldId id="299" r:id="rId10"/>
     <p:sldId id="288" r:id="rId11"/>
-    <p:sldId id="307" r:id="rId12"/>
-    <p:sldId id="290" r:id="rId13"/>
-    <p:sldId id="304" r:id="rId14"/>
-    <p:sldId id="305" r:id="rId15"/>
-    <p:sldId id="306" r:id="rId16"/>
-    <p:sldId id="296" r:id="rId17"/>
-    <p:sldId id="303" r:id="rId18"/>
-    <p:sldId id="308" r:id="rId19"/>
-    <p:sldId id="309" r:id="rId20"/>
-    <p:sldId id="280" r:id="rId21"/>
+    <p:sldId id="310" r:id="rId12"/>
+    <p:sldId id="311" r:id="rId13"/>
+    <p:sldId id="307" r:id="rId14"/>
+    <p:sldId id="290" r:id="rId15"/>
+    <p:sldId id="304" r:id="rId16"/>
+    <p:sldId id="305" r:id="rId17"/>
+    <p:sldId id="306" r:id="rId18"/>
+    <p:sldId id="296" r:id="rId19"/>
+    <p:sldId id="303" r:id="rId20"/>
+    <p:sldId id="308" r:id="rId21"/>
+    <p:sldId id="309" r:id="rId22"/>
+    <p:sldId id="280" r:id="rId23"/>
   </p:sldIdLst>
   <p:sldSz cx="12192000" cy="6858000"/>
   <p:notesSz cx="6858000" cy="9144000"/>
@@ -216,7 +218,7 @@
           <a:p>
             <a:fld id="{0077833A-F97A-4342-85D4-27030B3D134F}" type="datetimeFigureOut">
               <a:rPr lang="pl-PL" smtClean="0"/>
-              <a:t>10.09.2019</a:t>
+              <a:t>17.09.2019</a:t>
             </a:fld>
             <a:endParaRPr lang="pl-PL"/>
           </a:p>
@@ -587,7 +589,7 @@
     </p:spTree>
     <p:extLst>
       <p:ext uri="{BB962C8B-B14F-4D97-AF65-F5344CB8AC3E}">
-        <p14:creationId xmlns:p14="http://schemas.microsoft.com/office/powerpoint/2010/main" val="2185348173"/>
+        <p14:creationId xmlns:p14="http://schemas.microsoft.com/office/powerpoint/2010/main" val="864135514"/>
       </p:ext>
     </p:extLst>
   </p:cSld>
@@ -615,6 +617,11 @@
         </a:xfrm>
       </p:grpSpPr>
     </p:spTree>
+    <p:extLst>
+      <p:ext uri="{BB962C8B-B14F-4D97-AF65-F5344CB8AC3E}">
+        <p14:creationId xmlns:p14="http://schemas.microsoft.com/office/powerpoint/2010/main" val="2275620148"/>
+      </p:ext>
+    </p:extLst>
   </p:cSld>
   <p:clrMapOvr>
     <a:masterClrMapping/>
@@ -623,6 +630,61 @@
 </file>
 
 <file path=ppt/notesSlides/notesSlide12.xml><?xml version="1.0" encoding="utf-8"?>
+<p:notes xmlns:a="http://schemas.openxmlformats.org/drawingml/2006/main" xmlns:r="http://schemas.openxmlformats.org/officeDocument/2006/relationships" xmlns:p="http://schemas.openxmlformats.org/presentationml/2006/main">
+  <p:cSld>
+    <p:spTree>
+      <p:nvGrpSpPr>
+        <p:cNvPr id="1" name=""/>
+        <p:cNvGrpSpPr/>
+        <p:nvPr/>
+      </p:nvGrpSpPr>
+      <p:grpSpPr>
+        <a:xfrm>
+          <a:off x="0" y="0"/>
+          <a:ext cx="0" cy="0"/>
+          <a:chOff x="0" y="0"/>
+          <a:chExt cx="0" cy="0"/>
+        </a:xfrm>
+      </p:grpSpPr>
+    </p:spTree>
+    <p:extLst>
+      <p:ext uri="{BB962C8B-B14F-4D97-AF65-F5344CB8AC3E}">
+        <p14:creationId xmlns:p14="http://schemas.microsoft.com/office/powerpoint/2010/main" val="2185348173"/>
+      </p:ext>
+    </p:extLst>
+  </p:cSld>
+  <p:clrMapOvr>
+    <a:masterClrMapping/>
+  </p:clrMapOvr>
+</p:notes>
+</file>
+
+<file path=ppt/notesSlides/notesSlide13.xml><?xml version="1.0" encoding="utf-8"?>
+<p:notes xmlns:a="http://schemas.openxmlformats.org/drawingml/2006/main" xmlns:r="http://schemas.openxmlformats.org/officeDocument/2006/relationships" xmlns:p="http://schemas.openxmlformats.org/presentationml/2006/main">
+  <p:cSld>
+    <p:spTree>
+      <p:nvGrpSpPr>
+        <p:cNvPr id="1" name=""/>
+        <p:cNvGrpSpPr/>
+        <p:nvPr/>
+      </p:nvGrpSpPr>
+      <p:grpSpPr>
+        <a:xfrm>
+          <a:off x="0" y="0"/>
+          <a:ext cx="0" cy="0"/>
+          <a:chOff x="0" y="0"/>
+          <a:chExt cx="0" cy="0"/>
+        </a:xfrm>
+      </p:grpSpPr>
+    </p:spTree>
+  </p:cSld>
+  <p:clrMapOvr>
+    <a:masterClrMapping/>
+  </p:clrMapOvr>
+</p:notes>
+</file>
+
+<file path=ppt/notesSlides/notesSlide14.xml><?xml version="1.0" encoding="utf-8"?>
 <p:notes xmlns:a="http://schemas.openxmlformats.org/drawingml/2006/main" xmlns:r="http://schemas.openxmlformats.org/officeDocument/2006/relationships" xmlns:p="http://schemas.openxmlformats.org/presentationml/2006/main">
   <p:cSld>
     <p:spTree>
@@ -652,7 +714,7 @@
 </p:notes>
 </file>
 
-<file path=ppt/notesSlides/notesSlide13.xml><?xml version="1.0" encoding="utf-8"?>
+<file path=ppt/notesSlides/notesSlide15.xml><?xml version="1.0" encoding="utf-8"?>
 <p:notes xmlns:a="http://schemas.openxmlformats.org/drawingml/2006/main" xmlns:r="http://schemas.openxmlformats.org/officeDocument/2006/relationships" xmlns:p="http://schemas.openxmlformats.org/presentationml/2006/main">
   <p:cSld>
     <p:spTree>
@@ -682,7 +744,7 @@
 </p:notes>
 </file>
 
-<file path=ppt/notesSlides/notesSlide14.xml><?xml version="1.0" encoding="utf-8"?>
+<file path=ppt/notesSlides/notesSlide16.xml><?xml version="1.0" encoding="utf-8"?>
 <p:notes xmlns:a="http://schemas.openxmlformats.org/drawingml/2006/main" xmlns:r="http://schemas.openxmlformats.org/officeDocument/2006/relationships" xmlns:p="http://schemas.openxmlformats.org/presentationml/2006/main">
   <p:cSld>
     <p:spTree>
@@ -712,7 +774,7 @@
 </p:notes>
 </file>
 
-<file path=ppt/notesSlides/notesSlide15.xml><?xml version="1.0" encoding="utf-8"?>
+<file path=ppt/notesSlides/notesSlide17.xml><?xml version="1.0" encoding="utf-8"?>
 <p:notes xmlns:a="http://schemas.openxmlformats.org/drawingml/2006/main" xmlns:r="http://schemas.openxmlformats.org/officeDocument/2006/relationships" xmlns:p="http://schemas.openxmlformats.org/presentationml/2006/main">
   <p:cSld>
     <p:spTree>
@@ -742,7 +804,7 @@
 </p:notes>
 </file>
 
-<file path=ppt/notesSlides/notesSlide16.xml><?xml version="1.0" encoding="utf-8"?>
+<file path=ppt/notesSlides/notesSlide18.xml><?xml version="1.0" encoding="utf-8"?>
 <p:notes xmlns:a="http://schemas.openxmlformats.org/drawingml/2006/main" xmlns:r="http://schemas.openxmlformats.org/officeDocument/2006/relationships" xmlns:p="http://schemas.openxmlformats.org/presentationml/2006/main">
   <p:cSld>
     <p:spTree>
@@ -772,7 +834,7 @@
 </p:notes>
 </file>
 
-<file path=ppt/notesSlides/notesSlide17.xml><?xml version="1.0" encoding="utf-8"?>
+<file path=ppt/notesSlides/notesSlide19.xml><?xml version="1.0" encoding="utf-8"?>
 <p:notes xmlns:a="http://schemas.openxmlformats.org/drawingml/2006/main" xmlns:r="http://schemas.openxmlformats.org/officeDocument/2006/relationships" xmlns:p="http://schemas.openxmlformats.org/presentationml/2006/main">
   <p:cSld>
     <p:spTree>
@@ -802,7 +864,32 @@
 </p:notes>
 </file>
 
-<file path=ppt/notesSlides/notesSlide18.xml><?xml version="1.0" encoding="utf-8"?>
+<file path=ppt/notesSlides/notesSlide2.xml><?xml version="1.0" encoding="utf-8"?>
+<p:notes xmlns:a="http://schemas.openxmlformats.org/drawingml/2006/main" xmlns:r="http://schemas.openxmlformats.org/officeDocument/2006/relationships" xmlns:p="http://schemas.openxmlformats.org/presentationml/2006/main">
+  <p:cSld>
+    <p:spTree>
+      <p:nvGrpSpPr>
+        <p:cNvPr id="1" name=""/>
+        <p:cNvGrpSpPr/>
+        <p:nvPr/>
+      </p:nvGrpSpPr>
+      <p:grpSpPr>
+        <a:xfrm>
+          <a:off x="0" y="0"/>
+          <a:ext cx="0" cy="0"/>
+          <a:chOff x="0" y="0"/>
+          <a:chExt cx="0" cy="0"/>
+        </a:xfrm>
+      </p:grpSpPr>
+    </p:spTree>
+  </p:cSld>
+  <p:clrMapOvr>
+    <a:masterClrMapping/>
+  </p:clrMapOvr>
+</p:notes>
+</file>
+
+<file path=ppt/notesSlides/notesSlide20.xml><?xml version="1.0" encoding="utf-8"?>
 <p:notes xmlns:a="http://schemas.openxmlformats.org/drawingml/2006/main" xmlns:r="http://schemas.openxmlformats.org/officeDocument/2006/relationships" xmlns:p="http://schemas.openxmlformats.org/presentationml/2006/main">
   <p:cSld>
     <p:spTree>
@@ -825,31 +912,6 @@
         <p14:creationId xmlns:p14="http://schemas.microsoft.com/office/powerpoint/2010/main" val="3871997864"/>
       </p:ext>
     </p:extLst>
-  </p:cSld>
-  <p:clrMapOvr>
-    <a:masterClrMapping/>
-  </p:clrMapOvr>
-</p:notes>
-</file>
-
-<file path=ppt/notesSlides/notesSlide2.xml><?xml version="1.0" encoding="utf-8"?>
-<p:notes xmlns:a="http://schemas.openxmlformats.org/drawingml/2006/main" xmlns:r="http://schemas.openxmlformats.org/officeDocument/2006/relationships" xmlns:p="http://schemas.openxmlformats.org/presentationml/2006/main">
-  <p:cSld>
-    <p:spTree>
-      <p:nvGrpSpPr>
-        <p:cNvPr id="1" name=""/>
-        <p:cNvGrpSpPr/>
-        <p:nvPr/>
-      </p:nvGrpSpPr>
-      <p:grpSpPr>
-        <a:xfrm>
-          <a:off x="0" y="0"/>
-          <a:ext cx="0" cy="0"/>
-          <a:chOff x="0" y="0"/>
-          <a:chExt cx="0" cy="0"/>
-        </a:xfrm>
-      </p:grpSpPr>
-    </p:spTree>
   </p:cSld>
   <p:clrMapOvr>
     <a:masterClrMapping/>
@@ -1181,7 +1243,7 @@
           <a:p>
             <a:fld id="{8AAAF063-69EB-C644-8AB1-E5803C20EBE3}" type="datetime1">
               <a:rPr lang="pl-PL" smtClean="0"/>
-              <a:t>10.09.2019</a:t>
+              <a:t>17.09.2019</a:t>
             </a:fld>
             <a:endParaRPr lang="pl-PL"/>
           </a:p>
@@ -1349,7 +1411,7 @@
           <a:p>
             <a:fld id="{C7DA91AA-904B-014A-B53D-48D760046CF3}" type="datetime1">
               <a:rPr lang="pl-PL" smtClean="0"/>
-              <a:t>10.09.2019</a:t>
+              <a:t>17.09.2019</a:t>
             </a:fld>
             <a:endParaRPr lang="pl-PL"/>
           </a:p>
@@ -1527,7 +1589,7 @@
           <a:p>
             <a:fld id="{F0B9475C-013D-324C-B76E-2FAE353993EB}" type="datetime1">
               <a:rPr lang="pl-PL" smtClean="0"/>
-              <a:t>10.09.2019</a:t>
+              <a:t>17.09.2019</a:t>
             </a:fld>
             <a:endParaRPr lang="pl-PL"/>
           </a:p>
@@ -1695,7 +1757,7 @@
           <a:p>
             <a:fld id="{1AB0E185-5223-A043-AFB5-0E6296B0D09D}" type="datetime1">
               <a:rPr lang="pl-PL" smtClean="0"/>
-              <a:t>10.09.2019</a:t>
+              <a:t>17.09.2019</a:t>
             </a:fld>
             <a:endParaRPr lang="pl-PL"/>
           </a:p>
@@ -1940,7 +2002,7 @@
           <a:p>
             <a:fld id="{90DBE6D5-64EB-F140-8022-7FE4C8839EC4}" type="datetime1">
               <a:rPr lang="pl-PL" smtClean="0"/>
-              <a:t>10.09.2019</a:t>
+              <a:t>17.09.2019</a:t>
             </a:fld>
             <a:endParaRPr lang="pl-PL"/>
           </a:p>
@@ -2169,7 +2231,7 @@
           <a:p>
             <a:fld id="{E5E7FB9E-4599-AE42-B167-0D576E9413BB}" type="datetime1">
               <a:rPr lang="pl-PL" smtClean="0"/>
-              <a:t>10.09.2019</a:t>
+              <a:t>17.09.2019</a:t>
             </a:fld>
             <a:endParaRPr lang="pl-PL"/>
           </a:p>
@@ -2533,7 +2595,7 @@
           <a:p>
             <a:fld id="{742F618D-7D6E-7640-A0D2-A3244D9470F1}" type="datetime1">
               <a:rPr lang="pl-PL" smtClean="0"/>
-              <a:t>10.09.2019</a:t>
+              <a:t>17.09.2019</a:t>
             </a:fld>
             <a:endParaRPr lang="pl-PL"/>
           </a:p>
@@ -2650,7 +2712,7 @@
           <a:p>
             <a:fld id="{F927541C-0379-E841-92A8-520A81A3BF19}" type="datetime1">
               <a:rPr lang="pl-PL" smtClean="0"/>
-              <a:t>10.09.2019</a:t>
+              <a:t>17.09.2019</a:t>
             </a:fld>
             <a:endParaRPr lang="pl-PL"/>
           </a:p>
@@ -2745,7 +2807,7 @@
           <a:p>
             <a:fld id="{9D1C4A31-4D44-934A-B8D3-1ACF96370747}" type="datetime1">
               <a:rPr lang="pl-PL" smtClean="0"/>
-              <a:t>10.09.2019</a:t>
+              <a:t>17.09.2019</a:t>
             </a:fld>
             <a:endParaRPr lang="pl-PL"/>
           </a:p>
@@ -3020,7 +3082,7 @@
           <a:p>
             <a:fld id="{3E929067-29AD-9443-B9ED-60DF7C7F8354}" type="datetime1">
               <a:rPr lang="pl-PL" smtClean="0"/>
-              <a:t>10.09.2019</a:t>
+              <a:t>17.09.2019</a:t>
             </a:fld>
             <a:endParaRPr lang="pl-PL"/>
           </a:p>
@@ -3272,7 +3334,7 @@
           <a:p>
             <a:fld id="{3D167EE6-23CF-C946-AFCC-3993BEF3AF63}" type="datetime1">
               <a:rPr lang="pl-PL" smtClean="0"/>
-              <a:t>10.09.2019</a:t>
+              <a:t>17.09.2019</a:t>
             </a:fld>
             <a:endParaRPr lang="pl-PL"/>
           </a:p>
@@ -3483,7 +3545,7 @@
           <a:p>
             <a:fld id="{C9395B82-AE3D-E340-B351-73296EB7519D}" type="datetime1">
               <a:rPr lang="pl-PL" smtClean="0"/>
-              <a:t>10.09.2019</a:t>
+              <a:t>17.09.2019</a:t>
             </a:fld>
             <a:endParaRPr lang="pl-PL"/>
           </a:p>
@@ -3877,20 +3939,11 @@
   <p:cSld>
     <p:bg>
       <p:bgPr>
-        <a:blipFill dpi="0" rotWithShape="1">
-          <a:blip r:embed="rId2" cstate="screen">
-            <a:lum/>
-            <a:extLst>
-              <a:ext uri="{28A0092B-C50C-407E-A947-70E740481C1C}">
-                <a14:useLocalDpi xmlns:a14="http://schemas.microsoft.com/office/drawing/2010/main"/>
-              </a:ext>
-            </a:extLst>
-          </a:blip>
-          <a:srcRect/>
-          <a:stretch>
-            <a:fillRect/>
-          </a:stretch>
-        </a:blipFill>
+        <a:solidFill>
+          <a:schemeClr val="bg1">
+            <a:lumMod val="75000"/>
+          </a:schemeClr>
+        </a:solidFill>
         <a:effectLst/>
       </p:bgPr>
     </p:bg>
@@ -3916,7 +3969,7 @@
         </p:nvSpPr>
         <p:spPr>
           <a:xfrm>
-            <a:off x="341332" y="1881921"/>
+            <a:off x="1741504" y="1617789"/>
             <a:ext cx="8708987" cy="1200329"/>
           </a:xfrm>
           <a:prstGeom prst="rect">
@@ -3933,7 +3986,9 @@
             <a:r>
               <a:rPr lang="pl-PL" sz="3600" dirty="0">
                 <a:solidFill>
-                  <a:schemeClr val="bg1"/>
+                  <a:schemeClr val="tx2">
+                    <a:lumMod val="75000"/>
+                  </a:schemeClr>
                 </a:solidFill>
                 <a:latin typeface="Adagio_Slab" charset="0"/>
                 <a:ea typeface="Adagio_Slab" charset="0"/>
@@ -3947,7 +4002,9 @@
             <a:r>
               <a:rPr lang="pl-PL" sz="3600" dirty="0">
                 <a:solidFill>
-                  <a:schemeClr val="bg1"/>
+                  <a:schemeClr val="tx2">
+                    <a:lumMod val="75000"/>
+                  </a:schemeClr>
                 </a:solidFill>
                 <a:latin typeface="Adagio_Slab" charset="0"/>
                 <a:ea typeface="Adagio_Slab" charset="0"/>
@@ -3972,7 +4029,7 @@
         </p:nvSpPr>
         <p:spPr>
           <a:xfrm>
-            <a:off x="1373178" y="3330337"/>
+            <a:off x="3139545" y="3020809"/>
             <a:ext cx="5912901" cy="830997"/>
           </a:xfrm>
           <a:prstGeom prst="rect">
@@ -3989,7 +4046,9 @@
             <a:r>
               <a:rPr lang="en-US" sz="2400" dirty="0">
                 <a:solidFill>
-                  <a:schemeClr val="bg1"/>
+                  <a:schemeClr val="tx2">
+                    <a:lumMod val="75000"/>
+                  </a:schemeClr>
                 </a:solidFill>
                 <a:latin typeface="Adagio_Slab" charset="0"/>
                 <a:ea typeface="Adagio_Slab" charset="0"/>
@@ -3999,7 +4058,9 @@
             </a:r>
             <a:endParaRPr lang="pl-PL" sz="2400" dirty="0">
               <a:solidFill>
-                <a:schemeClr val="bg1"/>
+                <a:schemeClr val="tx2">
+                  <a:lumMod val="75000"/>
+                </a:schemeClr>
               </a:solidFill>
               <a:latin typeface="Adagio_Slab" charset="0"/>
               <a:ea typeface="Adagio_Slab" charset="0"/>
@@ -4010,7 +4071,9 @@
             <a:r>
               <a:rPr lang="en-US" sz="2400" dirty="0">
                 <a:solidFill>
-                  <a:schemeClr val="bg1"/>
+                  <a:schemeClr val="tx2">
+                    <a:lumMod val="75000"/>
+                  </a:schemeClr>
                 </a:solidFill>
                 <a:latin typeface="Adagio_Slab" charset="0"/>
                 <a:ea typeface="Adagio_Slab" charset="0"/>
@@ -4020,7 +4083,9 @@
             </a:r>
             <a:endParaRPr lang="pl-PL" sz="2400" dirty="0">
               <a:solidFill>
-                <a:schemeClr val="bg1"/>
+                <a:schemeClr val="tx2">
+                  <a:lumMod val="75000"/>
+                </a:schemeClr>
               </a:solidFill>
               <a:latin typeface="Adagio_Slab" charset="0"/>
               <a:ea typeface="Adagio_Slab" charset="0"/>
@@ -4043,8 +4108,8 @@
         </p:nvSpPr>
         <p:spPr>
           <a:xfrm>
-            <a:off x="2156212" y="5437505"/>
-            <a:ext cx="6127318" cy="461665"/>
+            <a:off x="9563100" y="5303705"/>
+            <a:ext cx="2438234" cy="1200329"/>
           </a:xfrm>
           <a:prstGeom prst="rect">
             <a:avLst/>
@@ -4052,15 +4117,18 @@
           <a:noFill/>
         </p:spPr>
         <p:txBody>
-          <a:bodyPr wrap="none" rtlCol="0">
+          <a:bodyPr wrap="square" rtlCol="0">
             <a:spAutoFit/>
           </a:bodyPr>
           <a:lstStyle/>
           <a:p>
+            <a:pPr algn="ctr"/>
             <a:r>
               <a:rPr lang="pl-PL" sz="2400" dirty="0">
                 <a:solidFill>
-                  <a:schemeClr val="bg1"/>
+                  <a:schemeClr val="tx2">
+                    <a:lumMod val="75000"/>
+                  </a:schemeClr>
                 </a:solidFill>
                 <a:latin typeface="Adagio_Slab" charset="0"/>
                 <a:ea typeface="Adagio_Slab" charset="0"/>
@@ -4085,8 +4153,8 @@
         </p:nvSpPr>
         <p:spPr>
           <a:xfrm>
-            <a:off x="2943735" y="4633560"/>
-            <a:ext cx="4139338" cy="461665"/>
+            <a:off x="210579" y="5303705"/>
+            <a:ext cx="2841673" cy="830997"/>
           </a:xfrm>
           <a:prstGeom prst="rect">
             <a:avLst/>
@@ -4094,21 +4162,171 @@
           <a:noFill/>
         </p:spPr>
         <p:txBody>
-          <a:bodyPr wrap="none" rtlCol="0">
+          <a:bodyPr wrap="square" rtlCol="0">
             <a:spAutoFit/>
           </a:bodyPr>
           <a:lstStyle/>
           <a:p>
+            <a:pPr algn="ctr"/>
             <a:r>
               <a:rPr lang="pl-PL" sz="2400" dirty="0">
                 <a:solidFill>
-                  <a:schemeClr val="bg1"/>
+                  <a:schemeClr val="tx2">
+                    <a:lumMod val="75000"/>
+                  </a:schemeClr>
                 </a:solidFill>
                 <a:latin typeface="Adagio_Slab" charset="0"/>
                 <a:ea typeface="Adagio_Slab" charset="0"/>
                 <a:cs typeface="Adagio_Slab" charset="0"/>
               </a:rPr>
               <a:t>Autor: inż. Nikodem Wiśniewski</a:t>
+            </a:r>
+          </a:p>
+        </p:txBody>
+      </p:sp>
+      <p:pic>
+        <p:nvPicPr>
+          <p:cNvPr id="8" name="Picture 13" descr="https://ww2.mini.pw.edu.pl/wp-content/uploads/mini_znak_dlugi_60_bm3.png">
+            <a:extLst>
+              <a:ext uri="{FF2B5EF4-FFF2-40B4-BE49-F238E27FC236}">
+                <a16:creationId xmlns:a16="http://schemas.microsoft.com/office/drawing/2014/main" id="{01D813F8-7320-468A-8DB3-C244F2A0A8C6}"/>
+              </a:ext>
+            </a:extLst>
+          </p:cNvPr>
+          <p:cNvPicPr>
+            <a:picLocks noChangeAspect="1" noChangeArrowheads="1"/>
+          </p:cNvPicPr>
+          <p:nvPr/>
+        </p:nvPicPr>
+        <p:blipFill>
+          <a:blip r:embed="rId2" cstate="print"/>
+          <a:srcRect/>
+          <a:stretch>
+            <a:fillRect/>
+          </a:stretch>
+        </p:blipFill>
+        <p:spPr bwMode="auto">
+          <a:xfrm>
+            <a:off x="190666" y="353966"/>
+            <a:ext cx="11561806" cy="1161857"/>
+          </a:xfrm>
+          <a:prstGeom prst="rect">
+            <a:avLst/>
+          </a:prstGeom>
+          <a:noFill/>
+          <a:ln w="9525">
+            <a:noFill/>
+            <a:miter lim="800000"/>
+            <a:headEnd/>
+            <a:tailEnd/>
+          </a:ln>
+        </p:spPr>
+      </p:pic>
+      <p:sp>
+        <p:nvSpPr>
+          <p:cNvPr id="10" name="PoleTekstowe 3">
+            <a:extLst>
+              <a:ext uri="{FF2B5EF4-FFF2-40B4-BE49-F238E27FC236}">
+                <a16:creationId xmlns:a16="http://schemas.microsoft.com/office/drawing/2014/main" id="{CF5F91AD-5D29-42F0-A058-BC00EAE148F6}"/>
+              </a:ext>
+            </a:extLst>
+          </p:cNvPr>
+          <p:cNvSpPr txBox="1"/>
+          <p:nvPr/>
+        </p:nvSpPr>
+        <p:spPr>
+          <a:xfrm>
+            <a:off x="4660540" y="4239469"/>
+            <a:ext cx="2870914" cy="958404"/>
+          </a:xfrm>
+          <a:prstGeom prst="rect">
+            <a:avLst/>
+          </a:prstGeom>
+          <a:noFill/>
+        </p:spPr>
+        <p:txBody>
+          <a:bodyPr wrap="none" rtlCol="0">
+            <a:spAutoFit/>
+          </a:bodyPr>
+          <a:lstStyle/>
+          <a:p>
+            <a:pPr algn="ctr"/>
+            <a:r>
+              <a:rPr lang="pl-PL" sz="2400" dirty="0">
+                <a:solidFill>
+                  <a:schemeClr val="tx2">
+                    <a:lumMod val="75000"/>
+                  </a:schemeClr>
+                </a:solidFill>
+                <a:latin typeface="Adagio_Slab" charset="0"/>
+                <a:ea typeface="Adagio_Slab" charset="0"/>
+                <a:cs typeface="Adagio_Slab" charset="0"/>
+              </a:rPr>
+              <a:t>Praca magisterska</a:t>
+            </a:r>
+          </a:p>
+          <a:p>
+            <a:pPr algn="ctr">
+              <a:lnSpc>
+                <a:spcPct val="150000"/>
+              </a:lnSpc>
+            </a:pPr>
+            <a:r>
+              <a:rPr lang="pl-PL" sz="2400" dirty="0">
+                <a:solidFill>
+                  <a:schemeClr val="tx2">
+                    <a:lumMod val="75000"/>
+                  </a:schemeClr>
+                </a:solidFill>
+                <a:latin typeface="Adagio_Slab" charset="0"/>
+                <a:ea typeface="Adagio_Slab" charset="0"/>
+                <a:cs typeface="Adagio_Slab" charset="0"/>
+              </a:rPr>
+              <a:t>Kierunek Informatyka</a:t>
+            </a:r>
+          </a:p>
+        </p:txBody>
+      </p:sp>
+      <p:sp>
+        <p:nvSpPr>
+          <p:cNvPr id="2" name="pole tekstowe 1">
+            <a:extLst>
+              <a:ext uri="{FF2B5EF4-FFF2-40B4-BE49-F238E27FC236}">
+                <a16:creationId xmlns:a16="http://schemas.microsoft.com/office/drawing/2014/main" id="{DC2C8CB5-F6FF-4C16-8638-5151D683714B}"/>
+              </a:ext>
+            </a:extLst>
+          </p:cNvPr>
+          <p:cNvSpPr txBox="1"/>
+          <p:nvPr/>
+        </p:nvSpPr>
+        <p:spPr>
+          <a:xfrm>
+            <a:off x="4920290" y="6133071"/>
+            <a:ext cx="2351413" cy="461665"/>
+          </a:xfrm>
+          <a:prstGeom prst="rect">
+            <a:avLst/>
+          </a:prstGeom>
+          <a:noFill/>
+        </p:spPr>
+        <p:txBody>
+          <a:bodyPr wrap="none" rtlCol="0">
+            <a:spAutoFit/>
+          </a:bodyPr>
+          <a:lstStyle/>
+          <a:p>
+            <a:r>
+              <a:rPr lang="pl-PL" sz="2400" dirty="0">
+                <a:solidFill>
+                  <a:schemeClr val="tx2">
+                    <a:lumMod val="75000"/>
+                  </a:schemeClr>
+                </a:solidFill>
+                <a:latin typeface="Adagio_Slab" charset="0"/>
+                <a:ea typeface="Adagio_Slab" charset="0"/>
+                <a:cs typeface="Adagio_Slab" charset="0"/>
+              </a:rPr>
+              <a:t>26 września 2019</a:t>
             </a:r>
           </a:p>
         </p:txBody>
@@ -4503,14 +4721,6 @@
 <file path=ppt/slides/slide11.xml><?xml version="1.0" encoding="utf-8"?>
 <p:sld xmlns:a="http://schemas.openxmlformats.org/drawingml/2006/main" xmlns:r="http://schemas.openxmlformats.org/officeDocument/2006/relationships" xmlns:p="http://schemas.openxmlformats.org/presentationml/2006/main">
   <p:cSld>
-    <p:bg>
-      <p:bgPr>
-        <a:solidFill>
-          <a:schemeClr val="bg1"/>
-        </a:solidFill>
-        <a:effectLst/>
-      </p:bgPr>
-    </p:bg>
     <p:spTree>
       <p:nvGrpSpPr>
         <p:cNvPr id="1" name=""/>
@@ -4527,173 +4737,40 @@
       </p:grpSpPr>
       <p:sp>
         <p:nvSpPr>
-          <p:cNvPr id="10" name="Rectangle 9">
-            <a:extLst>
-              <a:ext uri="{FF2B5EF4-FFF2-40B4-BE49-F238E27FC236}">
-                <a16:creationId xmlns:a16="http://schemas.microsoft.com/office/drawing/2014/main" id="{6F9EB9F2-07E2-4D64-BBD8-BB5B217F1218}"/>
-              </a:ext>
-              <a:ext uri="{C183D7F6-B498-43B3-948B-1728B52AA6E4}">
-                <adec:decorative xmlns:adec="http://schemas.microsoft.com/office/drawing/2017/decorative" val="1"/>
-              </a:ext>
-            </a:extLst>
-          </p:cNvPr>
-          <p:cNvSpPr>
-            <a:spLocks noGrp="1" noRot="1" noChangeAspect="1" noMove="1" noResize="1" noEditPoints="1" noAdjustHandles="1" noChangeArrowheads="1" noChangeShapeType="1" noTextEdit="1"/>
-          </p:cNvSpPr>
-          <p:nvPr>
-            <p:extLst>
-              <p:ext uri="{386F3935-93C4-4BCD-93E2-E3B085C9AB24}">
-                <p16:designElem xmlns:p16="http://schemas.microsoft.com/office/powerpoint/2015/main" val="1"/>
-              </p:ext>
-            </p:extLst>
-          </p:nvPr>
-        </p:nvSpPr>
-        <p:spPr bwMode="ltGray">
-          <a:xfrm>
-            <a:off x="321564" y="320040"/>
-            <a:ext cx="11548872" cy="6217920"/>
+          <p:cNvPr id="3" name="PoleTekstowe 2"/>
+          <p:cNvSpPr txBox="1"/>
+          <p:nvPr/>
+        </p:nvSpPr>
+        <p:spPr>
+          <a:xfrm>
+            <a:off x="404601" y="298053"/>
+            <a:ext cx="8423810" cy="584775"/>
           </a:xfrm>
           <a:prstGeom prst="rect">
             <a:avLst/>
           </a:prstGeom>
-          <a:solidFill>
-            <a:schemeClr val="tx1">
-              <a:alpha val="12000"/>
-            </a:schemeClr>
-          </a:solidFill>
-          <a:ln w="127000" cap="sq" cmpd="thinThick">
-            <a:noFill/>
-          </a:ln>
-        </p:spPr>
-        <p:style>
-          <a:lnRef idx="2">
-            <a:schemeClr val="accent1">
-              <a:shade val="50000"/>
-            </a:schemeClr>
-          </a:lnRef>
-          <a:fillRef idx="1">
-            <a:schemeClr val="accent1"/>
-          </a:fillRef>
-          <a:effectRef idx="0">
-            <a:schemeClr val="accent1"/>
-          </a:effectRef>
-          <a:fontRef idx="minor">
-            <a:schemeClr val="lt1"/>
-          </a:fontRef>
-        </p:style>
-        <p:txBody>
-          <a:bodyPr rtlCol="0" anchor="ctr"/>
-          <a:lstStyle/>
-          <a:p>
-            <a:pPr algn="ctr"/>
-            <a:endParaRPr lang="en-US"/>
-          </a:p>
-        </p:txBody>
-      </p:sp>
-      <p:sp>
-        <p:nvSpPr>
-          <p:cNvPr id="3" name="PoleTekstowe 2"/>
-          <p:cNvSpPr txBox="1"/>
-          <p:nvPr/>
-        </p:nvSpPr>
-        <p:spPr>
-          <a:xfrm>
-            <a:off x="4380588" y="965199"/>
-            <a:ext cx="6766078" cy="4927601"/>
-          </a:xfrm>
-          <a:prstGeom prst="rect">
-            <a:avLst/>
-          </a:prstGeom>
-        </p:spPr>
-        <p:txBody>
-          <a:bodyPr vert="horz" lIns="91440" tIns="45720" rIns="91440" bIns="45720" rtlCol="0" anchor="ctr">
-            <a:normAutofit/>
+          <a:noFill/>
+        </p:spPr>
+        <p:txBody>
+          <a:bodyPr wrap="square" rtlCol="0">
+            <a:spAutoFit/>
           </a:bodyPr>
           <a:lstStyle/>
           <a:p>
-            <a:pPr>
-              <a:lnSpc>
-                <a:spcPct val="90000"/>
-              </a:lnSpc>
-              <a:spcBef>
-                <a:spcPct val="0"/>
-              </a:spcBef>
-              <a:spcAft>
-                <a:spcPts val="600"/>
-              </a:spcAft>
-            </a:pPr>
-            <a:r>
-              <a:rPr lang="en-US" sz="5400" kern="1200">
+            <a:r>
+              <a:rPr lang="pl-PL" sz="3200" dirty="0">
                 <a:solidFill>
-                  <a:schemeClr val="tx1">
-                    <a:lumMod val="85000"/>
-                    <a:lumOff val="15000"/>
-                  </a:schemeClr>
+                  <a:srgbClr val="3C3C4C"/>
                 </a:solidFill>
-                <a:latin typeface="+mj-lt"/>
-                <a:ea typeface="+mj-ea"/>
-                <a:cs typeface="+mj-cs"/>
+                <a:latin typeface="Adagio_Slab Medium" charset="0"/>
+                <a:ea typeface="Adagio_Slab Medium" charset="0"/>
+                <a:cs typeface="Adagio_Slab Medium" charset="0"/>
               </a:rPr>
               <a:t>Aplikacja</a:t>
             </a:r>
           </a:p>
         </p:txBody>
       </p:sp>
-      <p:cxnSp>
-        <p:nvCxnSpPr>
-          <p:cNvPr id="12" name="Straight Connector 11">
-            <a:extLst>
-              <a:ext uri="{FF2B5EF4-FFF2-40B4-BE49-F238E27FC236}">
-                <a16:creationId xmlns:a16="http://schemas.microsoft.com/office/drawing/2014/main" id="{F0C57C7C-DFE9-4A1E-B7A9-DF40E63366BB}"/>
-              </a:ext>
-              <a:ext uri="{C183D7F6-B498-43B3-948B-1728B52AA6E4}">
-                <adec:decorative xmlns:adec="http://schemas.microsoft.com/office/drawing/2017/decorative" val="1"/>
-              </a:ext>
-            </a:extLst>
-          </p:cNvPr>
-          <p:cNvCxnSpPr>
-            <a:cxnSpLocks noGrp="1" noRot="1" noChangeAspect="1" noMove="1" noResize="1" noEditPoints="1" noAdjustHandles="1" noChangeArrowheads="1" noChangeShapeType="1"/>
-          </p:cNvCxnSpPr>
-          <p:nvPr>
-            <p:extLst>
-              <p:ext uri="{386F3935-93C4-4BCD-93E2-E3B085C9AB24}">
-                <p16:designElem xmlns:p16="http://schemas.microsoft.com/office/powerpoint/2015/main" val="1"/>
-              </p:ext>
-            </p:extLst>
-          </p:nvPr>
-        </p:nvCxnSpPr>
-        <p:spPr>
-          <a:xfrm>
-            <a:off x="4055891" y="2057399"/>
-            <a:ext cx="0" cy="2743200"/>
-          </a:xfrm>
-          <a:prstGeom prst="line">
-            <a:avLst/>
-          </a:prstGeom>
-          <a:ln w="19050">
-            <a:solidFill>
-              <a:schemeClr val="tx1">
-                <a:lumMod val="85000"/>
-                <a:lumOff val="15000"/>
-              </a:schemeClr>
-            </a:solidFill>
-          </a:ln>
-        </p:spPr>
-        <p:style>
-          <a:lnRef idx="1">
-            <a:schemeClr val="accent1"/>
-          </a:lnRef>
-          <a:fillRef idx="0">
-            <a:schemeClr val="accent1"/>
-          </a:fillRef>
-          <a:effectRef idx="0">
-            <a:schemeClr val="accent1"/>
-          </a:effectRef>
-          <a:fontRef idx="minor">
-            <a:schemeClr val="tx1"/>
-          </a:fontRef>
-        </p:style>
-      </p:cxnSp>
       <p:sp>
         <p:nvSpPr>
           <p:cNvPr id="5" name="Symbol zastępczy numeru slajdu 4"/>
@@ -4706,38 +4783,156 @@
         </p:nvSpPr>
         <p:spPr>
           <a:xfrm>
-            <a:off x="10225314" y="6553690"/>
-            <a:ext cx="1128486" cy="274320"/>
-          </a:xfrm>
-        </p:spPr>
-        <p:txBody>
-          <a:bodyPr vert="horz" lIns="91440" tIns="45720" rIns="91440" bIns="45720" rtlCol="0" anchor="ctr">
-            <a:normAutofit/>
+            <a:off x="9201319" y="298053"/>
+            <a:ext cx="2743200" cy="365125"/>
+          </a:xfrm>
+        </p:spPr>
+        <p:txBody>
+          <a:bodyPr/>
+          <a:lstStyle/>
+          <a:p>
+            <a:fld id="{F35BE31D-8307-A84B-9D2D-2944E6584EB9}" type="slidenum">
+              <a:rPr lang="pl-PL" sz="4000" smtClean="0">
+                <a:solidFill>
+                  <a:srgbClr val="3C3C4C"/>
+                </a:solidFill>
+                <a:latin typeface="Radikal WUT" charset="0"/>
+                <a:ea typeface="Radikal WUT" charset="0"/>
+                <a:cs typeface="Radikal WUT" charset="0"/>
+              </a:rPr>
+              <a:pPr/>
+              <a:t>11</a:t>
+            </a:fld>
+            <a:endParaRPr lang="pl-PL" sz="4000" dirty="0">
+              <a:solidFill>
+                <a:srgbClr val="3C3C4C"/>
+              </a:solidFill>
+              <a:latin typeface="Radikal WUT" charset="0"/>
+              <a:ea typeface="Radikal WUT" charset="0"/>
+              <a:cs typeface="Radikal WUT" charset="0"/>
+            </a:endParaRPr>
+          </a:p>
+        </p:txBody>
+      </p:sp>
+      <p:pic>
+        <p:nvPicPr>
+          <p:cNvPr id="2" name="Obraz 1">
+            <a:extLst>
+              <a:ext uri="{FF2B5EF4-FFF2-40B4-BE49-F238E27FC236}">
+                <a16:creationId xmlns:a16="http://schemas.microsoft.com/office/drawing/2014/main" id="{8EDB119A-0252-4951-84E5-C2CA22FDCF26}"/>
+              </a:ext>
+            </a:extLst>
+          </p:cNvPr>
+          <p:cNvPicPr>
+            <a:picLocks noChangeAspect="1"/>
+          </p:cNvPicPr>
+          <p:nvPr/>
+        </p:nvPicPr>
+        <p:blipFill>
+          <a:blip r:embed="rId3"/>
+          <a:stretch>
+            <a:fillRect/>
+          </a:stretch>
+        </p:blipFill>
+        <p:spPr>
+          <a:xfrm>
+            <a:off x="4221120" y="882828"/>
+            <a:ext cx="7723399" cy="5632379"/>
+          </a:xfrm>
+          <a:prstGeom prst="rect">
+            <a:avLst/>
+          </a:prstGeom>
+        </p:spPr>
+      </p:pic>
+      <p:sp>
+        <p:nvSpPr>
+          <p:cNvPr id="6" name="pole tekstowe 5">
+            <a:extLst>
+              <a:ext uri="{FF2B5EF4-FFF2-40B4-BE49-F238E27FC236}">
+                <a16:creationId xmlns:a16="http://schemas.microsoft.com/office/drawing/2014/main" id="{78785BD0-7CB5-4C4A-9AC4-C3ED2864B944}"/>
+              </a:ext>
+            </a:extLst>
+          </p:cNvPr>
+          <p:cNvSpPr txBox="1"/>
+          <p:nvPr/>
+        </p:nvSpPr>
+        <p:spPr>
+          <a:xfrm>
+            <a:off x="247481" y="1905506"/>
+            <a:ext cx="3757535" cy="2308324"/>
+          </a:xfrm>
+          <a:prstGeom prst="rect">
+            <a:avLst/>
+          </a:prstGeom>
+          <a:noFill/>
+        </p:spPr>
+        <p:txBody>
+          <a:bodyPr wrap="square" rtlCol="0">
+            <a:spAutoFit/>
           </a:bodyPr>
           <a:lstStyle/>
           <a:p>
-            <a:pPr>
-              <a:spcAft>
-                <a:spcPts val="600"/>
-              </a:spcAft>
+            <a:r>
+              <a:rPr lang="pl-PL" sz="2400" dirty="0"/>
+              <a:t>Moduły aplikacji:</a:t>
+            </a:r>
+          </a:p>
+          <a:p>
+            <a:pPr marL="742950" lvl="1" indent="-285750">
+              <a:buFont typeface="Arial" panose="020B0604020202020204" pitchFamily="34" charset="0"/>
+              <a:buChar char="•"/>
             </a:pPr>
-            <a:fld id="{F35BE31D-8307-A84B-9D2D-2944E6584EB9}" type="slidenum">
-              <a:rPr lang="en-US" sz="1050"/>
-              <a:pPr>
-                <a:spcAft>
-                  <a:spcPts val="600"/>
-                </a:spcAft>
-              </a:pPr>
-              <a:t>11</a:t>
-            </a:fld>
-            <a:endParaRPr lang="en-US" sz="1050"/>
+            <a:r>
+              <a:rPr lang="pl-PL" sz="2400" dirty="0"/>
+              <a:t>pobieranie danych</a:t>
+            </a:r>
+          </a:p>
+          <a:p>
+            <a:pPr marL="742950" lvl="1" indent="-285750">
+              <a:buFont typeface="Arial" panose="020B0604020202020204" pitchFamily="34" charset="0"/>
+              <a:buChar char="•"/>
+            </a:pPr>
+            <a:r>
+              <a:rPr lang="pl-PL" sz="2400" dirty="0"/>
+              <a:t>analiza danych</a:t>
+            </a:r>
+          </a:p>
+          <a:p>
+            <a:pPr marL="742950" lvl="1" indent="-285750">
+              <a:buFont typeface="Arial" panose="020B0604020202020204" pitchFamily="34" charset="0"/>
+              <a:buChar char="•"/>
+            </a:pPr>
+            <a:r>
+              <a:rPr lang="pl-PL" sz="2400" dirty="0"/>
+              <a:t>przetworzenie danych</a:t>
+            </a:r>
+          </a:p>
+          <a:p>
+            <a:pPr marL="742950" lvl="1" indent="-285750">
+              <a:buFont typeface="Arial" panose="020B0604020202020204" pitchFamily="34" charset="0"/>
+              <a:buChar char="•"/>
+            </a:pPr>
+            <a:r>
+              <a:rPr lang="pl-PL" sz="2400" dirty="0"/>
+              <a:t>benchmark</a:t>
+            </a:r>
+          </a:p>
+          <a:p>
+            <a:pPr marL="742950" lvl="1" indent="-285750">
+              <a:buFont typeface="Arial" panose="020B0604020202020204" pitchFamily="34" charset="0"/>
+              <a:buChar char="•"/>
+            </a:pPr>
+            <a:r>
+              <a:rPr lang="pl-PL" sz="2400" dirty="0"/>
+              <a:t>symulacja giełdowa</a:t>
+            </a:r>
           </a:p>
         </p:txBody>
       </p:sp>
     </p:spTree>
     <p:extLst>
       <p:ext uri="{BB962C8B-B14F-4D97-AF65-F5344CB8AC3E}">
-        <p14:creationId xmlns:p14="http://schemas.microsoft.com/office/powerpoint/2010/main" val="2385758515"/>
+        <p14:creationId xmlns:p14="http://schemas.microsoft.com/office/powerpoint/2010/main" val="4009753205"/>
       </p:ext>
     </p:extLst>
   </p:cSld>
@@ -4773,7 +4968,7 @@
         <p:spPr>
           <a:xfrm>
             <a:off x="404601" y="298053"/>
-            <a:ext cx="8423810" cy="754694"/>
+            <a:ext cx="8423810" cy="584775"/>
           </a:xfrm>
           <a:prstGeom prst="rect">
             <a:avLst/>
@@ -4786,21 +4981,16 @@
           </a:bodyPr>
           <a:lstStyle/>
           <a:p>
-            <a:pPr algn="just">
-              <a:lnSpc>
-                <a:spcPct val="150000"/>
-              </a:lnSpc>
-            </a:pPr>
             <a:r>
               <a:rPr lang="pl-PL" sz="3200" dirty="0">
                 <a:solidFill>
                   <a:srgbClr val="3C3C4C"/>
                 </a:solidFill>
-                <a:latin typeface="Adagio_Slab" charset="0"/>
-                <a:ea typeface="Adagio_Slab" charset="0"/>
-                <a:cs typeface="Adagio_Slab" charset="0"/>
+                <a:latin typeface="Adagio_Slab Medium" charset="0"/>
+                <a:ea typeface="Adagio_Slab Medium" charset="0"/>
+                <a:cs typeface="Adagio_Slab Medium" charset="0"/>
               </a:rPr>
-              <a:t>Wyniki - klasyfikacja binarna</a:t>
+              <a:t>Aplikacja</a:t>
             </a:r>
           </a:p>
         </p:txBody>
@@ -4836,6 +5026,452 @@
               </a:rPr>
               <a:pPr/>
               <a:t>12</a:t>
+            </a:fld>
+            <a:endParaRPr lang="pl-PL" sz="4000" dirty="0">
+              <a:solidFill>
+                <a:srgbClr val="3C3C4C"/>
+              </a:solidFill>
+              <a:latin typeface="Radikal WUT" charset="0"/>
+              <a:ea typeface="Radikal WUT" charset="0"/>
+              <a:cs typeface="Radikal WUT" charset="0"/>
+            </a:endParaRPr>
+          </a:p>
+        </p:txBody>
+      </p:sp>
+      <p:pic>
+        <p:nvPicPr>
+          <p:cNvPr id="4" name="Obraz 3">
+            <a:extLst>
+              <a:ext uri="{FF2B5EF4-FFF2-40B4-BE49-F238E27FC236}">
+                <a16:creationId xmlns:a16="http://schemas.microsoft.com/office/drawing/2014/main" id="{3EF57057-26E3-4613-B803-904D6309F93D}"/>
+              </a:ext>
+            </a:extLst>
+          </p:cNvPr>
+          <p:cNvPicPr>
+            <a:picLocks noChangeAspect="1"/>
+          </p:cNvPicPr>
+          <p:nvPr/>
+        </p:nvPicPr>
+        <p:blipFill>
+          <a:blip r:embed="rId3"/>
+          <a:stretch>
+            <a:fillRect/>
+          </a:stretch>
+        </p:blipFill>
+        <p:spPr>
+          <a:xfrm>
+            <a:off x="2330619" y="977900"/>
+            <a:ext cx="8763000" cy="2057400"/>
+          </a:xfrm>
+          <a:prstGeom prst="rect">
+            <a:avLst/>
+          </a:prstGeom>
+        </p:spPr>
+      </p:pic>
+      <p:pic>
+        <p:nvPicPr>
+          <p:cNvPr id="7" name="Obraz 6">
+            <a:extLst>
+              <a:ext uri="{FF2B5EF4-FFF2-40B4-BE49-F238E27FC236}">
+                <a16:creationId xmlns:a16="http://schemas.microsoft.com/office/drawing/2014/main" id="{83A46707-DF58-40C3-BFF7-2136126CAE38}"/>
+              </a:ext>
+            </a:extLst>
+          </p:cNvPr>
+          <p:cNvPicPr>
+            <a:picLocks noChangeAspect="1"/>
+          </p:cNvPicPr>
+          <p:nvPr/>
+        </p:nvPicPr>
+        <p:blipFill>
+          <a:blip r:embed="rId4"/>
+          <a:stretch>
+            <a:fillRect/>
+          </a:stretch>
+        </p:blipFill>
+        <p:spPr>
+          <a:xfrm>
+            <a:off x="3048056" y="3152994"/>
+            <a:ext cx="6134100" cy="3190875"/>
+          </a:xfrm>
+          <a:prstGeom prst="rect">
+            <a:avLst/>
+          </a:prstGeom>
+        </p:spPr>
+      </p:pic>
+    </p:spTree>
+    <p:extLst>
+      <p:ext uri="{BB962C8B-B14F-4D97-AF65-F5344CB8AC3E}">
+        <p14:creationId xmlns:p14="http://schemas.microsoft.com/office/powerpoint/2010/main" val="2263525615"/>
+      </p:ext>
+    </p:extLst>
+  </p:cSld>
+  <p:clrMapOvr>
+    <a:masterClrMapping/>
+  </p:clrMapOvr>
+</p:sld>
+</file>
+
+<file path=ppt/slides/slide13.xml><?xml version="1.0" encoding="utf-8"?>
+<p:sld xmlns:a="http://schemas.openxmlformats.org/drawingml/2006/main" xmlns:r="http://schemas.openxmlformats.org/officeDocument/2006/relationships" xmlns:p="http://schemas.openxmlformats.org/presentationml/2006/main">
+  <p:cSld>
+    <p:bg>
+      <p:bgPr>
+        <a:solidFill>
+          <a:schemeClr val="bg1"/>
+        </a:solidFill>
+        <a:effectLst/>
+      </p:bgPr>
+    </p:bg>
+    <p:spTree>
+      <p:nvGrpSpPr>
+        <p:cNvPr id="1" name=""/>
+        <p:cNvGrpSpPr/>
+        <p:nvPr/>
+      </p:nvGrpSpPr>
+      <p:grpSpPr>
+        <a:xfrm>
+          <a:off x="0" y="0"/>
+          <a:ext cx="0" cy="0"/>
+          <a:chOff x="0" y="0"/>
+          <a:chExt cx="0" cy="0"/>
+        </a:xfrm>
+      </p:grpSpPr>
+      <p:sp>
+        <p:nvSpPr>
+          <p:cNvPr id="10" name="Rectangle 9">
+            <a:extLst>
+              <a:ext uri="{FF2B5EF4-FFF2-40B4-BE49-F238E27FC236}">
+                <a16:creationId xmlns:a16="http://schemas.microsoft.com/office/drawing/2014/main" id="{6F9EB9F2-07E2-4D64-BBD8-BB5B217F1218}"/>
+              </a:ext>
+              <a:ext uri="{C183D7F6-B498-43B3-948B-1728B52AA6E4}">
+                <adec:decorative xmlns:adec="http://schemas.microsoft.com/office/drawing/2017/decorative" val="1"/>
+              </a:ext>
+            </a:extLst>
+          </p:cNvPr>
+          <p:cNvSpPr>
+            <a:spLocks noGrp="1" noRot="1" noChangeAspect="1" noMove="1" noResize="1" noEditPoints="1" noAdjustHandles="1" noChangeArrowheads="1" noChangeShapeType="1" noTextEdit="1"/>
+          </p:cNvSpPr>
+          <p:nvPr>
+            <p:extLst>
+              <p:ext uri="{386F3935-93C4-4BCD-93E2-E3B085C9AB24}">
+                <p16:designElem xmlns:p16="http://schemas.microsoft.com/office/powerpoint/2015/main" val="1"/>
+              </p:ext>
+            </p:extLst>
+          </p:nvPr>
+        </p:nvSpPr>
+        <p:spPr bwMode="ltGray">
+          <a:xfrm>
+            <a:off x="321564" y="320040"/>
+            <a:ext cx="11548872" cy="6217920"/>
+          </a:xfrm>
+          <a:prstGeom prst="rect">
+            <a:avLst/>
+          </a:prstGeom>
+          <a:solidFill>
+            <a:schemeClr val="tx1">
+              <a:alpha val="12000"/>
+            </a:schemeClr>
+          </a:solidFill>
+          <a:ln w="127000" cap="sq" cmpd="thinThick">
+            <a:noFill/>
+          </a:ln>
+        </p:spPr>
+        <p:style>
+          <a:lnRef idx="2">
+            <a:schemeClr val="accent1">
+              <a:shade val="50000"/>
+            </a:schemeClr>
+          </a:lnRef>
+          <a:fillRef idx="1">
+            <a:schemeClr val="accent1"/>
+          </a:fillRef>
+          <a:effectRef idx="0">
+            <a:schemeClr val="accent1"/>
+          </a:effectRef>
+          <a:fontRef idx="minor">
+            <a:schemeClr val="lt1"/>
+          </a:fontRef>
+        </p:style>
+        <p:txBody>
+          <a:bodyPr rtlCol="0" anchor="ctr"/>
+          <a:lstStyle/>
+          <a:p>
+            <a:pPr algn="ctr"/>
+            <a:endParaRPr lang="en-US"/>
+          </a:p>
+        </p:txBody>
+      </p:sp>
+      <p:sp>
+        <p:nvSpPr>
+          <p:cNvPr id="3" name="PoleTekstowe 2"/>
+          <p:cNvSpPr txBox="1"/>
+          <p:nvPr/>
+        </p:nvSpPr>
+        <p:spPr>
+          <a:xfrm>
+            <a:off x="4380588" y="965199"/>
+            <a:ext cx="6766078" cy="4927601"/>
+          </a:xfrm>
+          <a:prstGeom prst="rect">
+            <a:avLst/>
+          </a:prstGeom>
+        </p:spPr>
+        <p:txBody>
+          <a:bodyPr vert="horz" lIns="91440" tIns="45720" rIns="91440" bIns="45720" rtlCol="0" anchor="ctr">
+            <a:normAutofit/>
+          </a:bodyPr>
+          <a:lstStyle/>
+          <a:p>
+            <a:pPr>
+              <a:lnSpc>
+                <a:spcPct val="90000"/>
+              </a:lnSpc>
+              <a:spcBef>
+                <a:spcPct val="0"/>
+              </a:spcBef>
+              <a:spcAft>
+                <a:spcPts val="600"/>
+              </a:spcAft>
+            </a:pPr>
+            <a:r>
+              <a:rPr lang="en-US" sz="5400" kern="1200" dirty="0" err="1">
+                <a:solidFill>
+                  <a:schemeClr val="tx1">
+                    <a:lumMod val="85000"/>
+                    <a:lumOff val="15000"/>
+                  </a:schemeClr>
+                </a:solidFill>
+                <a:latin typeface="+mj-lt"/>
+                <a:ea typeface="+mj-ea"/>
+                <a:cs typeface="+mj-cs"/>
+              </a:rPr>
+              <a:t>Aplikacja</a:t>
+            </a:r>
+            <a:r>
+              <a:rPr lang="pl-PL" sz="5400" kern="1200" dirty="0">
+                <a:solidFill>
+                  <a:schemeClr val="tx1">
+                    <a:lumMod val="85000"/>
+                    <a:lumOff val="15000"/>
+                  </a:schemeClr>
+                </a:solidFill>
+                <a:latin typeface="+mj-lt"/>
+                <a:ea typeface="+mj-ea"/>
+                <a:cs typeface="+mj-cs"/>
+              </a:rPr>
+              <a:t> - film</a:t>
+            </a:r>
+            <a:endParaRPr lang="en-US" sz="5400" kern="1200" dirty="0">
+              <a:solidFill>
+                <a:schemeClr val="tx1">
+                  <a:lumMod val="85000"/>
+                  <a:lumOff val="15000"/>
+                </a:schemeClr>
+              </a:solidFill>
+              <a:latin typeface="+mj-lt"/>
+              <a:ea typeface="+mj-ea"/>
+              <a:cs typeface="+mj-cs"/>
+            </a:endParaRPr>
+          </a:p>
+        </p:txBody>
+      </p:sp>
+      <p:cxnSp>
+        <p:nvCxnSpPr>
+          <p:cNvPr id="12" name="Straight Connector 11">
+            <a:extLst>
+              <a:ext uri="{FF2B5EF4-FFF2-40B4-BE49-F238E27FC236}">
+                <a16:creationId xmlns:a16="http://schemas.microsoft.com/office/drawing/2014/main" id="{F0C57C7C-DFE9-4A1E-B7A9-DF40E63366BB}"/>
+              </a:ext>
+              <a:ext uri="{C183D7F6-B498-43B3-948B-1728B52AA6E4}">
+                <adec:decorative xmlns:adec="http://schemas.microsoft.com/office/drawing/2017/decorative" val="1"/>
+              </a:ext>
+            </a:extLst>
+          </p:cNvPr>
+          <p:cNvCxnSpPr>
+            <a:cxnSpLocks noGrp="1" noRot="1" noChangeAspect="1" noMove="1" noResize="1" noEditPoints="1" noAdjustHandles="1" noChangeArrowheads="1" noChangeShapeType="1"/>
+          </p:cNvCxnSpPr>
+          <p:nvPr>
+            <p:extLst>
+              <p:ext uri="{386F3935-93C4-4BCD-93E2-E3B085C9AB24}">
+                <p16:designElem xmlns:p16="http://schemas.microsoft.com/office/powerpoint/2015/main" val="1"/>
+              </p:ext>
+            </p:extLst>
+          </p:nvPr>
+        </p:nvCxnSpPr>
+        <p:spPr>
+          <a:xfrm>
+            <a:off x="4055891" y="2057399"/>
+            <a:ext cx="0" cy="2743200"/>
+          </a:xfrm>
+          <a:prstGeom prst="line">
+            <a:avLst/>
+          </a:prstGeom>
+          <a:ln w="19050">
+            <a:solidFill>
+              <a:schemeClr val="tx1">
+                <a:lumMod val="85000"/>
+                <a:lumOff val="15000"/>
+              </a:schemeClr>
+            </a:solidFill>
+          </a:ln>
+        </p:spPr>
+        <p:style>
+          <a:lnRef idx="1">
+            <a:schemeClr val="accent1"/>
+          </a:lnRef>
+          <a:fillRef idx="0">
+            <a:schemeClr val="accent1"/>
+          </a:fillRef>
+          <a:effectRef idx="0">
+            <a:schemeClr val="accent1"/>
+          </a:effectRef>
+          <a:fontRef idx="minor">
+            <a:schemeClr val="tx1"/>
+          </a:fontRef>
+        </p:style>
+      </p:cxnSp>
+      <p:sp>
+        <p:nvSpPr>
+          <p:cNvPr id="5" name="Symbol zastępczy numeru slajdu 4"/>
+          <p:cNvSpPr>
+            <a:spLocks noGrp="1"/>
+          </p:cNvSpPr>
+          <p:nvPr>
+            <p:ph type="sldNum" sz="quarter" idx="12"/>
+          </p:nvPr>
+        </p:nvSpPr>
+        <p:spPr>
+          <a:xfrm>
+            <a:off x="10225314" y="6553690"/>
+            <a:ext cx="1128486" cy="274320"/>
+          </a:xfrm>
+        </p:spPr>
+        <p:txBody>
+          <a:bodyPr vert="horz" lIns="91440" tIns="45720" rIns="91440" bIns="45720" rtlCol="0" anchor="ctr">
+            <a:normAutofit/>
+          </a:bodyPr>
+          <a:lstStyle/>
+          <a:p>
+            <a:pPr>
+              <a:spcAft>
+                <a:spcPts val="600"/>
+              </a:spcAft>
+            </a:pPr>
+            <a:fld id="{F35BE31D-8307-A84B-9D2D-2944E6584EB9}" type="slidenum">
+              <a:rPr lang="en-US" sz="1050"/>
+              <a:pPr>
+                <a:spcAft>
+                  <a:spcPts val="600"/>
+                </a:spcAft>
+              </a:pPr>
+              <a:t>13</a:t>
+            </a:fld>
+            <a:endParaRPr lang="en-US" sz="1050"/>
+          </a:p>
+        </p:txBody>
+      </p:sp>
+    </p:spTree>
+    <p:extLst>
+      <p:ext uri="{BB962C8B-B14F-4D97-AF65-F5344CB8AC3E}">
+        <p14:creationId xmlns:p14="http://schemas.microsoft.com/office/powerpoint/2010/main" val="2385758515"/>
+      </p:ext>
+    </p:extLst>
+  </p:cSld>
+  <p:clrMapOvr>
+    <a:masterClrMapping/>
+  </p:clrMapOvr>
+</p:sld>
+</file>
+
+<file path=ppt/slides/slide14.xml><?xml version="1.0" encoding="utf-8"?>
+<p:sld xmlns:a="http://schemas.openxmlformats.org/drawingml/2006/main" xmlns:r="http://schemas.openxmlformats.org/officeDocument/2006/relationships" xmlns:p="http://schemas.openxmlformats.org/presentationml/2006/main">
+  <p:cSld>
+    <p:spTree>
+      <p:nvGrpSpPr>
+        <p:cNvPr id="1" name=""/>
+        <p:cNvGrpSpPr/>
+        <p:nvPr/>
+      </p:nvGrpSpPr>
+      <p:grpSpPr>
+        <a:xfrm>
+          <a:off x="0" y="0"/>
+          <a:ext cx="0" cy="0"/>
+          <a:chOff x="0" y="0"/>
+          <a:chExt cx="0" cy="0"/>
+        </a:xfrm>
+      </p:grpSpPr>
+      <p:sp>
+        <p:nvSpPr>
+          <p:cNvPr id="3" name="PoleTekstowe 2"/>
+          <p:cNvSpPr txBox="1"/>
+          <p:nvPr/>
+        </p:nvSpPr>
+        <p:spPr>
+          <a:xfrm>
+            <a:off x="404601" y="298053"/>
+            <a:ext cx="8423810" cy="754694"/>
+          </a:xfrm>
+          <a:prstGeom prst="rect">
+            <a:avLst/>
+          </a:prstGeom>
+          <a:noFill/>
+        </p:spPr>
+        <p:txBody>
+          <a:bodyPr wrap="square" rtlCol="0">
+            <a:spAutoFit/>
+          </a:bodyPr>
+          <a:lstStyle/>
+          <a:p>
+            <a:pPr algn="just">
+              <a:lnSpc>
+                <a:spcPct val="150000"/>
+              </a:lnSpc>
+            </a:pPr>
+            <a:r>
+              <a:rPr lang="pl-PL" sz="3200" dirty="0">
+                <a:solidFill>
+                  <a:srgbClr val="3C3C4C"/>
+                </a:solidFill>
+                <a:latin typeface="Adagio_Slab" charset="0"/>
+                <a:ea typeface="Adagio_Slab" charset="0"/>
+                <a:cs typeface="Adagio_Slab" charset="0"/>
+              </a:rPr>
+              <a:t>Wyniki - klasyfikacja binarna</a:t>
+            </a:r>
+          </a:p>
+        </p:txBody>
+      </p:sp>
+      <p:sp>
+        <p:nvSpPr>
+          <p:cNvPr id="5" name="Symbol zastępczy numeru slajdu 4"/>
+          <p:cNvSpPr>
+            <a:spLocks noGrp="1"/>
+          </p:cNvSpPr>
+          <p:nvPr>
+            <p:ph type="sldNum" sz="quarter" idx="12"/>
+          </p:nvPr>
+        </p:nvSpPr>
+        <p:spPr>
+          <a:xfrm>
+            <a:off x="9201319" y="298053"/>
+            <a:ext cx="2743200" cy="365125"/>
+          </a:xfrm>
+        </p:spPr>
+        <p:txBody>
+          <a:bodyPr/>
+          <a:lstStyle/>
+          <a:p>
+            <a:fld id="{F35BE31D-8307-A84B-9D2D-2944E6584EB9}" type="slidenum">
+              <a:rPr lang="pl-PL" sz="4000" smtClean="0">
+                <a:solidFill>
+                  <a:srgbClr val="3C3C4C"/>
+                </a:solidFill>
+                <a:latin typeface="Radikal WUT" charset="0"/>
+                <a:ea typeface="Radikal WUT" charset="0"/>
+                <a:cs typeface="Radikal WUT" charset="0"/>
+              </a:rPr>
+              <a:pPr/>
+              <a:t>14</a:t>
             </a:fld>
             <a:endParaRPr lang="pl-PL" sz="4000" dirty="0">
               <a:solidFill>
@@ -5385,7 +6021,7 @@
 </p:sld>
 </file>
 
-<file path=ppt/slides/slide13.xml><?xml version="1.0" encoding="utf-8"?>
+<file path=ppt/slides/slide15.xml><?xml version="1.0" encoding="utf-8"?>
 <p:sld xmlns:a="http://schemas.openxmlformats.org/drawingml/2006/main" xmlns:r="http://schemas.openxmlformats.org/officeDocument/2006/relationships" xmlns:p="http://schemas.openxmlformats.org/presentationml/2006/main">
   <p:cSld>
     <p:spTree>
@@ -5503,7 +6139,7 @@
                 <a:cs typeface="Radikal WUT" charset="0"/>
               </a:rPr>
               <a:pPr/>
-              <a:t>13</a:t>
+              <a:t>15</a:t>
             </a:fld>
             <a:endParaRPr lang="pl-PL" sz="4000" dirty="0">
               <a:solidFill>
@@ -6019,7 +6655,7 @@
 </p:sld>
 </file>
 
-<file path=ppt/slides/slide14.xml><?xml version="1.0" encoding="utf-8"?>
+<file path=ppt/slides/slide16.xml><?xml version="1.0" encoding="utf-8"?>
 <p:sld xmlns:a="http://schemas.openxmlformats.org/drawingml/2006/main" xmlns:r="http://schemas.openxmlformats.org/officeDocument/2006/relationships" xmlns:p="http://schemas.openxmlformats.org/presentationml/2006/main">
   <p:cSld>
     <p:spTree>
@@ -6137,7 +6773,7 @@
                 <a:cs typeface="Radikal WUT" charset="0"/>
               </a:rPr>
               <a:pPr/>
-              <a:t>14</a:t>
+              <a:t>16</a:t>
             </a:fld>
             <a:endParaRPr lang="pl-PL" sz="4000" dirty="0">
               <a:solidFill>
@@ -6701,7 +7337,7 @@
 </p:sld>
 </file>
 
-<file path=ppt/slides/slide15.xml><?xml version="1.0" encoding="utf-8"?>
+<file path=ppt/slides/slide17.xml><?xml version="1.0" encoding="utf-8"?>
 <p:sld xmlns:a="http://schemas.openxmlformats.org/drawingml/2006/main" xmlns:r="http://schemas.openxmlformats.org/officeDocument/2006/relationships" xmlns:p="http://schemas.openxmlformats.org/presentationml/2006/main">
   <p:cSld>
     <p:spTree>
@@ -6819,7 +7455,7 @@
                 <a:cs typeface="Radikal WUT" charset="0"/>
               </a:rPr>
               <a:pPr/>
-              <a:t>15</a:t>
+              <a:t>17</a:t>
             </a:fld>
             <a:endParaRPr lang="pl-PL" sz="4000" dirty="0">
               <a:solidFill>
@@ -7383,7 +8019,7 @@
 </p:sld>
 </file>
 
-<file path=ppt/slides/slide16.xml><?xml version="1.0" encoding="utf-8"?>
+<file path=ppt/slides/slide18.xml><?xml version="1.0" encoding="utf-8"?>
 <p:sld xmlns:a="http://schemas.openxmlformats.org/drawingml/2006/main" xmlns:r="http://schemas.openxmlformats.org/officeDocument/2006/relationships" xmlns:p="http://schemas.openxmlformats.org/presentationml/2006/main">
   <p:cSld>
     <p:spTree>
@@ -7471,7 +8107,7 @@
                 <a:cs typeface="Radikal WUT" charset="0"/>
               </a:rPr>
               <a:pPr/>
-              <a:t>16</a:t>
+              <a:t>18</a:t>
             </a:fld>
             <a:endParaRPr lang="pl-PL" sz="4000" dirty="0">
               <a:solidFill>
@@ -7557,7 +8193,7 @@
 </p:sld>
 </file>
 
-<file path=ppt/slides/slide17.xml><?xml version="1.0" encoding="utf-8"?>
+<file path=ppt/slides/slide19.xml><?xml version="1.0" encoding="utf-8"?>
 <p:sld xmlns:a="http://schemas.openxmlformats.org/drawingml/2006/main" xmlns:r="http://schemas.openxmlformats.org/officeDocument/2006/relationships" xmlns:p="http://schemas.openxmlformats.org/presentationml/2006/main">
   <p:cSld>
     <p:spTree>
@@ -7645,7 +8281,7 @@
                 <a:cs typeface="Radikal WUT" charset="0"/>
               </a:rPr>
               <a:pPr/>
-              <a:t>17</a:t>
+              <a:t>19</a:t>
             </a:fld>
             <a:endParaRPr lang="pl-PL" sz="4000" dirty="0">
               <a:solidFill>
@@ -7722,1036 +8358,6 @@
     <p:extLst>
       <p:ext uri="{BB962C8B-B14F-4D97-AF65-F5344CB8AC3E}">
         <p14:creationId xmlns:p14="http://schemas.microsoft.com/office/powerpoint/2010/main" val="977048733"/>
-      </p:ext>
-    </p:extLst>
-  </p:cSld>
-  <p:clrMapOvr>
-    <a:masterClrMapping/>
-  </p:clrMapOvr>
-</p:sld>
-</file>
-
-<file path=ppt/slides/slide18.xml><?xml version="1.0" encoding="utf-8"?>
-<p:sld xmlns:a="http://schemas.openxmlformats.org/drawingml/2006/main" xmlns:r="http://schemas.openxmlformats.org/officeDocument/2006/relationships" xmlns:p="http://schemas.openxmlformats.org/presentationml/2006/main">
-  <p:cSld>
-    <p:bg>
-      <p:bgPr>
-        <a:solidFill>
-          <a:schemeClr val="bg1"/>
-        </a:solidFill>
-        <a:effectLst/>
-      </p:bgPr>
-    </p:bg>
-    <p:spTree>
-      <p:nvGrpSpPr>
-        <p:cNvPr id="1" name=""/>
-        <p:cNvGrpSpPr/>
-        <p:nvPr/>
-      </p:nvGrpSpPr>
-      <p:grpSpPr>
-        <a:xfrm>
-          <a:off x="0" y="0"/>
-          <a:ext cx="0" cy="0"/>
-          <a:chOff x="0" y="0"/>
-          <a:chExt cx="0" cy="0"/>
-        </a:xfrm>
-      </p:grpSpPr>
-      <p:sp>
-        <p:nvSpPr>
-          <p:cNvPr id="14" name="Rectangle 13">
-            <a:extLst>
-              <a:ext uri="{FF2B5EF4-FFF2-40B4-BE49-F238E27FC236}">
-                <a16:creationId xmlns:a16="http://schemas.microsoft.com/office/drawing/2014/main" id="{8D70B121-56F4-4848-B38B-182089D909FA}"/>
-              </a:ext>
-              <a:ext uri="{C183D7F6-B498-43B3-948B-1728B52AA6E4}">
-                <adec:decorative xmlns:adec="http://schemas.microsoft.com/office/drawing/2017/decorative" val="1"/>
-              </a:ext>
-            </a:extLst>
-          </p:cNvPr>
-          <p:cNvSpPr>
-            <a:spLocks noGrp="1" noRot="1" noChangeAspect="1" noMove="1" noResize="1" noEditPoints="1" noAdjustHandles="1" noChangeArrowheads="1" noChangeShapeType="1" noTextEdit="1"/>
-          </p:cNvSpPr>
-          <p:nvPr>
-            <p:extLst>
-              <p:ext uri="{386F3935-93C4-4BCD-93E2-E3B085C9AB24}">
-                <p16:designElem xmlns:p16="http://schemas.microsoft.com/office/powerpoint/2015/main" val="1"/>
-              </p:ext>
-            </p:extLst>
-          </p:nvPr>
-        </p:nvSpPr>
-        <p:spPr bwMode="ltGray">
-          <a:xfrm>
-            <a:off x="321564" y="320040"/>
-            <a:ext cx="11548872" cy="6217920"/>
-          </a:xfrm>
-          <a:prstGeom prst="rect">
-            <a:avLst/>
-          </a:prstGeom>
-          <a:solidFill>
-            <a:schemeClr val="tx1">
-              <a:alpha val="8000"/>
-            </a:schemeClr>
-          </a:solidFill>
-          <a:ln w="127000" cap="sq" cmpd="thinThick">
-            <a:noFill/>
-          </a:ln>
-        </p:spPr>
-        <p:style>
-          <a:lnRef idx="2">
-            <a:schemeClr val="accent1">
-              <a:shade val="50000"/>
-            </a:schemeClr>
-          </a:lnRef>
-          <a:fillRef idx="1">
-            <a:schemeClr val="accent1"/>
-          </a:fillRef>
-          <a:effectRef idx="0">
-            <a:schemeClr val="accent1"/>
-          </a:effectRef>
-          <a:fontRef idx="minor">
-            <a:schemeClr val="lt1"/>
-          </a:fontRef>
-        </p:style>
-        <p:txBody>
-          <a:bodyPr rtlCol="0" anchor="ctr"/>
-          <a:lstStyle/>
-          <a:p>
-            <a:pPr algn="ctr"/>
-            <a:endParaRPr lang="en-US"/>
-          </a:p>
-        </p:txBody>
-      </p:sp>
-      <p:sp>
-        <p:nvSpPr>
-          <p:cNvPr id="3" name="PoleTekstowe 2"/>
-          <p:cNvSpPr txBox="1"/>
-          <p:nvPr/>
-        </p:nvSpPr>
-        <p:spPr>
-          <a:xfrm>
-            <a:off x="838200" y="963877"/>
-            <a:ext cx="3494362" cy="4930246"/>
-          </a:xfrm>
-          <a:prstGeom prst="rect">
-            <a:avLst/>
-          </a:prstGeom>
-        </p:spPr>
-        <p:txBody>
-          <a:bodyPr vert="horz" lIns="91440" tIns="45720" rIns="91440" bIns="45720" rtlCol="0" anchor="ctr">
-            <a:normAutofit/>
-          </a:bodyPr>
-          <a:lstStyle/>
-          <a:p>
-            <a:pPr algn="r">
-              <a:lnSpc>
-                <a:spcPct val="90000"/>
-              </a:lnSpc>
-              <a:spcBef>
-                <a:spcPct val="0"/>
-              </a:spcBef>
-              <a:spcAft>
-                <a:spcPts val="600"/>
-              </a:spcAft>
-            </a:pPr>
-            <a:r>
-              <a:rPr lang="en-US" sz="4400" kern="1200">
-                <a:solidFill>
-                  <a:schemeClr val="accent1"/>
-                </a:solidFill>
-                <a:latin typeface="+mj-lt"/>
-                <a:ea typeface="+mj-ea"/>
-                <a:cs typeface="+mj-cs"/>
-              </a:rPr>
-              <a:t>Wnioski i uwagi</a:t>
-            </a:r>
-          </a:p>
-        </p:txBody>
-      </p:sp>
-      <p:cxnSp>
-        <p:nvCxnSpPr>
-          <p:cNvPr id="26" name="Straight Connector 15">
-            <a:extLst>
-              <a:ext uri="{FF2B5EF4-FFF2-40B4-BE49-F238E27FC236}">
-                <a16:creationId xmlns:a16="http://schemas.microsoft.com/office/drawing/2014/main" id="{2D72A2C9-F3CA-4216-8BAD-FA4C970C3C4E}"/>
-              </a:ext>
-              <a:ext uri="{C183D7F6-B498-43B3-948B-1728B52AA6E4}">
-                <adec:decorative xmlns:adec="http://schemas.microsoft.com/office/drawing/2017/decorative" val="1"/>
-              </a:ext>
-            </a:extLst>
-          </p:cNvPr>
-          <p:cNvCxnSpPr>
-            <a:cxnSpLocks noGrp="1" noRot="1" noChangeAspect="1" noMove="1" noResize="1" noEditPoints="1" noAdjustHandles="1" noChangeArrowheads="1" noChangeShapeType="1"/>
-          </p:cNvCxnSpPr>
-          <p:nvPr>
-            <p:extLst>
-              <p:ext uri="{386F3935-93C4-4BCD-93E2-E3B085C9AB24}">
-                <p16:designElem xmlns:p16="http://schemas.microsoft.com/office/powerpoint/2015/main" val="1"/>
-              </p:ext>
-            </p:extLst>
-          </p:nvPr>
-        </p:nvCxnSpPr>
-        <p:spPr>
-          <a:xfrm>
-            <a:off x="4654296" y="2057400"/>
-            <a:ext cx="0" cy="2743200"/>
-          </a:xfrm>
-          <a:prstGeom prst="line">
-            <a:avLst/>
-          </a:prstGeom>
-          <a:ln w="19050">
-            <a:solidFill>
-              <a:schemeClr val="tx1">
-                <a:lumMod val="85000"/>
-                <a:lumOff val="15000"/>
-              </a:schemeClr>
-            </a:solidFill>
-          </a:ln>
-        </p:spPr>
-        <p:style>
-          <a:lnRef idx="1">
-            <a:schemeClr val="accent1"/>
-          </a:lnRef>
-          <a:fillRef idx="0">
-            <a:schemeClr val="accent1"/>
-          </a:fillRef>
-          <a:effectRef idx="0">
-            <a:schemeClr val="accent1"/>
-          </a:effectRef>
-          <a:fontRef idx="minor">
-            <a:schemeClr val="tx1"/>
-          </a:fontRef>
-        </p:style>
-      </p:cxnSp>
-      <p:sp>
-        <p:nvSpPr>
-          <p:cNvPr id="27" name="pole tekstowe 8">
-            <a:extLst>
-              <a:ext uri="{FF2B5EF4-FFF2-40B4-BE49-F238E27FC236}">
-                <a16:creationId xmlns:a16="http://schemas.microsoft.com/office/drawing/2014/main" id="{61A7C4D0-6BFB-4FD3-950B-9C0E903D40F4}"/>
-              </a:ext>
-            </a:extLst>
-          </p:cNvPr>
-          <p:cNvSpPr txBox="1"/>
-          <p:nvPr/>
-        </p:nvSpPr>
-        <p:spPr>
-          <a:xfrm>
-            <a:off x="4976031" y="963877"/>
-            <a:ext cx="6377769" cy="4930246"/>
-          </a:xfrm>
-          <a:prstGeom prst="rect">
-            <a:avLst/>
-          </a:prstGeom>
-        </p:spPr>
-        <p:txBody>
-          <a:bodyPr vert="horz" lIns="91440" tIns="45720" rIns="91440" bIns="45720" rtlCol="0" anchor="ctr">
-            <a:normAutofit/>
-          </a:bodyPr>
-          <a:lstStyle/>
-          <a:p>
-            <a:pPr marL="742950" lvl="1" indent="-228600">
-              <a:lnSpc>
-                <a:spcPct val="90000"/>
-              </a:lnSpc>
-              <a:spcAft>
-                <a:spcPts val="600"/>
-              </a:spcAft>
-              <a:buFont typeface="Arial" panose="020B0604020202020204" pitchFamily="34" charset="0"/>
-              <a:buChar char="•"/>
-            </a:pPr>
-            <a:r>
-              <a:rPr lang="pl-PL" sz="2400" dirty="0"/>
-              <a:t>Wyniki są bardzo zadowalające i pozwalają na wypracowanie zadowalających zysków na giełdzie.</a:t>
-            </a:r>
-          </a:p>
-          <a:p>
-            <a:pPr marL="742950" lvl="1" indent="-228600">
-              <a:lnSpc>
-                <a:spcPct val="90000"/>
-              </a:lnSpc>
-              <a:spcAft>
-                <a:spcPts val="600"/>
-              </a:spcAft>
-              <a:buFont typeface="Arial" panose="020B0604020202020204" pitchFamily="34" charset="0"/>
-              <a:buChar char="•"/>
-            </a:pPr>
-            <a:r>
-              <a:rPr lang="pl-PL" sz="2400" dirty="0"/>
-              <a:t>Nie wszystkie modele są w stanie przewidywać trendy giełdowe. Model lasu losowego oraz model SVM nie były w stanie dać dużo lepszych predykcji od klasyfikatora losowego.</a:t>
-            </a:r>
-          </a:p>
-          <a:p>
-            <a:pPr marL="742950" lvl="1" indent="-228600">
-              <a:lnSpc>
-                <a:spcPct val="90000"/>
-              </a:lnSpc>
-              <a:spcAft>
-                <a:spcPts val="600"/>
-              </a:spcAft>
-              <a:buFont typeface="Arial" panose="020B0604020202020204" pitchFamily="34" charset="0"/>
-              <a:buChar char="•"/>
-            </a:pPr>
-            <a:r>
-              <a:rPr lang="pl-PL" sz="2400" dirty="0"/>
-              <a:t>Badania w pracy zostały oparte w uproszczony model giełdy, nie uwzględniający wszystkich czynników mających wpływ na handel.</a:t>
-            </a:r>
-          </a:p>
-          <a:p>
-            <a:pPr marL="742950" lvl="1" indent="-228600">
-              <a:lnSpc>
-                <a:spcPct val="90000"/>
-              </a:lnSpc>
-              <a:spcAft>
-                <a:spcPts val="600"/>
-              </a:spcAft>
-              <a:buFont typeface="Arial" panose="020B0604020202020204" pitchFamily="34" charset="0"/>
-              <a:buChar char="•"/>
-            </a:pPr>
-            <a:endParaRPr lang="pl-PL" sz="2400" dirty="0"/>
-          </a:p>
-        </p:txBody>
-      </p:sp>
-      <p:sp>
-        <p:nvSpPr>
-          <p:cNvPr id="5" name="Symbol zastępczy numeru slajdu 4"/>
-          <p:cNvSpPr>
-            <a:spLocks noGrp="1"/>
-          </p:cNvSpPr>
-          <p:nvPr>
-            <p:ph type="sldNum" sz="quarter" idx="12"/>
-          </p:nvPr>
-        </p:nvSpPr>
-        <p:spPr>
-          <a:xfrm>
-            <a:off x="10571516" y="6033479"/>
-            <a:ext cx="782283" cy="365125"/>
-          </a:xfrm>
-        </p:spPr>
-        <p:txBody>
-          <a:bodyPr vert="horz" lIns="91440" tIns="45720" rIns="91440" bIns="45720" rtlCol="0" anchor="ctr">
-            <a:normAutofit/>
-          </a:bodyPr>
-          <a:lstStyle/>
-          <a:p>
-            <a:pPr>
-              <a:spcAft>
-                <a:spcPts val="600"/>
-              </a:spcAft>
-            </a:pPr>
-            <a:fld id="{F35BE31D-8307-A84B-9D2D-2944E6584EB9}" type="slidenum">
-              <a:rPr lang="en-US" sz="1050">
-                <a:solidFill>
-                  <a:schemeClr val="tx1">
-                    <a:alpha val="80000"/>
-                  </a:schemeClr>
-                </a:solidFill>
-              </a:rPr>
-              <a:pPr>
-                <a:spcAft>
-                  <a:spcPts val="600"/>
-                </a:spcAft>
-              </a:pPr>
-              <a:t>18</a:t>
-            </a:fld>
-            <a:endParaRPr lang="en-US" sz="1050">
-              <a:solidFill>
-                <a:schemeClr val="tx1">
-                  <a:alpha val="80000"/>
-                </a:schemeClr>
-              </a:solidFill>
-            </a:endParaRPr>
-          </a:p>
-        </p:txBody>
-      </p:sp>
-    </p:spTree>
-    <p:extLst>
-      <p:ext uri="{BB962C8B-B14F-4D97-AF65-F5344CB8AC3E}">
-        <p14:creationId xmlns:p14="http://schemas.microsoft.com/office/powerpoint/2010/main" val="2563505106"/>
-      </p:ext>
-    </p:extLst>
-  </p:cSld>
-  <p:clrMapOvr>
-    <a:masterClrMapping/>
-  </p:clrMapOvr>
-</p:sld>
-</file>
-
-<file path=ppt/slides/slide19.xml><?xml version="1.0" encoding="utf-8"?>
-<p:sld xmlns:a="http://schemas.openxmlformats.org/drawingml/2006/main" xmlns:r="http://schemas.openxmlformats.org/officeDocument/2006/relationships" xmlns:p="http://schemas.openxmlformats.org/presentationml/2006/main">
-  <p:cSld>
-    <p:bg>
-      <p:bgPr>
-        <a:solidFill>
-          <a:schemeClr val="bg1"/>
-        </a:solidFill>
-        <a:effectLst/>
-      </p:bgPr>
-    </p:bg>
-    <p:spTree>
-      <p:nvGrpSpPr>
-        <p:cNvPr id="1" name=""/>
-        <p:cNvGrpSpPr/>
-        <p:nvPr/>
-      </p:nvGrpSpPr>
-      <p:grpSpPr>
-        <a:xfrm>
-          <a:off x="0" y="0"/>
-          <a:ext cx="0" cy="0"/>
-          <a:chOff x="0" y="0"/>
-          <a:chExt cx="0" cy="0"/>
-        </a:xfrm>
-      </p:grpSpPr>
-      <p:sp>
-        <p:nvSpPr>
-          <p:cNvPr id="13" name="Rectangle 12">
-            <a:extLst>
-              <a:ext uri="{FF2B5EF4-FFF2-40B4-BE49-F238E27FC236}">
-                <a16:creationId xmlns:a16="http://schemas.microsoft.com/office/drawing/2014/main" id="{8D70B121-56F4-4848-B38B-182089D909FA}"/>
-              </a:ext>
-              <a:ext uri="{C183D7F6-B498-43B3-948B-1728B52AA6E4}">
-                <adec:decorative xmlns:adec="http://schemas.microsoft.com/office/drawing/2017/decorative" val="1"/>
-              </a:ext>
-            </a:extLst>
-          </p:cNvPr>
-          <p:cNvSpPr>
-            <a:spLocks noGrp="1" noRot="1" noChangeAspect="1" noMove="1" noResize="1" noEditPoints="1" noAdjustHandles="1" noChangeArrowheads="1" noChangeShapeType="1" noTextEdit="1"/>
-          </p:cNvSpPr>
-          <p:nvPr>
-            <p:extLst>
-              <p:ext uri="{386F3935-93C4-4BCD-93E2-E3B085C9AB24}">
-                <p16:designElem xmlns:p16="http://schemas.microsoft.com/office/powerpoint/2015/main" val="1"/>
-              </p:ext>
-            </p:extLst>
-          </p:nvPr>
-        </p:nvSpPr>
-        <p:spPr bwMode="ltGray">
-          <a:xfrm>
-            <a:off x="321564" y="320040"/>
-            <a:ext cx="11548872" cy="6217920"/>
-          </a:xfrm>
-          <a:prstGeom prst="rect">
-            <a:avLst/>
-          </a:prstGeom>
-          <a:solidFill>
-            <a:schemeClr val="tx1">
-              <a:alpha val="8000"/>
-            </a:schemeClr>
-          </a:solidFill>
-          <a:ln w="127000" cap="sq" cmpd="thinThick">
-            <a:noFill/>
-          </a:ln>
-        </p:spPr>
-        <p:style>
-          <a:lnRef idx="2">
-            <a:schemeClr val="accent1">
-              <a:shade val="50000"/>
-            </a:schemeClr>
-          </a:lnRef>
-          <a:fillRef idx="1">
-            <a:schemeClr val="accent1"/>
-          </a:fillRef>
-          <a:effectRef idx="0">
-            <a:schemeClr val="accent1"/>
-          </a:effectRef>
-          <a:fontRef idx="minor">
-            <a:schemeClr val="lt1"/>
-          </a:fontRef>
-        </p:style>
-        <p:txBody>
-          <a:bodyPr rtlCol="0" anchor="ctr"/>
-          <a:lstStyle/>
-          <a:p>
-            <a:pPr algn="ctr"/>
-            <a:endParaRPr lang="en-US"/>
-          </a:p>
-        </p:txBody>
-      </p:sp>
-      <p:sp>
-        <p:nvSpPr>
-          <p:cNvPr id="3" name="PoleTekstowe 2"/>
-          <p:cNvSpPr txBox="1"/>
-          <p:nvPr/>
-        </p:nvSpPr>
-        <p:spPr>
-          <a:xfrm>
-            <a:off x="838200" y="963877"/>
-            <a:ext cx="3494362" cy="4930246"/>
-          </a:xfrm>
-          <a:prstGeom prst="rect">
-            <a:avLst/>
-          </a:prstGeom>
-        </p:spPr>
-        <p:txBody>
-          <a:bodyPr vert="horz" lIns="91440" tIns="45720" rIns="91440" bIns="45720" rtlCol="0" anchor="ctr">
-            <a:normAutofit/>
-          </a:bodyPr>
-          <a:lstStyle/>
-          <a:p>
-            <a:pPr algn="r">
-              <a:lnSpc>
-                <a:spcPct val="90000"/>
-              </a:lnSpc>
-              <a:spcBef>
-                <a:spcPct val="0"/>
-              </a:spcBef>
-              <a:spcAft>
-                <a:spcPts val="600"/>
-              </a:spcAft>
-            </a:pPr>
-            <a:r>
-              <a:rPr lang="en-US" sz="4400" kern="1200" dirty="0" err="1">
-                <a:solidFill>
-                  <a:schemeClr val="accent1"/>
-                </a:solidFill>
-                <a:latin typeface="+mj-lt"/>
-                <a:ea typeface="+mj-ea"/>
-                <a:cs typeface="+mj-cs"/>
-              </a:rPr>
-              <a:t>Kierunki</a:t>
-            </a:r>
-            <a:r>
-              <a:rPr lang="en-US" sz="4400" kern="1200" dirty="0">
-                <a:solidFill>
-                  <a:schemeClr val="accent1"/>
-                </a:solidFill>
-                <a:latin typeface="+mj-lt"/>
-                <a:ea typeface="+mj-ea"/>
-                <a:cs typeface="+mj-cs"/>
-              </a:rPr>
-              <a:t> </a:t>
-            </a:r>
-            <a:r>
-              <a:rPr lang="en-US" sz="4400" kern="1200" dirty="0" err="1">
-                <a:solidFill>
-                  <a:schemeClr val="accent1"/>
-                </a:solidFill>
-                <a:latin typeface="+mj-lt"/>
-                <a:ea typeface="+mj-ea"/>
-                <a:cs typeface="+mj-cs"/>
-              </a:rPr>
-              <a:t>dalszych</a:t>
-            </a:r>
-            <a:r>
-              <a:rPr lang="en-US" sz="4400" kern="1200" dirty="0">
-                <a:solidFill>
-                  <a:schemeClr val="accent1"/>
-                </a:solidFill>
-                <a:latin typeface="+mj-lt"/>
-                <a:ea typeface="+mj-ea"/>
-                <a:cs typeface="+mj-cs"/>
-              </a:rPr>
-              <a:t> </a:t>
-            </a:r>
-            <a:r>
-              <a:rPr lang="en-US" sz="4400" kern="1200" dirty="0" err="1">
-                <a:solidFill>
-                  <a:schemeClr val="accent1"/>
-                </a:solidFill>
-                <a:latin typeface="+mj-lt"/>
-                <a:ea typeface="+mj-ea"/>
-                <a:cs typeface="+mj-cs"/>
-              </a:rPr>
-              <a:t>badań</a:t>
-            </a:r>
-            <a:endParaRPr lang="en-US" sz="4400" kern="1200" dirty="0">
-              <a:solidFill>
-                <a:schemeClr val="accent1"/>
-              </a:solidFill>
-              <a:latin typeface="+mj-lt"/>
-              <a:ea typeface="+mj-ea"/>
-              <a:cs typeface="+mj-cs"/>
-            </a:endParaRPr>
-          </a:p>
-        </p:txBody>
-      </p:sp>
-      <p:cxnSp>
-        <p:nvCxnSpPr>
-          <p:cNvPr id="15" name="Straight Connector 14">
-            <a:extLst>
-              <a:ext uri="{FF2B5EF4-FFF2-40B4-BE49-F238E27FC236}">
-                <a16:creationId xmlns:a16="http://schemas.microsoft.com/office/drawing/2014/main" id="{2D72A2C9-F3CA-4216-8BAD-FA4C970C3C4E}"/>
-              </a:ext>
-              <a:ext uri="{C183D7F6-B498-43B3-948B-1728B52AA6E4}">
-                <adec:decorative xmlns:adec="http://schemas.microsoft.com/office/drawing/2017/decorative" val="1"/>
-              </a:ext>
-            </a:extLst>
-          </p:cNvPr>
-          <p:cNvCxnSpPr>
-            <a:cxnSpLocks noGrp="1" noRot="1" noChangeAspect="1" noMove="1" noResize="1" noEditPoints="1" noAdjustHandles="1" noChangeArrowheads="1" noChangeShapeType="1"/>
-          </p:cNvCxnSpPr>
-          <p:nvPr>
-            <p:extLst>
-              <p:ext uri="{386F3935-93C4-4BCD-93E2-E3B085C9AB24}">
-                <p16:designElem xmlns:p16="http://schemas.microsoft.com/office/powerpoint/2015/main" val="1"/>
-              </p:ext>
-            </p:extLst>
-          </p:nvPr>
-        </p:nvCxnSpPr>
-        <p:spPr>
-          <a:xfrm>
-            <a:off x="4654296" y="2057400"/>
-            <a:ext cx="0" cy="2743200"/>
-          </a:xfrm>
-          <a:prstGeom prst="line">
-            <a:avLst/>
-          </a:prstGeom>
-          <a:ln w="19050">
-            <a:solidFill>
-              <a:schemeClr val="tx1">
-                <a:lumMod val="85000"/>
-                <a:lumOff val="15000"/>
-              </a:schemeClr>
-            </a:solidFill>
-          </a:ln>
-        </p:spPr>
-        <p:style>
-          <a:lnRef idx="1">
-            <a:schemeClr val="accent1"/>
-          </a:lnRef>
-          <a:fillRef idx="0">
-            <a:schemeClr val="accent1"/>
-          </a:fillRef>
-          <a:effectRef idx="0">
-            <a:schemeClr val="accent1"/>
-          </a:effectRef>
-          <a:fontRef idx="minor">
-            <a:schemeClr val="tx1"/>
-          </a:fontRef>
-        </p:style>
-      </p:cxnSp>
-      <p:sp>
-        <p:nvSpPr>
-          <p:cNvPr id="8" name="pole tekstowe 7">
-            <a:extLst>
-              <a:ext uri="{FF2B5EF4-FFF2-40B4-BE49-F238E27FC236}">
-                <a16:creationId xmlns:a16="http://schemas.microsoft.com/office/drawing/2014/main" id="{E3F29175-2F47-4A6F-AE1B-730D33DAB65B}"/>
-              </a:ext>
-            </a:extLst>
-          </p:cNvPr>
-          <p:cNvSpPr txBox="1"/>
-          <p:nvPr/>
-        </p:nvSpPr>
-        <p:spPr>
-          <a:xfrm>
-            <a:off x="4976031" y="963877"/>
-            <a:ext cx="6377769" cy="4930246"/>
-          </a:xfrm>
-          <a:prstGeom prst="rect">
-            <a:avLst/>
-          </a:prstGeom>
-        </p:spPr>
-        <p:txBody>
-          <a:bodyPr vert="horz" lIns="91440" tIns="45720" rIns="91440" bIns="45720" rtlCol="0" anchor="ctr">
-            <a:normAutofit/>
-          </a:bodyPr>
-          <a:lstStyle/>
-          <a:p>
-            <a:pPr marL="742950" lvl="1" indent="-228600">
-              <a:lnSpc>
-                <a:spcPct val="90000"/>
-              </a:lnSpc>
-              <a:spcAft>
-                <a:spcPts val="600"/>
-              </a:spcAft>
-              <a:buFont typeface="Arial" panose="020B0604020202020204" pitchFamily="34" charset="0"/>
-              <a:buChar char="•"/>
-            </a:pPr>
-            <a:r>
-              <a:rPr lang="pl-PL" sz="2400" dirty="0"/>
-              <a:t>R</a:t>
-            </a:r>
-            <a:r>
-              <a:rPr lang="en-US" sz="2400" dirty="0" err="1"/>
-              <a:t>ozwinięcie</a:t>
-            </a:r>
-            <a:r>
-              <a:rPr lang="en-US" sz="2400" dirty="0"/>
-              <a:t> </a:t>
-            </a:r>
-            <a:r>
-              <a:rPr lang="en-US" sz="2400" dirty="0" err="1"/>
-              <a:t>algorytmu</a:t>
-            </a:r>
-            <a:r>
-              <a:rPr lang="en-US" sz="2400" dirty="0"/>
-              <a:t> </a:t>
-            </a:r>
-            <a:r>
-              <a:rPr lang="en-US" sz="2400" dirty="0" err="1"/>
-              <a:t>handlującego</a:t>
-            </a:r>
-            <a:r>
-              <a:rPr lang="en-US" sz="2400" dirty="0"/>
-              <a:t> o </a:t>
-            </a:r>
-            <a:r>
-              <a:rPr lang="en-US" sz="2400" dirty="0" err="1"/>
-              <a:t>metody</a:t>
-            </a:r>
-            <a:r>
-              <a:rPr lang="en-US" sz="2400" dirty="0"/>
-              <a:t>  </a:t>
-            </a:r>
-            <a:r>
-              <a:rPr lang="en-US" sz="2400" dirty="0" err="1"/>
-              <a:t>zarządzania</a:t>
-            </a:r>
-            <a:r>
-              <a:rPr lang="en-US" sz="2400" dirty="0"/>
-              <a:t> </a:t>
-            </a:r>
-            <a:r>
-              <a:rPr lang="en-US" sz="2400" dirty="0" err="1"/>
-              <a:t>portfelem</a:t>
-            </a:r>
-            <a:r>
-              <a:rPr lang="en-US" sz="2400" dirty="0"/>
-              <a:t> np. stop loss</a:t>
-            </a:r>
-            <a:r>
-              <a:rPr lang="pl-PL" sz="2400" dirty="0"/>
-              <a:t>.</a:t>
-            </a:r>
-            <a:endParaRPr lang="en-US" sz="2400" dirty="0"/>
-          </a:p>
-          <a:p>
-            <a:pPr marL="742950" lvl="1" indent="-228600">
-              <a:lnSpc>
-                <a:spcPct val="90000"/>
-              </a:lnSpc>
-              <a:spcAft>
-                <a:spcPts val="600"/>
-              </a:spcAft>
-              <a:buFont typeface="Arial" panose="020B0604020202020204" pitchFamily="34" charset="0"/>
-              <a:buChar char="•"/>
-            </a:pPr>
-            <a:r>
-              <a:rPr lang="pl-PL" sz="2400" dirty="0"/>
-              <a:t>R</a:t>
-            </a:r>
-            <a:r>
-              <a:rPr lang="en-US" sz="2400" dirty="0" err="1"/>
-              <a:t>ozszerzenie</a:t>
-            </a:r>
-            <a:r>
-              <a:rPr lang="en-US" sz="2400" dirty="0"/>
-              <a:t> </a:t>
-            </a:r>
-            <a:r>
-              <a:rPr lang="en-US" sz="2400" dirty="0" err="1"/>
-              <a:t>pracy</a:t>
-            </a:r>
-            <a:r>
-              <a:rPr lang="en-US" sz="2400" dirty="0"/>
-              <a:t> o </a:t>
-            </a:r>
-            <a:r>
-              <a:rPr lang="en-US" sz="2400" dirty="0" err="1"/>
-              <a:t>zagadnienia</a:t>
-            </a:r>
-            <a:r>
-              <a:rPr lang="en-US" sz="2400" dirty="0"/>
-              <a:t> </a:t>
-            </a:r>
-            <a:r>
-              <a:rPr lang="en-US" sz="2400" dirty="0" err="1"/>
-              <a:t>ograniczania</a:t>
-            </a:r>
-            <a:r>
-              <a:rPr lang="en-US" sz="2400" dirty="0"/>
-              <a:t> </a:t>
-            </a:r>
-            <a:r>
-              <a:rPr lang="en-US" sz="2400" dirty="0" err="1"/>
-              <a:t>ryzyka</a:t>
-            </a:r>
-            <a:r>
-              <a:rPr lang="pl-PL" sz="2400" dirty="0"/>
-              <a:t>.</a:t>
-            </a:r>
-            <a:endParaRPr lang="en-US" sz="2400" dirty="0"/>
-          </a:p>
-          <a:p>
-            <a:pPr marL="742950" lvl="1" indent="-228600">
-              <a:lnSpc>
-                <a:spcPct val="90000"/>
-              </a:lnSpc>
-              <a:spcAft>
-                <a:spcPts val="600"/>
-              </a:spcAft>
-              <a:buFont typeface="Arial" panose="020B0604020202020204" pitchFamily="34" charset="0"/>
-              <a:buChar char="•"/>
-            </a:pPr>
-            <a:r>
-              <a:rPr lang="pl-PL" sz="2400" dirty="0"/>
-              <a:t>P</a:t>
-            </a:r>
-            <a:r>
-              <a:rPr lang="en-US" sz="2400" dirty="0" err="1"/>
-              <a:t>raca</a:t>
-            </a:r>
-            <a:r>
-              <a:rPr lang="en-US" sz="2400" dirty="0"/>
-              <a:t> </a:t>
-            </a:r>
-            <a:r>
-              <a:rPr lang="en-US" sz="2400" dirty="0" err="1"/>
-              <a:t>nad</a:t>
-            </a:r>
-            <a:r>
-              <a:rPr lang="en-US" sz="2400" dirty="0"/>
-              <a:t> </a:t>
-            </a:r>
-            <a:r>
-              <a:rPr lang="en-US" sz="2400" dirty="0" err="1"/>
-              <a:t>lepszym</a:t>
-            </a:r>
-            <a:r>
-              <a:rPr lang="en-US" sz="2400" dirty="0"/>
-              <a:t> </a:t>
-            </a:r>
-            <a:r>
-              <a:rPr lang="en-US" sz="2400" dirty="0" err="1"/>
-              <a:t>doborem</a:t>
-            </a:r>
-            <a:r>
-              <a:rPr lang="en-US" sz="2400" dirty="0"/>
-              <a:t> </a:t>
-            </a:r>
-            <a:r>
-              <a:rPr lang="en-US" sz="2400" dirty="0" err="1"/>
-              <a:t>spółek</a:t>
-            </a:r>
-            <a:r>
-              <a:rPr lang="en-US" sz="2400" dirty="0"/>
-              <a:t> </a:t>
-            </a:r>
-            <a:r>
-              <a:rPr lang="en-US" sz="2400" dirty="0" err="1"/>
-              <a:t>giełdowych</a:t>
-            </a:r>
-            <a:r>
-              <a:rPr lang="pl-PL" sz="2400" dirty="0"/>
-              <a:t>.</a:t>
-            </a:r>
-            <a:endParaRPr lang="en-US" sz="2400" dirty="0"/>
-          </a:p>
-          <a:p>
-            <a:pPr marL="742950" lvl="1" indent="-228600">
-              <a:lnSpc>
-                <a:spcPct val="90000"/>
-              </a:lnSpc>
-              <a:spcAft>
-                <a:spcPts val="600"/>
-              </a:spcAft>
-              <a:buFont typeface="Arial" panose="020B0604020202020204" pitchFamily="34" charset="0"/>
-              <a:buChar char="•"/>
-            </a:pPr>
-            <a:r>
-              <a:rPr lang="pl-PL" sz="2400" dirty="0"/>
-              <a:t>A</a:t>
-            </a:r>
-            <a:r>
-              <a:rPr lang="en-US" sz="2400" dirty="0" err="1"/>
-              <a:t>naliza</a:t>
-            </a:r>
-            <a:r>
-              <a:rPr lang="en-US" sz="2400" dirty="0"/>
-              <a:t> </a:t>
-            </a:r>
-            <a:r>
-              <a:rPr lang="en-US" sz="2400" dirty="0" err="1"/>
-              <a:t>doboru</a:t>
-            </a:r>
-            <a:r>
-              <a:rPr lang="en-US" sz="2400" dirty="0"/>
-              <a:t> </a:t>
-            </a:r>
-            <a:r>
-              <a:rPr lang="en-US" sz="2400" dirty="0" err="1"/>
-              <a:t>progu</a:t>
-            </a:r>
-            <a:r>
-              <a:rPr lang="en-US" sz="2400" dirty="0"/>
-              <a:t> </a:t>
-            </a:r>
-            <a:r>
-              <a:rPr lang="en-US" sz="2400" dirty="0" err="1"/>
-              <a:t>dla</a:t>
-            </a:r>
-            <a:r>
-              <a:rPr lang="en-US" sz="2400" dirty="0"/>
-              <a:t> </a:t>
-            </a:r>
-            <a:r>
-              <a:rPr lang="en-US" sz="2400" dirty="0" err="1"/>
-              <a:t>klasy</a:t>
-            </a:r>
-            <a:r>
-              <a:rPr lang="en-US" sz="2400" dirty="0"/>
-              <a:t> </a:t>
-            </a:r>
-            <a:r>
-              <a:rPr lang="en-US" sz="2400" dirty="0" err="1"/>
-              <a:t>utrzymania</a:t>
-            </a:r>
-            <a:r>
-              <a:rPr lang="pl-PL" sz="2400" dirty="0"/>
-              <a:t>.</a:t>
-            </a:r>
-            <a:endParaRPr lang="en-US" sz="2400" dirty="0"/>
-          </a:p>
-          <a:p>
-            <a:pPr marL="742950" lvl="1" indent="-228600">
-              <a:lnSpc>
-                <a:spcPct val="90000"/>
-              </a:lnSpc>
-              <a:spcAft>
-                <a:spcPts val="600"/>
-              </a:spcAft>
-              <a:buFont typeface="Arial" panose="020B0604020202020204" pitchFamily="34" charset="0"/>
-              <a:buChar char="•"/>
-            </a:pPr>
-            <a:r>
-              <a:rPr lang="pl-PL" sz="2400" dirty="0"/>
-              <a:t>A</a:t>
-            </a:r>
-            <a:r>
-              <a:rPr lang="en-US" sz="2400" dirty="0" err="1"/>
-              <a:t>naliza</a:t>
-            </a:r>
-            <a:r>
-              <a:rPr lang="en-US" sz="2400" dirty="0"/>
-              <a:t> </a:t>
-            </a:r>
-            <a:r>
-              <a:rPr lang="en-US" sz="2400" dirty="0" err="1"/>
-              <a:t>predykcji</a:t>
-            </a:r>
-            <a:r>
-              <a:rPr lang="en-US" sz="2400" dirty="0"/>
-              <a:t> w </a:t>
-            </a:r>
-            <a:r>
-              <a:rPr lang="en-US" sz="2400" dirty="0" err="1"/>
-              <a:t>innym</a:t>
-            </a:r>
-            <a:r>
-              <a:rPr lang="en-US" sz="2400" dirty="0"/>
-              <a:t> </a:t>
-            </a:r>
-            <a:r>
-              <a:rPr lang="en-US" sz="2400" dirty="0" err="1"/>
-              <a:t>przedziale</a:t>
-            </a:r>
-            <a:r>
-              <a:rPr lang="en-US" sz="2400" dirty="0"/>
-              <a:t> </a:t>
-            </a:r>
-            <a:r>
-              <a:rPr lang="en-US" sz="2400" dirty="0" err="1"/>
-              <a:t>czasowym</a:t>
-            </a:r>
-            <a:r>
-              <a:rPr lang="en-US" sz="2400" dirty="0"/>
-              <a:t> (np. </a:t>
-            </a:r>
-            <a:r>
-              <a:rPr lang="en-US" sz="2400" dirty="0" err="1"/>
-              <a:t>predykcja</a:t>
-            </a:r>
-            <a:r>
-              <a:rPr lang="en-US" sz="2400" dirty="0"/>
-              <a:t> </a:t>
-            </a:r>
-            <a:r>
-              <a:rPr lang="en-US" sz="2400" dirty="0" err="1"/>
-              <a:t>tygodniowa</a:t>
-            </a:r>
-            <a:r>
-              <a:rPr lang="pl-PL" sz="2400" dirty="0"/>
-              <a:t>.</a:t>
-            </a:r>
-            <a:endParaRPr lang="en-US" sz="2400" dirty="0"/>
-          </a:p>
-          <a:p>
-            <a:pPr marL="742950" lvl="1" indent="-228600">
-              <a:lnSpc>
-                <a:spcPct val="90000"/>
-              </a:lnSpc>
-              <a:spcAft>
-                <a:spcPts val="600"/>
-              </a:spcAft>
-              <a:buFont typeface="Arial" panose="020B0604020202020204" pitchFamily="34" charset="0"/>
-              <a:buChar char="•"/>
-            </a:pPr>
-            <a:r>
-              <a:rPr lang="pl-PL" sz="2400" dirty="0"/>
-              <a:t>Dalszy rozwój i ulepszanie klasyfikatorów</a:t>
-            </a:r>
-            <a:r>
-              <a:rPr lang="en-US" sz="2400" dirty="0"/>
-              <a:t>.</a:t>
-            </a:r>
-          </a:p>
-        </p:txBody>
-      </p:sp>
-      <p:sp>
-        <p:nvSpPr>
-          <p:cNvPr id="5" name="Symbol zastępczy numeru slajdu 4"/>
-          <p:cNvSpPr>
-            <a:spLocks noGrp="1"/>
-          </p:cNvSpPr>
-          <p:nvPr>
-            <p:ph type="sldNum" sz="quarter" idx="12"/>
-          </p:nvPr>
-        </p:nvSpPr>
-        <p:spPr>
-          <a:xfrm>
-            <a:off x="10571516" y="6033479"/>
-            <a:ext cx="782283" cy="365125"/>
-          </a:xfrm>
-        </p:spPr>
-        <p:txBody>
-          <a:bodyPr vert="horz" lIns="91440" tIns="45720" rIns="91440" bIns="45720" rtlCol="0" anchor="ctr">
-            <a:normAutofit/>
-          </a:bodyPr>
-          <a:lstStyle/>
-          <a:p>
-            <a:pPr>
-              <a:spcAft>
-                <a:spcPts val="600"/>
-              </a:spcAft>
-            </a:pPr>
-            <a:fld id="{F35BE31D-8307-A84B-9D2D-2944E6584EB9}" type="slidenum">
-              <a:rPr lang="en-US" sz="1050">
-                <a:solidFill>
-                  <a:schemeClr val="tx1">
-                    <a:alpha val="80000"/>
-                  </a:schemeClr>
-                </a:solidFill>
-              </a:rPr>
-              <a:pPr>
-                <a:spcAft>
-                  <a:spcPts val="600"/>
-                </a:spcAft>
-              </a:pPr>
-              <a:t>19</a:t>
-            </a:fld>
-            <a:endParaRPr lang="en-US" sz="1050">
-              <a:solidFill>
-                <a:schemeClr val="tx1">
-                  <a:alpha val="80000"/>
-                </a:schemeClr>
-              </a:solidFill>
-            </a:endParaRPr>
-          </a:p>
-        </p:txBody>
-      </p:sp>
-    </p:spTree>
-    <p:extLst>
-      <p:ext uri="{BB962C8B-B14F-4D97-AF65-F5344CB8AC3E}">
-        <p14:creationId xmlns:p14="http://schemas.microsoft.com/office/powerpoint/2010/main" val="2044832922"/>
       </p:ext>
     </p:extLst>
   </p:cSld>
@@ -9097,6 +8703,1050 @@
   <p:cSld>
     <p:bg>
       <p:bgPr>
+        <a:solidFill>
+          <a:schemeClr val="bg1"/>
+        </a:solidFill>
+        <a:effectLst/>
+      </p:bgPr>
+    </p:bg>
+    <p:spTree>
+      <p:nvGrpSpPr>
+        <p:cNvPr id="1" name=""/>
+        <p:cNvGrpSpPr/>
+        <p:nvPr/>
+      </p:nvGrpSpPr>
+      <p:grpSpPr>
+        <a:xfrm>
+          <a:off x="0" y="0"/>
+          <a:ext cx="0" cy="0"/>
+          <a:chOff x="0" y="0"/>
+          <a:chExt cx="0" cy="0"/>
+        </a:xfrm>
+      </p:grpSpPr>
+      <p:sp>
+        <p:nvSpPr>
+          <p:cNvPr id="14" name="Rectangle 13">
+            <a:extLst>
+              <a:ext uri="{FF2B5EF4-FFF2-40B4-BE49-F238E27FC236}">
+                <a16:creationId xmlns:a16="http://schemas.microsoft.com/office/drawing/2014/main" id="{8D70B121-56F4-4848-B38B-182089D909FA}"/>
+              </a:ext>
+              <a:ext uri="{C183D7F6-B498-43B3-948B-1728B52AA6E4}">
+                <adec:decorative xmlns:adec="http://schemas.microsoft.com/office/drawing/2017/decorative" val="1"/>
+              </a:ext>
+            </a:extLst>
+          </p:cNvPr>
+          <p:cNvSpPr>
+            <a:spLocks noGrp="1" noRot="1" noChangeAspect="1" noMove="1" noResize="1" noEditPoints="1" noAdjustHandles="1" noChangeArrowheads="1" noChangeShapeType="1" noTextEdit="1"/>
+          </p:cNvSpPr>
+          <p:nvPr>
+            <p:extLst>
+              <p:ext uri="{386F3935-93C4-4BCD-93E2-E3B085C9AB24}">
+                <p16:designElem xmlns:p16="http://schemas.microsoft.com/office/powerpoint/2015/main" val="1"/>
+              </p:ext>
+            </p:extLst>
+          </p:nvPr>
+        </p:nvSpPr>
+        <p:spPr bwMode="ltGray">
+          <a:xfrm>
+            <a:off x="321564" y="320040"/>
+            <a:ext cx="11548872" cy="6217920"/>
+          </a:xfrm>
+          <a:prstGeom prst="rect">
+            <a:avLst/>
+          </a:prstGeom>
+          <a:solidFill>
+            <a:schemeClr val="tx1">
+              <a:alpha val="8000"/>
+            </a:schemeClr>
+          </a:solidFill>
+          <a:ln w="127000" cap="sq" cmpd="thinThick">
+            <a:noFill/>
+          </a:ln>
+        </p:spPr>
+        <p:style>
+          <a:lnRef idx="2">
+            <a:schemeClr val="accent1">
+              <a:shade val="50000"/>
+            </a:schemeClr>
+          </a:lnRef>
+          <a:fillRef idx="1">
+            <a:schemeClr val="accent1"/>
+          </a:fillRef>
+          <a:effectRef idx="0">
+            <a:schemeClr val="accent1"/>
+          </a:effectRef>
+          <a:fontRef idx="minor">
+            <a:schemeClr val="lt1"/>
+          </a:fontRef>
+        </p:style>
+        <p:txBody>
+          <a:bodyPr rtlCol="0" anchor="ctr"/>
+          <a:lstStyle/>
+          <a:p>
+            <a:pPr algn="ctr"/>
+            <a:endParaRPr lang="en-US"/>
+          </a:p>
+        </p:txBody>
+      </p:sp>
+      <p:sp>
+        <p:nvSpPr>
+          <p:cNvPr id="3" name="PoleTekstowe 2"/>
+          <p:cNvSpPr txBox="1"/>
+          <p:nvPr/>
+        </p:nvSpPr>
+        <p:spPr>
+          <a:xfrm>
+            <a:off x="838200" y="963877"/>
+            <a:ext cx="3494362" cy="4930246"/>
+          </a:xfrm>
+          <a:prstGeom prst="rect">
+            <a:avLst/>
+          </a:prstGeom>
+        </p:spPr>
+        <p:txBody>
+          <a:bodyPr vert="horz" lIns="91440" tIns="45720" rIns="91440" bIns="45720" rtlCol="0" anchor="ctr">
+            <a:normAutofit/>
+          </a:bodyPr>
+          <a:lstStyle/>
+          <a:p>
+            <a:pPr algn="r">
+              <a:lnSpc>
+                <a:spcPct val="90000"/>
+              </a:lnSpc>
+              <a:spcBef>
+                <a:spcPct val="0"/>
+              </a:spcBef>
+              <a:spcAft>
+                <a:spcPts val="600"/>
+              </a:spcAft>
+            </a:pPr>
+            <a:r>
+              <a:rPr lang="en-US" sz="4400" kern="1200">
+                <a:solidFill>
+                  <a:schemeClr val="accent1"/>
+                </a:solidFill>
+                <a:latin typeface="+mj-lt"/>
+                <a:ea typeface="+mj-ea"/>
+                <a:cs typeface="+mj-cs"/>
+              </a:rPr>
+              <a:t>Wnioski i uwagi</a:t>
+            </a:r>
+          </a:p>
+        </p:txBody>
+      </p:sp>
+      <p:cxnSp>
+        <p:nvCxnSpPr>
+          <p:cNvPr id="26" name="Straight Connector 15">
+            <a:extLst>
+              <a:ext uri="{FF2B5EF4-FFF2-40B4-BE49-F238E27FC236}">
+                <a16:creationId xmlns:a16="http://schemas.microsoft.com/office/drawing/2014/main" id="{2D72A2C9-F3CA-4216-8BAD-FA4C970C3C4E}"/>
+              </a:ext>
+              <a:ext uri="{C183D7F6-B498-43B3-948B-1728B52AA6E4}">
+                <adec:decorative xmlns:adec="http://schemas.microsoft.com/office/drawing/2017/decorative" val="1"/>
+              </a:ext>
+            </a:extLst>
+          </p:cNvPr>
+          <p:cNvCxnSpPr>
+            <a:cxnSpLocks noGrp="1" noRot="1" noChangeAspect="1" noMove="1" noResize="1" noEditPoints="1" noAdjustHandles="1" noChangeArrowheads="1" noChangeShapeType="1"/>
+          </p:cNvCxnSpPr>
+          <p:nvPr>
+            <p:extLst>
+              <p:ext uri="{386F3935-93C4-4BCD-93E2-E3B085C9AB24}">
+                <p16:designElem xmlns:p16="http://schemas.microsoft.com/office/powerpoint/2015/main" val="1"/>
+              </p:ext>
+            </p:extLst>
+          </p:nvPr>
+        </p:nvCxnSpPr>
+        <p:spPr>
+          <a:xfrm>
+            <a:off x="4654296" y="2057400"/>
+            <a:ext cx="0" cy="2743200"/>
+          </a:xfrm>
+          <a:prstGeom prst="line">
+            <a:avLst/>
+          </a:prstGeom>
+          <a:ln w="19050">
+            <a:solidFill>
+              <a:schemeClr val="tx1">
+                <a:lumMod val="85000"/>
+                <a:lumOff val="15000"/>
+              </a:schemeClr>
+            </a:solidFill>
+          </a:ln>
+        </p:spPr>
+        <p:style>
+          <a:lnRef idx="1">
+            <a:schemeClr val="accent1"/>
+          </a:lnRef>
+          <a:fillRef idx="0">
+            <a:schemeClr val="accent1"/>
+          </a:fillRef>
+          <a:effectRef idx="0">
+            <a:schemeClr val="accent1"/>
+          </a:effectRef>
+          <a:fontRef idx="minor">
+            <a:schemeClr val="tx1"/>
+          </a:fontRef>
+        </p:style>
+      </p:cxnSp>
+      <p:sp>
+        <p:nvSpPr>
+          <p:cNvPr id="27" name="pole tekstowe 8">
+            <a:extLst>
+              <a:ext uri="{FF2B5EF4-FFF2-40B4-BE49-F238E27FC236}">
+                <a16:creationId xmlns:a16="http://schemas.microsoft.com/office/drawing/2014/main" id="{61A7C4D0-6BFB-4FD3-950B-9C0E903D40F4}"/>
+              </a:ext>
+            </a:extLst>
+          </p:cNvPr>
+          <p:cNvSpPr txBox="1"/>
+          <p:nvPr/>
+        </p:nvSpPr>
+        <p:spPr>
+          <a:xfrm>
+            <a:off x="4976031" y="963877"/>
+            <a:ext cx="6377769" cy="4930246"/>
+          </a:xfrm>
+          <a:prstGeom prst="rect">
+            <a:avLst/>
+          </a:prstGeom>
+        </p:spPr>
+        <p:txBody>
+          <a:bodyPr vert="horz" lIns="91440" tIns="45720" rIns="91440" bIns="45720" rtlCol="0" anchor="ctr">
+            <a:normAutofit/>
+          </a:bodyPr>
+          <a:lstStyle/>
+          <a:p>
+            <a:pPr marL="742950" lvl="1" indent="-228600">
+              <a:lnSpc>
+                <a:spcPct val="90000"/>
+              </a:lnSpc>
+              <a:spcAft>
+                <a:spcPts val="600"/>
+              </a:spcAft>
+              <a:buFont typeface="Arial" panose="020B0604020202020204" pitchFamily="34" charset="0"/>
+              <a:buChar char="•"/>
+            </a:pPr>
+            <a:r>
+              <a:rPr lang="pl-PL" sz="2400" dirty="0"/>
+              <a:t>Wyniki są zadowalające i pozwalają na wypracowanie zysków na giełdzie.</a:t>
+            </a:r>
+          </a:p>
+          <a:p>
+            <a:pPr marL="742950" lvl="1" indent="-228600">
+              <a:lnSpc>
+                <a:spcPct val="90000"/>
+              </a:lnSpc>
+              <a:spcAft>
+                <a:spcPts val="600"/>
+              </a:spcAft>
+              <a:buFont typeface="Arial" panose="020B0604020202020204" pitchFamily="34" charset="0"/>
+              <a:buChar char="•"/>
+            </a:pPr>
+            <a:r>
+              <a:rPr lang="pl-PL" sz="2400" dirty="0"/>
+              <a:t>Nie wszystkie modele są w stanie efektywnie prognozować trendy giełdowe. Model lasu losowego oraz model SVM nie są w stanie wyznaczyć znacząco lepszych predykcji od klasyfikatora losowego.</a:t>
+            </a:r>
+          </a:p>
+          <a:p>
+            <a:pPr marL="742950" lvl="1" indent="-228600">
+              <a:lnSpc>
+                <a:spcPct val="90000"/>
+              </a:lnSpc>
+              <a:spcAft>
+                <a:spcPts val="600"/>
+              </a:spcAft>
+              <a:buFont typeface="Arial" panose="020B0604020202020204" pitchFamily="34" charset="0"/>
+              <a:buChar char="•"/>
+            </a:pPr>
+            <a:r>
+              <a:rPr lang="pl-PL" sz="2400" dirty="0"/>
+              <a:t>Badania oparto o uproszczony model giełdy, </a:t>
+            </a:r>
+            <a:r>
+              <a:rPr lang="pl-PL" sz="2400"/>
+              <a:t>nieuwzględniający wszystkich czynników mających </a:t>
+            </a:r>
+            <a:r>
+              <a:rPr lang="pl-PL" sz="2400" dirty="0"/>
+              <a:t>wpływ na efektywne decyzje giełdowe.</a:t>
+            </a:r>
+          </a:p>
+          <a:p>
+            <a:pPr marL="742950" lvl="1" indent="-228600">
+              <a:lnSpc>
+                <a:spcPct val="90000"/>
+              </a:lnSpc>
+              <a:spcAft>
+                <a:spcPts val="600"/>
+              </a:spcAft>
+              <a:buFont typeface="Arial" panose="020B0604020202020204" pitchFamily="34" charset="0"/>
+              <a:buChar char="•"/>
+            </a:pPr>
+            <a:endParaRPr lang="pl-PL" sz="2400" dirty="0"/>
+          </a:p>
+        </p:txBody>
+      </p:sp>
+      <p:sp>
+        <p:nvSpPr>
+          <p:cNvPr id="5" name="Symbol zastępczy numeru slajdu 4"/>
+          <p:cNvSpPr>
+            <a:spLocks noGrp="1"/>
+          </p:cNvSpPr>
+          <p:nvPr>
+            <p:ph type="sldNum" sz="quarter" idx="12"/>
+          </p:nvPr>
+        </p:nvSpPr>
+        <p:spPr>
+          <a:xfrm>
+            <a:off x="10571516" y="6033479"/>
+            <a:ext cx="782283" cy="365125"/>
+          </a:xfrm>
+        </p:spPr>
+        <p:txBody>
+          <a:bodyPr vert="horz" lIns="91440" tIns="45720" rIns="91440" bIns="45720" rtlCol="0" anchor="ctr">
+            <a:normAutofit/>
+          </a:bodyPr>
+          <a:lstStyle/>
+          <a:p>
+            <a:pPr>
+              <a:spcAft>
+                <a:spcPts val="600"/>
+              </a:spcAft>
+            </a:pPr>
+            <a:fld id="{F35BE31D-8307-A84B-9D2D-2944E6584EB9}" type="slidenum">
+              <a:rPr lang="en-US" sz="1050">
+                <a:solidFill>
+                  <a:schemeClr val="tx1">
+                    <a:alpha val="80000"/>
+                  </a:schemeClr>
+                </a:solidFill>
+              </a:rPr>
+              <a:pPr>
+                <a:spcAft>
+                  <a:spcPts val="600"/>
+                </a:spcAft>
+              </a:pPr>
+              <a:t>20</a:t>
+            </a:fld>
+            <a:endParaRPr lang="en-US" sz="1050">
+              <a:solidFill>
+                <a:schemeClr val="tx1">
+                  <a:alpha val="80000"/>
+                </a:schemeClr>
+              </a:solidFill>
+            </a:endParaRPr>
+          </a:p>
+        </p:txBody>
+      </p:sp>
+    </p:spTree>
+    <p:extLst>
+      <p:ext uri="{BB962C8B-B14F-4D97-AF65-F5344CB8AC3E}">
+        <p14:creationId xmlns:p14="http://schemas.microsoft.com/office/powerpoint/2010/main" val="2563505106"/>
+      </p:ext>
+    </p:extLst>
+  </p:cSld>
+  <p:clrMapOvr>
+    <a:masterClrMapping/>
+  </p:clrMapOvr>
+</p:sld>
+</file>
+
+<file path=ppt/slides/slide21.xml><?xml version="1.0" encoding="utf-8"?>
+<p:sld xmlns:a="http://schemas.openxmlformats.org/drawingml/2006/main" xmlns:r="http://schemas.openxmlformats.org/officeDocument/2006/relationships" xmlns:p="http://schemas.openxmlformats.org/presentationml/2006/main">
+  <p:cSld>
+    <p:bg>
+      <p:bgPr>
+        <a:solidFill>
+          <a:schemeClr val="bg1"/>
+        </a:solidFill>
+        <a:effectLst/>
+      </p:bgPr>
+    </p:bg>
+    <p:spTree>
+      <p:nvGrpSpPr>
+        <p:cNvPr id="1" name=""/>
+        <p:cNvGrpSpPr/>
+        <p:nvPr/>
+      </p:nvGrpSpPr>
+      <p:grpSpPr>
+        <a:xfrm>
+          <a:off x="0" y="0"/>
+          <a:ext cx="0" cy="0"/>
+          <a:chOff x="0" y="0"/>
+          <a:chExt cx="0" cy="0"/>
+        </a:xfrm>
+      </p:grpSpPr>
+      <p:sp>
+        <p:nvSpPr>
+          <p:cNvPr id="13" name="Rectangle 12">
+            <a:extLst>
+              <a:ext uri="{FF2B5EF4-FFF2-40B4-BE49-F238E27FC236}">
+                <a16:creationId xmlns:a16="http://schemas.microsoft.com/office/drawing/2014/main" id="{8D70B121-56F4-4848-B38B-182089D909FA}"/>
+              </a:ext>
+              <a:ext uri="{C183D7F6-B498-43B3-948B-1728B52AA6E4}">
+                <adec:decorative xmlns:adec="http://schemas.microsoft.com/office/drawing/2017/decorative" val="1"/>
+              </a:ext>
+            </a:extLst>
+          </p:cNvPr>
+          <p:cNvSpPr>
+            <a:spLocks noGrp="1" noRot="1" noChangeAspect="1" noMove="1" noResize="1" noEditPoints="1" noAdjustHandles="1" noChangeArrowheads="1" noChangeShapeType="1" noTextEdit="1"/>
+          </p:cNvSpPr>
+          <p:nvPr>
+            <p:extLst>
+              <p:ext uri="{386F3935-93C4-4BCD-93E2-E3B085C9AB24}">
+                <p16:designElem xmlns:p16="http://schemas.microsoft.com/office/powerpoint/2015/main" val="1"/>
+              </p:ext>
+            </p:extLst>
+          </p:nvPr>
+        </p:nvSpPr>
+        <p:spPr bwMode="ltGray">
+          <a:xfrm>
+            <a:off x="321564" y="320040"/>
+            <a:ext cx="11548872" cy="6217920"/>
+          </a:xfrm>
+          <a:prstGeom prst="rect">
+            <a:avLst/>
+          </a:prstGeom>
+          <a:solidFill>
+            <a:schemeClr val="tx1">
+              <a:alpha val="8000"/>
+            </a:schemeClr>
+          </a:solidFill>
+          <a:ln w="127000" cap="sq" cmpd="thinThick">
+            <a:noFill/>
+          </a:ln>
+        </p:spPr>
+        <p:style>
+          <a:lnRef idx="2">
+            <a:schemeClr val="accent1">
+              <a:shade val="50000"/>
+            </a:schemeClr>
+          </a:lnRef>
+          <a:fillRef idx="1">
+            <a:schemeClr val="accent1"/>
+          </a:fillRef>
+          <a:effectRef idx="0">
+            <a:schemeClr val="accent1"/>
+          </a:effectRef>
+          <a:fontRef idx="minor">
+            <a:schemeClr val="lt1"/>
+          </a:fontRef>
+        </p:style>
+        <p:txBody>
+          <a:bodyPr rtlCol="0" anchor="ctr"/>
+          <a:lstStyle/>
+          <a:p>
+            <a:pPr algn="ctr"/>
+            <a:endParaRPr lang="en-US"/>
+          </a:p>
+        </p:txBody>
+      </p:sp>
+      <p:sp>
+        <p:nvSpPr>
+          <p:cNvPr id="3" name="PoleTekstowe 2"/>
+          <p:cNvSpPr txBox="1"/>
+          <p:nvPr/>
+        </p:nvSpPr>
+        <p:spPr>
+          <a:xfrm>
+            <a:off x="838200" y="963877"/>
+            <a:ext cx="3494362" cy="4930246"/>
+          </a:xfrm>
+          <a:prstGeom prst="rect">
+            <a:avLst/>
+          </a:prstGeom>
+        </p:spPr>
+        <p:txBody>
+          <a:bodyPr vert="horz" lIns="91440" tIns="45720" rIns="91440" bIns="45720" rtlCol="0" anchor="ctr">
+            <a:normAutofit/>
+          </a:bodyPr>
+          <a:lstStyle/>
+          <a:p>
+            <a:pPr algn="r">
+              <a:lnSpc>
+                <a:spcPct val="90000"/>
+              </a:lnSpc>
+              <a:spcBef>
+                <a:spcPct val="0"/>
+              </a:spcBef>
+              <a:spcAft>
+                <a:spcPts val="600"/>
+              </a:spcAft>
+            </a:pPr>
+            <a:r>
+              <a:rPr lang="en-US" sz="4400" kern="1200" dirty="0" err="1">
+                <a:solidFill>
+                  <a:schemeClr val="accent1"/>
+                </a:solidFill>
+                <a:latin typeface="+mj-lt"/>
+                <a:ea typeface="+mj-ea"/>
+                <a:cs typeface="+mj-cs"/>
+              </a:rPr>
+              <a:t>Kierunki</a:t>
+            </a:r>
+            <a:r>
+              <a:rPr lang="en-US" sz="4400" kern="1200" dirty="0">
+                <a:solidFill>
+                  <a:schemeClr val="accent1"/>
+                </a:solidFill>
+                <a:latin typeface="+mj-lt"/>
+                <a:ea typeface="+mj-ea"/>
+                <a:cs typeface="+mj-cs"/>
+              </a:rPr>
+              <a:t> </a:t>
+            </a:r>
+            <a:r>
+              <a:rPr lang="en-US" sz="4400" kern="1200" dirty="0" err="1">
+                <a:solidFill>
+                  <a:schemeClr val="accent1"/>
+                </a:solidFill>
+                <a:latin typeface="+mj-lt"/>
+                <a:ea typeface="+mj-ea"/>
+                <a:cs typeface="+mj-cs"/>
+              </a:rPr>
+              <a:t>dalszych</a:t>
+            </a:r>
+            <a:r>
+              <a:rPr lang="en-US" sz="4400" kern="1200" dirty="0">
+                <a:solidFill>
+                  <a:schemeClr val="accent1"/>
+                </a:solidFill>
+                <a:latin typeface="+mj-lt"/>
+                <a:ea typeface="+mj-ea"/>
+                <a:cs typeface="+mj-cs"/>
+              </a:rPr>
+              <a:t> </a:t>
+            </a:r>
+            <a:r>
+              <a:rPr lang="en-US" sz="4400" kern="1200" dirty="0" err="1">
+                <a:solidFill>
+                  <a:schemeClr val="accent1"/>
+                </a:solidFill>
+                <a:latin typeface="+mj-lt"/>
+                <a:ea typeface="+mj-ea"/>
+                <a:cs typeface="+mj-cs"/>
+              </a:rPr>
+              <a:t>badań</a:t>
+            </a:r>
+            <a:endParaRPr lang="en-US" sz="4400" kern="1200" dirty="0">
+              <a:solidFill>
+                <a:schemeClr val="accent1"/>
+              </a:solidFill>
+              <a:latin typeface="+mj-lt"/>
+              <a:ea typeface="+mj-ea"/>
+              <a:cs typeface="+mj-cs"/>
+            </a:endParaRPr>
+          </a:p>
+        </p:txBody>
+      </p:sp>
+      <p:cxnSp>
+        <p:nvCxnSpPr>
+          <p:cNvPr id="15" name="Straight Connector 14">
+            <a:extLst>
+              <a:ext uri="{FF2B5EF4-FFF2-40B4-BE49-F238E27FC236}">
+                <a16:creationId xmlns:a16="http://schemas.microsoft.com/office/drawing/2014/main" id="{2D72A2C9-F3CA-4216-8BAD-FA4C970C3C4E}"/>
+              </a:ext>
+              <a:ext uri="{C183D7F6-B498-43B3-948B-1728B52AA6E4}">
+                <adec:decorative xmlns:adec="http://schemas.microsoft.com/office/drawing/2017/decorative" val="1"/>
+              </a:ext>
+            </a:extLst>
+          </p:cNvPr>
+          <p:cNvCxnSpPr>
+            <a:cxnSpLocks noGrp="1" noRot="1" noChangeAspect="1" noMove="1" noResize="1" noEditPoints="1" noAdjustHandles="1" noChangeArrowheads="1" noChangeShapeType="1"/>
+          </p:cNvCxnSpPr>
+          <p:nvPr>
+            <p:extLst>
+              <p:ext uri="{386F3935-93C4-4BCD-93E2-E3B085C9AB24}">
+                <p16:designElem xmlns:p16="http://schemas.microsoft.com/office/powerpoint/2015/main" val="1"/>
+              </p:ext>
+            </p:extLst>
+          </p:nvPr>
+        </p:nvCxnSpPr>
+        <p:spPr>
+          <a:xfrm>
+            <a:off x="4654296" y="2057400"/>
+            <a:ext cx="0" cy="2743200"/>
+          </a:xfrm>
+          <a:prstGeom prst="line">
+            <a:avLst/>
+          </a:prstGeom>
+          <a:ln w="19050">
+            <a:solidFill>
+              <a:schemeClr val="tx1">
+                <a:lumMod val="85000"/>
+                <a:lumOff val="15000"/>
+              </a:schemeClr>
+            </a:solidFill>
+          </a:ln>
+        </p:spPr>
+        <p:style>
+          <a:lnRef idx="1">
+            <a:schemeClr val="accent1"/>
+          </a:lnRef>
+          <a:fillRef idx="0">
+            <a:schemeClr val="accent1"/>
+          </a:fillRef>
+          <a:effectRef idx="0">
+            <a:schemeClr val="accent1"/>
+          </a:effectRef>
+          <a:fontRef idx="minor">
+            <a:schemeClr val="tx1"/>
+          </a:fontRef>
+        </p:style>
+      </p:cxnSp>
+      <p:sp>
+        <p:nvSpPr>
+          <p:cNvPr id="8" name="pole tekstowe 7">
+            <a:extLst>
+              <a:ext uri="{FF2B5EF4-FFF2-40B4-BE49-F238E27FC236}">
+                <a16:creationId xmlns:a16="http://schemas.microsoft.com/office/drawing/2014/main" id="{E3F29175-2F47-4A6F-AE1B-730D33DAB65B}"/>
+              </a:ext>
+            </a:extLst>
+          </p:cNvPr>
+          <p:cNvSpPr txBox="1"/>
+          <p:nvPr/>
+        </p:nvSpPr>
+        <p:spPr>
+          <a:xfrm>
+            <a:off x="4976031" y="963877"/>
+            <a:ext cx="6377769" cy="4930246"/>
+          </a:xfrm>
+          <a:prstGeom prst="rect">
+            <a:avLst/>
+          </a:prstGeom>
+        </p:spPr>
+        <p:txBody>
+          <a:bodyPr vert="horz" lIns="91440" tIns="45720" rIns="91440" bIns="45720" rtlCol="0" anchor="ctr">
+            <a:normAutofit/>
+          </a:bodyPr>
+          <a:lstStyle/>
+          <a:p>
+            <a:pPr marL="742950" lvl="1" indent="-228600">
+              <a:lnSpc>
+                <a:spcPct val="90000"/>
+              </a:lnSpc>
+              <a:spcAft>
+                <a:spcPts val="600"/>
+              </a:spcAft>
+              <a:buFont typeface="Arial" panose="020B0604020202020204" pitchFamily="34" charset="0"/>
+              <a:buChar char="•"/>
+            </a:pPr>
+            <a:r>
+              <a:rPr lang="pl-PL" sz="2400" dirty="0"/>
+              <a:t>R</a:t>
+            </a:r>
+            <a:r>
+              <a:rPr lang="en-US" sz="2400" dirty="0" err="1"/>
+              <a:t>ozwinięcie</a:t>
+            </a:r>
+            <a:r>
+              <a:rPr lang="en-US" sz="2400" dirty="0"/>
+              <a:t> </a:t>
+            </a:r>
+            <a:r>
+              <a:rPr lang="en-US" sz="2400" dirty="0" err="1"/>
+              <a:t>algorytmu</a:t>
+            </a:r>
+            <a:r>
+              <a:rPr lang="en-US" sz="2400" dirty="0"/>
+              <a:t> </a:t>
+            </a:r>
+            <a:r>
+              <a:rPr lang="en-US" sz="2400" dirty="0" err="1"/>
+              <a:t>handlującego</a:t>
+            </a:r>
+            <a:r>
+              <a:rPr lang="en-US" sz="2400" dirty="0"/>
+              <a:t> o </a:t>
+            </a:r>
+            <a:r>
+              <a:rPr lang="en-US" sz="2400" dirty="0" err="1"/>
+              <a:t>metody</a:t>
+            </a:r>
+            <a:r>
+              <a:rPr lang="en-US" sz="2400" dirty="0"/>
+              <a:t>  </a:t>
+            </a:r>
+            <a:r>
+              <a:rPr lang="en-US" sz="2400" dirty="0" err="1"/>
+              <a:t>zarządzania</a:t>
+            </a:r>
+            <a:r>
+              <a:rPr lang="en-US" sz="2400" dirty="0"/>
+              <a:t> </a:t>
+            </a:r>
+            <a:r>
+              <a:rPr lang="en-US" sz="2400" dirty="0" err="1"/>
+              <a:t>portfelem</a:t>
+            </a:r>
+            <a:r>
+              <a:rPr lang="pl-PL" sz="2400" dirty="0"/>
+              <a:t>,</a:t>
+            </a:r>
+            <a:r>
+              <a:rPr lang="en-US" sz="2400" dirty="0"/>
+              <a:t> np. stop loss</a:t>
+            </a:r>
+            <a:r>
+              <a:rPr lang="pl-PL" sz="2400" dirty="0"/>
+              <a:t>.</a:t>
+            </a:r>
+            <a:endParaRPr lang="en-US" sz="2400" dirty="0"/>
+          </a:p>
+          <a:p>
+            <a:pPr marL="742950" lvl="1" indent="-228600">
+              <a:lnSpc>
+                <a:spcPct val="90000"/>
+              </a:lnSpc>
+              <a:spcAft>
+                <a:spcPts val="600"/>
+              </a:spcAft>
+              <a:buFont typeface="Arial" panose="020B0604020202020204" pitchFamily="34" charset="0"/>
+              <a:buChar char="•"/>
+            </a:pPr>
+            <a:r>
+              <a:rPr lang="pl-PL" sz="2400" dirty="0"/>
+              <a:t>R</a:t>
+            </a:r>
+            <a:r>
+              <a:rPr lang="en-US" sz="2400" dirty="0" err="1"/>
+              <a:t>ozszerzenie</a:t>
+            </a:r>
+            <a:r>
+              <a:rPr lang="en-US" sz="2400" dirty="0"/>
+              <a:t> </a:t>
+            </a:r>
+            <a:r>
+              <a:rPr lang="en-US" sz="2400" dirty="0" err="1"/>
+              <a:t>pracy</a:t>
+            </a:r>
+            <a:r>
+              <a:rPr lang="en-US" sz="2400" dirty="0"/>
+              <a:t> o </a:t>
+            </a:r>
+            <a:r>
+              <a:rPr lang="en-US" sz="2400" dirty="0" err="1"/>
+              <a:t>zagadnienia</a:t>
+            </a:r>
+            <a:r>
+              <a:rPr lang="en-US" sz="2400" dirty="0"/>
+              <a:t> </a:t>
+            </a:r>
+            <a:r>
+              <a:rPr lang="en-US" sz="2400" dirty="0" err="1"/>
+              <a:t>ograniczania</a:t>
+            </a:r>
+            <a:r>
+              <a:rPr lang="en-US" sz="2400" dirty="0"/>
+              <a:t> </a:t>
+            </a:r>
+            <a:r>
+              <a:rPr lang="en-US" sz="2400" dirty="0" err="1"/>
+              <a:t>ryzyka</a:t>
+            </a:r>
+            <a:r>
+              <a:rPr lang="pl-PL" sz="2400" dirty="0"/>
+              <a:t>.</a:t>
+            </a:r>
+            <a:endParaRPr lang="en-US" sz="2400" dirty="0"/>
+          </a:p>
+          <a:p>
+            <a:pPr marL="742950" lvl="1" indent="-228600">
+              <a:lnSpc>
+                <a:spcPct val="90000"/>
+              </a:lnSpc>
+              <a:spcAft>
+                <a:spcPts val="600"/>
+              </a:spcAft>
+              <a:buFont typeface="Arial" panose="020B0604020202020204" pitchFamily="34" charset="0"/>
+              <a:buChar char="•"/>
+            </a:pPr>
+            <a:r>
+              <a:rPr lang="pl-PL" sz="2400" dirty="0"/>
+              <a:t>Badania</a:t>
+            </a:r>
+            <a:r>
+              <a:rPr lang="en-US" sz="2400" dirty="0"/>
+              <a:t> </a:t>
+            </a:r>
+            <a:r>
+              <a:rPr lang="en-US" sz="2400" dirty="0" err="1"/>
+              <a:t>nad</a:t>
+            </a:r>
+            <a:r>
+              <a:rPr lang="en-US" sz="2400" dirty="0"/>
+              <a:t> </a:t>
+            </a:r>
+            <a:r>
+              <a:rPr lang="en-US" sz="2400" dirty="0" err="1"/>
+              <a:t>doborem</a:t>
+            </a:r>
+            <a:r>
+              <a:rPr lang="en-US" sz="2400" dirty="0"/>
+              <a:t> </a:t>
+            </a:r>
+            <a:r>
+              <a:rPr lang="en-US" sz="2400" dirty="0" err="1"/>
+              <a:t>spółek</a:t>
+            </a:r>
+            <a:r>
+              <a:rPr lang="en-US" sz="2400" dirty="0"/>
+              <a:t> </a:t>
+            </a:r>
+            <a:r>
+              <a:rPr lang="en-US" sz="2400" dirty="0" err="1"/>
+              <a:t>giełdowych</a:t>
+            </a:r>
+            <a:r>
+              <a:rPr lang="pl-PL" sz="2400" dirty="0"/>
+              <a:t>.</a:t>
+            </a:r>
+            <a:endParaRPr lang="en-US" sz="2400" dirty="0"/>
+          </a:p>
+          <a:p>
+            <a:pPr marL="742950" lvl="1" indent="-228600">
+              <a:lnSpc>
+                <a:spcPct val="90000"/>
+              </a:lnSpc>
+              <a:spcAft>
+                <a:spcPts val="600"/>
+              </a:spcAft>
+              <a:buFont typeface="Arial" panose="020B0604020202020204" pitchFamily="34" charset="0"/>
+              <a:buChar char="•"/>
+            </a:pPr>
+            <a:r>
+              <a:rPr lang="pl-PL" sz="2400" dirty="0"/>
+              <a:t>A</a:t>
+            </a:r>
+            <a:r>
+              <a:rPr lang="en-US" sz="2400" dirty="0" err="1"/>
+              <a:t>naliza</a:t>
+            </a:r>
+            <a:r>
+              <a:rPr lang="en-US" sz="2400" dirty="0"/>
+              <a:t> </a:t>
+            </a:r>
+            <a:r>
+              <a:rPr lang="pl-PL" sz="2400" dirty="0"/>
+              <a:t>oszacowania</a:t>
+            </a:r>
+            <a:r>
+              <a:rPr lang="en-US" sz="2400" dirty="0"/>
+              <a:t> </a:t>
+            </a:r>
+            <a:r>
+              <a:rPr lang="en-US" sz="2400" dirty="0" err="1"/>
+              <a:t>progu</a:t>
+            </a:r>
+            <a:r>
+              <a:rPr lang="en-US" sz="2400" dirty="0"/>
+              <a:t> </a:t>
+            </a:r>
+            <a:r>
+              <a:rPr lang="en-US" sz="2400" dirty="0" err="1"/>
+              <a:t>dla</a:t>
+            </a:r>
+            <a:r>
+              <a:rPr lang="en-US" sz="2400" dirty="0"/>
+              <a:t> </a:t>
+            </a:r>
+            <a:r>
+              <a:rPr lang="en-US" sz="2400" dirty="0" err="1"/>
+              <a:t>klasy</a:t>
+            </a:r>
+            <a:r>
+              <a:rPr lang="en-US" sz="2400" dirty="0"/>
+              <a:t> </a:t>
+            </a:r>
+            <a:r>
+              <a:rPr lang="en-US" sz="2400" dirty="0" err="1"/>
+              <a:t>utrzymania</a:t>
+            </a:r>
+            <a:r>
+              <a:rPr lang="pl-PL" sz="2400" dirty="0"/>
+              <a:t>.</a:t>
+            </a:r>
+            <a:endParaRPr lang="en-US" sz="2400" dirty="0"/>
+          </a:p>
+          <a:p>
+            <a:pPr marL="742950" lvl="1" indent="-228600">
+              <a:lnSpc>
+                <a:spcPct val="90000"/>
+              </a:lnSpc>
+              <a:spcAft>
+                <a:spcPts val="600"/>
+              </a:spcAft>
+              <a:buFont typeface="Arial" panose="020B0604020202020204" pitchFamily="34" charset="0"/>
+              <a:buChar char="•"/>
+            </a:pPr>
+            <a:r>
+              <a:rPr lang="pl-PL" sz="2400" dirty="0"/>
+              <a:t>A</a:t>
+            </a:r>
+            <a:r>
+              <a:rPr lang="en-US" sz="2400" dirty="0" err="1"/>
+              <a:t>naliza</a:t>
+            </a:r>
+            <a:r>
+              <a:rPr lang="en-US" sz="2400" dirty="0"/>
+              <a:t> </a:t>
+            </a:r>
+            <a:r>
+              <a:rPr lang="en-US" sz="2400" dirty="0" err="1"/>
+              <a:t>predykcji</a:t>
+            </a:r>
+            <a:r>
+              <a:rPr lang="en-US" sz="2400" dirty="0"/>
+              <a:t> w </a:t>
+            </a:r>
+            <a:r>
+              <a:rPr lang="en-US" sz="2400" dirty="0" err="1"/>
+              <a:t>innym</a:t>
+            </a:r>
+            <a:r>
+              <a:rPr lang="en-US" sz="2400" dirty="0"/>
+              <a:t> </a:t>
+            </a:r>
+            <a:r>
+              <a:rPr lang="en-US" sz="2400" dirty="0" err="1"/>
+              <a:t>przedziale</a:t>
+            </a:r>
+            <a:r>
+              <a:rPr lang="en-US" sz="2400" dirty="0"/>
+              <a:t> </a:t>
+            </a:r>
+            <a:r>
+              <a:rPr lang="en-US" sz="2400" dirty="0" err="1"/>
+              <a:t>czasowym</a:t>
+            </a:r>
+            <a:r>
+              <a:rPr lang="en-US" sz="2400" dirty="0"/>
+              <a:t> (np. </a:t>
+            </a:r>
+            <a:r>
+              <a:rPr lang="en-US" sz="2400" dirty="0" err="1"/>
+              <a:t>predykcja</a:t>
+            </a:r>
+            <a:r>
+              <a:rPr lang="en-US" sz="2400" dirty="0"/>
+              <a:t> </a:t>
+            </a:r>
+            <a:r>
+              <a:rPr lang="en-US" sz="2400" dirty="0" err="1"/>
+              <a:t>tygodniowa</a:t>
+            </a:r>
+            <a:r>
+              <a:rPr lang="pl-PL" sz="2400" dirty="0"/>
+              <a:t>.</a:t>
+            </a:r>
+            <a:endParaRPr lang="en-US" sz="2400" dirty="0"/>
+          </a:p>
+          <a:p>
+            <a:pPr marL="742950" lvl="1" indent="-228600">
+              <a:lnSpc>
+                <a:spcPct val="90000"/>
+              </a:lnSpc>
+              <a:spcAft>
+                <a:spcPts val="600"/>
+              </a:spcAft>
+              <a:buFont typeface="Arial" panose="020B0604020202020204" pitchFamily="34" charset="0"/>
+              <a:buChar char="•"/>
+            </a:pPr>
+            <a:r>
+              <a:rPr lang="pl-PL" sz="2400" dirty="0"/>
+              <a:t>Rozwój i ulepszanie klasyfikatorów</a:t>
+            </a:r>
+            <a:r>
+              <a:rPr lang="en-US" sz="2400" dirty="0"/>
+              <a:t>.</a:t>
+            </a:r>
+            <a:endParaRPr lang="pl-PL" sz="2400" dirty="0"/>
+          </a:p>
+          <a:p>
+            <a:pPr marL="742950" lvl="1" indent="-228600">
+              <a:lnSpc>
+                <a:spcPct val="90000"/>
+              </a:lnSpc>
+              <a:spcAft>
+                <a:spcPts val="600"/>
+              </a:spcAft>
+              <a:buFont typeface="Arial" panose="020B0604020202020204" pitchFamily="34" charset="0"/>
+              <a:buChar char="•"/>
+            </a:pPr>
+            <a:endParaRPr lang="en-US" sz="2400" dirty="0"/>
+          </a:p>
+        </p:txBody>
+      </p:sp>
+      <p:sp>
+        <p:nvSpPr>
+          <p:cNvPr id="5" name="Symbol zastępczy numeru slajdu 4"/>
+          <p:cNvSpPr>
+            <a:spLocks noGrp="1"/>
+          </p:cNvSpPr>
+          <p:nvPr>
+            <p:ph type="sldNum" sz="quarter" idx="12"/>
+          </p:nvPr>
+        </p:nvSpPr>
+        <p:spPr>
+          <a:xfrm>
+            <a:off x="10571516" y="6033479"/>
+            <a:ext cx="782283" cy="365125"/>
+          </a:xfrm>
+        </p:spPr>
+        <p:txBody>
+          <a:bodyPr vert="horz" lIns="91440" tIns="45720" rIns="91440" bIns="45720" rtlCol="0" anchor="ctr">
+            <a:normAutofit/>
+          </a:bodyPr>
+          <a:lstStyle/>
+          <a:p>
+            <a:pPr>
+              <a:spcAft>
+                <a:spcPts val="600"/>
+              </a:spcAft>
+            </a:pPr>
+            <a:fld id="{F35BE31D-8307-A84B-9D2D-2944E6584EB9}" type="slidenum">
+              <a:rPr lang="en-US" sz="1050">
+                <a:solidFill>
+                  <a:schemeClr val="tx1">
+                    <a:alpha val="80000"/>
+                  </a:schemeClr>
+                </a:solidFill>
+              </a:rPr>
+              <a:pPr>
+                <a:spcAft>
+                  <a:spcPts val="600"/>
+                </a:spcAft>
+              </a:pPr>
+              <a:t>21</a:t>
+            </a:fld>
+            <a:endParaRPr lang="en-US" sz="1050">
+              <a:solidFill>
+                <a:schemeClr val="tx1">
+                  <a:alpha val="80000"/>
+                </a:schemeClr>
+              </a:solidFill>
+            </a:endParaRPr>
+          </a:p>
+        </p:txBody>
+      </p:sp>
+    </p:spTree>
+    <p:extLst>
+      <p:ext uri="{BB962C8B-B14F-4D97-AF65-F5344CB8AC3E}">
+        <p14:creationId xmlns:p14="http://schemas.microsoft.com/office/powerpoint/2010/main" val="2044832922"/>
+      </p:ext>
+    </p:extLst>
+  </p:cSld>
+  <p:clrMapOvr>
+    <a:masterClrMapping/>
+  </p:clrMapOvr>
+</p:sld>
+</file>
+
+<file path=ppt/slides/slide22.xml><?xml version="1.0" encoding="utf-8"?>
+<p:sld xmlns:a="http://schemas.openxmlformats.org/drawingml/2006/main" xmlns:r="http://schemas.openxmlformats.org/officeDocument/2006/relationships" xmlns:p="http://schemas.openxmlformats.org/presentationml/2006/main">
+  <p:cSld>
+    <p:bg>
+      <p:bgPr>
         <a:blipFill dpi="0" rotWithShape="1">
           <a:blip r:embed="rId2" cstate="screen">
             <a:lum/>
@@ -9262,7 +9912,7 @@
                 <a:ea typeface="Adagio_Slab" charset="0"/>
                 <a:cs typeface="Adagio_Slab" charset="0"/>
               </a:rPr>
-              <a:t>Głównym celem pracy jest opracowanie metodyki porównania algorytmów prognozy do wspomagania decyzji giełdowych, a takie opracowanie wykorzystać do realizacji programu wspomagającego niedoświadczonych inwestorów.</a:t>
+              <a:t>Głównym celem pracy jest opracowanie metodyki porównania algorytmów prognozy do wspomagania decyzji giełdowych, a także opracowanie programu wspomagającego inwestorów.</a:t>
             </a:r>
           </a:p>
         </p:txBody>
@@ -9410,7 +10060,7 @@
             </a:pPr>
             <a:r>
               <a:rPr lang="pl-PL" sz="2400" dirty="0"/>
-              <a:t>ilość akcji w obrocie,</a:t>
+              <a:t>liczba akcji w obrocie,</a:t>
             </a:r>
           </a:p>
           <a:p>
@@ -9608,8 +10258,8 @@
         </p:nvSpPr>
         <p:spPr>
           <a:xfrm>
-            <a:off x="643468" y="2638043"/>
-            <a:ext cx="3363974" cy="3415623"/>
+            <a:off x="520700" y="2853844"/>
+            <a:ext cx="3873500" cy="1989506"/>
           </a:xfrm>
           <a:prstGeom prst="rect">
             <a:avLst/>
@@ -9632,7 +10282,7 @@
               <a:buChar char="•"/>
             </a:pPr>
             <a:r>
-              <a:rPr lang="pl-PL" sz="2000"/>
+              <a:rPr lang="pl-PL" sz="2000" dirty="0"/>
               <a:t>Dane podstawowe</a:t>
             </a:r>
           </a:p>
@@ -9648,9 +10298,26 @@
               <a:buChar char="•"/>
             </a:pPr>
             <a:r>
-              <a:rPr lang="en-US" sz="2000"/>
-              <a:t>Dane analizy fundamentalnej</a:t>
-            </a:r>
+              <a:rPr lang="en-US" sz="2000" dirty="0"/>
+              <a:t>Dane </a:t>
+            </a:r>
+            <a:r>
+              <a:rPr lang="pl-PL" sz="2000" dirty="0"/>
+              <a:t>do </a:t>
+            </a:r>
+            <a:r>
+              <a:rPr lang="en-US" sz="2000" dirty="0" err="1"/>
+              <a:t>analizy</a:t>
+            </a:r>
+            <a:r>
+              <a:rPr lang="en-US" sz="2000" dirty="0"/>
+              <a:t> </a:t>
+            </a:r>
+            <a:r>
+              <a:rPr lang="en-US" sz="2000" dirty="0" err="1"/>
+              <a:t>fundamentalnej</a:t>
+            </a:r>
+            <a:endParaRPr lang="en-US" sz="2000" dirty="0"/>
           </a:p>
           <a:p>
             <a:pPr marL="285750" indent="-228600">
@@ -9664,9 +10331,22 @@
               <a:buChar char="•"/>
             </a:pPr>
             <a:r>
-              <a:rPr lang="en-US" sz="2000"/>
-              <a:t>Dane analizy technicznej</a:t>
-            </a:r>
+              <a:rPr lang="en-US" sz="2000" dirty="0"/>
+              <a:t>Dane </a:t>
+            </a:r>
+            <a:r>
+              <a:rPr lang="en-US" sz="2000" dirty="0" err="1"/>
+              <a:t>analizy</a:t>
+            </a:r>
+            <a:r>
+              <a:rPr lang="en-US" sz="2000" dirty="0"/>
+              <a:t> </a:t>
+            </a:r>
+            <a:r>
+              <a:rPr lang="en-US" sz="2000" dirty="0" err="1"/>
+              <a:t>technicznej</a:t>
+            </a:r>
+            <a:endParaRPr lang="en-US" sz="2000" dirty="0"/>
           </a:p>
           <a:p>
             <a:pPr marL="285750" indent="-228600">
@@ -9680,11 +10360,11 @@
               <a:buChar char="•"/>
             </a:pPr>
             <a:r>
-              <a:rPr lang="en-US" sz="2000"/>
+              <a:rPr lang="en-US" sz="2000" dirty="0"/>
               <a:t>Dane </a:t>
             </a:r>
             <a:r>
-              <a:rPr lang="pl-PL" sz="2000"/>
+              <a:rPr lang="pl-PL" sz="2000" dirty="0"/>
               <a:t>analizy sentymentu</a:t>
             </a:r>
             <a:endParaRPr lang="en-US" sz="2000" dirty="0"/>
